--- a/slides/w6p1-knn/w6p1.pptx
+++ b/slides/w6p1-knn/w6p1.pptx
@@ -48,23 +48,24 @@
     <p:sldId id="424" r:id="rId42"/>
     <p:sldId id="389" r:id="rId43"/>
     <p:sldId id="397" r:id="rId44"/>
-    <p:sldId id="398" r:id="rId45"/>
-    <p:sldId id="404" r:id="rId46"/>
-    <p:sldId id="405" r:id="rId47"/>
-    <p:sldId id="406" r:id="rId48"/>
-    <p:sldId id="407" r:id="rId49"/>
-    <p:sldId id="408" r:id="rId50"/>
-    <p:sldId id="409" r:id="rId51"/>
-    <p:sldId id="410" r:id="rId52"/>
-    <p:sldId id="425" r:id="rId53"/>
-    <p:sldId id="387" r:id="rId54"/>
-    <p:sldId id="426" r:id="rId55"/>
-    <p:sldId id="427" r:id="rId56"/>
-    <p:sldId id="428" r:id="rId57"/>
-    <p:sldId id="429" r:id="rId58"/>
-    <p:sldId id="430" r:id="rId59"/>
-    <p:sldId id="370" r:id="rId60"/>
-    <p:sldId id="371" r:id="rId61"/>
+    <p:sldId id="432" r:id="rId45"/>
+    <p:sldId id="398" r:id="rId46"/>
+    <p:sldId id="404" r:id="rId47"/>
+    <p:sldId id="405" r:id="rId48"/>
+    <p:sldId id="406" r:id="rId49"/>
+    <p:sldId id="407" r:id="rId50"/>
+    <p:sldId id="408" r:id="rId51"/>
+    <p:sldId id="409" r:id="rId52"/>
+    <p:sldId id="410" r:id="rId53"/>
+    <p:sldId id="425" r:id="rId54"/>
+    <p:sldId id="387" r:id="rId55"/>
+    <p:sldId id="426" r:id="rId56"/>
+    <p:sldId id="427" r:id="rId57"/>
+    <p:sldId id="428" r:id="rId58"/>
+    <p:sldId id="429" r:id="rId59"/>
+    <p:sldId id="430" r:id="rId60"/>
+    <p:sldId id="370" r:id="rId61"/>
+    <p:sldId id="371" r:id="rId62"/>
   </p:sldIdLst>
   <p:sldSz cx="12192000" cy="6858000"/>
   <p:notesSz cx="6858000" cy="9144000"/>
@@ -319,7 +320,7 @@
                 </a:solidFill>
               </a:rPr>
               <a:pPr/>
-              <a:t>3/16/2020</a:t>
+              <a:t>3/25/2020</a:t>
             </a:fld>
             <a:endParaRPr lang="en-US">
               <a:solidFill>
@@ -519,7 +520,7 @@
                 </a:solidFill>
               </a:rPr>
               <a:pPr/>
-              <a:t>3/16/2020</a:t>
+              <a:t>3/25/2020</a:t>
             </a:fld>
             <a:endParaRPr lang="en-US">
               <a:solidFill>
@@ -729,7 +730,7 @@
                 </a:solidFill>
               </a:rPr>
               <a:pPr/>
-              <a:t>3/16/2020</a:t>
+              <a:t>3/25/2020</a:t>
             </a:fld>
             <a:endParaRPr lang="en-US">
               <a:solidFill>
@@ -929,7 +930,7 @@
                 </a:solidFill>
               </a:rPr>
               <a:pPr/>
-              <a:t>3/16/2020</a:t>
+              <a:t>3/25/2020</a:t>
             </a:fld>
             <a:endParaRPr lang="en-US">
               <a:solidFill>
@@ -1206,7 +1207,7 @@
                 </a:solidFill>
               </a:rPr>
               <a:pPr/>
-              <a:t>3/16/2020</a:t>
+              <a:t>3/25/2020</a:t>
             </a:fld>
             <a:endParaRPr lang="en-US">
               <a:solidFill>
@@ -1467,7 +1468,7 @@
                 </a:solidFill>
               </a:rPr>
               <a:pPr/>
-              <a:t>3/16/2020</a:t>
+              <a:t>3/25/2020</a:t>
             </a:fld>
             <a:endParaRPr lang="en-US">
               <a:solidFill>
@@ -1863,7 +1864,7 @@
                 </a:solidFill>
               </a:rPr>
               <a:pPr/>
-              <a:t>3/16/2020</a:t>
+              <a:t>3/25/2020</a:t>
             </a:fld>
             <a:endParaRPr lang="en-US">
               <a:solidFill>
@@ -2012,7 +2013,7 @@
                 </a:solidFill>
               </a:rPr>
               <a:pPr/>
-              <a:t>3/16/2020</a:t>
+              <a:t>3/25/2020</a:t>
             </a:fld>
             <a:endParaRPr lang="en-US">
               <a:solidFill>
@@ -2139,7 +2140,7 @@
                 </a:solidFill>
               </a:rPr>
               <a:pPr/>
-              <a:t>3/16/2020</a:t>
+              <a:t>3/25/2020</a:t>
             </a:fld>
             <a:endParaRPr lang="en-US">
               <a:solidFill>
@@ -2446,7 +2447,7 @@
                 </a:solidFill>
               </a:rPr>
               <a:pPr/>
-              <a:t>3/16/2020</a:t>
+              <a:t>3/25/2020</a:t>
             </a:fld>
             <a:endParaRPr lang="en-US">
               <a:solidFill>
@@ -2730,7 +2731,7 @@
                 </a:solidFill>
               </a:rPr>
               <a:pPr/>
-              <a:t>3/16/2020</a:t>
+              <a:t>3/25/2020</a:t>
             </a:fld>
             <a:endParaRPr lang="en-US">
               <a:solidFill>
@@ -2973,7 +2974,7 @@
                 </a:solidFill>
               </a:rPr>
               <a:pPr/>
-              <a:t>3/16/2020</a:t>
+              <a:t>3/25/2020</a:t>
             </a:fld>
             <a:endParaRPr lang="en-US">
               <a:solidFill>
@@ -21331,6 +21332,41 @@
           </a:p>
         </p:txBody>
       </p:sp>
+      <p:sp>
+        <p:nvSpPr>
+          <p:cNvPr id="5" name="TextBox 4">
+            <a:extLst>
+              <a:ext uri="{FF2B5EF4-FFF2-40B4-BE49-F238E27FC236}">
+                <a16:creationId xmlns:a16="http://schemas.microsoft.com/office/drawing/2014/main" id="{B3ABF169-00F8-44A9-8ED9-640C62C26C23}"/>
+              </a:ext>
+            </a:extLst>
+          </p:cNvPr>
+          <p:cNvSpPr txBox="1"/>
+          <p:nvPr/>
+        </p:nvSpPr>
+        <p:spPr>
+          <a:xfrm>
+            <a:off x="769620" y="5882640"/>
+            <a:ext cx="6667500" cy="492443"/>
+          </a:xfrm>
+          <a:prstGeom prst="rect">
+            <a:avLst/>
+          </a:prstGeom>
+          <a:noFill/>
+        </p:spPr>
+        <p:txBody>
+          <a:bodyPr wrap="square" rtlCol="0">
+            <a:spAutoFit/>
+          </a:bodyPr>
+          <a:lstStyle/>
+          <a:p>
+            <a:r>
+              <a:rPr lang="en-US" sz="2600" dirty="0"/>
+              <a:t>Two ways to address this</a:t>
+            </a:r>
+          </a:p>
+        </p:txBody>
+      </p:sp>
     </p:spTree>
     <p:extLst>
       <p:ext uri="{BB962C8B-B14F-4D97-AF65-F5344CB8AC3E}">
@@ -21341,10 +21377,1335 @@
   <p:clrMapOvr>
     <a:masterClrMapping/>
   </p:clrMapOvr>
+  <p:timing>
+    <p:tnLst>
+      <p:par>
+        <p:cTn id="1" dur="indefinite" restart="never" nodeType="tmRoot">
+          <p:childTnLst>
+            <p:seq concurrent="1" nextAc="seek">
+              <p:cTn id="2" dur="indefinite" nodeType="mainSeq">
+                <p:childTnLst>
+                  <p:par>
+                    <p:cTn id="3" fill="hold">
+                      <p:stCondLst>
+                        <p:cond delay="indefinite"/>
+                      </p:stCondLst>
+                      <p:childTnLst>
+                        <p:par>
+                          <p:cTn id="4" fill="hold">
+                            <p:stCondLst>
+                              <p:cond delay="0"/>
+                            </p:stCondLst>
+                            <p:childTnLst>
+                              <p:par>
+                                <p:cTn id="5" presetID="1" presetClass="entr" presetSubtype="0" fill="hold" grpId="0" nodeType="clickEffect">
+                                  <p:stCondLst>
+                                    <p:cond delay="0"/>
+                                  </p:stCondLst>
+                                  <p:childTnLst>
+                                    <p:set>
+                                      <p:cBhvr>
+                                        <p:cTn id="6" dur="1" fill="hold">
+                                          <p:stCondLst>
+                                            <p:cond delay="0"/>
+                                          </p:stCondLst>
+                                        </p:cTn>
+                                        <p:tgtEl>
+                                          <p:spTgt spid="5"/>
+                                        </p:tgtEl>
+                                        <p:attrNameLst>
+                                          <p:attrName>style.visibility</p:attrName>
+                                        </p:attrNameLst>
+                                      </p:cBhvr>
+                                      <p:to>
+                                        <p:strVal val="visible"/>
+                                      </p:to>
+                                    </p:set>
+                                  </p:childTnLst>
+                                </p:cTn>
+                              </p:par>
+                            </p:childTnLst>
+                          </p:cTn>
+                        </p:par>
+                      </p:childTnLst>
+                    </p:cTn>
+                  </p:par>
+                </p:childTnLst>
+              </p:cTn>
+              <p:prevCondLst>
+                <p:cond evt="onPrev" delay="0">
+                  <p:tgtEl>
+                    <p:sldTgt/>
+                  </p:tgtEl>
+                </p:cond>
+              </p:prevCondLst>
+              <p:nextCondLst>
+                <p:cond evt="onNext" delay="0">
+                  <p:tgtEl>
+                    <p:sldTgt/>
+                  </p:tgtEl>
+                </p:cond>
+              </p:nextCondLst>
+            </p:seq>
+          </p:childTnLst>
+        </p:cTn>
+      </p:par>
+    </p:tnLst>
+    <p:bldLst>
+      <p:bldP spid="5" grpId="0"/>
+    </p:bldLst>
+  </p:timing>
 </p:sld>
 </file>
 
 <file path=ppt/slides/slide44.xml><?xml version="1.0" encoding="utf-8"?>
+<p:sld xmlns:a="http://schemas.openxmlformats.org/drawingml/2006/main" xmlns:r="http://schemas.openxmlformats.org/officeDocument/2006/relationships" xmlns:p="http://schemas.openxmlformats.org/presentationml/2006/main">
+  <p:cSld>
+    <p:bg>
+      <p:bgPr>
+        <a:solidFill>
+          <a:schemeClr val="bg1"/>
+        </a:solidFill>
+        <a:effectLst/>
+      </p:bgPr>
+    </p:bg>
+    <p:spTree>
+      <p:nvGrpSpPr>
+        <p:cNvPr id="1" name=""/>
+        <p:cNvGrpSpPr/>
+        <p:nvPr/>
+      </p:nvGrpSpPr>
+      <p:grpSpPr>
+        <a:xfrm>
+          <a:off x="0" y="0"/>
+          <a:ext cx="0" cy="0"/>
+          <a:chOff x="0" y="0"/>
+          <a:chExt cx="0" cy="0"/>
+        </a:xfrm>
+      </p:grpSpPr>
+      <p:sp>
+        <p:nvSpPr>
+          <p:cNvPr id="2" name="Title 1">
+            <a:extLst>
+              <a:ext uri="{FF2B5EF4-FFF2-40B4-BE49-F238E27FC236}">
+                <a16:creationId xmlns:a16="http://schemas.microsoft.com/office/drawing/2014/main" id="{4230D80E-A2DA-43E1-A9D6-8303A9620295}"/>
+              </a:ext>
+            </a:extLst>
+          </p:cNvPr>
+          <p:cNvSpPr>
+            <a:spLocks noGrp="1"/>
+          </p:cNvSpPr>
+          <p:nvPr>
+            <p:ph type="title"/>
+          </p:nvPr>
+        </p:nvSpPr>
+        <p:spPr>
+          <a:xfrm>
+            <a:off x="838200" y="18255"/>
+            <a:ext cx="10515600" cy="1325563"/>
+          </a:xfrm>
+        </p:spPr>
+        <p:txBody>
+          <a:bodyPr>
+            <a:normAutofit/>
+          </a:bodyPr>
+          <a:lstStyle/>
+          <a:p>
+            <a:r>
+              <a:rPr lang="en-US" sz="4000" dirty="0"/>
+              <a:t>(1) use the arguments within the hyperparameters</a:t>
+            </a:r>
+          </a:p>
+        </p:txBody>
+      </p:sp>
+      <p:sp>
+        <p:nvSpPr>
+          <p:cNvPr id="3" name="Content Placeholder 2">
+            <a:extLst>
+              <a:ext uri="{FF2B5EF4-FFF2-40B4-BE49-F238E27FC236}">
+                <a16:creationId xmlns:a16="http://schemas.microsoft.com/office/drawing/2014/main" id="{8AA8DBE0-D4D6-45C1-8FD5-AC7EC57AF2BC}"/>
+              </a:ext>
+            </a:extLst>
+          </p:cNvPr>
+          <p:cNvSpPr>
+            <a:spLocks noGrp="1"/>
+          </p:cNvSpPr>
+          <p:nvPr>
+            <p:ph idx="1"/>
+          </p:nvPr>
+        </p:nvSpPr>
+        <p:spPr>
+          <a:xfrm>
+            <a:off x="198120" y="1335881"/>
+            <a:ext cx="11993880" cy="4841082"/>
+          </a:xfrm>
+        </p:spPr>
+        <p:txBody>
+          <a:bodyPr>
+            <a:normAutofit/>
+          </a:bodyPr>
+          <a:lstStyle/>
+          <a:p>
+            <a:pPr marL="0" indent="0">
+              <a:spcBef>
+                <a:spcPts val="0"/>
+              </a:spcBef>
+              <a:buNone/>
+            </a:pPr>
+            <a:r>
+              <a:rPr lang="en-US" sz="2200" dirty="0">
+                <a:latin typeface="Courier New" panose="02070309020205020404" pitchFamily="49" charset="0"/>
+                <a:cs typeface="Courier New" panose="02070309020205020404" pitchFamily="49" charset="0"/>
+              </a:rPr>
+              <a:t>?neighbors()</a:t>
+            </a:r>
+          </a:p>
+          <a:p>
+            <a:pPr marL="0" indent="0">
+              <a:spcBef>
+                <a:spcPts val="0"/>
+              </a:spcBef>
+              <a:buNone/>
+            </a:pPr>
+            <a:r>
+              <a:rPr lang="en-US" sz="2200" dirty="0">
+                <a:highlight>
+                  <a:srgbClr val="C0C0C0"/>
+                </a:highlight>
+                <a:latin typeface="Courier New" panose="02070309020205020404" pitchFamily="49" charset="0"/>
+                <a:cs typeface="Courier New" panose="02070309020205020404" pitchFamily="49" charset="0"/>
+              </a:rPr>
+              <a:t>neighbors(range = c(1L, 10L), trans = NULL)</a:t>
+            </a:r>
+          </a:p>
+          <a:p>
+            <a:pPr marL="0" indent="0">
+              <a:spcBef>
+                <a:spcPts val="0"/>
+              </a:spcBef>
+              <a:buNone/>
+            </a:pPr>
+            <a:r>
+              <a:rPr lang="en-US" sz="2200" dirty="0">
+                <a:latin typeface="Courier New" panose="02070309020205020404" pitchFamily="49" charset="0"/>
+                <a:cs typeface="Courier New" panose="02070309020205020404" pitchFamily="49" charset="0"/>
+              </a:rPr>
+              <a:t>?</a:t>
+            </a:r>
+            <a:r>
+              <a:rPr lang="en-US" sz="2200" dirty="0" err="1">
+                <a:latin typeface="Courier New" panose="02070309020205020404" pitchFamily="49" charset="0"/>
+                <a:cs typeface="Courier New" panose="02070309020205020404" pitchFamily="49" charset="0"/>
+              </a:rPr>
+              <a:t>weight_func</a:t>
+            </a:r>
+            <a:r>
+              <a:rPr lang="en-US" sz="2200" dirty="0">
+                <a:latin typeface="Courier New" panose="02070309020205020404" pitchFamily="49" charset="0"/>
+                <a:cs typeface="Courier New" panose="02070309020205020404" pitchFamily="49" charset="0"/>
+              </a:rPr>
+              <a:t>()</a:t>
+            </a:r>
+          </a:p>
+          <a:p>
+            <a:pPr marL="0" indent="0">
+              <a:spcBef>
+                <a:spcPts val="0"/>
+              </a:spcBef>
+              <a:buNone/>
+            </a:pPr>
+            <a:r>
+              <a:rPr lang="en-US" sz="2200" dirty="0" err="1">
+                <a:highlight>
+                  <a:srgbClr val="C0C0C0"/>
+                </a:highlight>
+                <a:latin typeface="Courier New" panose="02070309020205020404" pitchFamily="49" charset="0"/>
+                <a:cs typeface="Courier New" panose="02070309020205020404" pitchFamily="49" charset="0"/>
+              </a:rPr>
+              <a:t>weight_func</a:t>
+            </a:r>
+            <a:r>
+              <a:rPr lang="en-US" sz="2200" dirty="0">
+                <a:highlight>
+                  <a:srgbClr val="C0C0C0"/>
+                </a:highlight>
+                <a:latin typeface="Courier New" panose="02070309020205020404" pitchFamily="49" charset="0"/>
+                <a:cs typeface="Courier New" panose="02070309020205020404" pitchFamily="49" charset="0"/>
+              </a:rPr>
+              <a:t>(values = </a:t>
+            </a:r>
+            <a:r>
+              <a:rPr lang="en-US" sz="2200" dirty="0" err="1">
+                <a:highlight>
+                  <a:srgbClr val="C0C0C0"/>
+                </a:highlight>
+                <a:latin typeface="Courier New" panose="02070309020205020404" pitchFamily="49" charset="0"/>
+                <a:cs typeface="Courier New" panose="02070309020205020404" pitchFamily="49" charset="0"/>
+              </a:rPr>
+              <a:t>values_weight_func</a:t>
+            </a:r>
+            <a:r>
+              <a:rPr lang="en-US" sz="2200" dirty="0">
+                <a:highlight>
+                  <a:srgbClr val="C0C0C0"/>
+                </a:highlight>
+                <a:latin typeface="Courier New" panose="02070309020205020404" pitchFamily="49" charset="0"/>
+                <a:cs typeface="Courier New" panose="02070309020205020404" pitchFamily="49" charset="0"/>
+              </a:rPr>
+              <a:t>)</a:t>
+            </a:r>
+          </a:p>
+          <a:p>
+            <a:pPr marL="0" indent="0">
+              <a:spcBef>
+                <a:spcPts val="0"/>
+              </a:spcBef>
+              <a:buNone/>
+            </a:pPr>
+            <a:r>
+              <a:rPr lang="en-US" sz="2200" dirty="0" err="1">
+                <a:latin typeface="Courier New" panose="02070309020205020404" pitchFamily="49" charset="0"/>
+                <a:cs typeface="Courier New" panose="02070309020205020404" pitchFamily="49" charset="0"/>
+              </a:rPr>
+              <a:t>values_weight_func</a:t>
+            </a:r>
+            <a:endParaRPr lang="en-US" sz="2200" dirty="0">
+              <a:latin typeface="Courier New" panose="02070309020205020404" pitchFamily="49" charset="0"/>
+              <a:cs typeface="Courier New" panose="02070309020205020404" pitchFamily="49" charset="0"/>
+            </a:endParaRPr>
+          </a:p>
+          <a:p>
+            <a:pPr marL="0" indent="0">
+              <a:spcBef>
+                <a:spcPts val="0"/>
+              </a:spcBef>
+              <a:buNone/>
+            </a:pPr>
+            <a:r>
+              <a:rPr lang="en-US" sz="2200" dirty="0">
+                <a:highlight>
+                  <a:srgbClr val="C0C0C0"/>
+                </a:highlight>
+                <a:latin typeface="Courier New" panose="02070309020205020404" pitchFamily="49" charset="0"/>
+                <a:cs typeface="Courier New" panose="02070309020205020404" pitchFamily="49" charset="0"/>
+              </a:rPr>
+              <a:t>"rectangular"  "triangular"   "</a:t>
+            </a:r>
+            <a:r>
+              <a:rPr lang="en-US" sz="2200" dirty="0" err="1">
+                <a:highlight>
+                  <a:srgbClr val="C0C0C0"/>
+                </a:highlight>
+                <a:latin typeface="Courier New" panose="02070309020205020404" pitchFamily="49" charset="0"/>
+                <a:cs typeface="Courier New" panose="02070309020205020404" pitchFamily="49" charset="0"/>
+              </a:rPr>
+              <a:t>epanechnikov</a:t>
+            </a:r>
+            <a:r>
+              <a:rPr lang="en-US" sz="2200" dirty="0">
+                <a:highlight>
+                  <a:srgbClr val="C0C0C0"/>
+                </a:highlight>
+                <a:latin typeface="Courier New" panose="02070309020205020404" pitchFamily="49" charset="0"/>
+                <a:cs typeface="Courier New" panose="02070309020205020404" pitchFamily="49" charset="0"/>
+              </a:rPr>
+              <a:t>" "</a:t>
+            </a:r>
+            <a:r>
+              <a:rPr lang="en-US" sz="2200" dirty="0" err="1">
+                <a:highlight>
+                  <a:srgbClr val="C0C0C0"/>
+                </a:highlight>
+                <a:latin typeface="Courier New" panose="02070309020205020404" pitchFamily="49" charset="0"/>
+                <a:cs typeface="Courier New" panose="02070309020205020404" pitchFamily="49" charset="0"/>
+              </a:rPr>
+              <a:t>biweight</a:t>
+            </a:r>
+            <a:r>
+              <a:rPr lang="en-US" sz="2200" dirty="0">
+                <a:highlight>
+                  <a:srgbClr val="C0C0C0"/>
+                </a:highlight>
+                <a:latin typeface="Courier New" panose="02070309020205020404" pitchFamily="49" charset="0"/>
+                <a:cs typeface="Courier New" panose="02070309020205020404" pitchFamily="49" charset="0"/>
+              </a:rPr>
+              <a:t>"     "</a:t>
+            </a:r>
+            <a:r>
+              <a:rPr lang="en-US" sz="2200" dirty="0" err="1">
+                <a:highlight>
+                  <a:srgbClr val="C0C0C0"/>
+                </a:highlight>
+                <a:latin typeface="Courier New" panose="02070309020205020404" pitchFamily="49" charset="0"/>
+                <a:cs typeface="Courier New" panose="02070309020205020404" pitchFamily="49" charset="0"/>
+              </a:rPr>
+              <a:t>triweight</a:t>
+            </a:r>
+            <a:r>
+              <a:rPr lang="en-US" sz="2200" dirty="0">
+                <a:highlight>
+                  <a:srgbClr val="C0C0C0"/>
+                </a:highlight>
+                <a:latin typeface="Courier New" panose="02070309020205020404" pitchFamily="49" charset="0"/>
+                <a:cs typeface="Courier New" panose="02070309020205020404" pitchFamily="49" charset="0"/>
+              </a:rPr>
+              <a:t>"  "cos"  "inv"  "gaussian"  "rank"  "optimal"</a:t>
+            </a:r>
+          </a:p>
+          <a:p>
+            <a:pPr marL="0" indent="0">
+              <a:spcBef>
+                <a:spcPts val="0"/>
+              </a:spcBef>
+              <a:buNone/>
+            </a:pPr>
+            <a:r>
+              <a:rPr lang="en-US" sz="2200" dirty="0" err="1">
+                <a:latin typeface="Courier New" panose="02070309020205020404" pitchFamily="49" charset="0"/>
+                <a:cs typeface="Courier New" panose="02070309020205020404" pitchFamily="49" charset="0"/>
+              </a:rPr>
+              <a:t>knn_params</a:t>
+            </a:r>
+            <a:r>
+              <a:rPr lang="en-US" sz="2200" dirty="0">
+                <a:latin typeface="Courier New" panose="02070309020205020404" pitchFamily="49" charset="0"/>
+                <a:cs typeface="Courier New" panose="02070309020205020404" pitchFamily="49" charset="0"/>
+              </a:rPr>
+              <a:t> &lt;- parameters(</a:t>
+            </a:r>
+            <a:r>
+              <a:rPr lang="en-US" sz="2200" dirty="0">
+                <a:solidFill>
+                  <a:srgbClr val="C00000"/>
+                </a:solidFill>
+                <a:latin typeface="Courier New" panose="02070309020205020404" pitchFamily="49" charset="0"/>
+                <a:cs typeface="Courier New" panose="02070309020205020404" pitchFamily="49" charset="0"/>
+              </a:rPr>
+              <a:t>neighbors</a:t>
+            </a:r>
+            <a:r>
+              <a:rPr lang="en-US" sz="2200" dirty="0">
+                <a:latin typeface="Courier New" panose="02070309020205020404" pitchFamily="49" charset="0"/>
+                <a:cs typeface="Courier New" panose="02070309020205020404" pitchFamily="49" charset="0"/>
+              </a:rPr>
+              <a:t>(</a:t>
+            </a:r>
+            <a:r>
+              <a:rPr lang="en-US" sz="2200" dirty="0">
+                <a:solidFill>
+                  <a:srgbClr val="00B0F0"/>
+                </a:solidFill>
+                <a:latin typeface="Courier New" panose="02070309020205020404" pitchFamily="49" charset="0"/>
+                <a:cs typeface="Courier New" panose="02070309020205020404" pitchFamily="49" charset="0"/>
+              </a:rPr>
+              <a:t>range = c(1, 15)</a:t>
+            </a:r>
+            <a:r>
+              <a:rPr lang="en-US" sz="2200" dirty="0">
+                <a:latin typeface="Courier New" panose="02070309020205020404" pitchFamily="49" charset="0"/>
+                <a:cs typeface="Courier New" panose="02070309020205020404" pitchFamily="49" charset="0"/>
+              </a:rPr>
+              <a:t>),</a:t>
+            </a:r>
+          </a:p>
+          <a:p>
+            <a:pPr marL="0" indent="0">
+              <a:spcBef>
+                <a:spcPts val="0"/>
+              </a:spcBef>
+              <a:buNone/>
+            </a:pPr>
+            <a:r>
+              <a:rPr lang="en-US" sz="2200" dirty="0">
+                <a:latin typeface="Courier New" panose="02070309020205020404" pitchFamily="49" charset="0"/>
+                <a:cs typeface="Courier New" panose="02070309020205020404" pitchFamily="49" charset="0"/>
+              </a:rPr>
+              <a:t>				  </a:t>
+            </a:r>
+            <a:r>
+              <a:rPr lang="en-US" sz="2200" dirty="0" err="1">
+                <a:solidFill>
+                  <a:srgbClr val="C00000"/>
+                </a:solidFill>
+                <a:latin typeface="Courier New" panose="02070309020205020404" pitchFamily="49" charset="0"/>
+                <a:cs typeface="Courier New" panose="02070309020205020404" pitchFamily="49" charset="0"/>
+              </a:rPr>
+              <a:t>weight_func</a:t>
+            </a:r>
+            <a:r>
+              <a:rPr lang="en-US" sz="2200" dirty="0">
+                <a:latin typeface="Courier New" panose="02070309020205020404" pitchFamily="49" charset="0"/>
+                <a:cs typeface="Courier New" panose="02070309020205020404" pitchFamily="49" charset="0"/>
+              </a:rPr>
+              <a:t>(</a:t>
+            </a:r>
+            <a:r>
+              <a:rPr lang="en-US" sz="2200" dirty="0">
+                <a:solidFill>
+                  <a:srgbClr val="00B0F0"/>
+                </a:solidFill>
+                <a:latin typeface="Courier New" panose="02070309020205020404" pitchFamily="49" charset="0"/>
+                <a:cs typeface="Courier New" panose="02070309020205020404" pitchFamily="49" charset="0"/>
+              </a:rPr>
+              <a:t>values = </a:t>
+            </a:r>
+            <a:r>
+              <a:rPr lang="en-US" sz="2200" dirty="0" err="1">
+                <a:solidFill>
+                  <a:srgbClr val="00B0F0"/>
+                </a:solidFill>
+                <a:latin typeface="Courier New" panose="02070309020205020404" pitchFamily="49" charset="0"/>
+                <a:cs typeface="Courier New" panose="02070309020205020404" pitchFamily="49" charset="0"/>
+              </a:rPr>
+              <a:t>values_weight_func</a:t>
+            </a:r>
+            <a:r>
+              <a:rPr lang="en-US" sz="2200" dirty="0">
+                <a:solidFill>
+                  <a:srgbClr val="00B0F0"/>
+                </a:solidFill>
+                <a:latin typeface="Courier New" panose="02070309020205020404" pitchFamily="49" charset="0"/>
+                <a:cs typeface="Courier New" panose="02070309020205020404" pitchFamily="49" charset="0"/>
+              </a:rPr>
+              <a:t>[1:5]</a:t>
+            </a:r>
+            <a:r>
+              <a:rPr lang="en-US" sz="2200" dirty="0">
+                <a:latin typeface="Courier New" panose="02070309020205020404" pitchFamily="49" charset="0"/>
+                <a:cs typeface="Courier New" panose="02070309020205020404" pitchFamily="49" charset="0"/>
+              </a:rPr>
+              <a:t>))</a:t>
+            </a:r>
+          </a:p>
+          <a:p>
+            <a:pPr marL="0" indent="0">
+              <a:spcBef>
+                <a:spcPts val="0"/>
+              </a:spcBef>
+              <a:buNone/>
+            </a:pPr>
+            <a:r>
+              <a:rPr lang="en-US" sz="2200" dirty="0" err="1">
+                <a:latin typeface="Courier New" panose="02070309020205020404" pitchFamily="49" charset="0"/>
+                <a:cs typeface="Courier New" panose="02070309020205020404" pitchFamily="49" charset="0"/>
+              </a:rPr>
+              <a:t>knn_reg_grid</a:t>
+            </a:r>
+            <a:r>
+              <a:rPr lang="en-US" sz="2200" dirty="0">
+                <a:latin typeface="Courier New" panose="02070309020205020404" pitchFamily="49" charset="0"/>
+                <a:cs typeface="Courier New" panose="02070309020205020404" pitchFamily="49" charset="0"/>
+              </a:rPr>
+              <a:t> &lt;- </a:t>
+            </a:r>
+            <a:r>
+              <a:rPr lang="en-US" sz="2200" dirty="0" err="1">
+                <a:latin typeface="Courier New" panose="02070309020205020404" pitchFamily="49" charset="0"/>
+                <a:cs typeface="Courier New" panose="02070309020205020404" pitchFamily="49" charset="0"/>
+              </a:rPr>
+              <a:t>grid_regular</a:t>
+            </a:r>
+            <a:r>
+              <a:rPr lang="en-US" sz="2200" dirty="0">
+                <a:latin typeface="Courier New" panose="02070309020205020404" pitchFamily="49" charset="0"/>
+                <a:cs typeface="Courier New" panose="02070309020205020404" pitchFamily="49" charset="0"/>
+              </a:rPr>
+              <a:t>(</a:t>
+            </a:r>
+            <a:r>
+              <a:rPr lang="en-US" sz="2200" dirty="0" err="1">
+                <a:latin typeface="Courier New" panose="02070309020205020404" pitchFamily="49" charset="0"/>
+                <a:cs typeface="Courier New" panose="02070309020205020404" pitchFamily="49" charset="0"/>
+              </a:rPr>
+              <a:t>knn_params</a:t>
+            </a:r>
+            <a:r>
+              <a:rPr lang="en-US" sz="2200" dirty="0">
+                <a:latin typeface="Courier New" panose="02070309020205020404" pitchFamily="49" charset="0"/>
+                <a:cs typeface="Courier New" panose="02070309020205020404" pitchFamily="49" charset="0"/>
+              </a:rPr>
+              <a:t>, levels = c(15, 5))</a:t>
+            </a:r>
+          </a:p>
+          <a:p>
+            <a:pPr marL="0" indent="0">
+              <a:spcBef>
+                <a:spcPts val="0"/>
+              </a:spcBef>
+              <a:buNone/>
+            </a:pPr>
+            <a:endParaRPr lang="en-US" sz="2200" dirty="0">
+              <a:latin typeface="Courier New" panose="02070309020205020404" pitchFamily="49" charset="0"/>
+              <a:cs typeface="Courier New" panose="02070309020205020404" pitchFamily="49" charset="0"/>
+            </a:endParaRPr>
+          </a:p>
+          <a:p>
+            <a:pPr marL="0" indent="0">
+              <a:spcBef>
+                <a:spcPts val="0"/>
+              </a:spcBef>
+              <a:buNone/>
+            </a:pPr>
+            <a:r>
+              <a:rPr lang="en-US" sz="1600" dirty="0" err="1">
+                <a:latin typeface="Courier New" panose="02070309020205020404" pitchFamily="49" charset="0"/>
+                <a:cs typeface="Courier New" panose="02070309020205020404" pitchFamily="49" charset="0"/>
+              </a:rPr>
+              <a:t>knn_reg_grid</a:t>
+            </a:r>
+            <a:r>
+              <a:rPr lang="en-US" sz="1600" dirty="0">
+                <a:latin typeface="Courier New" panose="02070309020205020404" pitchFamily="49" charset="0"/>
+                <a:cs typeface="Courier New" panose="02070309020205020404" pitchFamily="49" charset="0"/>
+              </a:rPr>
+              <a:t> %&gt;% </a:t>
+            </a:r>
+          </a:p>
+          <a:p>
+            <a:pPr marL="0" indent="0">
+              <a:spcBef>
+                <a:spcPts val="0"/>
+              </a:spcBef>
+              <a:buNone/>
+            </a:pPr>
+            <a:r>
+              <a:rPr lang="en-US" sz="1600" dirty="0">
+                <a:latin typeface="Courier New" panose="02070309020205020404" pitchFamily="49" charset="0"/>
+                <a:cs typeface="Courier New" panose="02070309020205020404" pitchFamily="49" charset="0"/>
+              </a:rPr>
+              <a:t>  </a:t>
+            </a:r>
+            <a:r>
+              <a:rPr lang="en-US" sz="1600" dirty="0" err="1">
+                <a:latin typeface="Courier New" panose="02070309020205020404" pitchFamily="49" charset="0"/>
+                <a:cs typeface="Courier New" panose="02070309020205020404" pitchFamily="49" charset="0"/>
+              </a:rPr>
+              <a:t>ggplot</a:t>
+            </a:r>
+            <a:r>
+              <a:rPr lang="en-US" sz="1600" dirty="0">
+                <a:latin typeface="Courier New" panose="02070309020205020404" pitchFamily="49" charset="0"/>
+                <a:cs typeface="Courier New" panose="02070309020205020404" pitchFamily="49" charset="0"/>
+              </a:rPr>
+              <a:t>(</a:t>
+            </a:r>
+            <a:r>
+              <a:rPr lang="en-US" sz="1600" dirty="0" err="1">
+                <a:latin typeface="Courier New" panose="02070309020205020404" pitchFamily="49" charset="0"/>
+                <a:cs typeface="Courier New" panose="02070309020205020404" pitchFamily="49" charset="0"/>
+              </a:rPr>
+              <a:t>aes</a:t>
+            </a:r>
+            <a:r>
+              <a:rPr lang="en-US" sz="1600" dirty="0">
+                <a:latin typeface="Courier New" panose="02070309020205020404" pitchFamily="49" charset="0"/>
+                <a:cs typeface="Courier New" panose="02070309020205020404" pitchFamily="49" charset="0"/>
+              </a:rPr>
+              <a:t>(neighbors, </a:t>
+            </a:r>
+            <a:r>
+              <a:rPr lang="en-US" sz="1600" dirty="0" err="1">
+                <a:latin typeface="Courier New" panose="02070309020205020404" pitchFamily="49" charset="0"/>
+                <a:cs typeface="Courier New" panose="02070309020205020404" pitchFamily="49" charset="0"/>
+              </a:rPr>
+              <a:t>weight_func</a:t>
+            </a:r>
+            <a:r>
+              <a:rPr lang="en-US" sz="1600" dirty="0">
+                <a:latin typeface="Courier New" panose="02070309020205020404" pitchFamily="49" charset="0"/>
+                <a:cs typeface="Courier New" panose="02070309020205020404" pitchFamily="49" charset="0"/>
+              </a:rPr>
+              <a:t>)) +</a:t>
+            </a:r>
+          </a:p>
+          <a:p>
+            <a:pPr marL="0" indent="0">
+              <a:spcBef>
+                <a:spcPts val="0"/>
+              </a:spcBef>
+              <a:buNone/>
+            </a:pPr>
+            <a:r>
+              <a:rPr lang="en-US" sz="1600" dirty="0">
+                <a:latin typeface="Courier New" panose="02070309020205020404" pitchFamily="49" charset="0"/>
+                <a:cs typeface="Courier New" panose="02070309020205020404" pitchFamily="49" charset="0"/>
+              </a:rPr>
+              <a:t>  </a:t>
+            </a:r>
+            <a:r>
+              <a:rPr lang="en-US" sz="1600" dirty="0" err="1">
+                <a:latin typeface="Courier New" panose="02070309020205020404" pitchFamily="49" charset="0"/>
+                <a:cs typeface="Courier New" panose="02070309020205020404" pitchFamily="49" charset="0"/>
+              </a:rPr>
+              <a:t>geom_point</a:t>
+            </a:r>
+            <a:r>
+              <a:rPr lang="en-US" sz="1600" dirty="0">
+                <a:latin typeface="Courier New" panose="02070309020205020404" pitchFamily="49" charset="0"/>
+                <a:cs typeface="Courier New" panose="02070309020205020404" pitchFamily="49" charset="0"/>
+              </a:rPr>
+              <a:t>()</a:t>
+            </a:r>
+          </a:p>
+          <a:p>
+            <a:pPr>
+              <a:spcBef>
+                <a:spcPts val="0"/>
+              </a:spcBef>
+            </a:pPr>
+            <a:endParaRPr lang="en-US" dirty="0">
+              <a:latin typeface="Courier New" panose="02070309020205020404" pitchFamily="49" charset="0"/>
+              <a:cs typeface="Courier New" panose="02070309020205020404" pitchFamily="49" charset="0"/>
+            </a:endParaRPr>
+          </a:p>
+        </p:txBody>
+      </p:sp>
+      <p:sp>
+        <p:nvSpPr>
+          <p:cNvPr id="4" name="Slide Number Placeholder 3">
+            <a:extLst>
+              <a:ext uri="{FF2B5EF4-FFF2-40B4-BE49-F238E27FC236}">
+                <a16:creationId xmlns:a16="http://schemas.microsoft.com/office/drawing/2014/main" id="{BC3F3EFE-8CA4-4F70-A271-978FB89D473A}"/>
+              </a:ext>
+            </a:extLst>
+          </p:cNvPr>
+          <p:cNvSpPr>
+            <a:spLocks noGrp="1"/>
+          </p:cNvSpPr>
+          <p:nvPr>
+            <p:ph type="sldNum" sz="quarter" idx="12"/>
+          </p:nvPr>
+        </p:nvSpPr>
+        <p:spPr/>
+        <p:txBody>
+          <a:bodyPr/>
+          <a:lstStyle/>
+          <a:p>
+            <a:fld id="{1FD78A80-B303-491C-AEE7-8281801B0C65}" type="slidenum">
+              <a:rPr lang="en-US" smtClean="0">
+                <a:solidFill>
+                  <a:prstClr val="black">
+                    <a:tint val="75000"/>
+                  </a:prstClr>
+                </a:solidFill>
+              </a:rPr>
+              <a:pPr/>
+              <a:t>44</a:t>
+            </a:fld>
+            <a:endParaRPr lang="en-US">
+              <a:solidFill>
+                <a:prstClr val="black">
+                  <a:tint val="75000"/>
+                </a:prstClr>
+              </a:solidFill>
+            </a:endParaRPr>
+          </a:p>
+        </p:txBody>
+      </p:sp>
+      <p:pic>
+        <p:nvPicPr>
+          <p:cNvPr id="8" name="Picture 7">
+            <a:extLst>
+              <a:ext uri="{FF2B5EF4-FFF2-40B4-BE49-F238E27FC236}">
+                <a16:creationId xmlns:a16="http://schemas.microsoft.com/office/drawing/2014/main" id="{A22D20D5-305F-4A2A-B686-FB0E2FC75EEB}"/>
+              </a:ext>
+            </a:extLst>
+          </p:cNvPr>
+          <p:cNvPicPr>
+            <a:picLocks noChangeAspect="1"/>
+          </p:cNvPicPr>
+          <p:nvPr/>
+        </p:nvPicPr>
+        <p:blipFill>
+          <a:blip r:embed="rId2"/>
+          <a:stretch>
+            <a:fillRect/>
+          </a:stretch>
+        </p:blipFill>
+        <p:spPr>
+          <a:xfrm>
+            <a:off x="6617756" y="4389087"/>
+            <a:ext cx="3985687" cy="2418587"/>
+          </a:xfrm>
+          <a:prstGeom prst="rect">
+            <a:avLst/>
+          </a:prstGeom>
+        </p:spPr>
+      </p:pic>
+    </p:spTree>
+    <p:extLst>
+      <p:ext uri="{BB962C8B-B14F-4D97-AF65-F5344CB8AC3E}">
+        <p14:creationId xmlns:p14="http://schemas.microsoft.com/office/powerpoint/2010/main" val="1550948516"/>
+      </p:ext>
+    </p:extLst>
+  </p:cSld>
+  <p:clrMapOvr>
+    <a:masterClrMapping/>
+  </p:clrMapOvr>
+  <p:timing>
+    <p:tnLst>
+      <p:par>
+        <p:cTn id="1" dur="indefinite" restart="never" nodeType="tmRoot">
+          <p:childTnLst>
+            <p:seq concurrent="1" nextAc="seek">
+              <p:cTn id="2" dur="indefinite" nodeType="mainSeq">
+                <p:childTnLst>
+                  <p:par>
+                    <p:cTn id="3" fill="hold">
+                      <p:stCondLst>
+                        <p:cond delay="indefinite"/>
+                      </p:stCondLst>
+                      <p:childTnLst>
+                        <p:par>
+                          <p:cTn id="4" fill="hold">
+                            <p:stCondLst>
+                              <p:cond delay="0"/>
+                            </p:stCondLst>
+                            <p:childTnLst>
+                              <p:par>
+                                <p:cTn id="5" presetID="1" presetClass="entr" presetSubtype="0" fill="hold" nodeType="clickEffect">
+                                  <p:stCondLst>
+                                    <p:cond delay="0"/>
+                                  </p:stCondLst>
+                                  <p:childTnLst>
+                                    <p:set>
+                                      <p:cBhvr>
+                                        <p:cTn id="6" dur="1" fill="hold">
+                                          <p:stCondLst>
+                                            <p:cond delay="0"/>
+                                          </p:stCondLst>
+                                        </p:cTn>
+                                        <p:tgtEl>
+                                          <p:spTgt spid="3">
+                                            <p:txEl>
+                                              <p:pRg st="1" end="1"/>
+                                            </p:txEl>
+                                          </p:spTgt>
+                                        </p:tgtEl>
+                                        <p:attrNameLst>
+                                          <p:attrName>style.visibility</p:attrName>
+                                        </p:attrNameLst>
+                                      </p:cBhvr>
+                                      <p:to>
+                                        <p:strVal val="visible"/>
+                                      </p:to>
+                                    </p:set>
+                                  </p:childTnLst>
+                                </p:cTn>
+                              </p:par>
+                            </p:childTnLst>
+                          </p:cTn>
+                        </p:par>
+                      </p:childTnLst>
+                    </p:cTn>
+                  </p:par>
+                  <p:par>
+                    <p:cTn id="7" fill="hold">
+                      <p:stCondLst>
+                        <p:cond delay="indefinite"/>
+                      </p:stCondLst>
+                      <p:childTnLst>
+                        <p:par>
+                          <p:cTn id="8" fill="hold">
+                            <p:stCondLst>
+                              <p:cond delay="0"/>
+                            </p:stCondLst>
+                            <p:childTnLst>
+                              <p:par>
+                                <p:cTn id="9" presetID="1" presetClass="entr" presetSubtype="0" fill="hold" nodeType="clickEffect">
+                                  <p:stCondLst>
+                                    <p:cond delay="0"/>
+                                  </p:stCondLst>
+                                  <p:childTnLst>
+                                    <p:set>
+                                      <p:cBhvr>
+                                        <p:cTn id="10" dur="1" fill="hold">
+                                          <p:stCondLst>
+                                            <p:cond delay="0"/>
+                                          </p:stCondLst>
+                                        </p:cTn>
+                                        <p:tgtEl>
+                                          <p:spTgt spid="3">
+                                            <p:txEl>
+                                              <p:pRg st="2" end="2"/>
+                                            </p:txEl>
+                                          </p:spTgt>
+                                        </p:tgtEl>
+                                        <p:attrNameLst>
+                                          <p:attrName>style.visibility</p:attrName>
+                                        </p:attrNameLst>
+                                      </p:cBhvr>
+                                      <p:to>
+                                        <p:strVal val="visible"/>
+                                      </p:to>
+                                    </p:set>
+                                  </p:childTnLst>
+                                </p:cTn>
+                              </p:par>
+                            </p:childTnLst>
+                          </p:cTn>
+                        </p:par>
+                      </p:childTnLst>
+                    </p:cTn>
+                  </p:par>
+                  <p:par>
+                    <p:cTn id="11" fill="hold">
+                      <p:stCondLst>
+                        <p:cond delay="indefinite"/>
+                      </p:stCondLst>
+                      <p:childTnLst>
+                        <p:par>
+                          <p:cTn id="12" fill="hold">
+                            <p:stCondLst>
+                              <p:cond delay="0"/>
+                            </p:stCondLst>
+                            <p:childTnLst>
+                              <p:par>
+                                <p:cTn id="13" presetID="1" presetClass="entr" presetSubtype="0" fill="hold" nodeType="clickEffect">
+                                  <p:stCondLst>
+                                    <p:cond delay="0"/>
+                                  </p:stCondLst>
+                                  <p:childTnLst>
+                                    <p:set>
+                                      <p:cBhvr>
+                                        <p:cTn id="14" dur="1" fill="hold">
+                                          <p:stCondLst>
+                                            <p:cond delay="0"/>
+                                          </p:stCondLst>
+                                        </p:cTn>
+                                        <p:tgtEl>
+                                          <p:spTgt spid="3">
+                                            <p:txEl>
+                                              <p:pRg st="3" end="3"/>
+                                            </p:txEl>
+                                          </p:spTgt>
+                                        </p:tgtEl>
+                                        <p:attrNameLst>
+                                          <p:attrName>style.visibility</p:attrName>
+                                        </p:attrNameLst>
+                                      </p:cBhvr>
+                                      <p:to>
+                                        <p:strVal val="visible"/>
+                                      </p:to>
+                                    </p:set>
+                                  </p:childTnLst>
+                                </p:cTn>
+                              </p:par>
+                            </p:childTnLst>
+                          </p:cTn>
+                        </p:par>
+                      </p:childTnLst>
+                    </p:cTn>
+                  </p:par>
+                  <p:par>
+                    <p:cTn id="15" fill="hold">
+                      <p:stCondLst>
+                        <p:cond delay="indefinite"/>
+                      </p:stCondLst>
+                      <p:childTnLst>
+                        <p:par>
+                          <p:cTn id="16" fill="hold">
+                            <p:stCondLst>
+                              <p:cond delay="0"/>
+                            </p:stCondLst>
+                            <p:childTnLst>
+                              <p:par>
+                                <p:cTn id="17" presetID="1" presetClass="entr" presetSubtype="0" fill="hold" nodeType="clickEffect">
+                                  <p:stCondLst>
+                                    <p:cond delay="0"/>
+                                  </p:stCondLst>
+                                  <p:childTnLst>
+                                    <p:set>
+                                      <p:cBhvr>
+                                        <p:cTn id="18" dur="1" fill="hold">
+                                          <p:stCondLst>
+                                            <p:cond delay="0"/>
+                                          </p:stCondLst>
+                                        </p:cTn>
+                                        <p:tgtEl>
+                                          <p:spTgt spid="3">
+                                            <p:txEl>
+                                              <p:pRg st="4" end="4"/>
+                                            </p:txEl>
+                                          </p:spTgt>
+                                        </p:tgtEl>
+                                        <p:attrNameLst>
+                                          <p:attrName>style.visibility</p:attrName>
+                                        </p:attrNameLst>
+                                      </p:cBhvr>
+                                      <p:to>
+                                        <p:strVal val="visible"/>
+                                      </p:to>
+                                    </p:set>
+                                  </p:childTnLst>
+                                </p:cTn>
+                              </p:par>
+                            </p:childTnLst>
+                          </p:cTn>
+                        </p:par>
+                      </p:childTnLst>
+                    </p:cTn>
+                  </p:par>
+                  <p:par>
+                    <p:cTn id="19" fill="hold">
+                      <p:stCondLst>
+                        <p:cond delay="indefinite"/>
+                      </p:stCondLst>
+                      <p:childTnLst>
+                        <p:par>
+                          <p:cTn id="20" fill="hold">
+                            <p:stCondLst>
+                              <p:cond delay="0"/>
+                            </p:stCondLst>
+                            <p:childTnLst>
+                              <p:par>
+                                <p:cTn id="21" presetID="1" presetClass="entr" presetSubtype="0" fill="hold" nodeType="clickEffect">
+                                  <p:stCondLst>
+                                    <p:cond delay="0"/>
+                                  </p:stCondLst>
+                                  <p:childTnLst>
+                                    <p:set>
+                                      <p:cBhvr>
+                                        <p:cTn id="22" dur="1" fill="hold">
+                                          <p:stCondLst>
+                                            <p:cond delay="0"/>
+                                          </p:stCondLst>
+                                        </p:cTn>
+                                        <p:tgtEl>
+                                          <p:spTgt spid="3">
+                                            <p:txEl>
+                                              <p:pRg st="5" end="5"/>
+                                            </p:txEl>
+                                          </p:spTgt>
+                                        </p:tgtEl>
+                                        <p:attrNameLst>
+                                          <p:attrName>style.visibility</p:attrName>
+                                        </p:attrNameLst>
+                                      </p:cBhvr>
+                                      <p:to>
+                                        <p:strVal val="visible"/>
+                                      </p:to>
+                                    </p:set>
+                                  </p:childTnLst>
+                                </p:cTn>
+                              </p:par>
+                            </p:childTnLst>
+                          </p:cTn>
+                        </p:par>
+                      </p:childTnLst>
+                    </p:cTn>
+                  </p:par>
+                  <p:par>
+                    <p:cTn id="23" fill="hold">
+                      <p:stCondLst>
+                        <p:cond delay="indefinite"/>
+                      </p:stCondLst>
+                      <p:childTnLst>
+                        <p:par>
+                          <p:cTn id="24" fill="hold">
+                            <p:stCondLst>
+                              <p:cond delay="0"/>
+                            </p:stCondLst>
+                            <p:childTnLst>
+                              <p:par>
+                                <p:cTn id="25" presetID="1" presetClass="entr" presetSubtype="0" fill="hold" nodeType="clickEffect">
+                                  <p:stCondLst>
+                                    <p:cond delay="0"/>
+                                  </p:stCondLst>
+                                  <p:childTnLst>
+                                    <p:set>
+                                      <p:cBhvr>
+                                        <p:cTn id="26" dur="1" fill="hold">
+                                          <p:stCondLst>
+                                            <p:cond delay="0"/>
+                                          </p:stCondLst>
+                                        </p:cTn>
+                                        <p:tgtEl>
+                                          <p:spTgt spid="3">
+                                            <p:txEl>
+                                              <p:pRg st="6" end="6"/>
+                                            </p:txEl>
+                                          </p:spTgt>
+                                        </p:tgtEl>
+                                        <p:attrNameLst>
+                                          <p:attrName>style.visibility</p:attrName>
+                                        </p:attrNameLst>
+                                      </p:cBhvr>
+                                      <p:to>
+                                        <p:strVal val="visible"/>
+                                      </p:to>
+                                    </p:set>
+                                  </p:childTnLst>
+                                </p:cTn>
+                              </p:par>
+                            </p:childTnLst>
+                          </p:cTn>
+                        </p:par>
+                      </p:childTnLst>
+                    </p:cTn>
+                  </p:par>
+                  <p:par>
+                    <p:cTn id="27" fill="hold">
+                      <p:stCondLst>
+                        <p:cond delay="indefinite"/>
+                      </p:stCondLst>
+                      <p:childTnLst>
+                        <p:par>
+                          <p:cTn id="28" fill="hold">
+                            <p:stCondLst>
+                              <p:cond delay="0"/>
+                            </p:stCondLst>
+                            <p:childTnLst>
+                              <p:par>
+                                <p:cTn id="29" presetID="1" presetClass="entr" presetSubtype="0" fill="hold" nodeType="clickEffect">
+                                  <p:stCondLst>
+                                    <p:cond delay="0"/>
+                                  </p:stCondLst>
+                                  <p:childTnLst>
+                                    <p:set>
+                                      <p:cBhvr>
+                                        <p:cTn id="30" dur="1" fill="hold">
+                                          <p:stCondLst>
+                                            <p:cond delay="0"/>
+                                          </p:stCondLst>
+                                        </p:cTn>
+                                        <p:tgtEl>
+                                          <p:spTgt spid="3">
+                                            <p:txEl>
+                                              <p:pRg st="7" end="7"/>
+                                            </p:txEl>
+                                          </p:spTgt>
+                                        </p:tgtEl>
+                                        <p:attrNameLst>
+                                          <p:attrName>style.visibility</p:attrName>
+                                        </p:attrNameLst>
+                                      </p:cBhvr>
+                                      <p:to>
+                                        <p:strVal val="visible"/>
+                                      </p:to>
+                                    </p:set>
+                                  </p:childTnLst>
+                                </p:cTn>
+                              </p:par>
+                            </p:childTnLst>
+                          </p:cTn>
+                        </p:par>
+                      </p:childTnLst>
+                    </p:cTn>
+                  </p:par>
+                  <p:par>
+                    <p:cTn id="31" fill="hold">
+                      <p:stCondLst>
+                        <p:cond delay="indefinite"/>
+                      </p:stCondLst>
+                      <p:childTnLst>
+                        <p:par>
+                          <p:cTn id="32" fill="hold">
+                            <p:stCondLst>
+                              <p:cond delay="0"/>
+                            </p:stCondLst>
+                            <p:childTnLst>
+                              <p:par>
+                                <p:cTn id="33" presetID="1" presetClass="entr" presetSubtype="0" fill="hold" nodeType="clickEffect">
+                                  <p:stCondLst>
+                                    <p:cond delay="0"/>
+                                  </p:stCondLst>
+                                  <p:childTnLst>
+                                    <p:set>
+                                      <p:cBhvr>
+                                        <p:cTn id="34" dur="1" fill="hold">
+                                          <p:stCondLst>
+                                            <p:cond delay="0"/>
+                                          </p:stCondLst>
+                                        </p:cTn>
+                                        <p:tgtEl>
+                                          <p:spTgt spid="3">
+                                            <p:txEl>
+                                              <p:pRg st="8" end="8"/>
+                                            </p:txEl>
+                                          </p:spTgt>
+                                        </p:tgtEl>
+                                        <p:attrNameLst>
+                                          <p:attrName>style.visibility</p:attrName>
+                                        </p:attrNameLst>
+                                      </p:cBhvr>
+                                      <p:to>
+                                        <p:strVal val="visible"/>
+                                      </p:to>
+                                    </p:set>
+                                  </p:childTnLst>
+                                </p:cTn>
+                              </p:par>
+                            </p:childTnLst>
+                          </p:cTn>
+                        </p:par>
+                      </p:childTnLst>
+                    </p:cTn>
+                  </p:par>
+                  <p:par>
+                    <p:cTn id="35" fill="hold">
+                      <p:stCondLst>
+                        <p:cond delay="indefinite"/>
+                      </p:stCondLst>
+                      <p:childTnLst>
+                        <p:par>
+                          <p:cTn id="36" fill="hold">
+                            <p:stCondLst>
+                              <p:cond delay="0"/>
+                            </p:stCondLst>
+                            <p:childTnLst>
+                              <p:par>
+                                <p:cTn id="37" presetID="1" presetClass="entr" presetSubtype="0" fill="hold" nodeType="clickEffect">
+                                  <p:stCondLst>
+                                    <p:cond delay="0"/>
+                                  </p:stCondLst>
+                                  <p:childTnLst>
+                                    <p:set>
+                                      <p:cBhvr>
+                                        <p:cTn id="38" dur="1" fill="hold">
+                                          <p:stCondLst>
+                                            <p:cond delay="0"/>
+                                          </p:stCondLst>
+                                        </p:cTn>
+                                        <p:tgtEl>
+                                          <p:spTgt spid="3">
+                                            <p:txEl>
+                                              <p:pRg st="10" end="10"/>
+                                            </p:txEl>
+                                          </p:spTgt>
+                                        </p:tgtEl>
+                                        <p:attrNameLst>
+                                          <p:attrName>style.visibility</p:attrName>
+                                        </p:attrNameLst>
+                                      </p:cBhvr>
+                                      <p:to>
+                                        <p:strVal val="visible"/>
+                                      </p:to>
+                                    </p:set>
+                                  </p:childTnLst>
+                                </p:cTn>
+                              </p:par>
+                              <p:par>
+                                <p:cTn id="39" presetID="1" presetClass="entr" presetSubtype="0" fill="hold" nodeType="withEffect">
+                                  <p:stCondLst>
+                                    <p:cond delay="0"/>
+                                  </p:stCondLst>
+                                  <p:childTnLst>
+                                    <p:set>
+                                      <p:cBhvr>
+                                        <p:cTn id="40" dur="1" fill="hold">
+                                          <p:stCondLst>
+                                            <p:cond delay="0"/>
+                                          </p:stCondLst>
+                                        </p:cTn>
+                                        <p:tgtEl>
+                                          <p:spTgt spid="3">
+                                            <p:txEl>
+                                              <p:pRg st="11" end="11"/>
+                                            </p:txEl>
+                                          </p:spTgt>
+                                        </p:tgtEl>
+                                        <p:attrNameLst>
+                                          <p:attrName>style.visibility</p:attrName>
+                                        </p:attrNameLst>
+                                      </p:cBhvr>
+                                      <p:to>
+                                        <p:strVal val="visible"/>
+                                      </p:to>
+                                    </p:set>
+                                  </p:childTnLst>
+                                </p:cTn>
+                              </p:par>
+                              <p:par>
+                                <p:cTn id="41" presetID="1" presetClass="entr" presetSubtype="0" fill="hold" nodeType="withEffect">
+                                  <p:stCondLst>
+                                    <p:cond delay="0"/>
+                                  </p:stCondLst>
+                                  <p:childTnLst>
+                                    <p:set>
+                                      <p:cBhvr>
+                                        <p:cTn id="42" dur="1" fill="hold">
+                                          <p:stCondLst>
+                                            <p:cond delay="0"/>
+                                          </p:stCondLst>
+                                        </p:cTn>
+                                        <p:tgtEl>
+                                          <p:spTgt spid="3">
+                                            <p:txEl>
+                                              <p:pRg st="12" end="12"/>
+                                            </p:txEl>
+                                          </p:spTgt>
+                                        </p:tgtEl>
+                                        <p:attrNameLst>
+                                          <p:attrName>style.visibility</p:attrName>
+                                        </p:attrNameLst>
+                                      </p:cBhvr>
+                                      <p:to>
+                                        <p:strVal val="visible"/>
+                                      </p:to>
+                                    </p:set>
+                                  </p:childTnLst>
+                                </p:cTn>
+                              </p:par>
+                              <p:par>
+                                <p:cTn id="43" presetID="1" presetClass="entr" presetSubtype="0" fill="hold" nodeType="withEffect">
+                                  <p:stCondLst>
+                                    <p:cond delay="0"/>
+                                  </p:stCondLst>
+                                  <p:childTnLst>
+                                    <p:set>
+                                      <p:cBhvr>
+                                        <p:cTn id="44" dur="1" fill="hold">
+                                          <p:stCondLst>
+                                            <p:cond delay="0"/>
+                                          </p:stCondLst>
+                                        </p:cTn>
+                                        <p:tgtEl>
+                                          <p:spTgt spid="8"/>
+                                        </p:tgtEl>
+                                        <p:attrNameLst>
+                                          <p:attrName>style.visibility</p:attrName>
+                                        </p:attrNameLst>
+                                      </p:cBhvr>
+                                      <p:to>
+                                        <p:strVal val="visible"/>
+                                      </p:to>
+                                    </p:set>
+                                  </p:childTnLst>
+                                </p:cTn>
+                              </p:par>
+                            </p:childTnLst>
+                          </p:cTn>
+                        </p:par>
+                      </p:childTnLst>
+                    </p:cTn>
+                  </p:par>
+                </p:childTnLst>
+              </p:cTn>
+              <p:prevCondLst>
+                <p:cond evt="onPrev" delay="0">
+                  <p:tgtEl>
+                    <p:sldTgt/>
+                  </p:tgtEl>
+                </p:cond>
+              </p:prevCondLst>
+              <p:nextCondLst>
+                <p:cond evt="onNext" delay="0">
+                  <p:tgtEl>
+                    <p:sldTgt/>
+                  </p:tgtEl>
+                </p:cond>
+              </p:nextCondLst>
+            </p:seq>
+          </p:childTnLst>
+        </p:cTn>
+      </p:par>
+    </p:tnLst>
+  </p:timing>
+</p:sld>
+</file>
+
+<file path=ppt/slides/slide45.xml><?xml version="1.0" encoding="utf-8"?>
 <p:sld xmlns:a="http://schemas.openxmlformats.org/drawingml/2006/main" xmlns:r="http://schemas.openxmlformats.org/officeDocument/2006/relationships" xmlns:p="http://schemas.openxmlformats.org/presentationml/2006/main">
   <p:cSld>
     <p:spTree>
@@ -21384,7 +22745,7 @@
           <a:p>
             <a:r>
               <a:rPr lang="en-US" dirty="0"/>
-              <a:t>So let’s make our own</a:t>
+              <a:t>(2) Let’s make our own</a:t>
             </a:r>
           </a:p>
         </p:txBody>
@@ -21543,32 +22904,14 @@
                 <a:latin typeface="Courier New" panose="02070309020205020404" pitchFamily="49" charset="0"/>
                 <a:cs typeface="Courier New" panose="02070309020205020404" pitchFamily="49" charset="0"/>
               </a:rPr>
-              <a:t>weight_func</a:t>
+              <a:t>values_weight_func</a:t>
             </a:r>
             <a:r>
               <a:rPr lang="en-US" sz="1900" dirty="0">
                 <a:latin typeface="Courier New" panose="02070309020205020404" pitchFamily="49" charset="0"/>
                 <a:cs typeface="Courier New" panose="02070309020205020404" pitchFamily="49" charset="0"/>
               </a:rPr>
-              <a:t>()$values[1:5}</a:t>
-            </a:r>
-          </a:p>
-          <a:p>
-            <a:pPr marL="0" indent="0">
-              <a:lnSpc>
-                <a:spcPct val="100000"/>
-              </a:lnSpc>
-              <a:spcBef>
-                <a:spcPts val="0"/>
-              </a:spcBef>
-              <a:buNone/>
-            </a:pPr>
-            <a:r>
-              <a:rPr lang="en-US" sz="1900" dirty="0">
-                <a:latin typeface="Courier New" panose="02070309020205020404" pitchFamily="49" charset="0"/>
-                <a:cs typeface="Courier New" panose="02070309020205020404" pitchFamily="49" charset="0"/>
-              </a:rPr>
-              <a:t>)</a:t>
+              <a:t>[1:5])</a:t>
             </a:r>
           </a:p>
           <a:p>
@@ -21651,7 +22994,7 @@
                 </a:solidFill>
               </a:rPr>
               <a:pPr/>
-              <a:t>44</a:t>
+              <a:t>45</a:t>
             </a:fld>
             <a:endParaRPr lang="en-US">
               <a:solidFill>
@@ -21816,37 +23159,6 @@
                                   </p:childTnLst>
                                 </p:cTn>
                               </p:par>
-                              <p:par>
-                                <p:cTn id="11" presetID="1" presetClass="entr" presetSubtype="0" fill="hold" nodeType="withEffect">
-                                  <p:stCondLst>
-                                    <p:cond delay="0"/>
-                                  </p:stCondLst>
-                                  <p:childTnLst>
-                                    <p:set>
-                                      <p:cBhvr>
-                                        <p:cTn id="12" dur="1" fill="hold">
-                                          <p:stCondLst>
-                                            <p:cond delay="0"/>
-                                          </p:stCondLst>
-                                        </p:cTn>
-                                        <p:tgtEl>
-                                          <p:spTgt spid="3">
-                                            <p:txEl>
-                                              <p:pRg st="5" end="5"/>
-                                            </p:txEl>
-                                          </p:spTgt>
-                                        </p:tgtEl>
-                                        <p:attrNameLst>
-                                          <p:attrName>style.visibility</p:attrName>
-                                        </p:attrNameLst>
-                                      </p:cBhvr>
-                                      <p:to>
-                                        <p:strVal val="visible"/>
-                                      </p:to>
-                                    </p:set>
-                                  </p:childTnLst>
-                                </p:cTn>
-                              </p:par>
                             </p:childTnLst>
                           </p:cTn>
                         </p:par>
@@ -21878,7 +23190,7 @@
 </p:sld>
 </file>
 
-<file path=ppt/slides/slide45.xml><?xml version="1.0" encoding="utf-8"?>
+<file path=ppt/slides/slide46.xml><?xml version="1.0" encoding="utf-8"?>
 <p:sld xmlns:a="http://schemas.openxmlformats.org/drawingml/2006/main" xmlns:r="http://schemas.openxmlformats.org/officeDocument/2006/relationships" xmlns:p="http://schemas.openxmlformats.org/presentationml/2006/main">
   <p:cSld>
     <p:spTree>
@@ -22012,7 +23324,7 @@
                 </a:solidFill>
               </a:rPr>
               <a:pPr/>
-              <a:t>45</a:t>
+              <a:t>46</a:t>
             </a:fld>
             <a:endParaRPr lang="en-US">
               <a:solidFill>
@@ -22037,7 +23349,7 @@
 </p:sld>
 </file>
 
-<file path=ppt/slides/slide46.xml><?xml version="1.0" encoding="utf-8"?>
+<file path=ppt/slides/slide47.xml><?xml version="1.0" encoding="utf-8"?>
 <p:sld xmlns:a="http://schemas.openxmlformats.org/drawingml/2006/main" xmlns:r="http://schemas.openxmlformats.org/officeDocument/2006/relationships" xmlns:p="http://schemas.openxmlformats.org/presentationml/2006/main">
   <p:cSld>
     <p:spTree>
@@ -22288,7 +23600,7 @@
                 </a:solidFill>
               </a:rPr>
               <a:pPr/>
-              <a:t>46</a:t>
+              <a:t>47</a:t>
             </a:fld>
             <a:endParaRPr lang="en-US">
               <a:solidFill>
@@ -22697,7 +24009,7 @@
 </p:sld>
 </file>
 
-<file path=ppt/slides/slide47.xml><?xml version="1.0" encoding="utf-8"?>
+<file path=ppt/slides/slide48.xml><?xml version="1.0" encoding="utf-8"?>
 <p:sld xmlns:a="http://schemas.openxmlformats.org/drawingml/2006/main" xmlns:r="http://schemas.openxmlformats.org/officeDocument/2006/relationships" xmlns:p="http://schemas.openxmlformats.org/presentationml/2006/main">
   <p:cSld>
     <p:spTree>
@@ -22976,7 +24288,7 @@
                 </a:solidFill>
               </a:rPr>
               <a:pPr/>
-              <a:t>47</a:t>
+              <a:t>48</a:t>
             </a:fld>
             <a:endParaRPr lang="en-US">
               <a:solidFill>
@@ -23061,7 +24373,7 @@
 </p:sld>
 </file>
 
-<file path=ppt/slides/slide48.xml><?xml version="1.0" encoding="utf-8"?>
+<file path=ppt/slides/slide49.xml><?xml version="1.0" encoding="utf-8"?>
 <p:sld xmlns:a="http://schemas.openxmlformats.org/drawingml/2006/main" xmlns:r="http://schemas.openxmlformats.org/officeDocument/2006/relationships" xmlns:p="http://schemas.openxmlformats.org/presentationml/2006/main">
   <p:cSld>
     <p:spTree>
@@ -23344,7 +24656,7 @@
                 </a:solidFill>
               </a:rPr>
               <a:pPr/>
-              <a:t>48</a:t>
+              <a:t>49</a:t>
             </a:fld>
             <a:endParaRPr lang="en-US">
               <a:solidFill>
@@ -23616,7 +24928,109 @@
 </p:sld>
 </file>
 
-<file path=ppt/slides/slide49.xml><?xml version="1.0" encoding="utf-8"?>
+<file path=ppt/slides/slide5.xml><?xml version="1.0" encoding="utf-8"?>
+<p:sld xmlns:a="http://schemas.openxmlformats.org/drawingml/2006/main" xmlns:r="http://schemas.openxmlformats.org/officeDocument/2006/relationships" xmlns:p="http://schemas.openxmlformats.org/presentationml/2006/main">
+  <p:cSld>
+    <p:spTree>
+      <p:nvGrpSpPr>
+        <p:cNvPr id="1" name=""/>
+        <p:cNvGrpSpPr/>
+        <p:nvPr/>
+      </p:nvGrpSpPr>
+      <p:grpSpPr>
+        <a:xfrm>
+          <a:off x="0" y="0"/>
+          <a:ext cx="0" cy="0"/>
+          <a:chOff x="0" y="0"/>
+          <a:chExt cx="0" cy="0"/>
+        </a:xfrm>
+      </p:grpSpPr>
+      <p:sp>
+        <p:nvSpPr>
+          <p:cNvPr id="4" name="Slide Number Placeholder 3">
+            <a:extLst>
+              <a:ext uri="{FF2B5EF4-FFF2-40B4-BE49-F238E27FC236}">
+                <a16:creationId xmlns:a16="http://schemas.microsoft.com/office/drawing/2014/main" id="{540DFF92-E2A0-426D-8547-DD6358862BD9}"/>
+              </a:ext>
+            </a:extLst>
+          </p:cNvPr>
+          <p:cNvSpPr>
+            <a:spLocks noGrp="1"/>
+          </p:cNvSpPr>
+          <p:nvPr>
+            <p:ph type="sldNum" sz="quarter" idx="12"/>
+          </p:nvPr>
+        </p:nvSpPr>
+        <p:spPr/>
+        <p:txBody>
+          <a:bodyPr/>
+          <a:lstStyle/>
+          <a:p>
+            <a:fld id="{1FD78A80-B303-491C-AEE7-8281801B0C65}" type="slidenum">
+              <a:rPr lang="en-US" smtClean="0">
+                <a:solidFill>
+                  <a:prstClr val="black">
+                    <a:tint val="75000"/>
+                  </a:prstClr>
+                </a:solidFill>
+              </a:rPr>
+              <a:pPr/>
+              <a:t>5</a:t>
+            </a:fld>
+            <a:endParaRPr lang="en-US">
+              <a:solidFill>
+                <a:prstClr val="black">
+                  <a:tint val="75000"/>
+                </a:prstClr>
+              </a:solidFill>
+            </a:endParaRPr>
+          </a:p>
+        </p:txBody>
+      </p:sp>
+      <p:pic>
+        <p:nvPicPr>
+          <p:cNvPr id="5" name="Picture 4">
+            <a:extLst>
+              <a:ext uri="{FF2B5EF4-FFF2-40B4-BE49-F238E27FC236}">
+                <a16:creationId xmlns:a16="http://schemas.microsoft.com/office/drawing/2014/main" id="{2870A04C-AD75-40D4-B6B5-66CCA9E1D8FF}"/>
+              </a:ext>
+            </a:extLst>
+          </p:cNvPr>
+          <p:cNvPicPr>
+            <a:picLocks noChangeAspect="1"/>
+          </p:cNvPicPr>
+          <p:nvPr/>
+        </p:nvPicPr>
+        <p:blipFill>
+          <a:blip r:embed="rId2"/>
+          <a:stretch>
+            <a:fillRect/>
+          </a:stretch>
+        </p:blipFill>
+        <p:spPr>
+          <a:xfrm>
+            <a:off x="2936696" y="0"/>
+            <a:ext cx="6318607" cy="6858000"/>
+          </a:xfrm>
+          <a:prstGeom prst="rect">
+            <a:avLst/>
+          </a:prstGeom>
+        </p:spPr>
+      </p:pic>
+    </p:spTree>
+    <p:extLst>
+      <p:ext uri="{BB962C8B-B14F-4D97-AF65-F5344CB8AC3E}">
+        <p14:creationId xmlns:p14="http://schemas.microsoft.com/office/powerpoint/2010/main" val="1910017591"/>
+      </p:ext>
+    </p:extLst>
+  </p:cSld>
+  <p:clrMapOvr>
+    <a:masterClrMapping/>
+  </p:clrMapOvr>
+</p:sld>
+</file>
+
+<file path=ppt/slides/slide50.xml><?xml version="1.0" encoding="utf-8"?>
 <p:sld xmlns:a="http://schemas.openxmlformats.org/drawingml/2006/main" xmlns:r="http://schemas.openxmlformats.org/officeDocument/2006/relationships" xmlns:p="http://schemas.openxmlformats.org/presentationml/2006/main">
   <p:cSld>
     <p:spTree>
@@ -23887,7 +25301,7 @@
                 </a:solidFill>
               </a:rPr>
               <a:pPr/>
-              <a:t>49</a:t>
+              <a:t>50</a:t>
             </a:fld>
             <a:endParaRPr lang="en-US">
               <a:solidFill>
@@ -24055,7 +25469,7 @@
                                         <p:tgtEl>
                                           <p:spTgt spid="3">
                                             <p:txEl>
-                                              <p:charRg st="151" end="190"/>
+                                              <p:pRg st="6" end="6"/>
                                             </p:txEl>
                                           </p:spTgt>
                                         </p:tgtEl>
@@ -24159,109 +25573,7 @@
 </p:sld>
 </file>
 
-<file path=ppt/slides/slide5.xml><?xml version="1.0" encoding="utf-8"?>
-<p:sld xmlns:a="http://schemas.openxmlformats.org/drawingml/2006/main" xmlns:r="http://schemas.openxmlformats.org/officeDocument/2006/relationships" xmlns:p="http://schemas.openxmlformats.org/presentationml/2006/main">
-  <p:cSld>
-    <p:spTree>
-      <p:nvGrpSpPr>
-        <p:cNvPr id="1" name=""/>
-        <p:cNvGrpSpPr/>
-        <p:nvPr/>
-      </p:nvGrpSpPr>
-      <p:grpSpPr>
-        <a:xfrm>
-          <a:off x="0" y="0"/>
-          <a:ext cx="0" cy="0"/>
-          <a:chOff x="0" y="0"/>
-          <a:chExt cx="0" cy="0"/>
-        </a:xfrm>
-      </p:grpSpPr>
-      <p:sp>
-        <p:nvSpPr>
-          <p:cNvPr id="4" name="Slide Number Placeholder 3">
-            <a:extLst>
-              <a:ext uri="{FF2B5EF4-FFF2-40B4-BE49-F238E27FC236}">
-                <a16:creationId xmlns:a16="http://schemas.microsoft.com/office/drawing/2014/main" id="{540DFF92-E2A0-426D-8547-DD6358862BD9}"/>
-              </a:ext>
-            </a:extLst>
-          </p:cNvPr>
-          <p:cNvSpPr>
-            <a:spLocks noGrp="1"/>
-          </p:cNvSpPr>
-          <p:nvPr>
-            <p:ph type="sldNum" sz="quarter" idx="12"/>
-          </p:nvPr>
-        </p:nvSpPr>
-        <p:spPr/>
-        <p:txBody>
-          <a:bodyPr/>
-          <a:lstStyle/>
-          <a:p>
-            <a:fld id="{1FD78A80-B303-491C-AEE7-8281801B0C65}" type="slidenum">
-              <a:rPr lang="en-US" smtClean="0">
-                <a:solidFill>
-                  <a:prstClr val="black">
-                    <a:tint val="75000"/>
-                  </a:prstClr>
-                </a:solidFill>
-              </a:rPr>
-              <a:pPr/>
-              <a:t>5</a:t>
-            </a:fld>
-            <a:endParaRPr lang="en-US">
-              <a:solidFill>
-                <a:prstClr val="black">
-                  <a:tint val="75000"/>
-                </a:prstClr>
-              </a:solidFill>
-            </a:endParaRPr>
-          </a:p>
-        </p:txBody>
-      </p:sp>
-      <p:pic>
-        <p:nvPicPr>
-          <p:cNvPr id="5" name="Picture 4">
-            <a:extLst>
-              <a:ext uri="{FF2B5EF4-FFF2-40B4-BE49-F238E27FC236}">
-                <a16:creationId xmlns:a16="http://schemas.microsoft.com/office/drawing/2014/main" id="{2870A04C-AD75-40D4-B6B5-66CCA9E1D8FF}"/>
-              </a:ext>
-            </a:extLst>
-          </p:cNvPr>
-          <p:cNvPicPr>
-            <a:picLocks noChangeAspect="1"/>
-          </p:cNvPicPr>
-          <p:nvPr/>
-        </p:nvPicPr>
-        <p:blipFill>
-          <a:blip r:embed="rId2"/>
-          <a:stretch>
-            <a:fillRect/>
-          </a:stretch>
-        </p:blipFill>
-        <p:spPr>
-          <a:xfrm>
-            <a:off x="2936696" y="0"/>
-            <a:ext cx="6318607" cy="6858000"/>
-          </a:xfrm>
-          <a:prstGeom prst="rect">
-            <a:avLst/>
-          </a:prstGeom>
-        </p:spPr>
-      </p:pic>
-    </p:spTree>
-    <p:extLst>
-      <p:ext uri="{BB962C8B-B14F-4D97-AF65-F5344CB8AC3E}">
-        <p14:creationId xmlns:p14="http://schemas.microsoft.com/office/powerpoint/2010/main" val="1910017591"/>
-      </p:ext>
-    </p:extLst>
-  </p:cSld>
-  <p:clrMapOvr>
-    <a:masterClrMapping/>
-  </p:clrMapOvr>
-</p:sld>
-</file>
-
-<file path=ppt/slides/slide50.xml><?xml version="1.0" encoding="utf-8"?>
+<file path=ppt/slides/slide51.xml><?xml version="1.0" encoding="utf-8"?>
 <p:sld xmlns:a="http://schemas.openxmlformats.org/drawingml/2006/main" xmlns:r="http://schemas.openxmlformats.org/officeDocument/2006/relationships" xmlns:p="http://schemas.openxmlformats.org/presentationml/2006/main">
   <p:cSld>
     <p:spTree>
@@ -24514,7 +25826,7 @@
                 </a:solidFill>
               </a:rPr>
               <a:pPr/>
-              <a:t>50</a:t>
+              <a:t>51</a:t>
             </a:fld>
             <a:endParaRPr lang="en-US">
               <a:solidFill>
@@ -24786,7 +26098,7 @@
 </p:sld>
 </file>
 
-<file path=ppt/slides/slide51.xml><?xml version="1.0" encoding="utf-8"?>
+<file path=ppt/slides/slide52.xml><?xml version="1.0" encoding="utf-8"?>
 <p:sld xmlns:a="http://schemas.openxmlformats.org/drawingml/2006/main" xmlns:r="http://schemas.openxmlformats.org/officeDocument/2006/relationships" xmlns:p="http://schemas.openxmlformats.org/presentationml/2006/main">
   <p:cSld>
     <p:spTree>
@@ -25036,7 +26348,7 @@
                 </a:solidFill>
               </a:rPr>
               <a:pPr/>
-              <a:t>51</a:t>
+              <a:t>52</a:t>
             </a:fld>
             <a:endParaRPr lang="en-US">
               <a:solidFill>
@@ -25330,7 +26642,7 @@
 </p:sld>
 </file>
 
-<file path=ppt/slides/slide52.xml><?xml version="1.0" encoding="utf-8"?>
+<file path=ppt/slides/slide53.xml><?xml version="1.0" encoding="utf-8"?>
 <p:sld xmlns:a="http://schemas.openxmlformats.org/drawingml/2006/main" xmlns:r="http://schemas.openxmlformats.org/officeDocument/2006/relationships" xmlns:p="http://schemas.openxmlformats.org/presentationml/2006/main">
   <p:cSld>
     <p:bg>
@@ -25453,7 +26765,7 @@
                 <a:tabLst/>
                 <a:defRPr/>
               </a:pPr>
-              <a:t>52</a:t>
+              <a:t>53</a:t>
             </a:fld>
             <a:endParaRPr kumimoji="0" lang="en-US" sz="1200" b="0" i="0" u="none" strike="noStrike" kern="1200" cap="none" spc="0" normalizeH="0" baseline="0" noProof="0">
               <a:ln>
@@ -25524,7 +26836,7 @@
 </p:sld>
 </file>
 
-<file path=ppt/slides/slide53.xml><?xml version="1.0" encoding="utf-8"?>
+<file path=ppt/slides/slide54.xml><?xml version="1.0" encoding="utf-8"?>
 <p:sld xmlns:a="http://schemas.openxmlformats.org/drawingml/2006/main" xmlns:r="http://schemas.openxmlformats.org/officeDocument/2006/relationships" xmlns:p="http://schemas.openxmlformats.org/presentationml/2006/main">
   <p:cSld>
     <p:spTree>
@@ -26061,7 +27373,7 @@
                 </a:solidFill>
               </a:rPr>
               <a:pPr/>
-              <a:t>53</a:t>
+              <a:t>54</a:t>
             </a:fld>
             <a:endParaRPr lang="en-US">
               <a:solidFill>
@@ -26320,7 +27632,7 @@
 </p:sld>
 </file>
 
-<file path=ppt/slides/slide54.xml><?xml version="1.0" encoding="utf-8"?>
+<file path=ppt/slides/slide55.xml><?xml version="1.0" encoding="utf-8"?>
 <p:sld xmlns:a="http://schemas.openxmlformats.org/drawingml/2006/main" xmlns:r="http://schemas.openxmlformats.org/officeDocument/2006/relationships" xmlns:p="http://schemas.openxmlformats.org/presentationml/2006/main">
   <p:cSld>
     <p:spTree>
@@ -26720,7 +28032,7 @@
                 </a:solidFill>
               </a:rPr>
               <a:pPr/>
-              <a:t>54</a:t>
+              <a:t>55</a:t>
             </a:fld>
             <a:endParaRPr lang="en-US">
               <a:solidFill>
@@ -27072,7 +28384,7 @@
 </p:sld>
 </file>
 
-<file path=ppt/slides/slide55.xml><?xml version="1.0" encoding="utf-8"?>
+<file path=ppt/slides/slide56.xml><?xml version="1.0" encoding="utf-8"?>
 <p:sld xmlns:a="http://schemas.openxmlformats.org/drawingml/2006/main" xmlns:r="http://schemas.openxmlformats.org/officeDocument/2006/relationships" xmlns:p="http://schemas.openxmlformats.org/presentationml/2006/main">
   <p:cSld>
     <p:spTree>
@@ -27897,676 +29209,6 @@
                 </a:solidFill>
               </a:rPr>
               <a:pPr/>
-              <a:t>55</a:t>
-            </a:fld>
-            <a:endParaRPr lang="en-US">
-              <a:solidFill>
-                <a:prstClr val="black">
-                  <a:tint val="75000"/>
-                </a:prstClr>
-              </a:solidFill>
-            </a:endParaRPr>
-          </a:p>
-        </p:txBody>
-      </p:sp>
-    </p:spTree>
-    <p:extLst>
-      <p:ext uri="{BB962C8B-B14F-4D97-AF65-F5344CB8AC3E}">
-        <p14:creationId xmlns:p14="http://schemas.microsoft.com/office/powerpoint/2010/main" val="281666730"/>
-      </p:ext>
-    </p:extLst>
-  </p:cSld>
-  <p:clrMapOvr>
-    <a:masterClrMapping/>
-  </p:clrMapOvr>
-</p:sld>
-</file>
-
-<file path=ppt/slides/slide56.xml><?xml version="1.0" encoding="utf-8"?>
-<p:sld xmlns:a="http://schemas.openxmlformats.org/drawingml/2006/main" xmlns:r="http://schemas.openxmlformats.org/officeDocument/2006/relationships" xmlns:p="http://schemas.openxmlformats.org/presentationml/2006/main">
-  <p:cSld>
-    <p:spTree>
-      <p:nvGrpSpPr>
-        <p:cNvPr id="1" name=""/>
-        <p:cNvGrpSpPr/>
-        <p:nvPr/>
-      </p:nvGrpSpPr>
-      <p:grpSpPr>
-        <a:xfrm>
-          <a:off x="0" y="0"/>
-          <a:ext cx="0" cy="0"/>
-          <a:chOff x="0" y="0"/>
-          <a:chExt cx="0" cy="0"/>
-        </a:xfrm>
-      </p:grpSpPr>
-      <p:sp>
-        <p:nvSpPr>
-          <p:cNvPr id="3" name="Content Placeholder 2">
-            <a:extLst>
-              <a:ext uri="{FF2B5EF4-FFF2-40B4-BE49-F238E27FC236}">
-                <a16:creationId xmlns:a16="http://schemas.microsoft.com/office/drawing/2014/main" id="{DB7474A6-12B8-4D5A-9967-966A564A53D6}"/>
-              </a:ext>
-            </a:extLst>
-          </p:cNvPr>
-          <p:cNvSpPr>
-            <a:spLocks noGrp="1"/>
-          </p:cNvSpPr>
-          <p:nvPr>
-            <p:ph idx="1"/>
-          </p:nvPr>
-        </p:nvSpPr>
-        <p:spPr>
-          <a:xfrm>
-            <a:off x="214313" y="264319"/>
-            <a:ext cx="11139487" cy="6272212"/>
-          </a:xfrm>
-        </p:spPr>
-        <p:txBody>
-          <a:bodyPr>
-            <a:normAutofit/>
-          </a:bodyPr>
-          <a:lstStyle/>
-          <a:p>
-            <a:pPr marL="0" indent="0">
-              <a:buNone/>
-            </a:pPr>
-            <a:r>
-              <a:rPr lang="en-US" sz="2200" dirty="0" err="1">
-                <a:latin typeface="Courier New" panose="02070309020205020404" pitchFamily="49" charset="0"/>
-                <a:cs typeface="Courier New" panose="02070309020205020404" pitchFamily="49" charset="0"/>
-              </a:rPr>
-              <a:t>knn_clas_res</a:t>
-            </a:r>
-            <a:r>
-              <a:rPr lang="en-US" sz="2200" dirty="0">
-                <a:latin typeface="Courier New" panose="02070309020205020404" pitchFamily="49" charset="0"/>
-                <a:cs typeface="Courier New" panose="02070309020205020404" pitchFamily="49" charset="0"/>
-              </a:rPr>
-              <a:t> %&gt;% </a:t>
-            </a:r>
-          </a:p>
-          <a:p>
-            <a:pPr marL="0" indent="0">
-              <a:buNone/>
-            </a:pPr>
-            <a:r>
-              <a:rPr lang="en-US" sz="2200" dirty="0">
-                <a:latin typeface="Courier New" panose="02070309020205020404" pitchFamily="49" charset="0"/>
-                <a:cs typeface="Courier New" panose="02070309020205020404" pitchFamily="49" charset="0"/>
-              </a:rPr>
-              <a:t>  </a:t>
-            </a:r>
-            <a:r>
-              <a:rPr lang="en-US" sz="2200" dirty="0" err="1">
-                <a:latin typeface="Courier New" panose="02070309020205020404" pitchFamily="49" charset="0"/>
-                <a:cs typeface="Courier New" panose="02070309020205020404" pitchFamily="49" charset="0"/>
-              </a:rPr>
-              <a:t>show_best</a:t>
-            </a:r>
-            <a:r>
-              <a:rPr lang="en-US" sz="2200" dirty="0">
-                <a:latin typeface="Courier New" panose="02070309020205020404" pitchFamily="49" charset="0"/>
-                <a:cs typeface="Courier New" panose="02070309020205020404" pitchFamily="49" charset="0"/>
-              </a:rPr>
-              <a:t>(metric = "</a:t>
-            </a:r>
-            <a:r>
-              <a:rPr lang="en-US" sz="2200" dirty="0" err="1">
-                <a:latin typeface="Courier New" panose="02070309020205020404" pitchFamily="49" charset="0"/>
-                <a:cs typeface="Courier New" panose="02070309020205020404" pitchFamily="49" charset="0"/>
-              </a:rPr>
-              <a:t>roc_auc</a:t>
-            </a:r>
-            <a:r>
-              <a:rPr lang="en-US" sz="2200" dirty="0">
-                <a:latin typeface="Courier New" panose="02070309020205020404" pitchFamily="49" charset="0"/>
-                <a:cs typeface="Courier New" panose="02070309020205020404" pitchFamily="49" charset="0"/>
-              </a:rPr>
-              <a:t>", n = 5)</a:t>
-            </a:r>
-          </a:p>
-          <a:p>
-            <a:pPr marL="0" indent="0">
-              <a:buNone/>
-            </a:pPr>
-            <a:endParaRPr lang="en-US" sz="2200" dirty="0">
-              <a:latin typeface="Courier New" panose="02070309020205020404" pitchFamily="49" charset="0"/>
-              <a:cs typeface="Courier New" panose="02070309020205020404" pitchFamily="49" charset="0"/>
-            </a:endParaRPr>
-          </a:p>
-          <a:p>
-            <a:pPr marL="0" indent="0">
-              <a:spcBef>
-                <a:spcPts val="0"/>
-              </a:spcBef>
-              <a:buNone/>
-            </a:pPr>
-            <a:r>
-              <a:rPr lang="en-US" sz="2200" dirty="0">
-                <a:highlight>
-                  <a:srgbClr val="C0C0C0"/>
-                </a:highlight>
-                <a:latin typeface="Courier New" panose="02070309020205020404" pitchFamily="49" charset="0"/>
-                <a:cs typeface="Courier New" panose="02070309020205020404" pitchFamily="49" charset="0"/>
-              </a:rPr>
-              <a:t># A </a:t>
-            </a:r>
-            <a:r>
-              <a:rPr lang="en-US" sz="2200" dirty="0" err="1">
-                <a:highlight>
-                  <a:srgbClr val="C0C0C0"/>
-                </a:highlight>
-                <a:latin typeface="Courier New" panose="02070309020205020404" pitchFamily="49" charset="0"/>
-                <a:cs typeface="Courier New" panose="02070309020205020404" pitchFamily="49" charset="0"/>
-              </a:rPr>
-              <a:t>tibble</a:t>
-            </a:r>
-            <a:r>
-              <a:rPr lang="en-US" sz="2200" dirty="0">
-                <a:highlight>
-                  <a:srgbClr val="C0C0C0"/>
-                </a:highlight>
-                <a:latin typeface="Courier New" panose="02070309020205020404" pitchFamily="49" charset="0"/>
-                <a:cs typeface="Courier New" panose="02070309020205020404" pitchFamily="49" charset="0"/>
-              </a:rPr>
-              <a:t>: 5 x 7</a:t>
-            </a:r>
-          </a:p>
-          <a:p>
-            <a:pPr marL="0" indent="0">
-              <a:spcBef>
-                <a:spcPts val="0"/>
-              </a:spcBef>
-              <a:buNone/>
-            </a:pPr>
-            <a:r>
-              <a:rPr lang="en-US" sz="2200" dirty="0">
-                <a:highlight>
-                  <a:srgbClr val="C0C0C0"/>
-                </a:highlight>
-                <a:latin typeface="Courier New" panose="02070309020205020404" pitchFamily="49" charset="0"/>
-                <a:cs typeface="Courier New" panose="02070309020205020404" pitchFamily="49" charset="0"/>
-              </a:rPr>
-              <a:t>  neighbors </a:t>
-            </a:r>
-            <a:r>
-              <a:rPr lang="en-US" sz="2200" dirty="0" err="1">
-                <a:highlight>
-                  <a:srgbClr val="C0C0C0"/>
-                </a:highlight>
-                <a:latin typeface="Courier New" panose="02070309020205020404" pitchFamily="49" charset="0"/>
-                <a:cs typeface="Courier New" panose="02070309020205020404" pitchFamily="49" charset="0"/>
-              </a:rPr>
-              <a:t>weight_func</a:t>
-            </a:r>
-            <a:r>
-              <a:rPr lang="en-US" sz="2200" dirty="0">
-                <a:highlight>
-                  <a:srgbClr val="C0C0C0"/>
-                </a:highlight>
-                <a:latin typeface="Courier New" panose="02070309020205020404" pitchFamily="49" charset="0"/>
-                <a:cs typeface="Courier New" panose="02070309020205020404" pitchFamily="49" charset="0"/>
-              </a:rPr>
-              <a:t> .metric .estimator  mean     n </a:t>
-            </a:r>
-            <a:r>
-              <a:rPr lang="en-US" sz="2200" dirty="0" err="1">
-                <a:highlight>
-                  <a:srgbClr val="C0C0C0"/>
-                </a:highlight>
-                <a:latin typeface="Courier New" panose="02070309020205020404" pitchFamily="49" charset="0"/>
-                <a:cs typeface="Courier New" panose="02070309020205020404" pitchFamily="49" charset="0"/>
-              </a:rPr>
-              <a:t>std_err</a:t>
-            </a:r>
-            <a:endParaRPr lang="en-US" sz="2200" dirty="0">
-              <a:highlight>
-                <a:srgbClr val="C0C0C0"/>
-              </a:highlight>
-              <a:latin typeface="Courier New" panose="02070309020205020404" pitchFamily="49" charset="0"/>
-              <a:cs typeface="Courier New" panose="02070309020205020404" pitchFamily="49" charset="0"/>
-            </a:endParaRPr>
-          </a:p>
-          <a:p>
-            <a:pPr marL="0" indent="0">
-              <a:spcBef>
-                <a:spcPts val="0"/>
-              </a:spcBef>
-              <a:buNone/>
-            </a:pPr>
-            <a:r>
-              <a:rPr lang="en-US" sz="2200" dirty="0">
-                <a:highlight>
-                  <a:srgbClr val="C0C0C0"/>
-                </a:highlight>
-                <a:latin typeface="Courier New" panose="02070309020205020404" pitchFamily="49" charset="0"/>
-                <a:cs typeface="Courier New" panose="02070309020205020404" pitchFamily="49" charset="0"/>
-              </a:rPr>
-              <a:t>      &lt;int&gt; &lt;</a:t>
-            </a:r>
-            <a:r>
-              <a:rPr lang="en-US" sz="2200" dirty="0" err="1">
-                <a:highlight>
-                  <a:srgbClr val="C0C0C0"/>
-                </a:highlight>
-                <a:latin typeface="Courier New" panose="02070309020205020404" pitchFamily="49" charset="0"/>
-                <a:cs typeface="Courier New" panose="02070309020205020404" pitchFamily="49" charset="0"/>
-              </a:rPr>
-              <a:t>chr</a:t>
-            </a:r>
-            <a:r>
-              <a:rPr lang="en-US" sz="2200" dirty="0">
-                <a:highlight>
-                  <a:srgbClr val="C0C0C0"/>
-                </a:highlight>
-                <a:latin typeface="Courier New" panose="02070309020205020404" pitchFamily="49" charset="0"/>
-                <a:cs typeface="Courier New" panose="02070309020205020404" pitchFamily="49" charset="0"/>
-              </a:rPr>
-              <a:t>&gt;       &lt;</a:t>
-            </a:r>
-            <a:r>
-              <a:rPr lang="en-US" sz="2200" dirty="0" err="1">
-                <a:highlight>
-                  <a:srgbClr val="C0C0C0"/>
-                </a:highlight>
-                <a:latin typeface="Courier New" panose="02070309020205020404" pitchFamily="49" charset="0"/>
-                <a:cs typeface="Courier New" panose="02070309020205020404" pitchFamily="49" charset="0"/>
-              </a:rPr>
-              <a:t>chr</a:t>
-            </a:r>
-            <a:r>
-              <a:rPr lang="en-US" sz="2200" dirty="0">
-                <a:highlight>
-                  <a:srgbClr val="C0C0C0"/>
-                </a:highlight>
-                <a:latin typeface="Courier New" panose="02070309020205020404" pitchFamily="49" charset="0"/>
-                <a:cs typeface="Courier New" panose="02070309020205020404" pitchFamily="49" charset="0"/>
-              </a:rPr>
-              <a:t>&gt;   &lt;</a:t>
-            </a:r>
-            <a:r>
-              <a:rPr lang="en-US" sz="2200" dirty="0" err="1">
-                <a:highlight>
-                  <a:srgbClr val="C0C0C0"/>
-                </a:highlight>
-                <a:latin typeface="Courier New" panose="02070309020205020404" pitchFamily="49" charset="0"/>
-                <a:cs typeface="Courier New" panose="02070309020205020404" pitchFamily="49" charset="0"/>
-              </a:rPr>
-              <a:t>chr</a:t>
-            </a:r>
-            <a:r>
-              <a:rPr lang="en-US" sz="2200" dirty="0">
-                <a:highlight>
-                  <a:srgbClr val="C0C0C0"/>
-                </a:highlight>
-                <a:latin typeface="Courier New" panose="02070309020205020404" pitchFamily="49" charset="0"/>
-                <a:cs typeface="Courier New" panose="02070309020205020404" pitchFamily="49" charset="0"/>
-              </a:rPr>
-              <a:t>&gt;      &lt;</a:t>
-            </a:r>
-            <a:r>
-              <a:rPr lang="en-US" sz="2200" dirty="0" err="1">
-                <a:highlight>
-                  <a:srgbClr val="C0C0C0"/>
-                </a:highlight>
-                <a:latin typeface="Courier New" panose="02070309020205020404" pitchFamily="49" charset="0"/>
-                <a:cs typeface="Courier New" panose="02070309020205020404" pitchFamily="49" charset="0"/>
-              </a:rPr>
-              <a:t>dbl</a:t>
-            </a:r>
-            <a:r>
-              <a:rPr lang="en-US" sz="2200" dirty="0">
-                <a:highlight>
-                  <a:srgbClr val="C0C0C0"/>
-                </a:highlight>
-                <a:latin typeface="Courier New" panose="02070309020205020404" pitchFamily="49" charset="0"/>
-                <a:cs typeface="Courier New" panose="02070309020205020404" pitchFamily="49" charset="0"/>
-              </a:rPr>
-              <a:t>&gt; &lt;int&gt;   &lt;</a:t>
-            </a:r>
-            <a:r>
-              <a:rPr lang="en-US" sz="2200" dirty="0" err="1">
-                <a:highlight>
-                  <a:srgbClr val="C0C0C0"/>
-                </a:highlight>
-                <a:latin typeface="Courier New" panose="02070309020205020404" pitchFamily="49" charset="0"/>
-                <a:cs typeface="Courier New" panose="02070309020205020404" pitchFamily="49" charset="0"/>
-              </a:rPr>
-              <a:t>dbl</a:t>
-            </a:r>
-            <a:r>
-              <a:rPr lang="en-US" sz="2200" dirty="0">
-                <a:highlight>
-                  <a:srgbClr val="C0C0C0"/>
-                </a:highlight>
-                <a:latin typeface="Courier New" panose="02070309020205020404" pitchFamily="49" charset="0"/>
-                <a:cs typeface="Courier New" panose="02070309020205020404" pitchFamily="49" charset="0"/>
-              </a:rPr>
-              <a:t>&gt;</a:t>
-            </a:r>
-          </a:p>
-          <a:p>
-            <a:pPr marL="0" indent="0">
-              <a:spcBef>
-                <a:spcPts val="0"/>
-              </a:spcBef>
-              <a:buNone/>
-            </a:pPr>
-            <a:r>
-              <a:rPr lang="en-US" sz="2200" dirty="0">
-                <a:highlight>
-                  <a:srgbClr val="C0C0C0"/>
-                </a:highlight>
-                <a:latin typeface="Courier New" panose="02070309020205020404" pitchFamily="49" charset="0"/>
-                <a:cs typeface="Courier New" panose="02070309020205020404" pitchFamily="49" charset="0"/>
-              </a:rPr>
-              <a:t>1        10 rank        </a:t>
-            </a:r>
-            <a:r>
-              <a:rPr lang="en-US" sz="2200" dirty="0" err="1">
-                <a:highlight>
-                  <a:srgbClr val="C0C0C0"/>
-                </a:highlight>
-                <a:latin typeface="Courier New" panose="02070309020205020404" pitchFamily="49" charset="0"/>
-                <a:cs typeface="Courier New" panose="02070309020205020404" pitchFamily="49" charset="0"/>
-              </a:rPr>
-              <a:t>roc_auc</a:t>
-            </a:r>
-            <a:r>
-              <a:rPr lang="en-US" sz="2200" dirty="0">
-                <a:highlight>
-                  <a:srgbClr val="C0C0C0"/>
-                </a:highlight>
-                <a:latin typeface="Courier New" panose="02070309020205020404" pitchFamily="49" charset="0"/>
-                <a:cs typeface="Courier New" panose="02070309020205020404" pitchFamily="49" charset="0"/>
-              </a:rPr>
-              <a:t> </a:t>
-            </a:r>
-            <a:r>
-              <a:rPr lang="en-US" sz="2200" dirty="0" err="1">
-                <a:highlight>
-                  <a:srgbClr val="C0C0C0"/>
-                </a:highlight>
-                <a:latin typeface="Courier New" panose="02070309020205020404" pitchFamily="49" charset="0"/>
-                <a:cs typeface="Courier New" panose="02070309020205020404" pitchFamily="49" charset="0"/>
-              </a:rPr>
-              <a:t>hand_till</a:t>
-            </a:r>
-            <a:r>
-              <a:rPr lang="en-US" sz="2200" dirty="0">
-                <a:highlight>
-                  <a:srgbClr val="C0C0C0"/>
-                </a:highlight>
-                <a:latin typeface="Courier New" panose="02070309020205020404" pitchFamily="49" charset="0"/>
-                <a:cs typeface="Courier New" panose="02070309020205020404" pitchFamily="49" charset="0"/>
-              </a:rPr>
-              <a:t>  0.605    10 0.00558</a:t>
-            </a:r>
-          </a:p>
-          <a:p>
-            <a:pPr marL="0" indent="0">
-              <a:spcBef>
-                <a:spcPts val="0"/>
-              </a:spcBef>
-              <a:buNone/>
-            </a:pPr>
-            <a:r>
-              <a:rPr lang="en-US" sz="2200" dirty="0">
-                <a:highlight>
-                  <a:srgbClr val="C0C0C0"/>
-                </a:highlight>
-                <a:latin typeface="Courier New" panose="02070309020205020404" pitchFamily="49" charset="0"/>
-                <a:cs typeface="Courier New" panose="02070309020205020404" pitchFamily="49" charset="0"/>
-              </a:rPr>
-              <a:t>2         9 gaussian    </a:t>
-            </a:r>
-            <a:r>
-              <a:rPr lang="en-US" sz="2200" dirty="0" err="1">
-                <a:highlight>
-                  <a:srgbClr val="C0C0C0"/>
-                </a:highlight>
-                <a:latin typeface="Courier New" panose="02070309020205020404" pitchFamily="49" charset="0"/>
-                <a:cs typeface="Courier New" panose="02070309020205020404" pitchFamily="49" charset="0"/>
-              </a:rPr>
-              <a:t>roc_auc</a:t>
-            </a:r>
-            <a:r>
-              <a:rPr lang="en-US" sz="2200" dirty="0">
-                <a:highlight>
-                  <a:srgbClr val="C0C0C0"/>
-                </a:highlight>
-                <a:latin typeface="Courier New" panose="02070309020205020404" pitchFamily="49" charset="0"/>
-                <a:cs typeface="Courier New" panose="02070309020205020404" pitchFamily="49" charset="0"/>
-              </a:rPr>
-              <a:t> </a:t>
-            </a:r>
-            <a:r>
-              <a:rPr lang="en-US" sz="2200" dirty="0" err="1">
-                <a:highlight>
-                  <a:srgbClr val="C0C0C0"/>
-                </a:highlight>
-                <a:latin typeface="Courier New" panose="02070309020205020404" pitchFamily="49" charset="0"/>
-                <a:cs typeface="Courier New" panose="02070309020205020404" pitchFamily="49" charset="0"/>
-              </a:rPr>
-              <a:t>hand_till</a:t>
-            </a:r>
-            <a:r>
-              <a:rPr lang="en-US" sz="2200" dirty="0">
-                <a:highlight>
-                  <a:srgbClr val="C0C0C0"/>
-                </a:highlight>
-                <a:latin typeface="Courier New" panose="02070309020205020404" pitchFamily="49" charset="0"/>
-                <a:cs typeface="Courier New" panose="02070309020205020404" pitchFamily="49" charset="0"/>
-              </a:rPr>
-              <a:t>  0.605    10 0.00600</a:t>
-            </a:r>
-          </a:p>
-          <a:p>
-            <a:pPr marL="0" indent="0">
-              <a:spcBef>
-                <a:spcPts val="0"/>
-              </a:spcBef>
-              <a:buNone/>
-            </a:pPr>
-            <a:r>
-              <a:rPr lang="en-US" sz="2200" dirty="0">
-                <a:highlight>
-                  <a:srgbClr val="C0C0C0"/>
-                </a:highlight>
-                <a:latin typeface="Courier New" panose="02070309020205020404" pitchFamily="49" charset="0"/>
-                <a:cs typeface="Courier New" panose="02070309020205020404" pitchFamily="49" charset="0"/>
-              </a:rPr>
-              <a:t>3         8 triangular  </a:t>
-            </a:r>
-            <a:r>
-              <a:rPr lang="en-US" sz="2200" dirty="0" err="1">
-                <a:highlight>
-                  <a:srgbClr val="C0C0C0"/>
-                </a:highlight>
-                <a:latin typeface="Courier New" panose="02070309020205020404" pitchFamily="49" charset="0"/>
-                <a:cs typeface="Courier New" panose="02070309020205020404" pitchFamily="49" charset="0"/>
-              </a:rPr>
-              <a:t>roc_auc</a:t>
-            </a:r>
-            <a:r>
-              <a:rPr lang="en-US" sz="2200" dirty="0">
-                <a:highlight>
-                  <a:srgbClr val="C0C0C0"/>
-                </a:highlight>
-                <a:latin typeface="Courier New" panose="02070309020205020404" pitchFamily="49" charset="0"/>
-                <a:cs typeface="Courier New" panose="02070309020205020404" pitchFamily="49" charset="0"/>
-              </a:rPr>
-              <a:t> </a:t>
-            </a:r>
-            <a:r>
-              <a:rPr lang="en-US" sz="2200" dirty="0" err="1">
-                <a:highlight>
-                  <a:srgbClr val="C0C0C0"/>
-                </a:highlight>
-                <a:latin typeface="Courier New" panose="02070309020205020404" pitchFamily="49" charset="0"/>
-                <a:cs typeface="Courier New" panose="02070309020205020404" pitchFamily="49" charset="0"/>
-              </a:rPr>
-              <a:t>hand_till</a:t>
-            </a:r>
-            <a:r>
-              <a:rPr lang="en-US" sz="2200" dirty="0">
-                <a:highlight>
-                  <a:srgbClr val="C0C0C0"/>
-                </a:highlight>
-                <a:latin typeface="Courier New" panose="02070309020205020404" pitchFamily="49" charset="0"/>
-                <a:cs typeface="Courier New" panose="02070309020205020404" pitchFamily="49" charset="0"/>
-              </a:rPr>
-              <a:t>  0.601    10 0.00596</a:t>
-            </a:r>
-          </a:p>
-          <a:p>
-            <a:pPr marL="0" indent="0">
-              <a:spcBef>
-                <a:spcPts val="0"/>
-              </a:spcBef>
-              <a:buNone/>
-            </a:pPr>
-            <a:r>
-              <a:rPr lang="en-US" sz="2200" dirty="0">
-                <a:highlight>
-                  <a:srgbClr val="C0C0C0"/>
-                </a:highlight>
-                <a:latin typeface="Courier New" panose="02070309020205020404" pitchFamily="49" charset="0"/>
-                <a:cs typeface="Courier New" panose="02070309020205020404" pitchFamily="49" charset="0"/>
-              </a:rPr>
-              <a:t>4         7 gaussian    </a:t>
-            </a:r>
-            <a:r>
-              <a:rPr lang="en-US" sz="2200" dirty="0" err="1">
-                <a:highlight>
-                  <a:srgbClr val="C0C0C0"/>
-                </a:highlight>
-                <a:latin typeface="Courier New" panose="02070309020205020404" pitchFamily="49" charset="0"/>
-                <a:cs typeface="Courier New" panose="02070309020205020404" pitchFamily="49" charset="0"/>
-              </a:rPr>
-              <a:t>roc_auc</a:t>
-            </a:r>
-            <a:r>
-              <a:rPr lang="en-US" sz="2200" dirty="0">
-                <a:highlight>
-                  <a:srgbClr val="C0C0C0"/>
-                </a:highlight>
-                <a:latin typeface="Courier New" panose="02070309020205020404" pitchFamily="49" charset="0"/>
-                <a:cs typeface="Courier New" panose="02070309020205020404" pitchFamily="49" charset="0"/>
-              </a:rPr>
-              <a:t> </a:t>
-            </a:r>
-            <a:r>
-              <a:rPr lang="en-US" sz="2200" dirty="0" err="1">
-                <a:highlight>
-                  <a:srgbClr val="C0C0C0"/>
-                </a:highlight>
-                <a:latin typeface="Courier New" panose="02070309020205020404" pitchFamily="49" charset="0"/>
-                <a:cs typeface="Courier New" panose="02070309020205020404" pitchFamily="49" charset="0"/>
-              </a:rPr>
-              <a:t>hand_till</a:t>
-            </a:r>
-            <a:r>
-              <a:rPr lang="en-US" sz="2200" dirty="0">
-                <a:highlight>
-                  <a:srgbClr val="C0C0C0"/>
-                </a:highlight>
-                <a:latin typeface="Courier New" panose="02070309020205020404" pitchFamily="49" charset="0"/>
-                <a:cs typeface="Courier New" panose="02070309020205020404" pitchFamily="49" charset="0"/>
-              </a:rPr>
-              <a:t>  0.601    10 0.00552</a:t>
-            </a:r>
-          </a:p>
-          <a:p>
-            <a:pPr marL="0" indent="0">
-              <a:spcBef>
-                <a:spcPts val="0"/>
-              </a:spcBef>
-              <a:buNone/>
-            </a:pPr>
-            <a:r>
-              <a:rPr lang="en-US" sz="2200" dirty="0">
-                <a:highlight>
-                  <a:srgbClr val="C0C0C0"/>
-                </a:highlight>
-                <a:latin typeface="Courier New" panose="02070309020205020404" pitchFamily="49" charset="0"/>
-                <a:cs typeface="Courier New" panose="02070309020205020404" pitchFamily="49" charset="0"/>
-              </a:rPr>
-              <a:t>5         6 rank        </a:t>
-            </a:r>
-            <a:r>
-              <a:rPr lang="en-US" sz="2200" dirty="0" err="1">
-                <a:highlight>
-                  <a:srgbClr val="C0C0C0"/>
-                </a:highlight>
-                <a:latin typeface="Courier New" panose="02070309020205020404" pitchFamily="49" charset="0"/>
-                <a:cs typeface="Courier New" panose="02070309020205020404" pitchFamily="49" charset="0"/>
-              </a:rPr>
-              <a:t>roc_auc</a:t>
-            </a:r>
-            <a:r>
-              <a:rPr lang="en-US" sz="2200" dirty="0">
-                <a:highlight>
-                  <a:srgbClr val="C0C0C0"/>
-                </a:highlight>
-                <a:latin typeface="Courier New" panose="02070309020205020404" pitchFamily="49" charset="0"/>
-                <a:cs typeface="Courier New" panose="02070309020205020404" pitchFamily="49" charset="0"/>
-              </a:rPr>
-              <a:t> </a:t>
-            </a:r>
-            <a:r>
-              <a:rPr lang="en-US" sz="2200" dirty="0" err="1">
-                <a:highlight>
-                  <a:srgbClr val="C0C0C0"/>
-                </a:highlight>
-                <a:latin typeface="Courier New" panose="02070309020205020404" pitchFamily="49" charset="0"/>
-                <a:cs typeface="Courier New" panose="02070309020205020404" pitchFamily="49" charset="0"/>
-              </a:rPr>
-              <a:t>hand_till</a:t>
-            </a:r>
-            <a:r>
-              <a:rPr lang="en-US" sz="2200" dirty="0">
-                <a:highlight>
-                  <a:srgbClr val="C0C0C0"/>
-                </a:highlight>
-                <a:latin typeface="Courier New" panose="02070309020205020404" pitchFamily="49" charset="0"/>
-                <a:cs typeface="Courier New" panose="02070309020205020404" pitchFamily="49" charset="0"/>
-              </a:rPr>
-              <a:t>  0.600    10 0.00544</a:t>
-            </a:r>
-          </a:p>
-        </p:txBody>
-      </p:sp>
-      <p:sp>
-        <p:nvSpPr>
-          <p:cNvPr id="4" name="Slide Number Placeholder 3">
-            <a:extLst>
-              <a:ext uri="{FF2B5EF4-FFF2-40B4-BE49-F238E27FC236}">
-                <a16:creationId xmlns:a16="http://schemas.microsoft.com/office/drawing/2014/main" id="{37125842-965B-46C4-989A-7782CC7BB415}"/>
-              </a:ext>
-            </a:extLst>
-          </p:cNvPr>
-          <p:cNvSpPr>
-            <a:spLocks noGrp="1"/>
-          </p:cNvSpPr>
-          <p:nvPr>
-            <p:ph type="sldNum" sz="quarter" idx="12"/>
-          </p:nvPr>
-        </p:nvSpPr>
-        <p:spPr/>
-        <p:txBody>
-          <a:bodyPr/>
-          <a:lstStyle/>
-          <a:p>
-            <a:fld id="{1FD78A80-B303-491C-AEE7-8281801B0C65}" type="slidenum">
-              <a:rPr lang="en-US" smtClean="0">
-                <a:solidFill>
-                  <a:prstClr val="black">
-                    <a:tint val="75000"/>
-                  </a:prstClr>
-                </a:solidFill>
-              </a:rPr>
-              <a:pPr/>
               <a:t>56</a:t>
             </a:fld>
             <a:endParaRPr lang="en-US">
@@ -28582,7 +29224,7 @@
     </p:spTree>
     <p:extLst>
       <p:ext uri="{BB962C8B-B14F-4D97-AF65-F5344CB8AC3E}">
-        <p14:creationId xmlns:p14="http://schemas.microsoft.com/office/powerpoint/2010/main" val="4210069212"/>
+        <p14:creationId xmlns:p14="http://schemas.microsoft.com/office/powerpoint/2010/main" val="281666730"/>
       </p:ext>
     </p:extLst>
   </p:cSld>
@@ -28671,7 +29313,7 @@
                 <a:latin typeface="Courier New" panose="02070309020205020404" pitchFamily="49" charset="0"/>
                 <a:cs typeface="Courier New" panose="02070309020205020404" pitchFamily="49" charset="0"/>
               </a:rPr>
-              <a:t>autoplot</a:t>
+              <a:t>show_best</a:t>
             </a:r>
             <a:r>
               <a:rPr lang="en-US" sz="2200" dirty="0">
@@ -28692,33 +29334,102 @@
                 <a:latin typeface="Courier New" panose="02070309020205020404" pitchFamily="49" charset="0"/>
                 <a:cs typeface="Courier New" panose="02070309020205020404" pitchFamily="49" charset="0"/>
               </a:rPr>
-              <a:t>") +</a:t>
-            </a:r>
-          </a:p>
-          <a:p>
-            <a:pPr marL="0" indent="0">
-              <a:buNone/>
-            </a:pPr>
-            <a:r>
-              <a:rPr lang="en-US" sz="2200" dirty="0">
-                <a:latin typeface="Courier New" panose="02070309020205020404" pitchFamily="49" charset="0"/>
-                <a:cs typeface="Courier New" panose="02070309020205020404" pitchFamily="49" charset="0"/>
-              </a:rPr>
-              <a:t>  </a:t>
+              <a:t>", n = 5)</a:t>
+            </a:r>
+          </a:p>
+          <a:p>
+            <a:pPr marL="0" indent="0">
+              <a:buNone/>
+            </a:pPr>
+            <a:endParaRPr lang="en-US" sz="2200" dirty="0">
+              <a:latin typeface="Courier New" panose="02070309020205020404" pitchFamily="49" charset="0"/>
+              <a:cs typeface="Courier New" panose="02070309020205020404" pitchFamily="49" charset="0"/>
+            </a:endParaRPr>
+          </a:p>
+          <a:p>
+            <a:pPr marL="0" indent="0">
+              <a:spcBef>
+                <a:spcPts val="0"/>
+              </a:spcBef>
+              <a:buNone/>
+            </a:pPr>
+            <a:r>
+              <a:rPr lang="en-US" sz="2200" dirty="0">
+                <a:highlight>
+                  <a:srgbClr val="C0C0C0"/>
+                </a:highlight>
+                <a:latin typeface="Courier New" panose="02070309020205020404" pitchFamily="49" charset="0"/>
+                <a:cs typeface="Courier New" panose="02070309020205020404" pitchFamily="49" charset="0"/>
+              </a:rPr>
+              <a:t># A </a:t>
             </a:r>
             <a:r>
               <a:rPr lang="en-US" sz="2200" dirty="0" err="1">
-                <a:latin typeface="Courier New" panose="02070309020205020404" pitchFamily="49" charset="0"/>
-                <a:cs typeface="Courier New" panose="02070309020205020404" pitchFamily="49" charset="0"/>
-              </a:rPr>
-              <a:t>geom_line</a:t>
-            </a:r>
-            <a:r>
-              <a:rPr lang="en-US" sz="2200" dirty="0">
-                <a:latin typeface="Courier New" panose="02070309020205020404" pitchFamily="49" charset="0"/>
-                <a:cs typeface="Courier New" panose="02070309020205020404" pitchFamily="49" charset="0"/>
-              </a:rPr>
-              <a:t>()</a:t>
+                <a:highlight>
+                  <a:srgbClr val="C0C0C0"/>
+                </a:highlight>
+                <a:latin typeface="Courier New" panose="02070309020205020404" pitchFamily="49" charset="0"/>
+                <a:cs typeface="Courier New" panose="02070309020205020404" pitchFamily="49" charset="0"/>
+              </a:rPr>
+              <a:t>tibble</a:t>
+            </a:r>
+            <a:r>
+              <a:rPr lang="en-US" sz="2200" dirty="0">
+                <a:highlight>
+                  <a:srgbClr val="C0C0C0"/>
+                </a:highlight>
+                <a:latin typeface="Courier New" panose="02070309020205020404" pitchFamily="49" charset="0"/>
+                <a:cs typeface="Courier New" panose="02070309020205020404" pitchFamily="49" charset="0"/>
+              </a:rPr>
+              <a:t>: 5 x 7</a:t>
+            </a:r>
+          </a:p>
+          <a:p>
+            <a:pPr marL="0" indent="0">
+              <a:spcBef>
+                <a:spcPts val="0"/>
+              </a:spcBef>
+              <a:buNone/>
+            </a:pPr>
+            <a:r>
+              <a:rPr lang="en-US" sz="2200" dirty="0">
+                <a:highlight>
+                  <a:srgbClr val="C0C0C0"/>
+                </a:highlight>
+                <a:latin typeface="Courier New" panose="02070309020205020404" pitchFamily="49" charset="0"/>
+                <a:cs typeface="Courier New" panose="02070309020205020404" pitchFamily="49" charset="0"/>
+              </a:rPr>
+              <a:t>  neighbors </a:t>
+            </a:r>
+            <a:r>
+              <a:rPr lang="en-US" sz="2200" dirty="0" err="1">
+                <a:highlight>
+                  <a:srgbClr val="C0C0C0"/>
+                </a:highlight>
+                <a:latin typeface="Courier New" panose="02070309020205020404" pitchFamily="49" charset="0"/>
+                <a:cs typeface="Courier New" panose="02070309020205020404" pitchFamily="49" charset="0"/>
+              </a:rPr>
+              <a:t>weight_func</a:t>
+            </a:r>
+            <a:r>
+              <a:rPr lang="en-US" sz="2200" dirty="0">
+                <a:highlight>
+                  <a:srgbClr val="C0C0C0"/>
+                </a:highlight>
+                <a:latin typeface="Courier New" panose="02070309020205020404" pitchFamily="49" charset="0"/>
+                <a:cs typeface="Courier New" panose="02070309020205020404" pitchFamily="49" charset="0"/>
+              </a:rPr>
+              <a:t> .metric .estimator  mean     n </a:t>
+            </a:r>
+            <a:r>
+              <a:rPr lang="en-US" sz="2200" dirty="0" err="1">
+                <a:highlight>
+                  <a:srgbClr val="C0C0C0"/>
+                </a:highlight>
+                <a:latin typeface="Courier New" panose="02070309020205020404" pitchFamily="49" charset="0"/>
+                <a:cs typeface="Courier New" panose="02070309020205020404" pitchFamily="49" charset="0"/>
+              </a:rPr>
+              <a:t>std_err</a:t>
             </a:r>
             <a:endParaRPr lang="en-US" sz="2200" dirty="0">
               <a:highlight>
@@ -28727,6 +29438,414 @@
               <a:latin typeface="Courier New" panose="02070309020205020404" pitchFamily="49" charset="0"/>
               <a:cs typeface="Courier New" panose="02070309020205020404" pitchFamily="49" charset="0"/>
             </a:endParaRPr>
+          </a:p>
+          <a:p>
+            <a:pPr marL="0" indent="0">
+              <a:spcBef>
+                <a:spcPts val="0"/>
+              </a:spcBef>
+              <a:buNone/>
+            </a:pPr>
+            <a:r>
+              <a:rPr lang="en-US" sz="2200" dirty="0">
+                <a:highlight>
+                  <a:srgbClr val="C0C0C0"/>
+                </a:highlight>
+                <a:latin typeface="Courier New" panose="02070309020205020404" pitchFamily="49" charset="0"/>
+                <a:cs typeface="Courier New" panose="02070309020205020404" pitchFamily="49" charset="0"/>
+              </a:rPr>
+              <a:t>      &lt;int&gt; &lt;</a:t>
+            </a:r>
+            <a:r>
+              <a:rPr lang="en-US" sz="2200" dirty="0" err="1">
+                <a:highlight>
+                  <a:srgbClr val="C0C0C0"/>
+                </a:highlight>
+                <a:latin typeface="Courier New" panose="02070309020205020404" pitchFamily="49" charset="0"/>
+                <a:cs typeface="Courier New" panose="02070309020205020404" pitchFamily="49" charset="0"/>
+              </a:rPr>
+              <a:t>chr</a:t>
+            </a:r>
+            <a:r>
+              <a:rPr lang="en-US" sz="2200" dirty="0">
+                <a:highlight>
+                  <a:srgbClr val="C0C0C0"/>
+                </a:highlight>
+                <a:latin typeface="Courier New" panose="02070309020205020404" pitchFamily="49" charset="0"/>
+                <a:cs typeface="Courier New" panose="02070309020205020404" pitchFamily="49" charset="0"/>
+              </a:rPr>
+              <a:t>&gt;       &lt;</a:t>
+            </a:r>
+            <a:r>
+              <a:rPr lang="en-US" sz="2200" dirty="0" err="1">
+                <a:highlight>
+                  <a:srgbClr val="C0C0C0"/>
+                </a:highlight>
+                <a:latin typeface="Courier New" panose="02070309020205020404" pitchFamily="49" charset="0"/>
+                <a:cs typeface="Courier New" panose="02070309020205020404" pitchFamily="49" charset="0"/>
+              </a:rPr>
+              <a:t>chr</a:t>
+            </a:r>
+            <a:r>
+              <a:rPr lang="en-US" sz="2200" dirty="0">
+                <a:highlight>
+                  <a:srgbClr val="C0C0C0"/>
+                </a:highlight>
+                <a:latin typeface="Courier New" panose="02070309020205020404" pitchFamily="49" charset="0"/>
+                <a:cs typeface="Courier New" panose="02070309020205020404" pitchFamily="49" charset="0"/>
+              </a:rPr>
+              <a:t>&gt;   &lt;</a:t>
+            </a:r>
+            <a:r>
+              <a:rPr lang="en-US" sz="2200" dirty="0" err="1">
+                <a:highlight>
+                  <a:srgbClr val="C0C0C0"/>
+                </a:highlight>
+                <a:latin typeface="Courier New" panose="02070309020205020404" pitchFamily="49" charset="0"/>
+                <a:cs typeface="Courier New" panose="02070309020205020404" pitchFamily="49" charset="0"/>
+              </a:rPr>
+              <a:t>chr</a:t>
+            </a:r>
+            <a:r>
+              <a:rPr lang="en-US" sz="2200" dirty="0">
+                <a:highlight>
+                  <a:srgbClr val="C0C0C0"/>
+                </a:highlight>
+                <a:latin typeface="Courier New" panose="02070309020205020404" pitchFamily="49" charset="0"/>
+                <a:cs typeface="Courier New" panose="02070309020205020404" pitchFamily="49" charset="0"/>
+              </a:rPr>
+              <a:t>&gt;      &lt;</a:t>
+            </a:r>
+            <a:r>
+              <a:rPr lang="en-US" sz="2200" dirty="0" err="1">
+                <a:highlight>
+                  <a:srgbClr val="C0C0C0"/>
+                </a:highlight>
+                <a:latin typeface="Courier New" panose="02070309020205020404" pitchFamily="49" charset="0"/>
+                <a:cs typeface="Courier New" panose="02070309020205020404" pitchFamily="49" charset="0"/>
+              </a:rPr>
+              <a:t>dbl</a:t>
+            </a:r>
+            <a:r>
+              <a:rPr lang="en-US" sz="2200" dirty="0">
+                <a:highlight>
+                  <a:srgbClr val="C0C0C0"/>
+                </a:highlight>
+                <a:latin typeface="Courier New" panose="02070309020205020404" pitchFamily="49" charset="0"/>
+                <a:cs typeface="Courier New" panose="02070309020205020404" pitchFamily="49" charset="0"/>
+              </a:rPr>
+              <a:t>&gt; &lt;int&gt;   &lt;</a:t>
+            </a:r>
+            <a:r>
+              <a:rPr lang="en-US" sz="2200" dirty="0" err="1">
+                <a:highlight>
+                  <a:srgbClr val="C0C0C0"/>
+                </a:highlight>
+                <a:latin typeface="Courier New" panose="02070309020205020404" pitchFamily="49" charset="0"/>
+                <a:cs typeface="Courier New" panose="02070309020205020404" pitchFamily="49" charset="0"/>
+              </a:rPr>
+              <a:t>dbl</a:t>
+            </a:r>
+            <a:r>
+              <a:rPr lang="en-US" sz="2200" dirty="0">
+                <a:highlight>
+                  <a:srgbClr val="C0C0C0"/>
+                </a:highlight>
+                <a:latin typeface="Courier New" panose="02070309020205020404" pitchFamily="49" charset="0"/>
+                <a:cs typeface="Courier New" panose="02070309020205020404" pitchFamily="49" charset="0"/>
+              </a:rPr>
+              <a:t>&gt;</a:t>
+            </a:r>
+          </a:p>
+          <a:p>
+            <a:pPr marL="0" indent="0">
+              <a:spcBef>
+                <a:spcPts val="0"/>
+              </a:spcBef>
+              <a:buNone/>
+            </a:pPr>
+            <a:r>
+              <a:rPr lang="en-US" sz="2200" dirty="0">
+                <a:highlight>
+                  <a:srgbClr val="C0C0C0"/>
+                </a:highlight>
+                <a:latin typeface="Courier New" panose="02070309020205020404" pitchFamily="49" charset="0"/>
+                <a:cs typeface="Courier New" panose="02070309020205020404" pitchFamily="49" charset="0"/>
+              </a:rPr>
+              <a:t>1        10 rank        </a:t>
+            </a:r>
+            <a:r>
+              <a:rPr lang="en-US" sz="2200" dirty="0" err="1">
+                <a:highlight>
+                  <a:srgbClr val="C0C0C0"/>
+                </a:highlight>
+                <a:latin typeface="Courier New" panose="02070309020205020404" pitchFamily="49" charset="0"/>
+                <a:cs typeface="Courier New" panose="02070309020205020404" pitchFamily="49" charset="0"/>
+              </a:rPr>
+              <a:t>roc_auc</a:t>
+            </a:r>
+            <a:r>
+              <a:rPr lang="en-US" sz="2200" dirty="0">
+                <a:highlight>
+                  <a:srgbClr val="C0C0C0"/>
+                </a:highlight>
+                <a:latin typeface="Courier New" panose="02070309020205020404" pitchFamily="49" charset="0"/>
+                <a:cs typeface="Courier New" panose="02070309020205020404" pitchFamily="49" charset="0"/>
+              </a:rPr>
+              <a:t> </a:t>
+            </a:r>
+            <a:r>
+              <a:rPr lang="en-US" sz="2200" dirty="0" err="1">
+                <a:highlight>
+                  <a:srgbClr val="C0C0C0"/>
+                </a:highlight>
+                <a:latin typeface="Courier New" panose="02070309020205020404" pitchFamily="49" charset="0"/>
+                <a:cs typeface="Courier New" panose="02070309020205020404" pitchFamily="49" charset="0"/>
+              </a:rPr>
+              <a:t>hand_till</a:t>
+            </a:r>
+            <a:r>
+              <a:rPr lang="en-US" sz="2200" dirty="0">
+                <a:highlight>
+                  <a:srgbClr val="C0C0C0"/>
+                </a:highlight>
+                <a:latin typeface="Courier New" panose="02070309020205020404" pitchFamily="49" charset="0"/>
+                <a:cs typeface="Courier New" panose="02070309020205020404" pitchFamily="49" charset="0"/>
+              </a:rPr>
+              <a:t>  0.605    10 0.00558</a:t>
+            </a:r>
+          </a:p>
+          <a:p>
+            <a:pPr marL="0" indent="0">
+              <a:spcBef>
+                <a:spcPts val="0"/>
+              </a:spcBef>
+              <a:buNone/>
+            </a:pPr>
+            <a:r>
+              <a:rPr lang="en-US" sz="2200" dirty="0">
+                <a:highlight>
+                  <a:srgbClr val="C0C0C0"/>
+                </a:highlight>
+                <a:latin typeface="Courier New" panose="02070309020205020404" pitchFamily="49" charset="0"/>
+                <a:cs typeface="Courier New" panose="02070309020205020404" pitchFamily="49" charset="0"/>
+              </a:rPr>
+              <a:t>2         9 gaussian    </a:t>
+            </a:r>
+            <a:r>
+              <a:rPr lang="en-US" sz="2200" dirty="0" err="1">
+                <a:highlight>
+                  <a:srgbClr val="C0C0C0"/>
+                </a:highlight>
+                <a:latin typeface="Courier New" panose="02070309020205020404" pitchFamily="49" charset="0"/>
+                <a:cs typeface="Courier New" panose="02070309020205020404" pitchFamily="49" charset="0"/>
+              </a:rPr>
+              <a:t>roc_auc</a:t>
+            </a:r>
+            <a:r>
+              <a:rPr lang="en-US" sz="2200" dirty="0">
+                <a:highlight>
+                  <a:srgbClr val="C0C0C0"/>
+                </a:highlight>
+                <a:latin typeface="Courier New" panose="02070309020205020404" pitchFamily="49" charset="0"/>
+                <a:cs typeface="Courier New" panose="02070309020205020404" pitchFamily="49" charset="0"/>
+              </a:rPr>
+              <a:t> </a:t>
+            </a:r>
+            <a:r>
+              <a:rPr lang="en-US" sz="2200" dirty="0" err="1">
+                <a:highlight>
+                  <a:srgbClr val="C0C0C0"/>
+                </a:highlight>
+                <a:latin typeface="Courier New" panose="02070309020205020404" pitchFamily="49" charset="0"/>
+                <a:cs typeface="Courier New" panose="02070309020205020404" pitchFamily="49" charset="0"/>
+              </a:rPr>
+              <a:t>hand_till</a:t>
+            </a:r>
+            <a:r>
+              <a:rPr lang="en-US" sz="2200" dirty="0">
+                <a:highlight>
+                  <a:srgbClr val="C0C0C0"/>
+                </a:highlight>
+                <a:latin typeface="Courier New" panose="02070309020205020404" pitchFamily="49" charset="0"/>
+                <a:cs typeface="Courier New" panose="02070309020205020404" pitchFamily="49" charset="0"/>
+              </a:rPr>
+              <a:t>  0.605    10 0.00600</a:t>
+            </a:r>
+          </a:p>
+          <a:p>
+            <a:pPr marL="0" indent="0">
+              <a:spcBef>
+                <a:spcPts val="0"/>
+              </a:spcBef>
+              <a:buNone/>
+            </a:pPr>
+            <a:r>
+              <a:rPr lang="en-US" sz="2200" dirty="0">
+                <a:highlight>
+                  <a:srgbClr val="C0C0C0"/>
+                </a:highlight>
+                <a:latin typeface="Courier New" panose="02070309020205020404" pitchFamily="49" charset="0"/>
+                <a:cs typeface="Courier New" panose="02070309020205020404" pitchFamily="49" charset="0"/>
+              </a:rPr>
+              <a:t>3         8 triangular  </a:t>
+            </a:r>
+            <a:r>
+              <a:rPr lang="en-US" sz="2200" dirty="0" err="1">
+                <a:highlight>
+                  <a:srgbClr val="C0C0C0"/>
+                </a:highlight>
+                <a:latin typeface="Courier New" panose="02070309020205020404" pitchFamily="49" charset="0"/>
+                <a:cs typeface="Courier New" panose="02070309020205020404" pitchFamily="49" charset="0"/>
+              </a:rPr>
+              <a:t>roc_auc</a:t>
+            </a:r>
+            <a:r>
+              <a:rPr lang="en-US" sz="2200" dirty="0">
+                <a:highlight>
+                  <a:srgbClr val="C0C0C0"/>
+                </a:highlight>
+                <a:latin typeface="Courier New" panose="02070309020205020404" pitchFamily="49" charset="0"/>
+                <a:cs typeface="Courier New" panose="02070309020205020404" pitchFamily="49" charset="0"/>
+              </a:rPr>
+              <a:t> </a:t>
+            </a:r>
+            <a:r>
+              <a:rPr lang="en-US" sz="2200" dirty="0" err="1">
+                <a:highlight>
+                  <a:srgbClr val="C0C0C0"/>
+                </a:highlight>
+                <a:latin typeface="Courier New" panose="02070309020205020404" pitchFamily="49" charset="0"/>
+                <a:cs typeface="Courier New" panose="02070309020205020404" pitchFamily="49" charset="0"/>
+              </a:rPr>
+              <a:t>hand_till</a:t>
+            </a:r>
+            <a:r>
+              <a:rPr lang="en-US" sz="2200" dirty="0">
+                <a:highlight>
+                  <a:srgbClr val="C0C0C0"/>
+                </a:highlight>
+                <a:latin typeface="Courier New" panose="02070309020205020404" pitchFamily="49" charset="0"/>
+                <a:cs typeface="Courier New" panose="02070309020205020404" pitchFamily="49" charset="0"/>
+              </a:rPr>
+              <a:t>  0.601    10 0.00596</a:t>
+            </a:r>
+          </a:p>
+          <a:p>
+            <a:pPr marL="0" indent="0">
+              <a:spcBef>
+                <a:spcPts val="0"/>
+              </a:spcBef>
+              <a:buNone/>
+            </a:pPr>
+            <a:r>
+              <a:rPr lang="en-US" sz="2200" dirty="0">
+                <a:highlight>
+                  <a:srgbClr val="C0C0C0"/>
+                </a:highlight>
+                <a:latin typeface="Courier New" panose="02070309020205020404" pitchFamily="49" charset="0"/>
+                <a:cs typeface="Courier New" panose="02070309020205020404" pitchFamily="49" charset="0"/>
+              </a:rPr>
+              <a:t>4         7 gaussian    </a:t>
+            </a:r>
+            <a:r>
+              <a:rPr lang="en-US" sz="2200" dirty="0" err="1">
+                <a:highlight>
+                  <a:srgbClr val="C0C0C0"/>
+                </a:highlight>
+                <a:latin typeface="Courier New" panose="02070309020205020404" pitchFamily="49" charset="0"/>
+                <a:cs typeface="Courier New" panose="02070309020205020404" pitchFamily="49" charset="0"/>
+              </a:rPr>
+              <a:t>roc_auc</a:t>
+            </a:r>
+            <a:r>
+              <a:rPr lang="en-US" sz="2200" dirty="0">
+                <a:highlight>
+                  <a:srgbClr val="C0C0C0"/>
+                </a:highlight>
+                <a:latin typeface="Courier New" panose="02070309020205020404" pitchFamily="49" charset="0"/>
+                <a:cs typeface="Courier New" panose="02070309020205020404" pitchFamily="49" charset="0"/>
+              </a:rPr>
+              <a:t> </a:t>
+            </a:r>
+            <a:r>
+              <a:rPr lang="en-US" sz="2200" dirty="0" err="1">
+                <a:highlight>
+                  <a:srgbClr val="C0C0C0"/>
+                </a:highlight>
+                <a:latin typeface="Courier New" panose="02070309020205020404" pitchFamily="49" charset="0"/>
+                <a:cs typeface="Courier New" panose="02070309020205020404" pitchFamily="49" charset="0"/>
+              </a:rPr>
+              <a:t>hand_till</a:t>
+            </a:r>
+            <a:r>
+              <a:rPr lang="en-US" sz="2200" dirty="0">
+                <a:highlight>
+                  <a:srgbClr val="C0C0C0"/>
+                </a:highlight>
+                <a:latin typeface="Courier New" panose="02070309020205020404" pitchFamily="49" charset="0"/>
+                <a:cs typeface="Courier New" panose="02070309020205020404" pitchFamily="49" charset="0"/>
+              </a:rPr>
+              <a:t>  0.601    10 0.00552</a:t>
+            </a:r>
+          </a:p>
+          <a:p>
+            <a:pPr marL="0" indent="0">
+              <a:spcBef>
+                <a:spcPts val="0"/>
+              </a:spcBef>
+              <a:buNone/>
+            </a:pPr>
+            <a:r>
+              <a:rPr lang="en-US" sz="2200" dirty="0">
+                <a:highlight>
+                  <a:srgbClr val="C0C0C0"/>
+                </a:highlight>
+                <a:latin typeface="Courier New" panose="02070309020205020404" pitchFamily="49" charset="0"/>
+                <a:cs typeface="Courier New" panose="02070309020205020404" pitchFamily="49" charset="0"/>
+              </a:rPr>
+              <a:t>5         6 rank        </a:t>
+            </a:r>
+            <a:r>
+              <a:rPr lang="en-US" sz="2200" dirty="0" err="1">
+                <a:highlight>
+                  <a:srgbClr val="C0C0C0"/>
+                </a:highlight>
+                <a:latin typeface="Courier New" panose="02070309020205020404" pitchFamily="49" charset="0"/>
+                <a:cs typeface="Courier New" panose="02070309020205020404" pitchFamily="49" charset="0"/>
+              </a:rPr>
+              <a:t>roc_auc</a:t>
+            </a:r>
+            <a:r>
+              <a:rPr lang="en-US" sz="2200" dirty="0">
+                <a:highlight>
+                  <a:srgbClr val="C0C0C0"/>
+                </a:highlight>
+                <a:latin typeface="Courier New" panose="02070309020205020404" pitchFamily="49" charset="0"/>
+                <a:cs typeface="Courier New" panose="02070309020205020404" pitchFamily="49" charset="0"/>
+              </a:rPr>
+              <a:t> </a:t>
+            </a:r>
+            <a:r>
+              <a:rPr lang="en-US" sz="2200" dirty="0" err="1">
+                <a:highlight>
+                  <a:srgbClr val="C0C0C0"/>
+                </a:highlight>
+                <a:latin typeface="Courier New" panose="02070309020205020404" pitchFamily="49" charset="0"/>
+                <a:cs typeface="Courier New" panose="02070309020205020404" pitchFamily="49" charset="0"/>
+              </a:rPr>
+              <a:t>hand_till</a:t>
+            </a:r>
+            <a:r>
+              <a:rPr lang="en-US" sz="2200" dirty="0">
+                <a:highlight>
+                  <a:srgbClr val="C0C0C0"/>
+                </a:highlight>
+                <a:latin typeface="Courier New" panose="02070309020205020404" pitchFamily="49" charset="0"/>
+                <a:cs typeface="Courier New" panose="02070309020205020404" pitchFamily="49" charset="0"/>
+              </a:rPr>
+              <a:t>  0.600    10 0.00544</a:t>
+            </a:r>
           </a:p>
         </p:txBody>
       </p:sp>
@@ -28761,6 +29880,199 @@
               </a:rPr>
               <a:pPr/>
               <a:t>57</a:t>
+            </a:fld>
+            <a:endParaRPr lang="en-US">
+              <a:solidFill>
+                <a:prstClr val="black">
+                  <a:tint val="75000"/>
+                </a:prstClr>
+              </a:solidFill>
+            </a:endParaRPr>
+          </a:p>
+        </p:txBody>
+      </p:sp>
+    </p:spTree>
+    <p:extLst>
+      <p:ext uri="{BB962C8B-B14F-4D97-AF65-F5344CB8AC3E}">
+        <p14:creationId xmlns:p14="http://schemas.microsoft.com/office/powerpoint/2010/main" val="4210069212"/>
+      </p:ext>
+    </p:extLst>
+  </p:cSld>
+  <p:clrMapOvr>
+    <a:masterClrMapping/>
+  </p:clrMapOvr>
+</p:sld>
+</file>
+
+<file path=ppt/slides/slide58.xml><?xml version="1.0" encoding="utf-8"?>
+<p:sld xmlns:a="http://schemas.openxmlformats.org/drawingml/2006/main" xmlns:r="http://schemas.openxmlformats.org/officeDocument/2006/relationships" xmlns:p="http://schemas.openxmlformats.org/presentationml/2006/main">
+  <p:cSld>
+    <p:spTree>
+      <p:nvGrpSpPr>
+        <p:cNvPr id="1" name=""/>
+        <p:cNvGrpSpPr/>
+        <p:nvPr/>
+      </p:nvGrpSpPr>
+      <p:grpSpPr>
+        <a:xfrm>
+          <a:off x="0" y="0"/>
+          <a:ext cx="0" cy="0"/>
+          <a:chOff x="0" y="0"/>
+          <a:chExt cx="0" cy="0"/>
+        </a:xfrm>
+      </p:grpSpPr>
+      <p:sp>
+        <p:nvSpPr>
+          <p:cNvPr id="3" name="Content Placeholder 2">
+            <a:extLst>
+              <a:ext uri="{FF2B5EF4-FFF2-40B4-BE49-F238E27FC236}">
+                <a16:creationId xmlns:a16="http://schemas.microsoft.com/office/drawing/2014/main" id="{DB7474A6-12B8-4D5A-9967-966A564A53D6}"/>
+              </a:ext>
+            </a:extLst>
+          </p:cNvPr>
+          <p:cNvSpPr>
+            <a:spLocks noGrp="1"/>
+          </p:cNvSpPr>
+          <p:nvPr>
+            <p:ph idx="1"/>
+          </p:nvPr>
+        </p:nvSpPr>
+        <p:spPr>
+          <a:xfrm>
+            <a:off x="214313" y="264319"/>
+            <a:ext cx="11139487" cy="6272212"/>
+          </a:xfrm>
+        </p:spPr>
+        <p:txBody>
+          <a:bodyPr>
+            <a:normAutofit/>
+          </a:bodyPr>
+          <a:lstStyle/>
+          <a:p>
+            <a:pPr marL="0" indent="0">
+              <a:buNone/>
+            </a:pPr>
+            <a:r>
+              <a:rPr lang="en-US" sz="2200" dirty="0" err="1">
+                <a:latin typeface="Courier New" panose="02070309020205020404" pitchFamily="49" charset="0"/>
+                <a:cs typeface="Courier New" panose="02070309020205020404" pitchFamily="49" charset="0"/>
+              </a:rPr>
+              <a:t>knn_clas_res</a:t>
+            </a:r>
+            <a:r>
+              <a:rPr lang="en-US" sz="2200" dirty="0">
+                <a:latin typeface="Courier New" panose="02070309020205020404" pitchFamily="49" charset="0"/>
+                <a:cs typeface="Courier New" panose="02070309020205020404" pitchFamily="49" charset="0"/>
+              </a:rPr>
+              <a:t> %&gt;% </a:t>
+            </a:r>
+          </a:p>
+          <a:p>
+            <a:pPr marL="0" indent="0">
+              <a:buNone/>
+            </a:pPr>
+            <a:r>
+              <a:rPr lang="en-US" sz="2200" dirty="0">
+                <a:latin typeface="Courier New" panose="02070309020205020404" pitchFamily="49" charset="0"/>
+                <a:cs typeface="Courier New" panose="02070309020205020404" pitchFamily="49" charset="0"/>
+              </a:rPr>
+              <a:t>  </a:t>
+            </a:r>
+            <a:r>
+              <a:rPr lang="en-US" sz="2200" dirty="0" err="1">
+                <a:latin typeface="Courier New" panose="02070309020205020404" pitchFamily="49" charset="0"/>
+                <a:cs typeface="Courier New" panose="02070309020205020404" pitchFamily="49" charset="0"/>
+              </a:rPr>
+              <a:t>autoplot</a:t>
+            </a:r>
+            <a:r>
+              <a:rPr lang="en-US" sz="2200" dirty="0">
+                <a:latin typeface="Courier New" panose="02070309020205020404" pitchFamily="49" charset="0"/>
+                <a:cs typeface="Courier New" panose="02070309020205020404" pitchFamily="49" charset="0"/>
+              </a:rPr>
+              <a:t>(metric = "</a:t>
+            </a:r>
+            <a:r>
+              <a:rPr lang="en-US" sz="2200" dirty="0" err="1">
+                <a:latin typeface="Courier New" panose="02070309020205020404" pitchFamily="49" charset="0"/>
+                <a:cs typeface="Courier New" panose="02070309020205020404" pitchFamily="49" charset="0"/>
+              </a:rPr>
+              <a:t>roc_auc</a:t>
+            </a:r>
+            <a:r>
+              <a:rPr lang="en-US" sz="2200" dirty="0">
+                <a:latin typeface="Courier New" panose="02070309020205020404" pitchFamily="49" charset="0"/>
+                <a:cs typeface="Courier New" panose="02070309020205020404" pitchFamily="49" charset="0"/>
+              </a:rPr>
+              <a:t>") +</a:t>
+            </a:r>
+          </a:p>
+          <a:p>
+            <a:pPr marL="0" indent="0">
+              <a:buNone/>
+            </a:pPr>
+            <a:r>
+              <a:rPr lang="en-US" sz="2200" dirty="0">
+                <a:latin typeface="Courier New" panose="02070309020205020404" pitchFamily="49" charset="0"/>
+                <a:cs typeface="Courier New" panose="02070309020205020404" pitchFamily="49" charset="0"/>
+              </a:rPr>
+              <a:t>  </a:t>
+            </a:r>
+            <a:r>
+              <a:rPr lang="en-US" sz="2200" dirty="0" err="1">
+                <a:latin typeface="Courier New" panose="02070309020205020404" pitchFamily="49" charset="0"/>
+                <a:cs typeface="Courier New" panose="02070309020205020404" pitchFamily="49" charset="0"/>
+              </a:rPr>
+              <a:t>geom_line</a:t>
+            </a:r>
+            <a:r>
+              <a:rPr lang="en-US" sz="2200" dirty="0">
+                <a:latin typeface="Courier New" panose="02070309020205020404" pitchFamily="49" charset="0"/>
+                <a:cs typeface="Courier New" panose="02070309020205020404" pitchFamily="49" charset="0"/>
+              </a:rPr>
+              <a:t>()</a:t>
+            </a:r>
+            <a:endParaRPr lang="en-US" sz="2200" dirty="0">
+              <a:highlight>
+                <a:srgbClr val="C0C0C0"/>
+              </a:highlight>
+              <a:latin typeface="Courier New" panose="02070309020205020404" pitchFamily="49" charset="0"/>
+              <a:cs typeface="Courier New" panose="02070309020205020404" pitchFamily="49" charset="0"/>
+            </a:endParaRPr>
+          </a:p>
+        </p:txBody>
+      </p:sp>
+      <p:sp>
+        <p:nvSpPr>
+          <p:cNvPr id="4" name="Slide Number Placeholder 3">
+            <a:extLst>
+              <a:ext uri="{FF2B5EF4-FFF2-40B4-BE49-F238E27FC236}">
+                <a16:creationId xmlns:a16="http://schemas.microsoft.com/office/drawing/2014/main" id="{37125842-965B-46C4-989A-7782CC7BB415}"/>
+              </a:ext>
+            </a:extLst>
+          </p:cNvPr>
+          <p:cNvSpPr>
+            <a:spLocks noGrp="1"/>
+          </p:cNvSpPr>
+          <p:nvPr>
+            <p:ph type="sldNum" sz="quarter" idx="12"/>
+          </p:nvPr>
+        </p:nvSpPr>
+        <p:spPr/>
+        <p:txBody>
+          <a:bodyPr/>
+          <a:lstStyle/>
+          <a:p>
+            <a:fld id="{1FD78A80-B303-491C-AEE7-8281801B0C65}" type="slidenum">
+              <a:rPr lang="en-US" smtClean="0">
+                <a:solidFill>
+                  <a:prstClr val="black">
+                    <a:tint val="75000"/>
+                  </a:prstClr>
+                </a:solidFill>
+              </a:rPr>
+              <a:pPr/>
+              <a:t>58</a:t>
             </a:fld>
             <a:endParaRPr lang="en-US">
               <a:solidFill>
@@ -28815,7 +30127,7 @@
 </p:sld>
 </file>
 
-<file path=ppt/slides/slide58.xml><?xml version="1.0" encoding="utf-8"?>
+<file path=ppt/slides/slide59.xml><?xml version="1.0" encoding="utf-8"?>
 <p:sld xmlns:a="http://schemas.openxmlformats.org/drawingml/2006/main" xmlns:r="http://schemas.openxmlformats.org/officeDocument/2006/relationships" xmlns:p="http://schemas.openxmlformats.org/presentationml/2006/main">
   <p:cSld>
     <p:bg>
@@ -28947,7 +30259,7 @@
                 <a:tabLst/>
                 <a:defRPr/>
               </a:pPr>
-              <a:t>58</a:t>
+              <a:t>59</a:t>
             </a:fld>
             <a:endParaRPr kumimoji="0" lang="en-US" sz="1200" b="0" i="0" u="none" strike="noStrike" kern="1200" cap="none" spc="0" normalizeH="0" baseline="0" noProof="0">
               <a:ln>
@@ -29009,177 +30321,6 @@
     <p:extLst>
       <p:ext uri="{BB962C8B-B14F-4D97-AF65-F5344CB8AC3E}">
         <p14:creationId xmlns:p14="http://schemas.microsoft.com/office/powerpoint/2010/main" val="3931660025"/>
-      </p:ext>
-    </p:extLst>
-  </p:cSld>
-  <p:clrMapOvr>
-    <a:masterClrMapping/>
-  </p:clrMapOvr>
-</p:sld>
-</file>
-
-<file path=ppt/slides/slide59.xml><?xml version="1.0" encoding="utf-8"?>
-<p:sld xmlns:a="http://schemas.openxmlformats.org/drawingml/2006/main" xmlns:r="http://schemas.openxmlformats.org/officeDocument/2006/relationships" xmlns:p="http://schemas.openxmlformats.org/presentationml/2006/main">
-  <p:cSld>
-    <p:spTree>
-      <p:nvGrpSpPr>
-        <p:cNvPr id="1" name=""/>
-        <p:cNvGrpSpPr/>
-        <p:nvPr/>
-      </p:nvGrpSpPr>
-      <p:grpSpPr>
-        <a:xfrm>
-          <a:off x="0" y="0"/>
-          <a:ext cx="0" cy="0"/>
-          <a:chOff x="0" y="0"/>
-          <a:chExt cx="0" cy="0"/>
-        </a:xfrm>
-      </p:grpSpPr>
-      <p:sp>
-        <p:nvSpPr>
-          <p:cNvPr id="2" name="Title 1">
-            <a:extLst>
-              <a:ext uri="{FF2B5EF4-FFF2-40B4-BE49-F238E27FC236}">
-                <a16:creationId xmlns:a16="http://schemas.microsoft.com/office/drawing/2014/main" id="{848EA197-4171-40D0-AEB4-16FBA43F345F}"/>
-              </a:ext>
-            </a:extLst>
-          </p:cNvPr>
-          <p:cNvSpPr>
-            <a:spLocks noGrp="1"/>
-          </p:cNvSpPr>
-          <p:nvPr>
-            <p:ph type="title"/>
-          </p:nvPr>
-        </p:nvSpPr>
-        <p:spPr/>
-        <p:txBody>
-          <a:bodyPr/>
-          <a:lstStyle/>
-          <a:p>
-            <a:r>
-              <a:rPr lang="en-US" dirty="0"/>
-              <a:t>Imputation</a:t>
-            </a:r>
-          </a:p>
-        </p:txBody>
-      </p:sp>
-      <p:sp>
-        <p:nvSpPr>
-          <p:cNvPr id="3" name="Content Placeholder 2">
-            <a:extLst>
-              <a:ext uri="{FF2B5EF4-FFF2-40B4-BE49-F238E27FC236}">
-                <a16:creationId xmlns:a16="http://schemas.microsoft.com/office/drawing/2014/main" id="{8AD46DE1-AE42-4177-BB8D-405E516E3AD8}"/>
-              </a:ext>
-            </a:extLst>
-          </p:cNvPr>
-          <p:cNvSpPr>
-            <a:spLocks noGrp="1"/>
-          </p:cNvSpPr>
-          <p:nvPr>
-            <p:ph idx="1"/>
-          </p:nvPr>
-        </p:nvSpPr>
-        <p:spPr/>
-        <p:txBody>
-          <a:bodyPr>
-            <a:normAutofit/>
-          </a:bodyPr>
-          <a:lstStyle/>
-          <a:p>
-            <a:r>
-              <a:rPr lang="en-US" dirty="0"/>
-              <a:t>Use information and relations among non-missing predictors to provide an estimate to fill in missing values</a:t>
-            </a:r>
-          </a:p>
-          <a:p>
-            <a:r>
-              <a:rPr lang="en-US" dirty="0"/>
-              <a:t>KNN is also used in feature engineering to impute missing values</a:t>
-            </a:r>
-          </a:p>
-          <a:p>
-            <a:pPr lvl="1"/>
-            <a:r>
-              <a:rPr lang="en-US" dirty="0"/>
-              <a:t>Primarily when the data is small-moderate in size</a:t>
-            </a:r>
-          </a:p>
-          <a:p>
-            <a:r>
-              <a:rPr lang="en-US" dirty="0"/>
-              <a:t>Identifies the </a:t>
-            </a:r>
-            <a:r>
-              <a:rPr lang="en-US" i="1" dirty="0"/>
-              <a:t>K</a:t>
-            </a:r>
-            <a:r>
-              <a:rPr lang="en-US" dirty="0"/>
-              <a:t> (complete data) samples in the training data most similar to the missing value(s) </a:t>
-            </a:r>
-          </a:p>
-          <a:p>
-            <a:r>
-              <a:rPr lang="en-US" dirty="0"/>
-              <a:t>The average value of the predictor of interest is calculated of the </a:t>
-            </a:r>
-            <a:r>
-              <a:rPr lang="en-US" i="1" dirty="0"/>
-              <a:t>K</a:t>
-            </a:r>
-            <a:r>
-              <a:rPr lang="en-US" dirty="0"/>
-              <a:t> closest samples and used to replace the missing value</a:t>
-            </a:r>
-          </a:p>
-        </p:txBody>
-      </p:sp>
-      <p:sp>
-        <p:nvSpPr>
-          <p:cNvPr id="4" name="Slide Number Placeholder 3">
-            <a:extLst>
-              <a:ext uri="{FF2B5EF4-FFF2-40B4-BE49-F238E27FC236}">
-                <a16:creationId xmlns:a16="http://schemas.microsoft.com/office/drawing/2014/main" id="{A205CE42-D5C3-4B6B-91F0-782475BDFD71}"/>
-              </a:ext>
-            </a:extLst>
-          </p:cNvPr>
-          <p:cNvSpPr>
-            <a:spLocks noGrp="1"/>
-          </p:cNvSpPr>
-          <p:nvPr>
-            <p:ph type="sldNum" sz="quarter" idx="12"/>
-          </p:nvPr>
-        </p:nvSpPr>
-        <p:spPr/>
-        <p:txBody>
-          <a:bodyPr/>
-          <a:lstStyle/>
-          <a:p>
-            <a:fld id="{1FD78A80-B303-491C-AEE7-8281801B0C65}" type="slidenum">
-              <a:rPr lang="en-US" smtClean="0">
-                <a:solidFill>
-                  <a:prstClr val="black">
-                    <a:tint val="75000"/>
-                  </a:prstClr>
-                </a:solidFill>
-              </a:rPr>
-              <a:pPr/>
-              <a:t>59</a:t>
-            </a:fld>
-            <a:endParaRPr lang="en-US">
-              <a:solidFill>
-                <a:prstClr val="black">
-                  <a:tint val="75000"/>
-                </a:prstClr>
-              </a:solidFill>
-            </a:endParaRPr>
-          </a:p>
-        </p:txBody>
-      </p:sp>
-    </p:spTree>
-    <p:extLst>
-      <p:ext uri="{BB962C8B-B14F-4D97-AF65-F5344CB8AC3E}">
-        <p14:creationId xmlns:p14="http://schemas.microsoft.com/office/powerpoint/2010/main" val="3523448359"/>
       </p:ext>
     </p:extLst>
   </p:cSld>
@@ -29490,8 +30631,179 @@
           </a:p>
         </p:txBody>
       </p:sp>
-      <mc:AlternateContent xmlns:mc="http://schemas.openxmlformats.org/markup-compatibility/2006">
-        <mc:Choice xmlns:a14="http://schemas.microsoft.com/office/drawing/2010/main" Requires="a14">
+      <p:sp>
+        <p:nvSpPr>
+          <p:cNvPr id="3" name="Content Placeholder 2">
+            <a:extLst>
+              <a:ext uri="{FF2B5EF4-FFF2-40B4-BE49-F238E27FC236}">
+                <a16:creationId xmlns:a16="http://schemas.microsoft.com/office/drawing/2014/main" id="{8AD46DE1-AE42-4177-BB8D-405E516E3AD8}"/>
+              </a:ext>
+            </a:extLst>
+          </p:cNvPr>
+          <p:cNvSpPr>
+            <a:spLocks noGrp="1"/>
+          </p:cNvSpPr>
+          <p:nvPr>
+            <p:ph idx="1"/>
+          </p:nvPr>
+        </p:nvSpPr>
+        <p:spPr/>
+        <p:txBody>
+          <a:bodyPr>
+            <a:normAutofit/>
+          </a:bodyPr>
+          <a:lstStyle/>
+          <a:p>
+            <a:r>
+              <a:rPr lang="en-US" dirty="0"/>
+              <a:t>Use information and relations among non-missing predictors to provide an estimate to fill in missing values</a:t>
+            </a:r>
+          </a:p>
+          <a:p>
+            <a:r>
+              <a:rPr lang="en-US" dirty="0"/>
+              <a:t>KNN is also used in feature engineering to impute missing values</a:t>
+            </a:r>
+          </a:p>
+          <a:p>
+            <a:pPr lvl="1"/>
+            <a:r>
+              <a:rPr lang="en-US" dirty="0"/>
+              <a:t>Primarily when the data is small-moderate in size</a:t>
+            </a:r>
+          </a:p>
+          <a:p>
+            <a:r>
+              <a:rPr lang="en-US" dirty="0"/>
+              <a:t>Identifies the </a:t>
+            </a:r>
+            <a:r>
+              <a:rPr lang="en-US" i="1" dirty="0"/>
+              <a:t>K</a:t>
+            </a:r>
+            <a:r>
+              <a:rPr lang="en-US" dirty="0"/>
+              <a:t> (complete data) samples in the training data most similar to the missing value(s) </a:t>
+            </a:r>
+          </a:p>
+          <a:p>
+            <a:r>
+              <a:rPr lang="en-US" dirty="0"/>
+              <a:t>The average value of the predictor of interest is calculated of the </a:t>
+            </a:r>
+            <a:r>
+              <a:rPr lang="en-US" i="1" dirty="0"/>
+              <a:t>K</a:t>
+            </a:r>
+            <a:r>
+              <a:rPr lang="en-US" dirty="0"/>
+              <a:t> closest samples and used to replace the missing value</a:t>
+            </a:r>
+          </a:p>
+        </p:txBody>
+      </p:sp>
+      <p:sp>
+        <p:nvSpPr>
+          <p:cNvPr id="4" name="Slide Number Placeholder 3">
+            <a:extLst>
+              <a:ext uri="{FF2B5EF4-FFF2-40B4-BE49-F238E27FC236}">
+                <a16:creationId xmlns:a16="http://schemas.microsoft.com/office/drawing/2014/main" id="{A205CE42-D5C3-4B6B-91F0-782475BDFD71}"/>
+              </a:ext>
+            </a:extLst>
+          </p:cNvPr>
+          <p:cNvSpPr>
+            <a:spLocks noGrp="1"/>
+          </p:cNvSpPr>
+          <p:nvPr>
+            <p:ph type="sldNum" sz="quarter" idx="12"/>
+          </p:nvPr>
+        </p:nvSpPr>
+        <p:spPr/>
+        <p:txBody>
+          <a:bodyPr/>
+          <a:lstStyle/>
+          <a:p>
+            <a:fld id="{1FD78A80-B303-491C-AEE7-8281801B0C65}" type="slidenum">
+              <a:rPr lang="en-US" smtClean="0">
+                <a:solidFill>
+                  <a:prstClr val="black">
+                    <a:tint val="75000"/>
+                  </a:prstClr>
+                </a:solidFill>
+              </a:rPr>
+              <a:pPr/>
+              <a:t>60</a:t>
+            </a:fld>
+            <a:endParaRPr lang="en-US">
+              <a:solidFill>
+                <a:prstClr val="black">
+                  <a:tint val="75000"/>
+                </a:prstClr>
+              </a:solidFill>
+            </a:endParaRPr>
+          </a:p>
+        </p:txBody>
+      </p:sp>
+    </p:spTree>
+    <p:extLst>
+      <p:ext uri="{BB962C8B-B14F-4D97-AF65-F5344CB8AC3E}">
+        <p14:creationId xmlns:p14="http://schemas.microsoft.com/office/powerpoint/2010/main" val="3523448359"/>
+      </p:ext>
+    </p:extLst>
+  </p:cSld>
+  <p:clrMapOvr>
+    <a:masterClrMapping/>
+  </p:clrMapOvr>
+</p:sld>
+</file>
+
+<file path=ppt/slides/slide61.xml><?xml version="1.0" encoding="utf-8"?>
+<p:sld xmlns:a="http://schemas.openxmlformats.org/drawingml/2006/main" xmlns:r="http://schemas.openxmlformats.org/officeDocument/2006/relationships" xmlns:p="http://schemas.openxmlformats.org/presentationml/2006/main">
+  <p:cSld>
+    <p:spTree>
+      <p:nvGrpSpPr>
+        <p:cNvPr id="1" name=""/>
+        <p:cNvGrpSpPr/>
+        <p:nvPr/>
+      </p:nvGrpSpPr>
+      <p:grpSpPr>
+        <a:xfrm>
+          <a:off x="0" y="0"/>
+          <a:ext cx="0" cy="0"/>
+          <a:chOff x="0" y="0"/>
+          <a:chExt cx="0" cy="0"/>
+        </a:xfrm>
+      </p:grpSpPr>
+      <p:sp>
+        <p:nvSpPr>
+          <p:cNvPr id="2" name="Title 1">
+            <a:extLst>
+              <a:ext uri="{FF2B5EF4-FFF2-40B4-BE49-F238E27FC236}">
+                <a16:creationId xmlns:a16="http://schemas.microsoft.com/office/drawing/2014/main" id="{848EA197-4171-40D0-AEB4-16FBA43F345F}"/>
+              </a:ext>
+            </a:extLst>
+          </p:cNvPr>
+          <p:cNvSpPr>
+            <a:spLocks noGrp="1"/>
+          </p:cNvSpPr>
+          <p:nvPr>
+            <p:ph type="title"/>
+          </p:nvPr>
+        </p:nvSpPr>
+        <p:spPr/>
+        <p:txBody>
+          <a:bodyPr/>
+          <a:lstStyle/>
+          <a:p>
+            <a:r>
+              <a:rPr lang="en-US" dirty="0"/>
+              <a:t>Imputation</a:t>
+            </a:r>
+          </a:p>
+        </p:txBody>
+      </p:sp>
+      <mc:AlternateContent xmlns:mc="http://schemas.openxmlformats.org/markup-compatibility/2006" xmlns:a14="http://schemas.microsoft.com/office/drawing/2010/main">
+        <mc:Choice Requires="a14">
           <p:sp>
             <p:nvSpPr>
               <p:cNvPr id="3" name="Content Placeholder 2">
@@ -29821,7 +31133,7 @@
             </p:txBody>
           </p:sp>
         </mc:Choice>
-        <mc:Fallback>
+        <mc:Fallback xmlns="">
           <p:sp>
             <p:nvSpPr>
               <p:cNvPr id="3" name="Content Placeholder 2">
@@ -29891,7 +31203,7 @@
                 </a:solidFill>
               </a:rPr>
               <a:pPr/>
-              <a:t>60</a:t>
+              <a:t>61</a:t>
             </a:fld>
             <a:endParaRPr lang="en-US">
               <a:solidFill>

--- a/slides/w6p1-knn/w6p1.pptx
+++ b/slides/w6p1-knn/w6p1.pptx
@@ -43,29 +43,32 @@
     <p:sldId id="417" r:id="rId37"/>
     <p:sldId id="418" r:id="rId38"/>
     <p:sldId id="419" r:id="rId39"/>
-    <p:sldId id="423" r:id="rId40"/>
+    <p:sldId id="433" r:id="rId40"/>
     <p:sldId id="420" r:id="rId41"/>
-    <p:sldId id="424" r:id="rId42"/>
-    <p:sldId id="389" r:id="rId43"/>
-    <p:sldId id="397" r:id="rId44"/>
-    <p:sldId id="432" r:id="rId45"/>
-    <p:sldId id="398" r:id="rId46"/>
-    <p:sldId id="404" r:id="rId47"/>
-    <p:sldId id="405" r:id="rId48"/>
-    <p:sldId id="406" r:id="rId49"/>
-    <p:sldId id="407" r:id="rId50"/>
-    <p:sldId id="408" r:id="rId51"/>
-    <p:sldId id="409" r:id="rId52"/>
-    <p:sldId id="410" r:id="rId53"/>
-    <p:sldId id="425" r:id="rId54"/>
-    <p:sldId id="387" r:id="rId55"/>
-    <p:sldId id="426" r:id="rId56"/>
-    <p:sldId id="427" r:id="rId57"/>
-    <p:sldId id="428" r:id="rId58"/>
-    <p:sldId id="429" r:id="rId59"/>
-    <p:sldId id="430" r:id="rId60"/>
-    <p:sldId id="370" r:id="rId61"/>
-    <p:sldId id="371" r:id="rId62"/>
+    <p:sldId id="435" r:id="rId42"/>
+    <p:sldId id="424" r:id="rId43"/>
+    <p:sldId id="389" r:id="rId44"/>
+    <p:sldId id="397" r:id="rId45"/>
+    <p:sldId id="432" r:id="rId46"/>
+    <p:sldId id="398" r:id="rId47"/>
+    <p:sldId id="404" r:id="rId48"/>
+    <p:sldId id="405" r:id="rId49"/>
+    <p:sldId id="406" r:id="rId50"/>
+    <p:sldId id="407" r:id="rId51"/>
+    <p:sldId id="408" r:id="rId52"/>
+    <p:sldId id="409" r:id="rId53"/>
+    <p:sldId id="410" r:id="rId54"/>
+    <p:sldId id="425" r:id="rId55"/>
+    <p:sldId id="387" r:id="rId56"/>
+    <p:sldId id="426" r:id="rId57"/>
+    <p:sldId id="427" r:id="rId58"/>
+    <p:sldId id="428" r:id="rId59"/>
+    <p:sldId id="429" r:id="rId60"/>
+    <p:sldId id="434" r:id="rId61"/>
+    <p:sldId id="436" r:id="rId62"/>
+    <p:sldId id="430" r:id="rId63"/>
+    <p:sldId id="370" r:id="rId64"/>
+    <p:sldId id="371" r:id="rId65"/>
   </p:sldIdLst>
   <p:sldSz cx="12192000" cy="6858000"/>
   <p:notesSz cx="6858000" cy="9144000"/>
@@ -7007,21 +7010,30 @@
             </a:r>
           </a:p>
           <a:p>
-            <a:pPr lvl="1"/>
+            <a:pPr marL="914400" lvl="1" indent="-457200">
+              <a:buFont typeface="+mj-lt"/>
+              <a:buAutoNum type="arabicParenR"/>
+            </a:pPr>
             <a:r>
               <a:rPr lang="en-US" dirty="0"/>
               <a:t>“rectangular”</a:t>
             </a:r>
           </a:p>
           <a:p>
-            <a:pPr lvl="1"/>
+            <a:pPr marL="914400" lvl="1" indent="-457200">
+              <a:buFont typeface="+mj-lt"/>
+              <a:buAutoNum type="arabicParenR"/>
+            </a:pPr>
             <a:r>
               <a:rPr lang="en-US" dirty="0"/>
               <a:t>“triangular”</a:t>
             </a:r>
           </a:p>
           <a:p>
-            <a:pPr lvl="1"/>
+            <a:pPr marL="914400" lvl="1" indent="-457200">
+              <a:buFont typeface="+mj-lt"/>
+              <a:buAutoNum type="arabicParenR"/>
+            </a:pPr>
             <a:r>
               <a:rPr lang="en-US" dirty="0"/>
               <a:t>“</a:t>
@@ -7036,7 +7048,10 @@
             </a:r>
           </a:p>
           <a:p>
-            <a:pPr lvl="1"/>
+            <a:pPr marL="914400" lvl="1" indent="-457200">
+              <a:buFont typeface="+mj-lt"/>
+              <a:buAutoNum type="arabicParenR"/>
+            </a:pPr>
             <a:r>
               <a:rPr lang="en-US" dirty="0"/>
               <a:t>“</a:t>
@@ -7051,7 +7066,10 @@
             </a:r>
           </a:p>
           <a:p>
-            <a:pPr lvl="1"/>
+            <a:pPr marL="914400" lvl="1" indent="-457200">
+              <a:buFont typeface="+mj-lt"/>
+              <a:buAutoNum type="arabicParenR"/>
+            </a:pPr>
             <a:r>
               <a:rPr lang="en-US" dirty="0"/>
               <a:t>“</a:t>
@@ -7066,35 +7084,50 @@
             </a:r>
           </a:p>
           <a:p>
-            <a:pPr lvl="1"/>
+            <a:pPr marL="914400" lvl="1" indent="-457200">
+              <a:buFont typeface="+mj-lt"/>
+              <a:buAutoNum type="arabicParenR"/>
+            </a:pPr>
             <a:r>
               <a:rPr lang="en-US" dirty="0"/>
               <a:t>“cos”</a:t>
             </a:r>
           </a:p>
           <a:p>
-            <a:pPr lvl="1"/>
+            <a:pPr marL="914400" lvl="1" indent="-457200">
+              <a:buFont typeface="+mj-lt"/>
+              <a:buAutoNum type="arabicParenR"/>
+            </a:pPr>
             <a:r>
               <a:rPr lang="en-US" dirty="0"/>
               <a:t>“inv”</a:t>
             </a:r>
           </a:p>
           <a:p>
-            <a:pPr lvl="1"/>
+            <a:pPr marL="914400" lvl="1" indent="-457200">
+              <a:buFont typeface="+mj-lt"/>
+              <a:buAutoNum type="arabicParenR"/>
+            </a:pPr>
             <a:r>
               <a:rPr lang="en-US" dirty="0"/>
               <a:t>“gaussian”</a:t>
             </a:r>
           </a:p>
           <a:p>
-            <a:pPr lvl="1"/>
+            <a:pPr marL="914400" lvl="1" indent="-457200">
+              <a:buFont typeface="+mj-lt"/>
+              <a:buAutoNum type="arabicParenR"/>
+            </a:pPr>
             <a:r>
               <a:rPr lang="en-US" dirty="0"/>
               <a:t>“rank”</a:t>
             </a:r>
           </a:p>
           <a:p>
-            <a:pPr lvl="1"/>
+            <a:pPr marL="914400" lvl="1" indent="-457200">
+              <a:buFont typeface="+mj-lt"/>
+              <a:buAutoNum type="arabicParenR"/>
+            </a:pPr>
             <a:r>
               <a:rPr lang="en-US" dirty="0"/>
               <a:t>“optimal”</a:t>
@@ -8069,20 +8102,6 @@
                 <a:latin typeface="Courier New" panose="02070309020205020404" pitchFamily="49" charset="0"/>
                 <a:cs typeface="Courier New" panose="02070309020205020404" pitchFamily="49" charset="0"/>
               </a:rPr>
-              <a:t>, </a:t>
-            </a:r>
-            <a:r>
-              <a:rPr lang="en-US" sz="2200" dirty="0" err="1">
-                <a:latin typeface="Courier New" panose="02070309020205020404" pitchFamily="49" charset="0"/>
-                <a:cs typeface="Courier New" panose="02070309020205020404" pitchFamily="49" charset="0"/>
-              </a:rPr>
-              <a:t>srt_tst_typ</a:t>
-            </a:r>
-            <a:r>
-              <a:rPr lang="en-US" sz="2200" dirty="0">
-                <a:latin typeface="Courier New" panose="02070309020205020404" pitchFamily="49" charset="0"/>
-                <a:cs typeface="Courier New" panose="02070309020205020404" pitchFamily="49" charset="0"/>
-              </a:rPr>
               <a:t>), list(~</a:t>
             </a:r>
             <a:r>
@@ -8231,21 +8250,7 @@
                 <a:latin typeface="Courier New" panose="02070309020205020404" pitchFamily="49" charset="0"/>
                 <a:cs typeface="Courier New" panose="02070309020205020404" pitchFamily="49" charset="0"/>
               </a:rPr>
-              <a:t>(math, strata = "</a:t>
-            </a:r>
-            <a:r>
-              <a:rPr lang="en-US" sz="2200" dirty="0" err="1">
-                <a:latin typeface="Courier New" panose="02070309020205020404" pitchFamily="49" charset="0"/>
-                <a:cs typeface="Courier New" panose="02070309020205020404" pitchFamily="49" charset="0"/>
-              </a:rPr>
-              <a:t>srt_tst_typ</a:t>
-            </a:r>
-            <a:r>
-              <a:rPr lang="en-US" sz="2200" dirty="0">
-                <a:latin typeface="Courier New" panose="02070309020205020404" pitchFamily="49" charset="0"/>
-                <a:cs typeface="Courier New" panose="02070309020205020404" pitchFamily="49" charset="0"/>
-              </a:rPr>
-              <a:t>") </a:t>
+              <a:t>(math) </a:t>
             </a:r>
           </a:p>
           <a:p>
@@ -8469,21 +8474,7 @@
                 <a:latin typeface="Courier New" panose="02070309020205020404" pitchFamily="49" charset="0"/>
                 <a:cs typeface="Courier New" panose="02070309020205020404" pitchFamily="49" charset="0"/>
               </a:rPr>
-              <a:t>, strata = "</a:t>
-            </a:r>
-            <a:r>
-              <a:rPr lang="en-US" sz="2200" dirty="0" err="1">
-                <a:latin typeface="Courier New" panose="02070309020205020404" pitchFamily="49" charset="0"/>
-                <a:cs typeface="Courier New" panose="02070309020205020404" pitchFamily="49" charset="0"/>
-              </a:rPr>
-              <a:t>srt_tst_typ</a:t>
-            </a:r>
-            <a:r>
-              <a:rPr lang="en-US" sz="2200" dirty="0">
-                <a:latin typeface="Courier New" panose="02070309020205020404" pitchFamily="49" charset="0"/>
-                <a:cs typeface="Courier New" panose="02070309020205020404" pitchFamily="49" charset="0"/>
-              </a:rPr>
-              <a:t>")</a:t>
+              <a:t>)</a:t>
             </a:r>
           </a:p>
         </p:txBody>
@@ -8934,20 +8925,6 @@
                 <a:latin typeface="Courier New" panose="02070309020205020404" pitchFamily="49" charset="0"/>
                 <a:cs typeface="Courier New" panose="02070309020205020404" pitchFamily="49" charset="0"/>
               </a:rPr>
-              <a:t>, </a:t>
-            </a:r>
-            <a:r>
-              <a:rPr lang="en-US" sz="2200" dirty="0" err="1">
-                <a:latin typeface="Courier New" panose="02070309020205020404" pitchFamily="49" charset="0"/>
-                <a:cs typeface="Courier New" panose="02070309020205020404" pitchFamily="49" charset="0"/>
-              </a:rPr>
-              <a:t>srt_tst_typ</a:t>
-            </a:r>
-            <a:r>
-              <a:rPr lang="en-US" sz="2200" dirty="0">
-                <a:latin typeface="Courier New" panose="02070309020205020404" pitchFamily="49" charset="0"/>
-                <a:cs typeface="Courier New" panose="02070309020205020404" pitchFamily="49" charset="0"/>
-              </a:rPr>
               <a:t>), list(~</a:t>
             </a:r>
             <a:r>
@@ -9096,21 +9073,7 @@
                 <a:latin typeface="Courier New" panose="02070309020205020404" pitchFamily="49" charset="0"/>
                 <a:cs typeface="Courier New" panose="02070309020205020404" pitchFamily="49" charset="0"/>
               </a:rPr>
-              <a:t>(math, strata = "</a:t>
-            </a:r>
-            <a:r>
-              <a:rPr lang="en-US" sz="2200" dirty="0" err="1">
-                <a:latin typeface="Courier New" panose="02070309020205020404" pitchFamily="49" charset="0"/>
-                <a:cs typeface="Courier New" panose="02070309020205020404" pitchFamily="49" charset="0"/>
-              </a:rPr>
-              <a:t>srt_tst_typ</a:t>
-            </a:r>
-            <a:r>
-              <a:rPr lang="en-US" sz="2200" dirty="0">
-                <a:latin typeface="Courier New" panose="02070309020205020404" pitchFamily="49" charset="0"/>
-                <a:cs typeface="Courier New" panose="02070309020205020404" pitchFamily="49" charset="0"/>
-              </a:rPr>
-              <a:t>") </a:t>
+              <a:t>(math) </a:t>
             </a:r>
           </a:p>
           <a:p>
@@ -9334,21 +9297,7 @@
                 <a:latin typeface="Courier New" panose="02070309020205020404" pitchFamily="49" charset="0"/>
                 <a:cs typeface="Courier New" panose="02070309020205020404" pitchFamily="49" charset="0"/>
               </a:rPr>
-              <a:t>, strata = "</a:t>
-            </a:r>
-            <a:r>
-              <a:rPr lang="en-US" sz="2200" dirty="0" err="1">
-                <a:latin typeface="Courier New" panose="02070309020205020404" pitchFamily="49" charset="0"/>
-                <a:cs typeface="Courier New" panose="02070309020205020404" pitchFamily="49" charset="0"/>
-              </a:rPr>
-              <a:t>srt_tst_typ</a:t>
-            </a:r>
-            <a:r>
-              <a:rPr lang="en-US" sz="2200" dirty="0">
-                <a:latin typeface="Courier New" panose="02070309020205020404" pitchFamily="49" charset="0"/>
-                <a:cs typeface="Courier New" panose="02070309020205020404" pitchFamily="49" charset="0"/>
-              </a:rPr>
-              <a:t>")</a:t>
+              <a:t>)</a:t>
             </a:r>
           </a:p>
         </p:txBody>
@@ -9571,26 +9520,6 @@
                 <a:latin typeface="Courier New" panose="02070309020205020404" pitchFamily="49" charset="0"/>
                 <a:cs typeface="Courier New" panose="02070309020205020404" pitchFamily="49" charset="0"/>
               </a:rPr>
-              <a:t>, </a:t>
-            </a:r>
-            <a:r>
-              <a:rPr lang="en-US" sz="2200" dirty="0" err="1">
-                <a:solidFill>
-                  <a:srgbClr val="00B0F0"/>
-                </a:solidFill>
-                <a:latin typeface="Courier New" panose="02070309020205020404" pitchFamily="49" charset="0"/>
-                <a:cs typeface="Courier New" panose="02070309020205020404" pitchFamily="49" charset="0"/>
-              </a:rPr>
-              <a:t>srt_tst_typ</a:t>
-            </a:r>
-            <a:r>
-              <a:rPr lang="en-US" sz="2200" dirty="0">
-                <a:solidFill>
-                  <a:srgbClr val="00B0F0"/>
-                </a:solidFill>
-                <a:latin typeface="Courier New" panose="02070309020205020404" pitchFamily="49" charset="0"/>
-                <a:cs typeface="Courier New" panose="02070309020205020404" pitchFamily="49" charset="0"/>
-              </a:rPr>
               <a:t>), list(~</a:t>
             </a:r>
             <a:r>
@@ -9752,21 +9681,7 @@
                 <a:latin typeface="Courier New" panose="02070309020205020404" pitchFamily="49" charset="0"/>
                 <a:cs typeface="Courier New" panose="02070309020205020404" pitchFamily="49" charset="0"/>
               </a:rPr>
-              <a:t>(math, strata = "</a:t>
-            </a:r>
-            <a:r>
-              <a:rPr lang="en-US" sz="2200" dirty="0" err="1">
-                <a:latin typeface="Courier New" panose="02070309020205020404" pitchFamily="49" charset="0"/>
-                <a:cs typeface="Courier New" panose="02070309020205020404" pitchFamily="49" charset="0"/>
-              </a:rPr>
-              <a:t>srt_tst_typ</a:t>
-            </a:r>
-            <a:r>
-              <a:rPr lang="en-US" sz="2200" dirty="0">
-                <a:latin typeface="Courier New" panose="02070309020205020404" pitchFamily="49" charset="0"/>
-                <a:cs typeface="Courier New" panose="02070309020205020404" pitchFamily="49" charset="0"/>
-              </a:rPr>
-              <a:t>") </a:t>
+              <a:t>(math) </a:t>
             </a:r>
           </a:p>
           <a:p>
@@ -9990,21 +9905,7 @@
                 <a:latin typeface="Courier New" panose="02070309020205020404" pitchFamily="49" charset="0"/>
                 <a:cs typeface="Courier New" panose="02070309020205020404" pitchFamily="49" charset="0"/>
               </a:rPr>
-              <a:t>, strata = "</a:t>
-            </a:r>
-            <a:r>
-              <a:rPr lang="en-US" sz="2200" dirty="0" err="1">
-                <a:latin typeface="Courier New" panose="02070309020205020404" pitchFamily="49" charset="0"/>
-                <a:cs typeface="Courier New" panose="02070309020205020404" pitchFamily="49" charset="0"/>
-              </a:rPr>
-              <a:t>srt_tst_typ</a:t>
-            </a:r>
-            <a:r>
-              <a:rPr lang="en-US" sz="2200" dirty="0">
-                <a:latin typeface="Courier New" panose="02070309020205020404" pitchFamily="49" charset="0"/>
-                <a:cs typeface="Courier New" panose="02070309020205020404" pitchFamily="49" charset="0"/>
-              </a:rPr>
-              <a:t>")</a:t>
+              <a:t>)</a:t>
             </a:r>
           </a:p>
         </p:txBody>
@@ -10215,20 +10116,6 @@
                 <a:latin typeface="Courier New" panose="02070309020205020404" pitchFamily="49" charset="0"/>
                 <a:cs typeface="Courier New" panose="02070309020205020404" pitchFamily="49" charset="0"/>
               </a:rPr>
-              <a:t>, </a:t>
-            </a:r>
-            <a:r>
-              <a:rPr lang="en-US" sz="2200" dirty="0" err="1">
-                <a:latin typeface="Courier New" panose="02070309020205020404" pitchFamily="49" charset="0"/>
-                <a:cs typeface="Courier New" panose="02070309020205020404" pitchFamily="49" charset="0"/>
-              </a:rPr>
-              <a:t>srt_tst_typ</a:t>
-            </a:r>
-            <a:r>
-              <a:rPr lang="en-US" sz="2200" dirty="0">
-                <a:latin typeface="Courier New" panose="02070309020205020404" pitchFamily="49" charset="0"/>
-                <a:cs typeface="Courier New" panose="02070309020205020404" pitchFamily="49" charset="0"/>
-              </a:rPr>
               <a:t>), list(~</a:t>
             </a:r>
             <a:r>
@@ -10383,21 +10270,7 @@
                 <a:latin typeface="Courier New" panose="02070309020205020404" pitchFamily="49" charset="0"/>
                 <a:cs typeface="Courier New" panose="02070309020205020404" pitchFamily="49" charset="0"/>
               </a:rPr>
-              <a:t>(math, strata = "</a:t>
-            </a:r>
-            <a:r>
-              <a:rPr lang="en-US" sz="2200" dirty="0" err="1">
-                <a:latin typeface="Courier New" panose="02070309020205020404" pitchFamily="49" charset="0"/>
-                <a:cs typeface="Courier New" panose="02070309020205020404" pitchFamily="49" charset="0"/>
-              </a:rPr>
-              <a:t>srt_tst_typ</a:t>
-            </a:r>
-            <a:r>
-              <a:rPr lang="en-US" sz="2200" dirty="0">
-                <a:latin typeface="Courier New" panose="02070309020205020404" pitchFamily="49" charset="0"/>
-                <a:cs typeface="Courier New" panose="02070309020205020404" pitchFamily="49" charset="0"/>
-              </a:rPr>
-              <a:t>") </a:t>
+              <a:t>(math) </a:t>
             </a:r>
           </a:p>
           <a:p>
@@ -10621,21 +10494,7 @@
                 <a:latin typeface="Courier New" panose="02070309020205020404" pitchFamily="49" charset="0"/>
                 <a:cs typeface="Courier New" panose="02070309020205020404" pitchFamily="49" charset="0"/>
               </a:rPr>
-              <a:t>, strata = "</a:t>
-            </a:r>
-            <a:r>
-              <a:rPr lang="en-US" sz="2200" dirty="0" err="1">
-                <a:latin typeface="Courier New" panose="02070309020205020404" pitchFamily="49" charset="0"/>
-                <a:cs typeface="Courier New" panose="02070309020205020404" pitchFamily="49" charset="0"/>
-              </a:rPr>
-              <a:t>srt_tst_typ</a:t>
-            </a:r>
-            <a:r>
-              <a:rPr lang="en-US" sz="2200" dirty="0">
-                <a:latin typeface="Courier New" panose="02070309020205020404" pitchFamily="49" charset="0"/>
-                <a:cs typeface="Courier New" panose="02070309020205020404" pitchFamily="49" charset="0"/>
-              </a:rPr>
-              <a:t>")</a:t>
+              <a:t>)</a:t>
             </a:r>
           </a:p>
         </p:txBody>
@@ -10846,20 +10705,6 @@
                 <a:latin typeface="Courier New" panose="02070309020205020404" pitchFamily="49" charset="0"/>
                 <a:cs typeface="Courier New" panose="02070309020205020404" pitchFamily="49" charset="0"/>
               </a:rPr>
-              <a:t>, </a:t>
-            </a:r>
-            <a:r>
-              <a:rPr lang="en-US" sz="2200" dirty="0" err="1">
-                <a:latin typeface="Courier New" panose="02070309020205020404" pitchFamily="49" charset="0"/>
-                <a:cs typeface="Courier New" panose="02070309020205020404" pitchFamily="49" charset="0"/>
-              </a:rPr>
-              <a:t>srt_tst_typ</a:t>
-            </a:r>
-            <a:r>
-              <a:rPr lang="en-US" sz="2200" dirty="0">
-                <a:latin typeface="Courier New" panose="02070309020205020404" pitchFamily="49" charset="0"/>
-                <a:cs typeface="Courier New" panose="02070309020205020404" pitchFamily="49" charset="0"/>
-              </a:rPr>
               <a:t>), list(~</a:t>
             </a:r>
             <a:r>
@@ -11477,20 +11322,6 @@
                 <a:latin typeface="Courier New" panose="02070309020205020404" pitchFamily="49" charset="0"/>
                 <a:cs typeface="Courier New" panose="02070309020205020404" pitchFamily="49" charset="0"/>
               </a:rPr>
-              <a:t>srt_tst_typ</a:t>
-            </a:r>
-            <a:r>
-              <a:rPr lang="en-US" sz="2200" dirty="0">
-                <a:latin typeface="Courier New" panose="02070309020205020404" pitchFamily="49" charset="0"/>
-                <a:cs typeface="Courier New" panose="02070309020205020404" pitchFamily="49" charset="0"/>
-              </a:rPr>
-              <a:t> + </a:t>
-            </a:r>
-            <a:r>
-              <a:rPr lang="en-US" sz="2200" dirty="0" err="1">
-                <a:latin typeface="Courier New" panose="02070309020205020404" pitchFamily="49" charset="0"/>
-                <a:cs typeface="Courier New" panose="02070309020205020404" pitchFamily="49" charset="0"/>
-              </a:rPr>
               <a:t>lat</a:t>
             </a:r>
             <a:r>
@@ -11591,21 +11422,21 @@
                 <a:latin typeface="Courier New" panose="02070309020205020404" pitchFamily="49" charset="0"/>
                 <a:cs typeface="Courier New" panose="02070309020205020404" pitchFamily="49" charset="0"/>
               </a:rPr>
-              <a:t>(recipes::</a:t>
+              <a:t>(</a:t>
             </a:r>
             <a:r>
               <a:rPr lang="en-US" sz="2200" dirty="0" err="1">
                 <a:latin typeface="Courier New" panose="02070309020205020404" pitchFamily="49" charset="0"/>
                 <a:cs typeface="Courier New" panose="02070309020205020404" pitchFamily="49" charset="0"/>
               </a:rPr>
-              <a:t>all_nominal</a:t>
-            </a:r>
-            <a:r>
-              <a:rPr lang="en-US" sz="2200" dirty="0">
-                <a:latin typeface="Courier New" panose="02070309020205020404" pitchFamily="49" charset="0"/>
-                <a:cs typeface="Courier New" panose="02070309020205020404" pitchFamily="49" charset="0"/>
-              </a:rPr>
-              <a:t>()) %&gt;%</a:t>
+              <a:t>enrl_grd</a:t>
+            </a:r>
+            <a:r>
+              <a:rPr lang="en-US" sz="2200" dirty="0">
+                <a:latin typeface="Courier New" panose="02070309020205020404" pitchFamily="49" charset="0"/>
+                <a:cs typeface="Courier New" panose="02070309020205020404" pitchFamily="49" charset="0"/>
+              </a:rPr>
+              <a:t>) %&gt;%</a:t>
             </a:r>
           </a:p>
           <a:p>
@@ -11637,21 +11468,35 @@
                 <a:latin typeface="Courier New" panose="02070309020205020404" pitchFamily="49" charset="0"/>
                 <a:cs typeface="Courier New" panose="02070309020205020404" pitchFamily="49" charset="0"/>
               </a:rPr>
-              <a:t>(recipes::</a:t>
+              <a:t>(</a:t>
             </a:r>
             <a:r>
               <a:rPr lang="en-US" sz="2200" dirty="0" err="1">
                 <a:latin typeface="Courier New" panose="02070309020205020404" pitchFamily="49" charset="0"/>
                 <a:cs typeface="Courier New" panose="02070309020205020404" pitchFamily="49" charset="0"/>
               </a:rPr>
-              <a:t>all_numeric</a:t>
-            </a:r>
-            <a:r>
-              <a:rPr lang="en-US" sz="2200" dirty="0">
-                <a:latin typeface="Courier New" panose="02070309020205020404" pitchFamily="49" charset="0"/>
-                <a:cs typeface="Courier New" panose="02070309020205020404" pitchFamily="49" charset="0"/>
-              </a:rPr>
-              <a:t>()) </a:t>
+              <a:t>lat</a:t>
+            </a:r>
+            <a:r>
+              <a:rPr lang="en-US" sz="2200" dirty="0">
+                <a:latin typeface="Courier New" panose="02070309020205020404" pitchFamily="49" charset="0"/>
+                <a:cs typeface="Courier New" panose="02070309020205020404" pitchFamily="49" charset="0"/>
+              </a:rPr>
+              <a:t>, </a:t>
+            </a:r>
+            <a:r>
+              <a:rPr lang="en-US" sz="2200" dirty="0" err="1">
+                <a:latin typeface="Courier New" panose="02070309020205020404" pitchFamily="49" charset="0"/>
+                <a:cs typeface="Courier New" panose="02070309020205020404" pitchFamily="49" charset="0"/>
+              </a:rPr>
+              <a:t>lon</a:t>
+            </a:r>
+            <a:r>
+              <a:rPr lang="en-US" sz="2200" dirty="0">
+                <a:latin typeface="Courier New" panose="02070309020205020404" pitchFamily="49" charset="0"/>
+                <a:cs typeface="Courier New" panose="02070309020205020404" pitchFamily="49" charset="0"/>
+              </a:rPr>
+              <a:t>) </a:t>
             </a:r>
             <a:r>
               <a:rPr lang="en-US" sz="2200" dirty="0">
@@ -14144,7 +13989,7 @@
           <a:p>
             <a:pPr marL="0" indent="0">
               <a:lnSpc>
-                <a:spcPct val="100000"/>
+                <a:spcPct val="80000"/>
               </a:lnSpc>
               <a:spcBef>
                 <a:spcPts val="0"/>
@@ -14185,7 +14030,7 @@
           <a:p>
             <a:pPr marL="0" indent="0">
               <a:lnSpc>
-                <a:spcPct val="100000"/>
+                <a:spcPct val="80000"/>
               </a:lnSpc>
               <a:spcBef>
                 <a:spcPts val="0"/>
@@ -14220,7 +14065,7 @@
                 <a:latin typeface="Courier New" panose="02070309020205020404" pitchFamily="49" charset="0"/>
                 <a:cs typeface="Courier New" panose="02070309020205020404" pitchFamily="49" charset="0"/>
               </a:rPr>
-              <a:t> </a:t>
+              <a:t>  </a:t>
             </a:r>
             <a:r>
               <a:rPr lang="en-US" sz="2200" dirty="0" err="1">
@@ -14243,7 +14088,7 @@
           <a:p>
             <a:pPr marL="0" indent="0">
               <a:lnSpc>
-                <a:spcPct val="100000"/>
+                <a:spcPct val="80000"/>
               </a:lnSpc>
               <a:spcBef>
                 <a:spcPts val="0"/>
@@ -14278,7 +14123,7 @@
                 <a:latin typeface="Courier New" panose="02070309020205020404" pitchFamily="49" charset="0"/>
                 <a:cs typeface="Courier New" panose="02070309020205020404" pitchFamily="49" charset="0"/>
               </a:rPr>
-              <a:t>&gt;            &lt;</a:t>
+              <a:t>&gt;             &lt;</a:t>
             </a:r>
             <a:r>
               <a:rPr lang="en-US" sz="2200" dirty="0" err="1">
@@ -14304,7 +14149,7 @@
           <a:p>
             <a:pPr marL="0" indent="0">
               <a:lnSpc>
-                <a:spcPct val="100000"/>
+                <a:spcPct val="80000"/>
               </a:lnSpc>
               <a:spcBef>
                 <a:spcPts val="0"/>
@@ -14319,7 +14164,7 @@
                 <a:latin typeface="Courier New" panose="02070309020205020404" pitchFamily="49" charset="0"/>
                 <a:cs typeface="Courier New" panose="02070309020205020404" pitchFamily="49" charset="0"/>
               </a:rPr>
-              <a:t> 1         6 </a:t>
+              <a:t> 1        15 </a:t>
             </a:r>
             <a:r>
               <a:rPr lang="en-US" sz="2200" dirty="0" err="1">
@@ -14339,13 +14184,13 @@
                 <a:latin typeface="Courier New" panose="02070309020205020404" pitchFamily="49" charset="0"/>
                 <a:cs typeface="Courier New" panose="02070309020205020404" pitchFamily="49" charset="0"/>
               </a:rPr>
-              <a:t>         0.577</a:t>
+              <a:t>         0.346 </a:t>
             </a:r>
           </a:p>
           <a:p>
             <a:pPr marL="0" indent="0">
               <a:lnSpc>
-                <a:spcPct val="100000"/>
+                <a:spcPct val="80000"/>
               </a:lnSpc>
               <a:spcBef>
                 <a:spcPts val="0"/>
@@ -14360,13 +14205,33 @@
                 <a:latin typeface="Courier New" panose="02070309020205020404" pitchFamily="49" charset="0"/>
                 <a:cs typeface="Courier New" panose="02070309020205020404" pitchFamily="49" charset="0"/>
               </a:rPr>
-              <a:t> 2         8 cos              0.665</a:t>
+              <a:t> 2         7 </a:t>
+            </a:r>
+            <a:r>
+              <a:rPr lang="en-US" sz="2200" dirty="0" err="1">
+                <a:highlight>
+                  <a:srgbClr val="C0C0C0"/>
+                </a:highlight>
+                <a:latin typeface="Courier New" panose="02070309020205020404" pitchFamily="49" charset="0"/>
+                <a:cs typeface="Courier New" panose="02070309020205020404" pitchFamily="49" charset="0"/>
+              </a:rPr>
+              <a:t>biweight</a:t>
+            </a:r>
+            <a:r>
+              <a:rPr lang="en-US" sz="2200" dirty="0">
+                <a:highlight>
+                  <a:srgbClr val="C0C0C0"/>
+                </a:highlight>
+                <a:latin typeface="Courier New" panose="02070309020205020404" pitchFamily="49" charset="0"/>
+                <a:cs typeface="Courier New" panose="02070309020205020404" pitchFamily="49" charset="0"/>
+              </a:rPr>
+              <a:t>         1.16  </a:t>
             </a:r>
           </a:p>
           <a:p>
             <a:pPr marL="0" indent="0">
               <a:lnSpc>
-                <a:spcPct val="100000"/>
+                <a:spcPct val="80000"/>
               </a:lnSpc>
               <a:spcBef>
                 <a:spcPts val="0"/>
@@ -14381,13 +14246,13 @@
                 <a:latin typeface="Courier New" panose="02070309020205020404" pitchFamily="49" charset="0"/>
                 <a:cs typeface="Courier New" panose="02070309020205020404" pitchFamily="49" charset="0"/>
               </a:rPr>
-              <a:t> 3        10 cos              1.46 </a:t>
+              <a:t> 3        10 cos              0.668 </a:t>
             </a:r>
           </a:p>
           <a:p>
             <a:pPr marL="0" indent="0">
               <a:lnSpc>
-                <a:spcPct val="100000"/>
+                <a:spcPct val="80000"/>
               </a:lnSpc>
               <a:spcBef>
                 <a:spcPts val="0"/>
@@ -14402,13 +14267,33 @@
                 <a:latin typeface="Courier New" panose="02070309020205020404" pitchFamily="49" charset="0"/>
                 <a:cs typeface="Courier New" panose="02070309020205020404" pitchFamily="49" charset="0"/>
               </a:rPr>
-              <a:t> 4        13 gaussian         0.141</a:t>
+              <a:t> 4        13 </a:t>
+            </a:r>
+            <a:r>
+              <a:rPr lang="en-US" sz="2200" dirty="0" err="1">
+                <a:highlight>
+                  <a:srgbClr val="C0C0C0"/>
+                </a:highlight>
+                <a:latin typeface="Courier New" panose="02070309020205020404" pitchFamily="49" charset="0"/>
+                <a:cs typeface="Courier New" panose="02070309020205020404" pitchFamily="49" charset="0"/>
+              </a:rPr>
+              <a:t>epanechnikov</a:t>
+            </a:r>
+            <a:r>
+              <a:rPr lang="en-US" sz="2200" dirty="0">
+                <a:highlight>
+                  <a:srgbClr val="C0C0C0"/>
+                </a:highlight>
+                <a:latin typeface="Courier New" panose="02070309020205020404" pitchFamily="49" charset="0"/>
+                <a:cs typeface="Courier New" panose="02070309020205020404" pitchFamily="49" charset="0"/>
+              </a:rPr>
+              <a:t>     1.01  </a:t>
             </a:r>
           </a:p>
           <a:p>
             <a:pPr marL="0" indent="0">
               <a:lnSpc>
-                <a:spcPct val="100000"/>
+                <a:spcPct val="80000"/>
               </a:lnSpc>
               <a:spcBef>
                 <a:spcPts val="0"/>
@@ -14423,13 +14308,13 @@
                 <a:latin typeface="Courier New" panose="02070309020205020404" pitchFamily="49" charset="0"/>
                 <a:cs typeface="Courier New" panose="02070309020205020404" pitchFamily="49" charset="0"/>
               </a:rPr>
-              <a:t> 5         8 inv              0.886</a:t>
+              <a:t> 5         2 inv              0.450 </a:t>
             </a:r>
           </a:p>
           <a:p>
             <a:pPr marL="0" indent="0">
               <a:lnSpc>
-                <a:spcPct val="100000"/>
+                <a:spcPct val="80000"/>
               </a:lnSpc>
               <a:spcBef>
                 <a:spcPts val="0"/>
@@ -14444,13 +14329,13 @@
                 <a:latin typeface="Courier New" panose="02070309020205020404" pitchFamily="49" charset="0"/>
                 <a:cs typeface="Courier New" panose="02070309020205020404" pitchFamily="49" charset="0"/>
               </a:rPr>
-              <a:t> 6         4 rank             0.324</a:t>
+              <a:t> 6         9 rank             1.27  </a:t>
             </a:r>
           </a:p>
           <a:p>
             <a:pPr marL="0" indent="0">
               <a:lnSpc>
-                <a:spcPct val="100000"/>
+                <a:spcPct val="80000"/>
               </a:lnSpc>
               <a:spcBef>
                 <a:spcPts val="0"/>
@@ -14465,13 +14350,13 @@
                 <a:latin typeface="Courier New" panose="02070309020205020404" pitchFamily="49" charset="0"/>
                 <a:cs typeface="Courier New" panose="02070309020205020404" pitchFamily="49" charset="0"/>
               </a:rPr>
-              <a:t> 7         3 rectangular      0.174</a:t>
+              <a:t> 7        11 rank             1.43  </a:t>
             </a:r>
           </a:p>
           <a:p>
             <a:pPr marL="0" indent="0">
               <a:lnSpc>
-                <a:spcPct val="100000"/>
+                <a:spcPct val="80000"/>
               </a:lnSpc>
               <a:spcBef>
                 <a:spcPts val="0"/>
@@ -14486,13 +14371,13 @@
                 <a:latin typeface="Courier New" panose="02070309020205020404" pitchFamily="49" charset="0"/>
                 <a:cs typeface="Courier New" panose="02070309020205020404" pitchFamily="49" charset="0"/>
               </a:rPr>
-              <a:t> 8         2 triangular       1.05 </a:t>
+              <a:t> 8         1 rectangular      0.0878</a:t>
             </a:r>
           </a:p>
           <a:p>
             <a:pPr marL="0" indent="0">
               <a:lnSpc>
-                <a:spcPct val="100000"/>
+                <a:spcPct val="80000"/>
               </a:lnSpc>
               <a:spcBef>
                 <a:spcPts val="0"/>
@@ -14507,13 +14392,13 @@
                 <a:latin typeface="Courier New" panose="02070309020205020404" pitchFamily="49" charset="0"/>
                 <a:cs typeface="Courier New" panose="02070309020205020404" pitchFamily="49" charset="0"/>
               </a:rPr>
-              <a:t> 9        11 triangular       1.06 </a:t>
+              <a:t> 9         6 triangular       0.854 </a:t>
             </a:r>
           </a:p>
           <a:p>
             <a:pPr marL="0" indent="0">
               <a:lnSpc>
-                <a:spcPct val="100000"/>
+                <a:spcPct val="80000"/>
               </a:lnSpc>
               <a:spcBef>
                 <a:spcPts val="0"/>
@@ -14528,7 +14413,7 @@
                 <a:latin typeface="Courier New" panose="02070309020205020404" pitchFamily="49" charset="0"/>
                 <a:cs typeface="Courier New" panose="02070309020205020404" pitchFamily="49" charset="0"/>
               </a:rPr>
-              <a:t>10        15 </a:t>
+              <a:t>10         4 </a:t>
             </a:r>
             <a:r>
               <a:rPr lang="en-US" sz="2200" dirty="0" err="1">
@@ -14548,7 +14433,7 @@
                 <a:latin typeface="Courier New" panose="02070309020205020404" pitchFamily="49" charset="0"/>
                 <a:cs typeface="Courier New" panose="02070309020205020404" pitchFamily="49" charset="0"/>
               </a:rPr>
-              <a:t>        1.25 </a:t>
+              <a:t>        0.255 </a:t>
             </a:r>
           </a:p>
         </p:txBody>
@@ -14843,7 +14728,7 @@
                 <a:latin typeface="Courier New" panose="02070309020205020404" pitchFamily="49" charset="0"/>
                 <a:cs typeface="Courier New" panose="02070309020205020404" pitchFamily="49" charset="0"/>
               </a:rPr>
-              <a:t> </a:t>
+              <a:t>  </a:t>
             </a:r>
             <a:r>
               <a:rPr lang="en-US" sz="1600" dirty="0" err="1">
@@ -14921,7 +14806,7 @@
                 <a:latin typeface="Courier New" panose="02070309020205020404" pitchFamily="49" charset="0"/>
                 <a:cs typeface="Courier New" panose="02070309020205020404" pitchFamily="49" charset="0"/>
               </a:rPr>
-              <a:t>&gt;            &lt;</a:t>
+              <a:t>&gt;             &lt;</a:t>
             </a:r>
             <a:r>
               <a:rPr lang="en-US" sz="1600" dirty="0" err="1">
@@ -15055,7 +14940,7 @@
                 <a:latin typeface="Courier New" panose="02070309020205020404" pitchFamily="49" charset="0"/>
                 <a:cs typeface="Courier New" panose="02070309020205020404" pitchFamily="49" charset="0"/>
               </a:rPr>
-              <a:t>1        11 triangular       1.06  </a:t>
+              <a:t>1        13 </a:t>
             </a:r>
             <a:r>
               <a:rPr lang="en-US" sz="1600" dirty="0" err="1">
@@ -15068,7 +14953,7 @@
                 <a:latin typeface="Courier New" panose="02070309020205020404" pitchFamily="49" charset="0"/>
                 <a:cs typeface="Courier New" panose="02070309020205020404" pitchFamily="49" charset="0"/>
               </a:rPr>
-              <a:t>rmse</a:t>
+              <a:t>epanechnikov</a:t>
             </a:r>
             <a:r>
               <a:rPr lang="en-US" sz="1600" dirty="0">
@@ -15081,7 +14966,33 @@
                 <a:latin typeface="Courier New" panose="02070309020205020404" pitchFamily="49" charset="0"/>
                 <a:cs typeface="Courier New" panose="02070309020205020404" pitchFamily="49" charset="0"/>
               </a:rPr>
-              <a:t>    standard   0.453    10 0.00763</a:t>
+              <a:t>     1.01   </a:t>
+            </a:r>
+            <a:r>
+              <a:rPr lang="en-US" sz="1600" dirty="0" err="1">
+                <a:solidFill>
+                  <a:srgbClr val="00B0F0"/>
+                </a:solidFill>
+                <a:highlight>
+                  <a:srgbClr val="C0C0C0"/>
+                </a:highlight>
+                <a:latin typeface="Courier New" panose="02070309020205020404" pitchFamily="49" charset="0"/>
+                <a:cs typeface="Courier New" panose="02070309020205020404" pitchFamily="49" charset="0"/>
+              </a:rPr>
+              <a:t>rmse</a:t>
+            </a:r>
+            <a:r>
+              <a:rPr lang="en-US" sz="1600" dirty="0">
+                <a:solidFill>
+                  <a:srgbClr val="00B0F0"/>
+                </a:solidFill>
+                <a:highlight>
+                  <a:srgbClr val="C0C0C0"/>
+                </a:highlight>
+                <a:latin typeface="Courier New" panose="02070309020205020404" pitchFamily="49" charset="0"/>
+                <a:cs typeface="Courier New" panose="02070309020205020404" pitchFamily="49" charset="0"/>
+              </a:rPr>
+              <a:t>    standard    106.    10    2.40</a:t>
             </a:r>
           </a:p>
           <a:p>
@@ -15102,7 +15013,7 @@
                 <a:latin typeface="Courier New" panose="02070309020205020404" pitchFamily="49" charset="0"/>
                 <a:cs typeface="Courier New" panose="02070309020205020404" pitchFamily="49" charset="0"/>
               </a:rPr>
-              <a:t> 2        15 </a:t>
+              <a:t> 2        11 rank             1.43   </a:t>
             </a:r>
             <a:r>
               <a:rPr lang="en-US" sz="1600" dirty="0" err="1">
@@ -15112,7 +15023,7 @@
                 <a:latin typeface="Courier New" panose="02070309020205020404" pitchFamily="49" charset="0"/>
                 <a:cs typeface="Courier New" panose="02070309020205020404" pitchFamily="49" charset="0"/>
               </a:rPr>
-              <a:t>triweight</a:t>
+              <a:t>rmse</a:t>
             </a:r>
             <a:r>
               <a:rPr lang="en-US" sz="1600" dirty="0">
@@ -15122,27 +15033,7 @@
                 <a:latin typeface="Courier New" panose="02070309020205020404" pitchFamily="49" charset="0"/>
                 <a:cs typeface="Courier New" panose="02070309020205020404" pitchFamily="49" charset="0"/>
               </a:rPr>
-              <a:t>        1.25  </a:t>
-            </a:r>
-            <a:r>
-              <a:rPr lang="en-US" sz="1600" dirty="0" err="1">
-                <a:highlight>
-                  <a:srgbClr val="C0C0C0"/>
-                </a:highlight>
-                <a:latin typeface="Courier New" panose="02070309020205020404" pitchFamily="49" charset="0"/>
-                <a:cs typeface="Courier New" panose="02070309020205020404" pitchFamily="49" charset="0"/>
-              </a:rPr>
-              <a:t>rmse</a:t>
-            </a:r>
-            <a:r>
-              <a:rPr lang="en-US" sz="1600" dirty="0">
-                <a:highlight>
-                  <a:srgbClr val="C0C0C0"/>
-                </a:highlight>
-                <a:latin typeface="Courier New" panose="02070309020205020404" pitchFamily="49" charset="0"/>
-                <a:cs typeface="Courier New" panose="02070309020205020404" pitchFamily="49" charset="0"/>
-              </a:rPr>
-              <a:t>    standard   0.453    10 0.00788</a:t>
+              <a:t>    standard    106.    10    2.43</a:t>
             </a:r>
           </a:p>
           <a:p>
@@ -15163,7 +15054,7 @@
                 <a:latin typeface="Courier New" panose="02070309020205020404" pitchFamily="49" charset="0"/>
                 <a:cs typeface="Courier New" panose="02070309020205020404" pitchFamily="49" charset="0"/>
               </a:rPr>
-              <a:t> 3        10 cos              1.46  </a:t>
+              <a:t> 3        15 </a:t>
             </a:r>
             <a:r>
               <a:rPr lang="en-US" sz="1600" dirty="0" err="1">
@@ -15173,6 +15064,26 @@
                 <a:latin typeface="Courier New" panose="02070309020205020404" pitchFamily="49" charset="0"/>
                 <a:cs typeface="Courier New" panose="02070309020205020404" pitchFamily="49" charset="0"/>
               </a:rPr>
+              <a:t>biweight</a:t>
+            </a:r>
+            <a:r>
+              <a:rPr lang="en-US" sz="1600" dirty="0">
+                <a:highlight>
+                  <a:srgbClr val="C0C0C0"/>
+                </a:highlight>
+                <a:latin typeface="Courier New" panose="02070309020205020404" pitchFamily="49" charset="0"/>
+                <a:cs typeface="Courier New" panose="02070309020205020404" pitchFamily="49" charset="0"/>
+              </a:rPr>
+              <a:t>         0.346  </a:t>
+            </a:r>
+            <a:r>
+              <a:rPr lang="en-US" sz="1600" dirty="0" err="1">
+                <a:highlight>
+                  <a:srgbClr val="C0C0C0"/>
+                </a:highlight>
+                <a:latin typeface="Courier New" panose="02070309020205020404" pitchFamily="49" charset="0"/>
+                <a:cs typeface="Courier New" panose="02070309020205020404" pitchFamily="49" charset="0"/>
+              </a:rPr>
               <a:t>rmse</a:t>
             </a:r>
             <a:r>
@@ -15183,7 +15094,7 @@
                 <a:latin typeface="Courier New" panose="02070309020205020404" pitchFamily="49" charset="0"/>
                 <a:cs typeface="Courier New" panose="02070309020205020404" pitchFamily="49" charset="0"/>
               </a:rPr>
-              <a:t>    standard   0.453    10 0.00775</a:t>
+              <a:t>    standard    107.    10    2.45</a:t>
             </a:r>
           </a:p>
           <a:p>
@@ -15204,7 +15115,7 @@
                 <a:latin typeface="Courier New" panose="02070309020205020404" pitchFamily="49" charset="0"/>
                 <a:cs typeface="Courier New" panose="02070309020205020404" pitchFamily="49" charset="0"/>
               </a:rPr>
-              <a:t> 4         8 cos              0.665 </a:t>
+              <a:t> 4         9 rank             1.27   </a:t>
             </a:r>
             <a:r>
               <a:rPr lang="en-US" sz="1600" dirty="0" err="1">
@@ -15224,7 +15135,7 @@
                 <a:latin typeface="Courier New" panose="02070309020205020404" pitchFamily="49" charset="0"/>
                 <a:cs typeface="Courier New" panose="02070309020205020404" pitchFamily="49" charset="0"/>
               </a:rPr>
-              <a:t>    standard   0.460    10 0.00743</a:t>
+              <a:t>    standard    107.    10    2.36</a:t>
             </a:r>
           </a:p>
           <a:p>
@@ -15245,7 +15156,7 @@
                 <a:latin typeface="Courier New" panose="02070309020205020404" pitchFamily="49" charset="0"/>
                 <a:cs typeface="Courier New" panose="02070309020205020404" pitchFamily="49" charset="0"/>
               </a:rPr>
-              <a:t> 5         6 </a:t>
+              <a:t> 5        10 cos              0.668  </a:t>
             </a:r>
             <a:r>
               <a:rPr lang="en-US" sz="1600" dirty="0" err="1">
@@ -15255,7 +15166,7 @@
                 <a:latin typeface="Courier New" panose="02070309020205020404" pitchFamily="49" charset="0"/>
                 <a:cs typeface="Courier New" panose="02070309020205020404" pitchFamily="49" charset="0"/>
               </a:rPr>
-              <a:t>biweight</a:t>
+              <a:t>rmse</a:t>
             </a:r>
             <a:r>
               <a:rPr lang="en-US" sz="1600" dirty="0">
@@ -15265,27 +15176,7 @@
                 <a:latin typeface="Courier New" panose="02070309020205020404" pitchFamily="49" charset="0"/>
                 <a:cs typeface="Courier New" panose="02070309020205020404" pitchFamily="49" charset="0"/>
               </a:rPr>
-              <a:t>         0.577 </a:t>
-            </a:r>
-            <a:r>
-              <a:rPr lang="en-US" sz="1600" dirty="0" err="1">
-                <a:highlight>
-                  <a:srgbClr val="C0C0C0"/>
-                </a:highlight>
-                <a:latin typeface="Courier New" panose="02070309020205020404" pitchFamily="49" charset="0"/>
-                <a:cs typeface="Courier New" panose="02070309020205020404" pitchFamily="49" charset="0"/>
-              </a:rPr>
-              <a:t>rmse</a:t>
-            </a:r>
-            <a:r>
-              <a:rPr lang="en-US" sz="1600" dirty="0">
-                <a:highlight>
-                  <a:srgbClr val="C0C0C0"/>
-                </a:highlight>
-                <a:latin typeface="Courier New" panose="02070309020205020404" pitchFamily="49" charset="0"/>
-                <a:cs typeface="Courier New" panose="02070309020205020404" pitchFamily="49" charset="0"/>
-              </a:rPr>
-              <a:t>    standard   0.475    10 0.00847</a:t>
+              <a:t>    standard    108.    10    2.42</a:t>
             </a:r>
           </a:p>
           <a:p>
@@ -15306,7 +15197,7 @@
                 <a:latin typeface="Courier New" panose="02070309020205020404" pitchFamily="49" charset="0"/>
                 <a:cs typeface="Courier New" panose="02070309020205020404" pitchFamily="49" charset="0"/>
               </a:rPr>
-              <a:t> 6         4 rank             0.324 </a:t>
+              <a:t> 6         7 </a:t>
             </a:r>
             <a:r>
               <a:rPr lang="en-US" sz="1600" dirty="0" err="1">
@@ -15316,6 +15207,26 @@
                 <a:latin typeface="Courier New" panose="02070309020205020404" pitchFamily="49" charset="0"/>
                 <a:cs typeface="Courier New" panose="02070309020205020404" pitchFamily="49" charset="0"/>
               </a:rPr>
+              <a:t>biweight</a:t>
+            </a:r>
+            <a:r>
+              <a:rPr lang="en-US" sz="1600" dirty="0">
+                <a:highlight>
+                  <a:srgbClr val="C0C0C0"/>
+                </a:highlight>
+                <a:latin typeface="Courier New" panose="02070309020205020404" pitchFamily="49" charset="0"/>
+                <a:cs typeface="Courier New" panose="02070309020205020404" pitchFamily="49" charset="0"/>
+              </a:rPr>
+              <a:t>         1.16   </a:t>
+            </a:r>
+            <a:r>
+              <a:rPr lang="en-US" sz="1600" dirty="0" err="1">
+                <a:highlight>
+                  <a:srgbClr val="C0C0C0"/>
+                </a:highlight>
+                <a:latin typeface="Courier New" panose="02070309020205020404" pitchFamily="49" charset="0"/>
+                <a:cs typeface="Courier New" panose="02070309020205020404" pitchFamily="49" charset="0"/>
+              </a:rPr>
               <a:t>rmse</a:t>
             </a:r>
             <a:r>
@@ -15326,7 +15237,7 @@
                 <a:latin typeface="Courier New" panose="02070309020205020404" pitchFamily="49" charset="0"/>
                 <a:cs typeface="Courier New" panose="02070309020205020404" pitchFamily="49" charset="0"/>
               </a:rPr>
-              <a:t>    standard   0.489    10 0.0122 </a:t>
+              <a:t>    standard    112.    10    2.29</a:t>
             </a:r>
           </a:p>
           <a:p>
@@ -15347,7 +15258,7 @@
                 <a:latin typeface="Courier New" panose="02070309020205020404" pitchFamily="49" charset="0"/>
                 <a:cs typeface="Courier New" panose="02070309020205020404" pitchFamily="49" charset="0"/>
               </a:rPr>
-              <a:t> 7         8 inv              0.886 </a:t>
+              <a:t> 7         6 triangular       0.854  </a:t>
             </a:r>
             <a:r>
               <a:rPr lang="en-US" sz="1600" dirty="0" err="1">
@@ -15367,7 +15278,7 @@
                 <a:latin typeface="Courier New" panose="02070309020205020404" pitchFamily="49" charset="0"/>
                 <a:cs typeface="Courier New" panose="02070309020205020404" pitchFamily="49" charset="0"/>
               </a:rPr>
-              <a:t>    standard   0.503    10 0.00932</a:t>
+              <a:t>    standard    113.    10    2.16</a:t>
             </a:r>
           </a:p>
           <a:p>
@@ -15388,7 +15299,7 @@
                 <a:latin typeface="Courier New" panose="02070309020205020404" pitchFamily="49" charset="0"/>
                 <a:cs typeface="Courier New" panose="02070309020205020404" pitchFamily="49" charset="0"/>
               </a:rPr>
-              <a:t> 8         2 triangular       1.05  </a:t>
+              <a:t> 8         2 inv              0.450  </a:t>
             </a:r>
             <a:r>
               <a:rPr lang="en-US" sz="1600" dirty="0" err="1">
@@ -15408,7 +15319,7 @@
                 <a:latin typeface="Courier New" panose="02070309020205020404" pitchFamily="49" charset="0"/>
                 <a:cs typeface="Courier New" panose="02070309020205020404" pitchFamily="49" charset="0"/>
               </a:rPr>
-              <a:t>    standard   0.532    10 0.00748</a:t>
+              <a:t>    standard    127.    10    2.21</a:t>
             </a:r>
           </a:p>
           <a:p>
@@ -15429,7 +15340,7 @@
                 <a:latin typeface="Courier New" panose="02070309020205020404" pitchFamily="49" charset="0"/>
                 <a:cs typeface="Courier New" panose="02070309020205020404" pitchFamily="49" charset="0"/>
               </a:rPr>
-              <a:t> 9        13 gaussian         0.141 </a:t>
+              <a:t> 9         1 rectangular      0.0878 </a:t>
             </a:r>
             <a:r>
               <a:rPr lang="en-US" sz="1600" dirty="0" err="1">
@@ -15449,7 +15360,7 @@
                 <a:latin typeface="Courier New" panose="02070309020205020404" pitchFamily="49" charset="0"/>
                 <a:cs typeface="Courier New" panose="02070309020205020404" pitchFamily="49" charset="0"/>
               </a:rPr>
-              <a:t>    standard   0.595    10 0.0427 </a:t>
+              <a:t>    standard    142.    10    2.02</a:t>
             </a:r>
           </a:p>
           <a:p>
@@ -15470,7 +15381,7 @@
                 <a:latin typeface="Courier New" panose="02070309020205020404" pitchFamily="49" charset="0"/>
                 <a:cs typeface="Courier New" panose="02070309020205020404" pitchFamily="49" charset="0"/>
               </a:rPr>
-              <a:t>10         3 rectangular      0.174 </a:t>
+              <a:t>10         4 </a:t>
             </a:r>
             <a:r>
               <a:rPr lang="en-US" sz="1600" dirty="0" err="1">
@@ -15480,6 +15391,26 @@
                 <a:latin typeface="Courier New" panose="02070309020205020404" pitchFamily="49" charset="0"/>
                 <a:cs typeface="Courier New" panose="02070309020205020404" pitchFamily="49" charset="0"/>
               </a:rPr>
+              <a:t>triweight</a:t>
+            </a:r>
+            <a:r>
+              <a:rPr lang="en-US" sz="1600" dirty="0">
+                <a:highlight>
+                  <a:srgbClr val="C0C0C0"/>
+                </a:highlight>
+                <a:latin typeface="Courier New" panose="02070309020205020404" pitchFamily="49" charset="0"/>
+                <a:cs typeface="Courier New" panose="02070309020205020404" pitchFamily="49" charset="0"/>
+              </a:rPr>
+              <a:t>        0.255  </a:t>
+            </a:r>
+            <a:r>
+              <a:rPr lang="en-US" sz="1600" dirty="0" err="1">
+                <a:highlight>
+                  <a:srgbClr val="C0C0C0"/>
+                </a:highlight>
+                <a:latin typeface="Courier New" panose="02070309020205020404" pitchFamily="49" charset="0"/>
+                <a:cs typeface="Courier New" panose="02070309020205020404" pitchFamily="49" charset="0"/>
+              </a:rPr>
               <a:t>rmse</a:t>
             </a:r>
             <a:r>
@@ -15490,7 +15421,7 @@
                 <a:latin typeface="Courier New" panose="02070309020205020404" pitchFamily="49" charset="0"/>
                 <a:cs typeface="Courier New" panose="02070309020205020404" pitchFamily="49" charset="0"/>
               </a:rPr>
-              <a:t>    standard   0.631    10 0.0552</a:t>
+              <a:t>    standard    196.    10   25.2</a:t>
             </a:r>
           </a:p>
         </p:txBody>
@@ -16190,7 +16121,7 @@
                 <a:latin typeface="Courier New" panose="02070309020205020404" pitchFamily="49" charset="0"/>
                 <a:cs typeface="Courier New" panose="02070309020205020404" pitchFamily="49" charset="0"/>
               </a:rPr>
-              <a:t> </a:t>
+              <a:t>  </a:t>
             </a:r>
             <a:r>
               <a:rPr lang="en-US" sz="1600" dirty="0" err="1">
@@ -16210,7 +16141,7 @@
                 <a:latin typeface="Courier New" panose="02070309020205020404" pitchFamily="49" charset="0"/>
                 <a:cs typeface="Courier New" panose="02070309020205020404" pitchFamily="49" charset="0"/>
               </a:rPr>
-              <a:t>  mean      se</a:t>
+              <a:t>  mean    se</a:t>
             </a:r>
           </a:p>
           <a:p>
@@ -16251,7 +16182,7 @@
                 <a:latin typeface="Courier New" panose="02070309020205020404" pitchFamily="49" charset="0"/>
                 <a:cs typeface="Courier New" panose="02070309020205020404" pitchFamily="49" charset="0"/>
               </a:rPr>
-              <a:t>&gt;            &lt;</a:t>
+              <a:t>&gt;             &lt;</a:t>
             </a:r>
             <a:r>
               <a:rPr lang="en-US" sz="1600" dirty="0" err="1">
@@ -16291,7 +16222,7 @@
                 <a:latin typeface="Courier New" panose="02070309020205020404" pitchFamily="49" charset="0"/>
                 <a:cs typeface="Courier New" panose="02070309020205020404" pitchFamily="49" charset="0"/>
               </a:rPr>
-              <a:t>&gt;   &lt;</a:t>
+              <a:t>&gt; &lt;</a:t>
             </a:r>
             <a:r>
               <a:rPr lang="en-US" sz="1600" dirty="0" err="1">
@@ -16345,7 +16276,33 @@
                 <a:latin typeface="Courier New" panose="02070309020205020404" pitchFamily="49" charset="0"/>
                 <a:cs typeface="Courier New" panose="02070309020205020404" pitchFamily="49" charset="0"/>
               </a:rPr>
-              <a:t>1        11 triangular       1.06  0.453 0.00763</a:t>
+              <a:t>1        13 </a:t>
+            </a:r>
+            <a:r>
+              <a:rPr lang="en-US" sz="1600" dirty="0" err="1">
+                <a:solidFill>
+                  <a:srgbClr val="00B0F0"/>
+                </a:solidFill>
+                <a:highlight>
+                  <a:srgbClr val="C0C0C0"/>
+                </a:highlight>
+                <a:latin typeface="Courier New" panose="02070309020205020404" pitchFamily="49" charset="0"/>
+                <a:cs typeface="Courier New" panose="02070309020205020404" pitchFamily="49" charset="0"/>
+              </a:rPr>
+              <a:t>epanechnikov</a:t>
+            </a:r>
+            <a:r>
+              <a:rPr lang="en-US" sz="1600" dirty="0">
+                <a:solidFill>
+                  <a:srgbClr val="00B0F0"/>
+                </a:solidFill>
+                <a:highlight>
+                  <a:srgbClr val="C0C0C0"/>
+                </a:highlight>
+                <a:latin typeface="Courier New" panose="02070309020205020404" pitchFamily="49" charset="0"/>
+                <a:cs typeface="Courier New" panose="02070309020205020404" pitchFamily="49" charset="0"/>
+              </a:rPr>
+              <a:t>     1.01    106.  2.40</a:t>
             </a:r>
           </a:p>
           <a:p>
@@ -16366,27 +16323,7 @@
                 <a:latin typeface="Courier New" panose="02070309020205020404" pitchFamily="49" charset="0"/>
                 <a:cs typeface="Courier New" panose="02070309020205020404" pitchFamily="49" charset="0"/>
               </a:rPr>
-              <a:t> 2        15 </a:t>
-            </a:r>
-            <a:r>
-              <a:rPr lang="en-US" sz="1600" dirty="0" err="1">
-                <a:highlight>
-                  <a:srgbClr val="C0C0C0"/>
-                </a:highlight>
-                <a:latin typeface="Courier New" panose="02070309020205020404" pitchFamily="49" charset="0"/>
-                <a:cs typeface="Courier New" panose="02070309020205020404" pitchFamily="49" charset="0"/>
-              </a:rPr>
-              <a:t>triweight</a:t>
-            </a:r>
-            <a:r>
-              <a:rPr lang="en-US" sz="1600" dirty="0">
-                <a:highlight>
-                  <a:srgbClr val="C0C0C0"/>
-                </a:highlight>
-                <a:latin typeface="Courier New" panose="02070309020205020404" pitchFamily="49" charset="0"/>
-                <a:cs typeface="Courier New" panose="02070309020205020404" pitchFamily="49" charset="0"/>
-              </a:rPr>
-              <a:t>        1.25  0.453 0.00788</a:t>
+              <a:t> 2        11 rank             1.43    106.  2.43</a:t>
             </a:r>
           </a:p>
           <a:p>
@@ -16407,7 +16344,27 @@
                 <a:latin typeface="Courier New" panose="02070309020205020404" pitchFamily="49" charset="0"/>
                 <a:cs typeface="Courier New" panose="02070309020205020404" pitchFamily="49" charset="0"/>
               </a:rPr>
-              <a:t> 3        10 cos              1.46  0.453 0.00775</a:t>
+              <a:t> 3        15 </a:t>
+            </a:r>
+            <a:r>
+              <a:rPr lang="en-US" sz="1600" dirty="0" err="1">
+                <a:highlight>
+                  <a:srgbClr val="C0C0C0"/>
+                </a:highlight>
+                <a:latin typeface="Courier New" panose="02070309020205020404" pitchFamily="49" charset="0"/>
+                <a:cs typeface="Courier New" panose="02070309020205020404" pitchFamily="49" charset="0"/>
+              </a:rPr>
+              <a:t>biweight</a:t>
+            </a:r>
+            <a:r>
+              <a:rPr lang="en-US" sz="1600" dirty="0">
+                <a:highlight>
+                  <a:srgbClr val="C0C0C0"/>
+                </a:highlight>
+                <a:latin typeface="Courier New" panose="02070309020205020404" pitchFamily="49" charset="0"/>
+                <a:cs typeface="Courier New" panose="02070309020205020404" pitchFamily="49" charset="0"/>
+              </a:rPr>
+              <a:t>         0.346   107.  2.45</a:t>
             </a:r>
           </a:p>
           <a:p>
@@ -16428,7 +16385,7 @@
                 <a:latin typeface="Courier New" panose="02070309020205020404" pitchFamily="49" charset="0"/>
                 <a:cs typeface="Courier New" panose="02070309020205020404" pitchFamily="49" charset="0"/>
               </a:rPr>
-              <a:t> 4         8 cos              0.665 0.460 0.00743</a:t>
+              <a:t> 4         9 rank             1.27    107.  2.36</a:t>
             </a:r>
           </a:p>
           <a:p>
@@ -16449,27 +16406,7 @@
                 <a:latin typeface="Courier New" panose="02070309020205020404" pitchFamily="49" charset="0"/>
                 <a:cs typeface="Courier New" panose="02070309020205020404" pitchFamily="49" charset="0"/>
               </a:rPr>
-              <a:t> 5         6 </a:t>
-            </a:r>
-            <a:r>
-              <a:rPr lang="en-US" sz="1600" dirty="0" err="1">
-                <a:highlight>
-                  <a:srgbClr val="C0C0C0"/>
-                </a:highlight>
-                <a:latin typeface="Courier New" panose="02070309020205020404" pitchFamily="49" charset="0"/>
-                <a:cs typeface="Courier New" panose="02070309020205020404" pitchFamily="49" charset="0"/>
-              </a:rPr>
-              <a:t>biweight</a:t>
-            </a:r>
-            <a:r>
-              <a:rPr lang="en-US" sz="1600" dirty="0">
-                <a:highlight>
-                  <a:srgbClr val="C0C0C0"/>
-                </a:highlight>
-                <a:latin typeface="Courier New" panose="02070309020205020404" pitchFamily="49" charset="0"/>
-                <a:cs typeface="Courier New" panose="02070309020205020404" pitchFamily="49" charset="0"/>
-              </a:rPr>
-              <a:t>         0.577 0.475 0.00847</a:t>
+              <a:t> 5        10 cos              0.668   108.  2.42</a:t>
             </a:r>
           </a:p>
           <a:p>
@@ -16490,7 +16427,27 @@
                 <a:latin typeface="Courier New" panose="02070309020205020404" pitchFamily="49" charset="0"/>
                 <a:cs typeface="Courier New" panose="02070309020205020404" pitchFamily="49" charset="0"/>
               </a:rPr>
-              <a:t> 6         4 rank             0.324 0.489 0.0122 </a:t>
+              <a:t> 6         7 </a:t>
+            </a:r>
+            <a:r>
+              <a:rPr lang="en-US" sz="1600" dirty="0" err="1">
+                <a:highlight>
+                  <a:srgbClr val="C0C0C0"/>
+                </a:highlight>
+                <a:latin typeface="Courier New" panose="02070309020205020404" pitchFamily="49" charset="0"/>
+                <a:cs typeface="Courier New" panose="02070309020205020404" pitchFamily="49" charset="0"/>
+              </a:rPr>
+              <a:t>biweight</a:t>
+            </a:r>
+            <a:r>
+              <a:rPr lang="en-US" sz="1600" dirty="0">
+                <a:highlight>
+                  <a:srgbClr val="C0C0C0"/>
+                </a:highlight>
+                <a:latin typeface="Courier New" panose="02070309020205020404" pitchFamily="49" charset="0"/>
+                <a:cs typeface="Courier New" panose="02070309020205020404" pitchFamily="49" charset="0"/>
+              </a:rPr>
+              <a:t>         1.16    112.  2.29</a:t>
             </a:r>
           </a:p>
           <a:p>
@@ -16511,7 +16468,7 @@
                 <a:latin typeface="Courier New" panose="02070309020205020404" pitchFamily="49" charset="0"/>
                 <a:cs typeface="Courier New" panose="02070309020205020404" pitchFamily="49" charset="0"/>
               </a:rPr>
-              <a:t> 7         8 inv              0.886 0.503 0.00932</a:t>
+              <a:t> 7         6 triangular       0.854   113.  2.16</a:t>
             </a:r>
           </a:p>
           <a:p>
@@ -16532,7 +16489,7 @@
                 <a:latin typeface="Courier New" panose="02070309020205020404" pitchFamily="49" charset="0"/>
                 <a:cs typeface="Courier New" panose="02070309020205020404" pitchFamily="49" charset="0"/>
               </a:rPr>
-              <a:t> 8         2 triangular       1.05  0.532 0.00748</a:t>
+              <a:t> 8         2 inv              0.450   127.  2.21</a:t>
             </a:r>
           </a:p>
           <a:p>
@@ -16553,7 +16510,7 @@
                 <a:latin typeface="Courier New" panose="02070309020205020404" pitchFamily="49" charset="0"/>
                 <a:cs typeface="Courier New" panose="02070309020205020404" pitchFamily="49" charset="0"/>
               </a:rPr>
-              <a:t> 9        13 gaussian         0.141 0.595 0.0427 </a:t>
+              <a:t> 9         1 rectangular      0.0878  142.  2.02</a:t>
             </a:r>
           </a:p>
           <a:p>
@@ -16574,7 +16531,27 @@
                 <a:latin typeface="Courier New" panose="02070309020205020404" pitchFamily="49" charset="0"/>
                 <a:cs typeface="Courier New" panose="02070309020205020404" pitchFamily="49" charset="0"/>
               </a:rPr>
-              <a:t>10         3 rectangular      0.174 0.631 0.0552 </a:t>
+              <a:t>10         4 </a:t>
+            </a:r>
+            <a:r>
+              <a:rPr lang="en-US" sz="1600" dirty="0" err="1">
+                <a:highlight>
+                  <a:srgbClr val="C0C0C0"/>
+                </a:highlight>
+                <a:latin typeface="Courier New" panose="02070309020205020404" pitchFamily="49" charset="0"/>
+                <a:cs typeface="Courier New" panose="02070309020205020404" pitchFamily="49" charset="0"/>
+              </a:rPr>
+              <a:t>triweight</a:t>
+            </a:r>
+            <a:r>
+              <a:rPr lang="en-US" sz="1600" dirty="0">
+                <a:highlight>
+                  <a:srgbClr val="C0C0C0"/>
+                </a:highlight>
+                <a:latin typeface="Courier New" panose="02070309020205020404" pitchFamily="49" charset="0"/>
+                <a:cs typeface="Courier New" panose="02070309020205020404" pitchFamily="49" charset="0"/>
+              </a:rPr>
+              <a:t>        0.255   196. 25.2 </a:t>
             </a:r>
           </a:p>
         </p:txBody>
@@ -16684,6 +16661,20 @@
                 <a:latin typeface="Courier New" panose="02070309020205020404" pitchFamily="49" charset="0"/>
                 <a:cs typeface="Courier New" panose="02070309020205020404" pitchFamily="49" charset="0"/>
               </a:rPr>
+              <a:t>() &amp; </a:t>
+            </a:r>
+            <a:r>
+              <a:rPr lang="en-US" dirty="0" err="1">
+                <a:latin typeface="Courier New" panose="02070309020205020404" pitchFamily="49" charset="0"/>
+                <a:cs typeface="Courier New" panose="02070309020205020404" pitchFamily="49" charset="0"/>
+              </a:rPr>
+              <a:t>select_best</a:t>
+            </a:r>
+            <a:r>
+              <a:rPr lang="en-US" dirty="0">
+                <a:latin typeface="Courier New" panose="02070309020205020404" pitchFamily="49" charset="0"/>
+                <a:cs typeface="Courier New" panose="02070309020205020404" pitchFamily="49" charset="0"/>
+              </a:rPr>
               <a:t>()</a:t>
             </a:r>
           </a:p>
@@ -16867,7 +16858,7 @@
                 <a:latin typeface="Courier New" panose="02070309020205020404" pitchFamily="49" charset="0"/>
                 <a:cs typeface="Courier New" panose="02070309020205020404" pitchFamily="49" charset="0"/>
               </a:rPr>
-              <a:t> </a:t>
+              <a:t>  </a:t>
             </a:r>
             <a:r>
               <a:rPr lang="en-US" sz="1800" dirty="0" err="1">
@@ -16945,7 +16936,7 @@
                 <a:latin typeface="Courier New" panose="02070309020205020404" pitchFamily="49" charset="0"/>
                 <a:cs typeface="Courier New" panose="02070309020205020404" pitchFamily="49" charset="0"/>
               </a:rPr>
-              <a:t>&gt;            &lt;</a:t>
+              <a:t>&gt;             &lt;</a:t>
             </a:r>
             <a:r>
               <a:rPr lang="en-US" sz="1800" dirty="0" err="1">
@@ -17069,7 +17060,7 @@
                 <a:latin typeface="Courier New" panose="02070309020205020404" pitchFamily="49" charset="0"/>
                 <a:cs typeface="Courier New" panose="02070309020205020404" pitchFamily="49" charset="0"/>
               </a:rPr>
-              <a:t>1        11 triangular        1.06 </a:t>
+              <a:t>1        13 </a:t>
             </a:r>
             <a:r>
               <a:rPr lang="en-US" sz="1800" dirty="0" err="1">
@@ -17082,7 +17073,7 @@
                 <a:latin typeface="Courier New" panose="02070309020205020404" pitchFamily="49" charset="0"/>
                 <a:cs typeface="Courier New" panose="02070309020205020404" pitchFamily="49" charset="0"/>
               </a:rPr>
-              <a:t>rmse</a:t>
+              <a:t>epanechnikov</a:t>
             </a:r>
             <a:r>
               <a:rPr lang="en-US" sz="1800" dirty="0">
@@ -17095,7 +17086,350 @@
                 <a:latin typeface="Courier New" panose="02070309020205020404" pitchFamily="49" charset="0"/>
                 <a:cs typeface="Courier New" panose="02070309020205020404" pitchFamily="49" charset="0"/>
               </a:rPr>
-              <a:t>    standard   0.453    10 0.00763</a:t>
+              <a:t>       1.01 </a:t>
+            </a:r>
+            <a:r>
+              <a:rPr lang="en-US" sz="1800" dirty="0" err="1">
+                <a:solidFill>
+                  <a:srgbClr val="00B0F0"/>
+                </a:solidFill>
+                <a:highlight>
+                  <a:srgbClr val="C0C0C0"/>
+                </a:highlight>
+                <a:latin typeface="Courier New" panose="02070309020205020404" pitchFamily="49" charset="0"/>
+                <a:cs typeface="Courier New" panose="02070309020205020404" pitchFamily="49" charset="0"/>
+              </a:rPr>
+              <a:t>rmse</a:t>
+            </a:r>
+            <a:r>
+              <a:rPr lang="en-US" sz="1800" dirty="0">
+                <a:solidFill>
+                  <a:srgbClr val="00B0F0"/>
+                </a:solidFill>
+                <a:highlight>
+                  <a:srgbClr val="C0C0C0"/>
+                </a:highlight>
+                <a:latin typeface="Courier New" panose="02070309020205020404" pitchFamily="49" charset="0"/>
+                <a:cs typeface="Courier New" panose="02070309020205020404" pitchFamily="49" charset="0"/>
+              </a:rPr>
+              <a:t>    standard    106.    10    2.40</a:t>
+            </a:r>
+          </a:p>
+          <a:p>
+            <a:pPr marL="0" indent="0">
+              <a:lnSpc>
+                <a:spcPct val="80000"/>
+              </a:lnSpc>
+              <a:spcBef>
+                <a:spcPts val="0"/>
+              </a:spcBef>
+              <a:buNone/>
+            </a:pPr>
+            <a:endParaRPr lang="en-US" sz="1800" dirty="0">
+              <a:solidFill>
+                <a:srgbClr val="00B0F0"/>
+              </a:solidFill>
+              <a:highlight>
+                <a:srgbClr val="C0C0C0"/>
+              </a:highlight>
+              <a:latin typeface="Courier New" panose="02070309020205020404" pitchFamily="49" charset="0"/>
+              <a:cs typeface="Courier New" panose="02070309020205020404" pitchFamily="49" charset="0"/>
+            </a:endParaRPr>
+          </a:p>
+          <a:p>
+            <a:pPr marL="0" indent="0">
+              <a:lnSpc>
+                <a:spcPct val="80000"/>
+              </a:lnSpc>
+              <a:spcBef>
+                <a:spcPts val="0"/>
+              </a:spcBef>
+              <a:buNone/>
+            </a:pPr>
+            <a:r>
+              <a:rPr lang="en-US" sz="1800" dirty="0" err="1">
+                <a:latin typeface="Courier New" panose="02070309020205020404" pitchFamily="49" charset="0"/>
+                <a:cs typeface="Courier New" panose="02070309020205020404" pitchFamily="49" charset="0"/>
+              </a:rPr>
+              <a:t>knn_reg_res</a:t>
+            </a:r>
+            <a:r>
+              <a:rPr lang="en-US" sz="1800" dirty="0">
+                <a:latin typeface="Courier New" panose="02070309020205020404" pitchFamily="49" charset="0"/>
+                <a:cs typeface="Courier New" panose="02070309020205020404" pitchFamily="49" charset="0"/>
+              </a:rPr>
+              <a:t> %&gt;% </a:t>
+            </a:r>
+          </a:p>
+          <a:p>
+            <a:pPr marL="0" indent="0">
+              <a:lnSpc>
+                <a:spcPct val="80000"/>
+              </a:lnSpc>
+              <a:spcBef>
+                <a:spcPts val="0"/>
+              </a:spcBef>
+              <a:buNone/>
+            </a:pPr>
+            <a:r>
+              <a:rPr lang="en-US" sz="1800" dirty="0">
+                <a:latin typeface="Courier New" panose="02070309020205020404" pitchFamily="49" charset="0"/>
+                <a:cs typeface="Courier New" panose="02070309020205020404" pitchFamily="49" charset="0"/>
+              </a:rPr>
+              <a:t>  </a:t>
+            </a:r>
+            <a:r>
+              <a:rPr lang="en-US" sz="1800" dirty="0" err="1">
+                <a:latin typeface="Courier New" panose="02070309020205020404" pitchFamily="49" charset="0"/>
+                <a:cs typeface="Courier New" panose="02070309020205020404" pitchFamily="49" charset="0"/>
+              </a:rPr>
+              <a:t>select_best</a:t>
+            </a:r>
+            <a:r>
+              <a:rPr lang="en-US" sz="1800" dirty="0">
+                <a:latin typeface="Courier New" panose="02070309020205020404" pitchFamily="49" charset="0"/>
+                <a:cs typeface="Courier New" panose="02070309020205020404" pitchFamily="49" charset="0"/>
+              </a:rPr>
+              <a:t>(metric = "</a:t>
+            </a:r>
+            <a:r>
+              <a:rPr lang="en-US" sz="1800" dirty="0" err="1">
+                <a:latin typeface="Courier New" panose="02070309020205020404" pitchFamily="49" charset="0"/>
+                <a:cs typeface="Courier New" panose="02070309020205020404" pitchFamily="49" charset="0"/>
+              </a:rPr>
+              <a:t>rmse</a:t>
+            </a:r>
+            <a:r>
+              <a:rPr lang="en-US" sz="1800" dirty="0">
+                <a:latin typeface="Courier New" panose="02070309020205020404" pitchFamily="49" charset="0"/>
+                <a:cs typeface="Courier New" panose="02070309020205020404" pitchFamily="49" charset="0"/>
+              </a:rPr>
+              <a:t>")</a:t>
+            </a:r>
+          </a:p>
+          <a:p>
+            <a:pPr marL="0" indent="0">
+              <a:lnSpc>
+                <a:spcPct val="80000"/>
+              </a:lnSpc>
+              <a:spcBef>
+                <a:spcPts val="0"/>
+              </a:spcBef>
+              <a:buNone/>
+            </a:pPr>
+            <a:endParaRPr lang="en-US" sz="1800" dirty="0">
+              <a:latin typeface="Courier New" panose="02070309020205020404" pitchFamily="49" charset="0"/>
+              <a:cs typeface="Courier New" panose="02070309020205020404" pitchFamily="49" charset="0"/>
+            </a:endParaRPr>
+          </a:p>
+          <a:p>
+            <a:pPr marL="0" indent="0">
+              <a:lnSpc>
+                <a:spcPct val="80000"/>
+              </a:lnSpc>
+              <a:spcBef>
+                <a:spcPts val="0"/>
+              </a:spcBef>
+              <a:buNone/>
+            </a:pPr>
+            <a:r>
+              <a:rPr lang="en-US" sz="1800" dirty="0">
+                <a:highlight>
+                  <a:srgbClr val="C0C0C0"/>
+                </a:highlight>
+                <a:latin typeface="Courier New" panose="02070309020205020404" pitchFamily="49" charset="0"/>
+                <a:cs typeface="Courier New" panose="02070309020205020404" pitchFamily="49" charset="0"/>
+              </a:rPr>
+              <a:t>A </a:t>
+            </a:r>
+            <a:r>
+              <a:rPr lang="en-US" sz="1800" dirty="0" err="1">
+                <a:highlight>
+                  <a:srgbClr val="C0C0C0"/>
+                </a:highlight>
+                <a:latin typeface="Courier New" panose="02070309020205020404" pitchFamily="49" charset="0"/>
+                <a:cs typeface="Courier New" panose="02070309020205020404" pitchFamily="49" charset="0"/>
+              </a:rPr>
+              <a:t>tibble</a:t>
+            </a:r>
+            <a:r>
+              <a:rPr lang="en-US" sz="1800" dirty="0">
+                <a:highlight>
+                  <a:srgbClr val="C0C0C0"/>
+                </a:highlight>
+                <a:latin typeface="Courier New" panose="02070309020205020404" pitchFamily="49" charset="0"/>
+                <a:cs typeface="Courier New" panose="02070309020205020404" pitchFamily="49" charset="0"/>
+              </a:rPr>
+              <a:t>: 1 x 3</a:t>
+            </a:r>
+          </a:p>
+          <a:p>
+            <a:pPr marL="0" indent="0">
+              <a:lnSpc>
+                <a:spcPct val="80000"/>
+              </a:lnSpc>
+              <a:spcBef>
+                <a:spcPts val="0"/>
+              </a:spcBef>
+              <a:buNone/>
+            </a:pPr>
+            <a:r>
+              <a:rPr lang="en-US" sz="1800" dirty="0">
+                <a:highlight>
+                  <a:srgbClr val="C0C0C0"/>
+                </a:highlight>
+                <a:latin typeface="Courier New" panose="02070309020205020404" pitchFamily="49" charset="0"/>
+                <a:cs typeface="Courier New" panose="02070309020205020404" pitchFamily="49" charset="0"/>
+              </a:rPr>
+              <a:t>  neighbors </a:t>
+            </a:r>
+            <a:r>
+              <a:rPr lang="en-US" sz="1800" dirty="0" err="1">
+                <a:highlight>
+                  <a:srgbClr val="C0C0C0"/>
+                </a:highlight>
+                <a:latin typeface="Courier New" panose="02070309020205020404" pitchFamily="49" charset="0"/>
+                <a:cs typeface="Courier New" panose="02070309020205020404" pitchFamily="49" charset="0"/>
+              </a:rPr>
+              <a:t>weight_func</a:t>
+            </a:r>
+            <a:r>
+              <a:rPr lang="en-US" sz="1800" dirty="0">
+                <a:highlight>
+                  <a:srgbClr val="C0C0C0"/>
+                </a:highlight>
+                <a:latin typeface="Courier New" panose="02070309020205020404" pitchFamily="49" charset="0"/>
+                <a:cs typeface="Courier New" panose="02070309020205020404" pitchFamily="49" charset="0"/>
+              </a:rPr>
+              <a:t>  </a:t>
+            </a:r>
+            <a:r>
+              <a:rPr lang="en-US" sz="1800" dirty="0" err="1">
+                <a:highlight>
+                  <a:srgbClr val="C0C0C0"/>
+                </a:highlight>
+                <a:latin typeface="Courier New" panose="02070309020205020404" pitchFamily="49" charset="0"/>
+                <a:cs typeface="Courier New" panose="02070309020205020404" pitchFamily="49" charset="0"/>
+              </a:rPr>
+              <a:t>dist_power</a:t>
+            </a:r>
+            <a:endParaRPr lang="en-US" sz="1800" dirty="0">
+              <a:highlight>
+                <a:srgbClr val="C0C0C0"/>
+              </a:highlight>
+              <a:latin typeface="Courier New" panose="02070309020205020404" pitchFamily="49" charset="0"/>
+              <a:cs typeface="Courier New" panose="02070309020205020404" pitchFamily="49" charset="0"/>
+            </a:endParaRPr>
+          </a:p>
+          <a:p>
+            <a:pPr marL="0" indent="0">
+              <a:lnSpc>
+                <a:spcPct val="80000"/>
+              </a:lnSpc>
+              <a:spcBef>
+                <a:spcPts val="0"/>
+              </a:spcBef>
+              <a:buNone/>
+            </a:pPr>
+            <a:r>
+              <a:rPr lang="en-US" sz="1800" dirty="0">
+                <a:highlight>
+                  <a:srgbClr val="C0C0C0"/>
+                </a:highlight>
+                <a:latin typeface="Courier New" panose="02070309020205020404" pitchFamily="49" charset="0"/>
+                <a:cs typeface="Courier New" panose="02070309020205020404" pitchFamily="49" charset="0"/>
+              </a:rPr>
+              <a:t>      &lt;int&gt; &lt;</a:t>
+            </a:r>
+            <a:r>
+              <a:rPr lang="en-US" sz="1800" dirty="0" err="1">
+                <a:highlight>
+                  <a:srgbClr val="C0C0C0"/>
+                </a:highlight>
+                <a:latin typeface="Courier New" panose="02070309020205020404" pitchFamily="49" charset="0"/>
+                <a:cs typeface="Courier New" panose="02070309020205020404" pitchFamily="49" charset="0"/>
+              </a:rPr>
+              <a:t>chr</a:t>
+            </a:r>
+            <a:r>
+              <a:rPr lang="en-US" sz="1800" dirty="0">
+                <a:highlight>
+                  <a:srgbClr val="C0C0C0"/>
+                </a:highlight>
+                <a:latin typeface="Courier New" panose="02070309020205020404" pitchFamily="49" charset="0"/>
+                <a:cs typeface="Courier New" panose="02070309020205020404" pitchFamily="49" charset="0"/>
+              </a:rPr>
+              <a:t>&gt;             &lt;</a:t>
+            </a:r>
+            <a:r>
+              <a:rPr lang="en-US" sz="1800" dirty="0" err="1">
+                <a:highlight>
+                  <a:srgbClr val="C0C0C0"/>
+                </a:highlight>
+                <a:latin typeface="Courier New" panose="02070309020205020404" pitchFamily="49" charset="0"/>
+                <a:cs typeface="Courier New" panose="02070309020205020404" pitchFamily="49" charset="0"/>
+              </a:rPr>
+              <a:t>dbl</a:t>
+            </a:r>
+            <a:r>
+              <a:rPr lang="en-US" sz="1800" dirty="0">
+                <a:highlight>
+                  <a:srgbClr val="C0C0C0"/>
+                </a:highlight>
+                <a:latin typeface="Courier New" panose="02070309020205020404" pitchFamily="49" charset="0"/>
+                <a:cs typeface="Courier New" panose="02070309020205020404" pitchFamily="49" charset="0"/>
+              </a:rPr>
+              <a:t>&gt;</a:t>
+            </a:r>
+          </a:p>
+          <a:p>
+            <a:pPr marL="0" indent="0">
+              <a:lnSpc>
+                <a:spcPct val="80000"/>
+              </a:lnSpc>
+              <a:spcBef>
+                <a:spcPts val="0"/>
+              </a:spcBef>
+              <a:buNone/>
+            </a:pPr>
+            <a:r>
+              <a:rPr lang="en-US" sz="1800" dirty="0">
+                <a:solidFill>
+                  <a:srgbClr val="00B0F0"/>
+                </a:solidFill>
+                <a:highlight>
+                  <a:srgbClr val="C0C0C0"/>
+                </a:highlight>
+                <a:latin typeface="Courier New" panose="02070309020205020404" pitchFamily="49" charset="0"/>
+                <a:cs typeface="Courier New" panose="02070309020205020404" pitchFamily="49" charset="0"/>
+              </a:rPr>
+              <a:t>1        13 </a:t>
+            </a:r>
+            <a:r>
+              <a:rPr lang="en-US" sz="1800" dirty="0" err="1">
+                <a:solidFill>
+                  <a:srgbClr val="00B0F0"/>
+                </a:solidFill>
+                <a:highlight>
+                  <a:srgbClr val="C0C0C0"/>
+                </a:highlight>
+                <a:latin typeface="Courier New" panose="02070309020205020404" pitchFamily="49" charset="0"/>
+                <a:cs typeface="Courier New" panose="02070309020205020404" pitchFamily="49" charset="0"/>
+              </a:rPr>
+              <a:t>epanechnikov</a:t>
+            </a:r>
+            <a:r>
+              <a:rPr lang="en-US" sz="1800" dirty="0">
+                <a:solidFill>
+                  <a:srgbClr val="00B0F0"/>
+                </a:solidFill>
+                <a:highlight>
+                  <a:srgbClr val="C0C0C0"/>
+                </a:highlight>
+                <a:latin typeface="Courier New" panose="02070309020205020404" pitchFamily="49" charset="0"/>
+                <a:cs typeface="Courier New" panose="02070309020205020404" pitchFamily="49" charset="0"/>
+              </a:rPr>
+              <a:t>       1.01</a:t>
             </a:r>
           </a:p>
         </p:txBody>
@@ -17194,11 +17528,17 @@
           <a:lstStyle/>
           <a:p>
             <a:r>
-              <a:rPr lang="en-US" dirty="0" err="1"/>
+              <a:rPr lang="en-US" dirty="0" err="1">
+                <a:latin typeface="Courier New" panose="02070309020205020404" pitchFamily="49" charset="0"/>
+                <a:cs typeface="Courier New" panose="02070309020205020404" pitchFamily="49" charset="0"/>
+              </a:rPr>
               <a:t>autoplot</a:t>
             </a:r>
             <a:r>
-              <a:rPr lang="en-US" dirty="0"/>
+              <a:rPr lang="en-US" dirty="0">
+                <a:latin typeface="Courier New" panose="02070309020205020404" pitchFamily="49" charset="0"/>
+                <a:cs typeface="Courier New" panose="02070309020205020404" pitchFamily="49" charset="0"/>
+              </a:rPr>
               <a:t>()</a:t>
             </a:r>
           </a:p>
@@ -17315,10 +17655,10 @@
       </p:sp>
       <p:pic>
         <p:nvPicPr>
-          <p:cNvPr id="6" name="Picture 5">
+          <p:cNvPr id="8" name="Picture 7">
             <a:extLst>
               <a:ext uri="{FF2B5EF4-FFF2-40B4-BE49-F238E27FC236}">
-                <a16:creationId xmlns:a16="http://schemas.microsoft.com/office/drawing/2014/main" id="{E5541B00-A706-435E-A2E2-E1195FE69921}"/>
+                <a16:creationId xmlns:a16="http://schemas.microsoft.com/office/drawing/2014/main" id="{9D565BC3-F363-45BC-8C76-2E66D9E2E50F}"/>
               </a:ext>
             </a:extLst>
           </p:cNvPr>
@@ -17335,8 +17675,8 @@
         </p:blipFill>
         <p:spPr>
           <a:xfrm>
-            <a:off x="4572000" y="3200400"/>
-            <a:ext cx="5764789" cy="3657600"/>
+            <a:off x="3657600" y="3108960"/>
+            <a:ext cx="7304117" cy="3657600"/>
           </a:xfrm>
           <a:prstGeom prst="rect">
             <a:avLst/>
@@ -17548,10 +17888,10 @@
       </p:sp>
       <p:pic>
         <p:nvPicPr>
-          <p:cNvPr id="7" name="Picture 6">
+          <p:cNvPr id="6" name="Picture 5">
             <a:extLst>
               <a:ext uri="{FF2B5EF4-FFF2-40B4-BE49-F238E27FC236}">
-                <a16:creationId xmlns:a16="http://schemas.microsoft.com/office/drawing/2014/main" id="{0FBEE826-14A8-4DB1-8113-46CD76957260}"/>
+                <a16:creationId xmlns:a16="http://schemas.microsoft.com/office/drawing/2014/main" id="{77B31729-FB04-48AE-BB01-10797F96A9DE}"/>
               </a:ext>
             </a:extLst>
           </p:cNvPr>
@@ -17568,8 +17908,8 @@
         </p:blipFill>
         <p:spPr>
           <a:xfrm>
-            <a:off x="4572000" y="3200400"/>
-            <a:ext cx="5764789" cy="3657600"/>
+            <a:off x="3657600" y="3108960"/>
+            <a:ext cx="7304117" cy="3657600"/>
           </a:xfrm>
           <a:prstGeom prst="rect">
             <a:avLst/>
@@ -19467,10 +19807,10 @@
       </p:sp>
       <p:pic>
         <p:nvPicPr>
-          <p:cNvPr id="6" name="Picture 5">
+          <p:cNvPr id="7" name="Picture 6">
             <a:extLst>
               <a:ext uri="{FF2B5EF4-FFF2-40B4-BE49-F238E27FC236}">
-                <a16:creationId xmlns:a16="http://schemas.microsoft.com/office/drawing/2014/main" id="{E5541B00-A706-435E-A2E2-E1195FE69921}"/>
+                <a16:creationId xmlns:a16="http://schemas.microsoft.com/office/drawing/2014/main" id="{B9B26B24-ACB8-4818-90CE-144C90AAD7D4}"/>
               </a:ext>
             </a:extLst>
           </p:cNvPr>
@@ -19487,8 +19827,8 @@
         </p:blipFill>
         <p:spPr>
           <a:xfrm>
-            <a:off x="4572000" y="3200400"/>
-            <a:ext cx="5764789" cy="3657600"/>
+            <a:off x="3657600" y="3108960"/>
+            <a:ext cx="7304117" cy="3657600"/>
           </a:xfrm>
           <a:prstGeom prst="rect">
             <a:avLst/>
@@ -19498,7 +19838,7 @@
     </p:spTree>
     <p:extLst>
       <p:ext uri="{BB962C8B-B14F-4D97-AF65-F5344CB8AC3E}">
-        <p14:creationId xmlns:p14="http://schemas.microsoft.com/office/powerpoint/2010/main" val="2082702534"/>
+        <p14:creationId xmlns:p14="http://schemas.microsoft.com/office/powerpoint/2010/main" val="1292291452"/>
       </p:ext>
     </p:extLst>
   </p:cSld>
@@ -19870,33 +20210,7 @@
                 <a:latin typeface="Courier New" panose="02070309020205020404" pitchFamily="49" charset="0"/>
                 <a:cs typeface="Courier New" panose="02070309020205020404" pitchFamily="49" charset="0"/>
               </a:rPr>
-              <a:t>) +</a:t>
-            </a:r>
-          </a:p>
-          <a:p>
-            <a:pPr marL="0" indent="0">
-              <a:buNone/>
-            </a:pPr>
-            <a:r>
-              <a:rPr lang="en-US" dirty="0">
-                <a:latin typeface="Courier New" panose="02070309020205020404" pitchFamily="49" charset="0"/>
-                <a:cs typeface="Courier New" panose="02070309020205020404" pitchFamily="49" charset="0"/>
-              </a:rPr>
-              <a:t>  </a:t>
-            </a:r>
-            <a:r>
-              <a:rPr lang="en-US" dirty="0" err="1">
-                <a:latin typeface="Courier New" panose="02070309020205020404" pitchFamily="49" charset="0"/>
-                <a:cs typeface="Courier New" panose="02070309020205020404" pitchFamily="49" charset="0"/>
-              </a:rPr>
-              <a:t>geom_line</a:t>
-            </a:r>
-            <a:r>
-              <a:rPr lang="en-US" dirty="0">
-                <a:latin typeface="Courier New" panose="02070309020205020404" pitchFamily="49" charset="0"/>
-                <a:cs typeface="Courier New" panose="02070309020205020404" pitchFamily="49" charset="0"/>
-              </a:rPr>
-              <a:t>()</a:t>
+              <a:t>)</a:t>
             </a:r>
           </a:p>
         </p:txBody>
@@ -19945,10 +20259,10 @@
       </p:sp>
       <p:pic>
         <p:nvPicPr>
-          <p:cNvPr id="6" name="Picture 5">
+          <p:cNvPr id="5" name="Picture 4">
             <a:extLst>
               <a:ext uri="{FF2B5EF4-FFF2-40B4-BE49-F238E27FC236}">
-                <a16:creationId xmlns:a16="http://schemas.microsoft.com/office/drawing/2014/main" id="{6783C999-1B2C-4416-8E88-8D6EED25A7F0}"/>
+                <a16:creationId xmlns:a16="http://schemas.microsoft.com/office/drawing/2014/main" id="{2D27EC5D-F966-4F0D-85C0-E92AA416DDF9}"/>
               </a:ext>
             </a:extLst>
           </p:cNvPr>
@@ -19965,8 +20279,8 @@
         </p:blipFill>
         <p:spPr>
           <a:xfrm>
-            <a:off x="4572000" y="3200400"/>
-            <a:ext cx="5764789" cy="3657600"/>
+            <a:off x="3657600" y="3108960"/>
+            <a:ext cx="7304117" cy="3657600"/>
           </a:xfrm>
           <a:prstGeom prst="rect">
             <a:avLst/>
@@ -19987,6 +20301,128 @@
 </file>
 
 <file path=ppt/slides/slide41.xml><?xml version="1.0" encoding="utf-8"?>
+<p:sld xmlns:a="http://schemas.openxmlformats.org/drawingml/2006/main" xmlns:r="http://schemas.openxmlformats.org/officeDocument/2006/relationships" xmlns:p="http://schemas.openxmlformats.org/presentationml/2006/main">
+  <p:cSld>
+    <p:spTree>
+      <p:nvGrpSpPr>
+        <p:cNvPr id="1" name=""/>
+        <p:cNvGrpSpPr/>
+        <p:nvPr/>
+      </p:nvGrpSpPr>
+      <p:grpSpPr>
+        <a:xfrm>
+          <a:off x="0" y="0"/>
+          <a:ext cx="0" cy="0"/>
+          <a:chOff x="0" y="0"/>
+          <a:chExt cx="0" cy="0"/>
+        </a:xfrm>
+      </p:grpSpPr>
+      <p:sp>
+        <p:nvSpPr>
+          <p:cNvPr id="2" name="Title 1">
+            <a:extLst>
+              <a:ext uri="{FF2B5EF4-FFF2-40B4-BE49-F238E27FC236}">
+                <a16:creationId xmlns:a16="http://schemas.microsoft.com/office/drawing/2014/main" id="{0AB88A51-2ACE-43AB-8DB6-2E49EAFB6B2A}"/>
+              </a:ext>
+            </a:extLst>
+          </p:cNvPr>
+          <p:cNvSpPr>
+            <a:spLocks noGrp="1"/>
+          </p:cNvSpPr>
+          <p:nvPr>
+            <p:ph type="title"/>
+          </p:nvPr>
+        </p:nvSpPr>
+        <p:spPr/>
+        <p:txBody>
+          <a:bodyPr/>
+          <a:lstStyle/>
+          <a:p>
+            <a:endParaRPr lang="en-US"/>
+          </a:p>
+        </p:txBody>
+      </p:sp>
+      <p:sp>
+        <p:nvSpPr>
+          <p:cNvPr id="3" name="Content Placeholder 2">
+            <a:extLst>
+              <a:ext uri="{FF2B5EF4-FFF2-40B4-BE49-F238E27FC236}">
+                <a16:creationId xmlns:a16="http://schemas.microsoft.com/office/drawing/2014/main" id="{CBD555B3-668C-4540-A7E6-784A6B1E3335}"/>
+              </a:ext>
+            </a:extLst>
+          </p:cNvPr>
+          <p:cNvSpPr>
+            <a:spLocks noGrp="1"/>
+          </p:cNvSpPr>
+          <p:nvPr>
+            <p:ph idx="1"/>
+          </p:nvPr>
+        </p:nvSpPr>
+        <p:spPr/>
+        <p:txBody>
+          <a:bodyPr/>
+          <a:lstStyle/>
+          <a:p>
+            <a:endParaRPr lang="en-US"/>
+          </a:p>
+        </p:txBody>
+      </p:sp>
+      <p:sp>
+        <p:nvSpPr>
+          <p:cNvPr id="4" name="Slide Number Placeholder 3">
+            <a:extLst>
+              <a:ext uri="{FF2B5EF4-FFF2-40B4-BE49-F238E27FC236}">
+                <a16:creationId xmlns:a16="http://schemas.microsoft.com/office/drawing/2014/main" id="{2668B03B-530F-439C-B4CA-D951B85CCA48}"/>
+              </a:ext>
+            </a:extLst>
+          </p:cNvPr>
+          <p:cNvSpPr>
+            <a:spLocks noGrp="1"/>
+          </p:cNvSpPr>
+          <p:nvPr>
+            <p:ph type="sldNum" sz="quarter" idx="12"/>
+          </p:nvPr>
+        </p:nvSpPr>
+        <p:spPr/>
+        <p:txBody>
+          <a:bodyPr/>
+          <a:lstStyle/>
+          <a:p>
+            <a:fld id="{1FD78A80-B303-491C-AEE7-8281801B0C65}" type="slidenum">
+              <a:rPr lang="en-US" smtClean="0">
+                <a:solidFill>
+                  <a:prstClr val="black">
+                    <a:tint val="75000"/>
+                  </a:prstClr>
+                </a:solidFill>
+              </a:rPr>
+              <a:pPr/>
+              <a:t>41</a:t>
+            </a:fld>
+            <a:endParaRPr lang="en-US">
+              <a:solidFill>
+                <a:prstClr val="black">
+                  <a:tint val="75000"/>
+                </a:prstClr>
+              </a:solidFill>
+            </a:endParaRPr>
+          </a:p>
+        </p:txBody>
+      </p:sp>
+    </p:spTree>
+    <p:extLst>
+      <p:ext uri="{BB962C8B-B14F-4D97-AF65-F5344CB8AC3E}">
+        <p14:creationId xmlns:p14="http://schemas.microsoft.com/office/powerpoint/2010/main" val="3110953491"/>
+      </p:ext>
+    </p:extLst>
+  </p:cSld>
+  <p:clrMapOvr>
+    <a:masterClrMapping/>
+  </p:clrMapOvr>
+</p:sld>
+</file>
+
+<file path=ppt/slides/slide42.xml><?xml version="1.0" encoding="utf-8"?>
 <p:sld xmlns:a="http://schemas.openxmlformats.org/drawingml/2006/main" xmlns:r="http://schemas.openxmlformats.org/officeDocument/2006/relationships" xmlns:p="http://schemas.openxmlformats.org/presentationml/2006/main">
   <p:cSld>
     <p:bg>
@@ -20109,7 +20545,7 @@
                 <a:tabLst/>
                 <a:defRPr/>
               </a:pPr>
-              <a:t>41</a:t>
+              <a:t>42</a:t>
             </a:fld>
             <a:endParaRPr kumimoji="0" lang="en-US" sz="1200" b="0" i="0" u="none" strike="noStrike" kern="1200" cap="none" spc="0" normalizeH="0" baseline="0" noProof="0">
               <a:ln>
@@ -20183,7 +20619,7 @@
 </p:sld>
 </file>
 
-<file path=ppt/slides/slide42.xml><?xml version="1.0" encoding="utf-8"?>
+<file path=ppt/slides/slide43.xml><?xml version="1.0" encoding="utf-8"?>
 <p:sld xmlns:a="http://schemas.openxmlformats.org/drawingml/2006/main" xmlns:r="http://schemas.openxmlformats.org/officeDocument/2006/relationships" xmlns:p="http://schemas.openxmlformats.org/presentationml/2006/main">
   <p:cSld>
     <p:spTree>
@@ -20258,7 +20694,7 @@
                 </a:solidFill>
               </a:rPr>
               <a:pPr/>
-              <a:t>42</a:t>
+              <a:t>43</a:t>
             </a:fld>
             <a:endParaRPr lang="en-US">
               <a:solidFill>
@@ -20709,7 +21145,7 @@
 </p:sld>
 </file>
 
-<file path=ppt/slides/slide43.xml><?xml version="1.0" encoding="utf-8"?>
+<file path=ppt/slides/slide44.xml><?xml version="1.0" encoding="utf-8"?>
 <p:sld xmlns:a="http://schemas.openxmlformats.org/drawingml/2006/main" xmlns:r="http://schemas.openxmlformats.org/officeDocument/2006/relationships" xmlns:p="http://schemas.openxmlformats.org/presentationml/2006/main">
   <p:cSld>
     <p:spTree>
@@ -21266,18 +21702,8 @@
             </a:pPr>
             <a:r>
               <a:rPr lang="en-US" sz="2400" dirty="0">
-                <a:highlight>
-                  <a:srgbClr val="C0C0C0"/>
-                </a:highlight>
-                <a:latin typeface="Courier New" panose="02070309020205020404" pitchFamily="49" charset="0"/>
-                <a:cs typeface="Courier New" panose="02070309020205020404" pitchFamily="49" charset="0"/>
-              </a:rPr>
-              <a:t>  </a:t>
-            </a:r>
-            <a:r>
-              <a:rPr lang="en-US" sz="2400" dirty="0">
                 <a:solidFill>
-                  <a:srgbClr val="7030A0"/>
+                  <a:srgbClr val="00B0F0"/>
                 </a:solidFill>
                 <a:highlight>
                   <a:srgbClr val="C0C0C0"/>
@@ -21285,7 +21711,7 @@
                 <a:latin typeface="Courier New" panose="02070309020205020404" pitchFamily="49" charset="0"/>
                 <a:cs typeface="Courier New" panose="02070309020205020404" pitchFamily="49" charset="0"/>
               </a:rPr>
-              <a:t>.. .. ..$ upper: int 10</a:t>
+              <a:t>  .. .. ..$ upper: int 10</a:t>
             </a:r>
           </a:p>
         </p:txBody>
@@ -21320,7 +21746,7 @@
                 </a:solidFill>
               </a:rPr>
               <a:pPr/>
-              <a:t>43</a:t>
+              <a:t>44</a:t>
             </a:fld>
             <a:endParaRPr lang="en-US">
               <a:solidFill>
@@ -21458,7 +21884,7 @@
 </p:sld>
 </file>
 
-<file path=ppt/slides/slide44.xml><?xml version="1.0" encoding="utf-8"?>
+<file path=ppt/slides/slide45.xml><?xml version="1.0" encoding="utf-8"?>
 <p:sld xmlns:a="http://schemas.openxmlformats.org/drawingml/2006/main" xmlns:r="http://schemas.openxmlformats.org/officeDocument/2006/relationships" xmlns:p="http://schemas.openxmlformats.org/presentationml/2006/main">
   <p:cSld>
     <p:bg>
@@ -22090,7 +22516,7 @@
                 </a:solidFill>
               </a:rPr>
               <a:pPr/>
-              <a:t>44</a:t>
+              <a:t>45</a:t>
             </a:fld>
             <a:endParaRPr lang="en-US">
               <a:solidFill>
@@ -22705,7 +23131,7 @@
 </p:sld>
 </file>
 
-<file path=ppt/slides/slide45.xml><?xml version="1.0" encoding="utf-8"?>
+<file path=ppt/slides/slide46.xml><?xml version="1.0" encoding="utf-8"?>
 <p:sld xmlns:a="http://schemas.openxmlformats.org/drawingml/2006/main" xmlns:r="http://schemas.openxmlformats.org/officeDocument/2006/relationships" xmlns:p="http://schemas.openxmlformats.org/presentationml/2006/main">
   <p:cSld>
     <p:spTree>
@@ -22994,7 +23420,7 @@
                 </a:solidFill>
               </a:rPr>
               <a:pPr/>
-              <a:t>45</a:t>
+              <a:t>46</a:t>
             </a:fld>
             <a:endParaRPr lang="en-US">
               <a:solidFill>
@@ -23190,7 +23616,7 @@
 </p:sld>
 </file>
 
-<file path=ppt/slides/slide46.xml><?xml version="1.0" encoding="utf-8"?>
+<file path=ppt/slides/slide47.xml><?xml version="1.0" encoding="utf-8"?>
 <p:sld xmlns:a="http://schemas.openxmlformats.org/drawingml/2006/main" xmlns:r="http://schemas.openxmlformats.org/officeDocument/2006/relationships" xmlns:p="http://schemas.openxmlformats.org/presentationml/2006/main">
   <p:cSld>
     <p:spTree>
@@ -23324,7 +23750,7 @@
                 </a:solidFill>
               </a:rPr>
               <a:pPr/>
-              <a:t>46</a:t>
+              <a:t>47</a:t>
             </a:fld>
             <a:endParaRPr lang="en-US">
               <a:solidFill>
@@ -23349,7 +23775,7 @@
 </p:sld>
 </file>
 
-<file path=ppt/slides/slide47.xml><?xml version="1.0" encoding="utf-8"?>
+<file path=ppt/slides/slide48.xml><?xml version="1.0" encoding="utf-8"?>
 <p:sld xmlns:a="http://schemas.openxmlformats.org/drawingml/2006/main" xmlns:r="http://schemas.openxmlformats.org/officeDocument/2006/relationships" xmlns:p="http://schemas.openxmlformats.org/presentationml/2006/main">
   <p:cSld>
     <p:spTree>
@@ -23600,7 +24026,7 @@
                 </a:solidFill>
               </a:rPr>
               <a:pPr/>
-              <a:t>47</a:t>
+              <a:t>48</a:t>
             </a:fld>
             <a:endParaRPr lang="en-US">
               <a:solidFill>
@@ -24009,7 +24435,7 @@
 </p:sld>
 </file>
 
-<file path=ppt/slides/slide48.xml><?xml version="1.0" encoding="utf-8"?>
+<file path=ppt/slides/slide49.xml><?xml version="1.0" encoding="utf-8"?>
 <p:sld xmlns:a="http://schemas.openxmlformats.org/drawingml/2006/main" xmlns:r="http://schemas.openxmlformats.org/officeDocument/2006/relationships" xmlns:p="http://schemas.openxmlformats.org/presentationml/2006/main">
   <p:cSld>
     <p:spTree>
@@ -24288,7 +24714,7 @@
                 </a:solidFill>
               </a:rPr>
               <a:pPr/>
-              <a:t>48</a:t>
+              <a:t>49</a:t>
             </a:fld>
             <a:endParaRPr lang="en-US">
               <a:solidFill>
@@ -24373,7 +24799,109 @@
 </p:sld>
 </file>
 
-<file path=ppt/slides/slide49.xml><?xml version="1.0" encoding="utf-8"?>
+<file path=ppt/slides/slide5.xml><?xml version="1.0" encoding="utf-8"?>
+<p:sld xmlns:a="http://schemas.openxmlformats.org/drawingml/2006/main" xmlns:r="http://schemas.openxmlformats.org/officeDocument/2006/relationships" xmlns:p="http://schemas.openxmlformats.org/presentationml/2006/main">
+  <p:cSld>
+    <p:spTree>
+      <p:nvGrpSpPr>
+        <p:cNvPr id="1" name=""/>
+        <p:cNvGrpSpPr/>
+        <p:nvPr/>
+      </p:nvGrpSpPr>
+      <p:grpSpPr>
+        <a:xfrm>
+          <a:off x="0" y="0"/>
+          <a:ext cx="0" cy="0"/>
+          <a:chOff x="0" y="0"/>
+          <a:chExt cx="0" cy="0"/>
+        </a:xfrm>
+      </p:grpSpPr>
+      <p:sp>
+        <p:nvSpPr>
+          <p:cNvPr id="4" name="Slide Number Placeholder 3">
+            <a:extLst>
+              <a:ext uri="{FF2B5EF4-FFF2-40B4-BE49-F238E27FC236}">
+                <a16:creationId xmlns:a16="http://schemas.microsoft.com/office/drawing/2014/main" id="{540DFF92-E2A0-426D-8547-DD6358862BD9}"/>
+              </a:ext>
+            </a:extLst>
+          </p:cNvPr>
+          <p:cNvSpPr>
+            <a:spLocks noGrp="1"/>
+          </p:cNvSpPr>
+          <p:nvPr>
+            <p:ph type="sldNum" sz="quarter" idx="12"/>
+          </p:nvPr>
+        </p:nvSpPr>
+        <p:spPr/>
+        <p:txBody>
+          <a:bodyPr/>
+          <a:lstStyle/>
+          <a:p>
+            <a:fld id="{1FD78A80-B303-491C-AEE7-8281801B0C65}" type="slidenum">
+              <a:rPr lang="en-US" smtClean="0">
+                <a:solidFill>
+                  <a:prstClr val="black">
+                    <a:tint val="75000"/>
+                  </a:prstClr>
+                </a:solidFill>
+              </a:rPr>
+              <a:pPr/>
+              <a:t>5</a:t>
+            </a:fld>
+            <a:endParaRPr lang="en-US">
+              <a:solidFill>
+                <a:prstClr val="black">
+                  <a:tint val="75000"/>
+                </a:prstClr>
+              </a:solidFill>
+            </a:endParaRPr>
+          </a:p>
+        </p:txBody>
+      </p:sp>
+      <p:pic>
+        <p:nvPicPr>
+          <p:cNvPr id="5" name="Picture 4">
+            <a:extLst>
+              <a:ext uri="{FF2B5EF4-FFF2-40B4-BE49-F238E27FC236}">
+                <a16:creationId xmlns:a16="http://schemas.microsoft.com/office/drawing/2014/main" id="{2870A04C-AD75-40D4-B6B5-66CCA9E1D8FF}"/>
+              </a:ext>
+            </a:extLst>
+          </p:cNvPr>
+          <p:cNvPicPr>
+            <a:picLocks noChangeAspect="1"/>
+          </p:cNvPicPr>
+          <p:nvPr/>
+        </p:nvPicPr>
+        <p:blipFill>
+          <a:blip r:embed="rId2"/>
+          <a:stretch>
+            <a:fillRect/>
+          </a:stretch>
+        </p:blipFill>
+        <p:spPr>
+          <a:xfrm>
+            <a:off x="2936696" y="0"/>
+            <a:ext cx="6318607" cy="6858000"/>
+          </a:xfrm>
+          <a:prstGeom prst="rect">
+            <a:avLst/>
+          </a:prstGeom>
+        </p:spPr>
+      </p:pic>
+    </p:spTree>
+    <p:extLst>
+      <p:ext uri="{BB962C8B-B14F-4D97-AF65-F5344CB8AC3E}">
+        <p14:creationId xmlns:p14="http://schemas.microsoft.com/office/powerpoint/2010/main" val="1910017591"/>
+      </p:ext>
+    </p:extLst>
+  </p:cSld>
+  <p:clrMapOvr>
+    <a:masterClrMapping/>
+  </p:clrMapOvr>
+</p:sld>
+</file>
+
+<file path=ppt/slides/slide50.xml><?xml version="1.0" encoding="utf-8"?>
 <p:sld xmlns:a="http://schemas.openxmlformats.org/drawingml/2006/main" xmlns:r="http://schemas.openxmlformats.org/officeDocument/2006/relationships" xmlns:p="http://schemas.openxmlformats.org/presentationml/2006/main">
   <p:cSld>
     <p:spTree>
@@ -24656,7 +25184,7 @@
                 </a:solidFill>
               </a:rPr>
               <a:pPr/>
-              <a:t>49</a:t>
+              <a:t>50</a:t>
             </a:fld>
             <a:endParaRPr lang="en-US">
               <a:solidFill>
@@ -24928,109 +25456,7 @@
 </p:sld>
 </file>
 
-<file path=ppt/slides/slide5.xml><?xml version="1.0" encoding="utf-8"?>
-<p:sld xmlns:a="http://schemas.openxmlformats.org/drawingml/2006/main" xmlns:r="http://schemas.openxmlformats.org/officeDocument/2006/relationships" xmlns:p="http://schemas.openxmlformats.org/presentationml/2006/main">
-  <p:cSld>
-    <p:spTree>
-      <p:nvGrpSpPr>
-        <p:cNvPr id="1" name=""/>
-        <p:cNvGrpSpPr/>
-        <p:nvPr/>
-      </p:nvGrpSpPr>
-      <p:grpSpPr>
-        <a:xfrm>
-          <a:off x="0" y="0"/>
-          <a:ext cx="0" cy="0"/>
-          <a:chOff x="0" y="0"/>
-          <a:chExt cx="0" cy="0"/>
-        </a:xfrm>
-      </p:grpSpPr>
-      <p:sp>
-        <p:nvSpPr>
-          <p:cNvPr id="4" name="Slide Number Placeholder 3">
-            <a:extLst>
-              <a:ext uri="{FF2B5EF4-FFF2-40B4-BE49-F238E27FC236}">
-                <a16:creationId xmlns:a16="http://schemas.microsoft.com/office/drawing/2014/main" id="{540DFF92-E2A0-426D-8547-DD6358862BD9}"/>
-              </a:ext>
-            </a:extLst>
-          </p:cNvPr>
-          <p:cNvSpPr>
-            <a:spLocks noGrp="1"/>
-          </p:cNvSpPr>
-          <p:nvPr>
-            <p:ph type="sldNum" sz="quarter" idx="12"/>
-          </p:nvPr>
-        </p:nvSpPr>
-        <p:spPr/>
-        <p:txBody>
-          <a:bodyPr/>
-          <a:lstStyle/>
-          <a:p>
-            <a:fld id="{1FD78A80-B303-491C-AEE7-8281801B0C65}" type="slidenum">
-              <a:rPr lang="en-US" smtClean="0">
-                <a:solidFill>
-                  <a:prstClr val="black">
-                    <a:tint val="75000"/>
-                  </a:prstClr>
-                </a:solidFill>
-              </a:rPr>
-              <a:pPr/>
-              <a:t>5</a:t>
-            </a:fld>
-            <a:endParaRPr lang="en-US">
-              <a:solidFill>
-                <a:prstClr val="black">
-                  <a:tint val="75000"/>
-                </a:prstClr>
-              </a:solidFill>
-            </a:endParaRPr>
-          </a:p>
-        </p:txBody>
-      </p:sp>
-      <p:pic>
-        <p:nvPicPr>
-          <p:cNvPr id="5" name="Picture 4">
-            <a:extLst>
-              <a:ext uri="{FF2B5EF4-FFF2-40B4-BE49-F238E27FC236}">
-                <a16:creationId xmlns:a16="http://schemas.microsoft.com/office/drawing/2014/main" id="{2870A04C-AD75-40D4-B6B5-66CCA9E1D8FF}"/>
-              </a:ext>
-            </a:extLst>
-          </p:cNvPr>
-          <p:cNvPicPr>
-            <a:picLocks noChangeAspect="1"/>
-          </p:cNvPicPr>
-          <p:nvPr/>
-        </p:nvPicPr>
-        <p:blipFill>
-          <a:blip r:embed="rId2"/>
-          <a:stretch>
-            <a:fillRect/>
-          </a:stretch>
-        </p:blipFill>
-        <p:spPr>
-          <a:xfrm>
-            <a:off x="2936696" y="0"/>
-            <a:ext cx="6318607" cy="6858000"/>
-          </a:xfrm>
-          <a:prstGeom prst="rect">
-            <a:avLst/>
-          </a:prstGeom>
-        </p:spPr>
-      </p:pic>
-    </p:spTree>
-    <p:extLst>
-      <p:ext uri="{BB962C8B-B14F-4D97-AF65-F5344CB8AC3E}">
-        <p14:creationId xmlns:p14="http://schemas.microsoft.com/office/powerpoint/2010/main" val="1910017591"/>
-      </p:ext>
-    </p:extLst>
-  </p:cSld>
-  <p:clrMapOvr>
-    <a:masterClrMapping/>
-  </p:clrMapOvr>
-</p:sld>
-</file>
-
-<file path=ppt/slides/slide50.xml><?xml version="1.0" encoding="utf-8"?>
+<file path=ppt/slides/slide51.xml><?xml version="1.0" encoding="utf-8"?>
 <p:sld xmlns:a="http://schemas.openxmlformats.org/drawingml/2006/main" xmlns:r="http://schemas.openxmlformats.org/officeDocument/2006/relationships" xmlns:p="http://schemas.openxmlformats.org/presentationml/2006/main">
   <p:cSld>
     <p:spTree>
@@ -25301,7 +25727,7 @@
                 </a:solidFill>
               </a:rPr>
               <a:pPr/>
-              <a:t>50</a:t>
+              <a:t>51</a:t>
             </a:fld>
             <a:endParaRPr lang="en-US">
               <a:solidFill>
@@ -25573,7 +25999,7 @@
 </p:sld>
 </file>
 
-<file path=ppt/slides/slide51.xml><?xml version="1.0" encoding="utf-8"?>
+<file path=ppt/slides/slide52.xml><?xml version="1.0" encoding="utf-8"?>
 <p:sld xmlns:a="http://schemas.openxmlformats.org/drawingml/2006/main" xmlns:r="http://schemas.openxmlformats.org/officeDocument/2006/relationships" xmlns:p="http://schemas.openxmlformats.org/presentationml/2006/main">
   <p:cSld>
     <p:spTree>
@@ -25826,7 +26252,7 @@
                 </a:solidFill>
               </a:rPr>
               <a:pPr/>
-              <a:t>51</a:t>
+              <a:t>52</a:t>
             </a:fld>
             <a:endParaRPr lang="en-US">
               <a:solidFill>
@@ -26098,7 +26524,7 @@
 </p:sld>
 </file>
 
-<file path=ppt/slides/slide52.xml><?xml version="1.0" encoding="utf-8"?>
+<file path=ppt/slides/slide53.xml><?xml version="1.0" encoding="utf-8"?>
 <p:sld xmlns:a="http://schemas.openxmlformats.org/drawingml/2006/main" xmlns:r="http://schemas.openxmlformats.org/officeDocument/2006/relationships" xmlns:p="http://schemas.openxmlformats.org/presentationml/2006/main">
   <p:cSld>
     <p:spTree>
@@ -26348,7 +26774,7 @@
                 </a:solidFill>
               </a:rPr>
               <a:pPr/>
-              <a:t>52</a:t>
+              <a:t>53</a:t>
             </a:fld>
             <a:endParaRPr lang="en-US">
               <a:solidFill>
@@ -26642,7 +27068,7 @@
 </p:sld>
 </file>
 
-<file path=ppt/slides/slide53.xml><?xml version="1.0" encoding="utf-8"?>
+<file path=ppt/slides/slide54.xml><?xml version="1.0" encoding="utf-8"?>
 <p:sld xmlns:a="http://schemas.openxmlformats.org/drawingml/2006/main" xmlns:r="http://schemas.openxmlformats.org/officeDocument/2006/relationships" xmlns:p="http://schemas.openxmlformats.org/presentationml/2006/main">
   <p:cSld>
     <p:bg>
@@ -26765,7 +27191,7 @@
                 <a:tabLst/>
                 <a:defRPr/>
               </a:pPr>
-              <a:t>53</a:t>
+              <a:t>54</a:t>
             </a:fld>
             <a:endParaRPr kumimoji="0" lang="en-US" sz="1200" b="0" i="0" u="none" strike="noStrike" kern="1200" cap="none" spc="0" normalizeH="0" baseline="0" noProof="0">
               <a:ln>
@@ -26786,43 +27212,6 @@
           </a:p>
         </p:txBody>
       </p:sp>
-      <p:sp>
-        <p:nvSpPr>
-          <p:cNvPr id="5" name="Subtitle 2">
-            <a:extLst>
-              <a:ext uri="{FF2B5EF4-FFF2-40B4-BE49-F238E27FC236}">
-                <a16:creationId xmlns:a16="http://schemas.microsoft.com/office/drawing/2014/main" id="{331AC185-0241-4028-A8D3-0CE4F5F48BB6}"/>
-              </a:ext>
-            </a:extLst>
-          </p:cNvPr>
-          <p:cNvSpPr>
-            <a:spLocks noGrp="1"/>
-          </p:cNvSpPr>
-          <p:nvPr>
-            <p:ph type="subTitle" idx="1"/>
-          </p:nvPr>
-        </p:nvSpPr>
-        <p:spPr>
-          <a:xfrm>
-            <a:off x="1524000" y="3602038"/>
-            <a:ext cx="9144000" cy="1655762"/>
-          </a:xfrm>
-        </p:spPr>
-        <p:txBody>
-          <a:bodyPr>
-            <a:normAutofit/>
-          </a:bodyPr>
-          <a:lstStyle/>
-          <a:p>
-            <a:pPr algn="l"/>
-            <a:endParaRPr lang="en-US" dirty="0">
-              <a:solidFill>
-                <a:schemeClr val="bg1"/>
-              </a:solidFill>
-            </a:endParaRPr>
-          </a:p>
-        </p:txBody>
-      </p:sp>
     </p:spTree>
     <p:extLst>
       <p:ext uri="{BB962C8B-B14F-4D97-AF65-F5344CB8AC3E}">
@@ -26836,7 +27225,7 @@
 </p:sld>
 </file>
 
-<file path=ppt/slides/slide54.xml><?xml version="1.0" encoding="utf-8"?>
+<file path=ppt/slides/slide55.xml><?xml version="1.0" encoding="utf-8"?>
 <p:sld xmlns:a="http://schemas.openxmlformats.org/drawingml/2006/main" xmlns:r="http://schemas.openxmlformats.org/officeDocument/2006/relationships" xmlns:p="http://schemas.openxmlformats.org/presentationml/2006/main">
   <p:cSld>
     <p:spTree>
@@ -26975,20 +27364,6 @@
                 <a:latin typeface="Courier New" panose="02070309020205020404" pitchFamily="49" charset="0"/>
                 <a:cs typeface="Courier New" panose="02070309020205020404" pitchFamily="49" charset="0"/>
               </a:rPr>
-              <a:t>srt_tst_typ</a:t>
-            </a:r>
-            <a:r>
-              <a:rPr lang="en-US" sz="2200" dirty="0">
-                <a:latin typeface="Courier New" panose="02070309020205020404" pitchFamily="49" charset="0"/>
-                <a:cs typeface="Courier New" panose="02070309020205020404" pitchFamily="49" charset="0"/>
-              </a:rPr>
-              <a:t> + </a:t>
-            </a:r>
-            <a:r>
-              <a:rPr lang="en-US" sz="2200" dirty="0" err="1">
-                <a:latin typeface="Courier New" panose="02070309020205020404" pitchFamily="49" charset="0"/>
-                <a:cs typeface="Courier New" panose="02070309020205020404" pitchFamily="49" charset="0"/>
-              </a:rPr>
               <a:t>lat</a:t>
             </a:r>
             <a:r>
@@ -27079,20 +27454,6 @@
                 <a:cs typeface="Courier New" panose="02070309020205020404" pitchFamily="49" charset="0"/>
               </a:rPr>
               <a:t>enrl_grd</a:t>
-            </a:r>
-            <a:r>
-              <a:rPr lang="en-US" sz="2200" dirty="0">
-                <a:latin typeface="Courier New" panose="02070309020205020404" pitchFamily="49" charset="0"/>
-                <a:cs typeface="Courier New" panose="02070309020205020404" pitchFamily="49" charset="0"/>
-              </a:rPr>
-              <a:t>, </a:t>
-            </a:r>
-            <a:r>
-              <a:rPr lang="en-US" sz="2200" dirty="0" err="1">
-                <a:latin typeface="Courier New" panose="02070309020205020404" pitchFamily="49" charset="0"/>
-                <a:cs typeface="Courier New" panose="02070309020205020404" pitchFamily="49" charset="0"/>
-              </a:rPr>
-              <a:t>srt_tst_typ</a:t>
             </a:r>
             <a:r>
               <a:rPr lang="en-US" sz="2200" dirty="0">
@@ -27373,7 +27734,7 @@
                 </a:solidFill>
               </a:rPr>
               <a:pPr/>
-              <a:t>54</a:t>
+              <a:t>55</a:t>
             </a:fld>
             <a:endParaRPr lang="en-US">
               <a:solidFill>
@@ -27632,7 +27993,7 @@
 </p:sld>
 </file>
 
-<file path=ppt/slides/slide55.xml><?xml version="1.0" encoding="utf-8"?>
+<file path=ppt/slides/slide56.xml><?xml version="1.0" encoding="utf-8"?>
 <p:sld xmlns:a="http://schemas.openxmlformats.org/drawingml/2006/main" xmlns:r="http://schemas.openxmlformats.org/officeDocument/2006/relationships" xmlns:p="http://schemas.openxmlformats.org/presentationml/2006/main">
   <p:cSld>
     <p:spTree>
@@ -28032,7 +28393,7 @@
                 </a:solidFill>
               </a:rPr>
               <a:pPr/>
-              <a:t>55</a:t>
+              <a:t>56</a:t>
             </a:fld>
             <a:endParaRPr lang="en-US">
               <a:solidFill>
@@ -28384,7 +28745,7 @@
 </p:sld>
 </file>
 
-<file path=ppt/slides/slide56.xml><?xml version="1.0" encoding="utf-8"?>
+<file path=ppt/slides/slide57.xml><?xml version="1.0" encoding="utf-8"?>
 <p:sld xmlns:a="http://schemas.openxmlformats.org/drawingml/2006/main" xmlns:r="http://schemas.openxmlformats.org/officeDocument/2006/relationships" xmlns:p="http://schemas.openxmlformats.org/presentationml/2006/main">
   <p:cSld>
     <p:spTree>
@@ -28523,7 +28884,7 @@
                 <a:latin typeface="Courier New" panose="02070309020205020404" pitchFamily="49" charset="0"/>
                 <a:cs typeface="Courier New" panose="02070309020205020404" pitchFamily="49" charset="0"/>
               </a:rPr>
-              <a:t>: 90 x 7</a:t>
+              <a:t>: 94 x 7</a:t>
             </a:r>
           </a:p>
           <a:p>
@@ -28714,27 +29075,7 @@
                 <a:latin typeface="Courier New" panose="02070309020205020404" pitchFamily="49" charset="0"/>
                 <a:cs typeface="Courier New" panose="02070309020205020404" pitchFamily="49" charset="0"/>
               </a:rPr>
-              <a:t> 1         1 </a:t>
-            </a:r>
-            <a:r>
-              <a:rPr lang="en-US" sz="2200" dirty="0" err="1">
-                <a:highlight>
-                  <a:srgbClr val="C0C0C0"/>
-                </a:highlight>
-                <a:latin typeface="Courier New" panose="02070309020205020404" pitchFamily="49" charset="0"/>
-                <a:cs typeface="Courier New" panose="02070309020205020404" pitchFamily="49" charset="0"/>
-              </a:rPr>
-              <a:t>epanechnikov</a:t>
-            </a:r>
-            <a:r>
-              <a:rPr lang="en-US" sz="2200" dirty="0">
-                <a:highlight>
-                  <a:srgbClr val="C0C0C0"/>
-                </a:highlight>
-                <a:latin typeface="Courier New" panose="02070309020205020404" pitchFamily="49" charset="0"/>
-                <a:cs typeface="Courier New" panose="02070309020205020404" pitchFamily="49" charset="0"/>
-              </a:rPr>
-              <a:t> accuracy multiclass 0.329    10 0.00506</a:t>
+              <a:t> 1         1 rank         accuracy multiclass 0.349    10 0.00515</a:t>
             </a:r>
           </a:p>
           <a:p>
@@ -28752,7 +29093,7 @@
                 <a:latin typeface="Courier New" panose="02070309020205020404" pitchFamily="49" charset="0"/>
                 <a:cs typeface="Courier New" panose="02070309020205020404" pitchFamily="49" charset="0"/>
               </a:rPr>
-              <a:t> 2         1 </a:t>
+              <a:t> 2         1 rank         </a:t>
             </a:r>
             <a:r>
               <a:rPr lang="en-US" sz="2200" dirty="0" err="1">
@@ -28762,17 +29103,17 @@
                 <a:latin typeface="Courier New" panose="02070309020205020404" pitchFamily="49" charset="0"/>
                 <a:cs typeface="Courier New" panose="02070309020205020404" pitchFamily="49" charset="0"/>
               </a:rPr>
-              <a:t>epanechnikov</a:t>
-            </a:r>
-            <a:r>
-              <a:rPr lang="en-US" sz="2200" dirty="0">
-                <a:highlight>
-                  <a:srgbClr val="C0C0C0"/>
-                </a:highlight>
-                <a:latin typeface="Courier New" panose="02070309020205020404" pitchFamily="49" charset="0"/>
-                <a:cs typeface="Courier New" panose="02070309020205020404" pitchFamily="49" charset="0"/>
-              </a:rPr>
-              <a:t> </a:t>
+              <a:t>roc_auc</a:t>
+            </a:r>
+            <a:r>
+              <a:rPr lang="en-US" sz="2200" dirty="0">
+                <a:highlight>
+                  <a:srgbClr val="C0C0C0"/>
+                </a:highlight>
+                <a:latin typeface="Courier New" panose="02070309020205020404" pitchFamily="49" charset="0"/>
+                <a:cs typeface="Courier New" panose="02070309020205020404" pitchFamily="49" charset="0"/>
+              </a:rPr>
+              <a:t>  </a:t>
             </a:r>
             <a:r>
               <a:rPr lang="en-US" sz="2200" dirty="0" err="1">
@@ -28782,26 +29123,6 @@
                 <a:latin typeface="Courier New" panose="02070309020205020404" pitchFamily="49" charset="0"/>
                 <a:cs typeface="Courier New" panose="02070309020205020404" pitchFamily="49" charset="0"/>
               </a:rPr>
-              <a:t>roc_auc</a:t>
-            </a:r>
-            <a:r>
-              <a:rPr lang="en-US" sz="2200" dirty="0">
-                <a:highlight>
-                  <a:srgbClr val="C0C0C0"/>
-                </a:highlight>
-                <a:latin typeface="Courier New" panose="02070309020205020404" pitchFamily="49" charset="0"/>
-                <a:cs typeface="Courier New" panose="02070309020205020404" pitchFamily="49" charset="0"/>
-              </a:rPr>
-              <a:t>  </a:t>
-            </a:r>
-            <a:r>
-              <a:rPr lang="en-US" sz="2200" dirty="0" err="1">
-                <a:highlight>
-                  <a:srgbClr val="C0C0C0"/>
-                </a:highlight>
-                <a:latin typeface="Courier New" panose="02070309020205020404" pitchFamily="49" charset="0"/>
-                <a:cs typeface="Courier New" panose="02070309020205020404" pitchFamily="49" charset="0"/>
-              </a:rPr>
               <a:t>hand_till</a:t>
             </a:r>
             <a:r>
@@ -28812,7 +29133,7 @@
                 <a:latin typeface="Courier New" panose="02070309020205020404" pitchFamily="49" charset="0"/>
                 <a:cs typeface="Courier New" panose="02070309020205020404" pitchFamily="49" charset="0"/>
               </a:rPr>
-              <a:t>  0.546    10 0.00316</a:t>
+              <a:t>  0.561    10 0.00377</a:t>
             </a:r>
           </a:p>
           <a:p>
@@ -28830,7 +29151,7 @@
                 <a:latin typeface="Courier New" panose="02070309020205020404" pitchFamily="49" charset="0"/>
                 <a:cs typeface="Courier New" panose="02070309020205020404" pitchFamily="49" charset="0"/>
               </a:rPr>
-              <a:t> 3         1 gaussian     accuracy multiclass 0.329    10 0.00506</a:t>
+              <a:t> 3         1 rectangular  accuracy multiclass 0.349    10 0.00515</a:t>
             </a:r>
           </a:p>
           <a:p>
@@ -28848,7 +29169,7 @@
                 <a:latin typeface="Courier New" panose="02070309020205020404" pitchFamily="49" charset="0"/>
                 <a:cs typeface="Courier New" panose="02070309020205020404" pitchFamily="49" charset="0"/>
               </a:rPr>
-              <a:t> 4         1 gaussian     </a:t>
+              <a:t> 4         1 rectangular  </a:t>
             </a:r>
             <a:r>
               <a:rPr lang="en-US" sz="2200" dirty="0" err="1">
@@ -28888,7 +29209,7 @@
                 <a:latin typeface="Courier New" panose="02070309020205020404" pitchFamily="49" charset="0"/>
                 <a:cs typeface="Courier New" panose="02070309020205020404" pitchFamily="49" charset="0"/>
               </a:rPr>
-              <a:t>  0.546    10 0.00316</a:t>
+              <a:t>  0.561    10 0.00377</a:t>
             </a:r>
           </a:p>
           <a:p>
@@ -28906,7 +29227,7 @@
                 <a:latin typeface="Courier New" panose="02070309020205020404" pitchFamily="49" charset="0"/>
                 <a:cs typeface="Courier New" panose="02070309020205020404" pitchFamily="49" charset="0"/>
               </a:rPr>
-              <a:t> 5         2 cos          accuracy multiclass 0.349    10 0.00585</a:t>
+              <a:t> 5         2 cos          accuracy multiclass 0.378    10 0.00599</a:t>
             </a:r>
           </a:p>
           <a:p>
@@ -28964,7 +29285,7 @@
                 <a:latin typeface="Courier New" panose="02070309020205020404" pitchFamily="49" charset="0"/>
                 <a:cs typeface="Courier New" panose="02070309020205020404" pitchFamily="49" charset="0"/>
               </a:rPr>
-              <a:t>  0.569    10 0.00552</a:t>
+              <a:t>  0.576    10 0.00639</a:t>
             </a:r>
           </a:p>
           <a:p>
@@ -29002,7 +29323,7 @@
                 <a:latin typeface="Courier New" panose="02070309020205020404" pitchFamily="49" charset="0"/>
                 <a:cs typeface="Courier New" panose="02070309020205020404" pitchFamily="49" charset="0"/>
               </a:rPr>
-              <a:t> accuracy multiclass 0.349    10 0.00585</a:t>
+              <a:t> accuracy multiclass 0.378    10 0.00599</a:t>
             </a:r>
           </a:p>
           <a:p>
@@ -29080,7 +29401,7 @@
                 <a:latin typeface="Courier New" panose="02070309020205020404" pitchFamily="49" charset="0"/>
                 <a:cs typeface="Courier New" panose="02070309020205020404" pitchFamily="49" charset="0"/>
               </a:rPr>
-              <a:t>  0.569    10 0.00552</a:t>
+              <a:t>  0.576    10 0.00638</a:t>
             </a:r>
           </a:p>
           <a:p>
@@ -29098,7 +29419,7 @@
                 <a:latin typeface="Courier New" panose="02070309020205020404" pitchFamily="49" charset="0"/>
                 <a:cs typeface="Courier New" panose="02070309020205020404" pitchFamily="49" charset="0"/>
               </a:rPr>
-              <a:t> 9         2 rectangular  accuracy multiclass 0.335    10 0.00705</a:t>
+              <a:t> 9         2 gaussian     accuracy multiclass 0.378    10 0.00599</a:t>
             </a:r>
           </a:p>
           <a:p>
@@ -29116,7 +29437,7 @@
                 <a:latin typeface="Courier New" panose="02070309020205020404" pitchFamily="49" charset="0"/>
                 <a:cs typeface="Courier New" panose="02070309020205020404" pitchFamily="49" charset="0"/>
               </a:rPr>
-              <a:t>10         2 rectangular  </a:t>
+              <a:t>10         2 gaussian     </a:t>
             </a:r>
             <a:r>
               <a:rPr lang="en-US" sz="2200" dirty="0" err="1">
@@ -29156,7 +29477,7 @@
                 <a:latin typeface="Courier New" panose="02070309020205020404" pitchFamily="49" charset="0"/>
                 <a:cs typeface="Courier New" panose="02070309020205020404" pitchFamily="49" charset="0"/>
               </a:rPr>
-              <a:t>  0.566    10 0.00515</a:t>
+              <a:t>  0.576    10 0.00643</a:t>
             </a:r>
           </a:p>
           <a:p>
@@ -29174,7 +29495,7 @@
                 <a:latin typeface="Courier New" panose="02070309020205020404" pitchFamily="49" charset="0"/>
                 <a:cs typeface="Courier New" panose="02070309020205020404" pitchFamily="49" charset="0"/>
               </a:rPr>
-              <a:t># ... with 80 more rows</a:t>
+              <a:t># ... with 84 more rows</a:t>
             </a:r>
           </a:p>
         </p:txBody>
@@ -29209,676 +29530,6 @@
                 </a:solidFill>
               </a:rPr>
               <a:pPr/>
-              <a:t>56</a:t>
-            </a:fld>
-            <a:endParaRPr lang="en-US">
-              <a:solidFill>
-                <a:prstClr val="black">
-                  <a:tint val="75000"/>
-                </a:prstClr>
-              </a:solidFill>
-            </a:endParaRPr>
-          </a:p>
-        </p:txBody>
-      </p:sp>
-    </p:spTree>
-    <p:extLst>
-      <p:ext uri="{BB962C8B-B14F-4D97-AF65-F5344CB8AC3E}">
-        <p14:creationId xmlns:p14="http://schemas.microsoft.com/office/powerpoint/2010/main" val="281666730"/>
-      </p:ext>
-    </p:extLst>
-  </p:cSld>
-  <p:clrMapOvr>
-    <a:masterClrMapping/>
-  </p:clrMapOvr>
-</p:sld>
-</file>
-
-<file path=ppt/slides/slide57.xml><?xml version="1.0" encoding="utf-8"?>
-<p:sld xmlns:a="http://schemas.openxmlformats.org/drawingml/2006/main" xmlns:r="http://schemas.openxmlformats.org/officeDocument/2006/relationships" xmlns:p="http://schemas.openxmlformats.org/presentationml/2006/main">
-  <p:cSld>
-    <p:spTree>
-      <p:nvGrpSpPr>
-        <p:cNvPr id="1" name=""/>
-        <p:cNvGrpSpPr/>
-        <p:nvPr/>
-      </p:nvGrpSpPr>
-      <p:grpSpPr>
-        <a:xfrm>
-          <a:off x="0" y="0"/>
-          <a:ext cx="0" cy="0"/>
-          <a:chOff x="0" y="0"/>
-          <a:chExt cx="0" cy="0"/>
-        </a:xfrm>
-      </p:grpSpPr>
-      <p:sp>
-        <p:nvSpPr>
-          <p:cNvPr id="3" name="Content Placeholder 2">
-            <a:extLst>
-              <a:ext uri="{FF2B5EF4-FFF2-40B4-BE49-F238E27FC236}">
-                <a16:creationId xmlns:a16="http://schemas.microsoft.com/office/drawing/2014/main" id="{DB7474A6-12B8-4D5A-9967-966A564A53D6}"/>
-              </a:ext>
-            </a:extLst>
-          </p:cNvPr>
-          <p:cNvSpPr>
-            <a:spLocks noGrp="1"/>
-          </p:cNvSpPr>
-          <p:nvPr>
-            <p:ph idx="1"/>
-          </p:nvPr>
-        </p:nvSpPr>
-        <p:spPr>
-          <a:xfrm>
-            <a:off x="214313" y="264319"/>
-            <a:ext cx="11139487" cy="6272212"/>
-          </a:xfrm>
-        </p:spPr>
-        <p:txBody>
-          <a:bodyPr>
-            <a:normAutofit/>
-          </a:bodyPr>
-          <a:lstStyle/>
-          <a:p>
-            <a:pPr marL="0" indent="0">
-              <a:buNone/>
-            </a:pPr>
-            <a:r>
-              <a:rPr lang="en-US" sz="2200" dirty="0" err="1">
-                <a:latin typeface="Courier New" panose="02070309020205020404" pitchFamily="49" charset="0"/>
-                <a:cs typeface="Courier New" panose="02070309020205020404" pitchFamily="49" charset="0"/>
-              </a:rPr>
-              <a:t>knn_clas_res</a:t>
-            </a:r>
-            <a:r>
-              <a:rPr lang="en-US" sz="2200" dirty="0">
-                <a:latin typeface="Courier New" panose="02070309020205020404" pitchFamily="49" charset="0"/>
-                <a:cs typeface="Courier New" panose="02070309020205020404" pitchFamily="49" charset="0"/>
-              </a:rPr>
-              <a:t> %&gt;% </a:t>
-            </a:r>
-          </a:p>
-          <a:p>
-            <a:pPr marL="0" indent="0">
-              <a:buNone/>
-            </a:pPr>
-            <a:r>
-              <a:rPr lang="en-US" sz="2200" dirty="0">
-                <a:latin typeface="Courier New" panose="02070309020205020404" pitchFamily="49" charset="0"/>
-                <a:cs typeface="Courier New" panose="02070309020205020404" pitchFamily="49" charset="0"/>
-              </a:rPr>
-              <a:t>  </a:t>
-            </a:r>
-            <a:r>
-              <a:rPr lang="en-US" sz="2200" dirty="0" err="1">
-                <a:latin typeface="Courier New" panose="02070309020205020404" pitchFamily="49" charset="0"/>
-                <a:cs typeface="Courier New" panose="02070309020205020404" pitchFamily="49" charset="0"/>
-              </a:rPr>
-              <a:t>show_best</a:t>
-            </a:r>
-            <a:r>
-              <a:rPr lang="en-US" sz="2200" dirty="0">
-                <a:latin typeface="Courier New" panose="02070309020205020404" pitchFamily="49" charset="0"/>
-                <a:cs typeface="Courier New" panose="02070309020205020404" pitchFamily="49" charset="0"/>
-              </a:rPr>
-              <a:t>(metric = "</a:t>
-            </a:r>
-            <a:r>
-              <a:rPr lang="en-US" sz="2200" dirty="0" err="1">
-                <a:latin typeface="Courier New" panose="02070309020205020404" pitchFamily="49" charset="0"/>
-                <a:cs typeface="Courier New" panose="02070309020205020404" pitchFamily="49" charset="0"/>
-              </a:rPr>
-              <a:t>roc_auc</a:t>
-            </a:r>
-            <a:r>
-              <a:rPr lang="en-US" sz="2200" dirty="0">
-                <a:latin typeface="Courier New" panose="02070309020205020404" pitchFamily="49" charset="0"/>
-                <a:cs typeface="Courier New" panose="02070309020205020404" pitchFamily="49" charset="0"/>
-              </a:rPr>
-              <a:t>", n = 5)</a:t>
-            </a:r>
-          </a:p>
-          <a:p>
-            <a:pPr marL="0" indent="0">
-              <a:buNone/>
-            </a:pPr>
-            <a:endParaRPr lang="en-US" sz="2200" dirty="0">
-              <a:latin typeface="Courier New" panose="02070309020205020404" pitchFamily="49" charset="0"/>
-              <a:cs typeface="Courier New" panose="02070309020205020404" pitchFamily="49" charset="0"/>
-            </a:endParaRPr>
-          </a:p>
-          <a:p>
-            <a:pPr marL="0" indent="0">
-              <a:spcBef>
-                <a:spcPts val="0"/>
-              </a:spcBef>
-              <a:buNone/>
-            </a:pPr>
-            <a:r>
-              <a:rPr lang="en-US" sz="2200" dirty="0">
-                <a:highlight>
-                  <a:srgbClr val="C0C0C0"/>
-                </a:highlight>
-                <a:latin typeface="Courier New" panose="02070309020205020404" pitchFamily="49" charset="0"/>
-                <a:cs typeface="Courier New" panose="02070309020205020404" pitchFamily="49" charset="0"/>
-              </a:rPr>
-              <a:t># A </a:t>
-            </a:r>
-            <a:r>
-              <a:rPr lang="en-US" sz="2200" dirty="0" err="1">
-                <a:highlight>
-                  <a:srgbClr val="C0C0C0"/>
-                </a:highlight>
-                <a:latin typeface="Courier New" panose="02070309020205020404" pitchFamily="49" charset="0"/>
-                <a:cs typeface="Courier New" panose="02070309020205020404" pitchFamily="49" charset="0"/>
-              </a:rPr>
-              <a:t>tibble</a:t>
-            </a:r>
-            <a:r>
-              <a:rPr lang="en-US" sz="2200" dirty="0">
-                <a:highlight>
-                  <a:srgbClr val="C0C0C0"/>
-                </a:highlight>
-                <a:latin typeface="Courier New" panose="02070309020205020404" pitchFamily="49" charset="0"/>
-                <a:cs typeface="Courier New" panose="02070309020205020404" pitchFamily="49" charset="0"/>
-              </a:rPr>
-              <a:t>: 5 x 7</a:t>
-            </a:r>
-          </a:p>
-          <a:p>
-            <a:pPr marL="0" indent="0">
-              <a:spcBef>
-                <a:spcPts val="0"/>
-              </a:spcBef>
-              <a:buNone/>
-            </a:pPr>
-            <a:r>
-              <a:rPr lang="en-US" sz="2200" dirty="0">
-                <a:highlight>
-                  <a:srgbClr val="C0C0C0"/>
-                </a:highlight>
-                <a:latin typeface="Courier New" panose="02070309020205020404" pitchFamily="49" charset="0"/>
-                <a:cs typeface="Courier New" panose="02070309020205020404" pitchFamily="49" charset="0"/>
-              </a:rPr>
-              <a:t>  neighbors </a:t>
-            </a:r>
-            <a:r>
-              <a:rPr lang="en-US" sz="2200" dirty="0" err="1">
-                <a:highlight>
-                  <a:srgbClr val="C0C0C0"/>
-                </a:highlight>
-                <a:latin typeface="Courier New" panose="02070309020205020404" pitchFamily="49" charset="0"/>
-                <a:cs typeface="Courier New" panose="02070309020205020404" pitchFamily="49" charset="0"/>
-              </a:rPr>
-              <a:t>weight_func</a:t>
-            </a:r>
-            <a:r>
-              <a:rPr lang="en-US" sz="2200" dirty="0">
-                <a:highlight>
-                  <a:srgbClr val="C0C0C0"/>
-                </a:highlight>
-                <a:latin typeface="Courier New" panose="02070309020205020404" pitchFamily="49" charset="0"/>
-                <a:cs typeface="Courier New" panose="02070309020205020404" pitchFamily="49" charset="0"/>
-              </a:rPr>
-              <a:t> .metric .estimator  mean     n </a:t>
-            </a:r>
-            <a:r>
-              <a:rPr lang="en-US" sz="2200" dirty="0" err="1">
-                <a:highlight>
-                  <a:srgbClr val="C0C0C0"/>
-                </a:highlight>
-                <a:latin typeface="Courier New" panose="02070309020205020404" pitchFamily="49" charset="0"/>
-                <a:cs typeface="Courier New" panose="02070309020205020404" pitchFamily="49" charset="0"/>
-              </a:rPr>
-              <a:t>std_err</a:t>
-            </a:r>
-            <a:endParaRPr lang="en-US" sz="2200" dirty="0">
-              <a:highlight>
-                <a:srgbClr val="C0C0C0"/>
-              </a:highlight>
-              <a:latin typeface="Courier New" panose="02070309020205020404" pitchFamily="49" charset="0"/>
-              <a:cs typeface="Courier New" panose="02070309020205020404" pitchFamily="49" charset="0"/>
-            </a:endParaRPr>
-          </a:p>
-          <a:p>
-            <a:pPr marL="0" indent="0">
-              <a:spcBef>
-                <a:spcPts val="0"/>
-              </a:spcBef>
-              <a:buNone/>
-            </a:pPr>
-            <a:r>
-              <a:rPr lang="en-US" sz="2200" dirty="0">
-                <a:highlight>
-                  <a:srgbClr val="C0C0C0"/>
-                </a:highlight>
-                <a:latin typeface="Courier New" panose="02070309020205020404" pitchFamily="49" charset="0"/>
-                <a:cs typeface="Courier New" panose="02070309020205020404" pitchFamily="49" charset="0"/>
-              </a:rPr>
-              <a:t>      &lt;int&gt; &lt;</a:t>
-            </a:r>
-            <a:r>
-              <a:rPr lang="en-US" sz="2200" dirty="0" err="1">
-                <a:highlight>
-                  <a:srgbClr val="C0C0C0"/>
-                </a:highlight>
-                <a:latin typeface="Courier New" panose="02070309020205020404" pitchFamily="49" charset="0"/>
-                <a:cs typeface="Courier New" panose="02070309020205020404" pitchFamily="49" charset="0"/>
-              </a:rPr>
-              <a:t>chr</a:t>
-            </a:r>
-            <a:r>
-              <a:rPr lang="en-US" sz="2200" dirty="0">
-                <a:highlight>
-                  <a:srgbClr val="C0C0C0"/>
-                </a:highlight>
-                <a:latin typeface="Courier New" panose="02070309020205020404" pitchFamily="49" charset="0"/>
-                <a:cs typeface="Courier New" panose="02070309020205020404" pitchFamily="49" charset="0"/>
-              </a:rPr>
-              <a:t>&gt;       &lt;</a:t>
-            </a:r>
-            <a:r>
-              <a:rPr lang="en-US" sz="2200" dirty="0" err="1">
-                <a:highlight>
-                  <a:srgbClr val="C0C0C0"/>
-                </a:highlight>
-                <a:latin typeface="Courier New" panose="02070309020205020404" pitchFamily="49" charset="0"/>
-                <a:cs typeface="Courier New" panose="02070309020205020404" pitchFamily="49" charset="0"/>
-              </a:rPr>
-              <a:t>chr</a:t>
-            </a:r>
-            <a:r>
-              <a:rPr lang="en-US" sz="2200" dirty="0">
-                <a:highlight>
-                  <a:srgbClr val="C0C0C0"/>
-                </a:highlight>
-                <a:latin typeface="Courier New" panose="02070309020205020404" pitchFamily="49" charset="0"/>
-                <a:cs typeface="Courier New" panose="02070309020205020404" pitchFamily="49" charset="0"/>
-              </a:rPr>
-              <a:t>&gt;   &lt;</a:t>
-            </a:r>
-            <a:r>
-              <a:rPr lang="en-US" sz="2200" dirty="0" err="1">
-                <a:highlight>
-                  <a:srgbClr val="C0C0C0"/>
-                </a:highlight>
-                <a:latin typeface="Courier New" panose="02070309020205020404" pitchFamily="49" charset="0"/>
-                <a:cs typeface="Courier New" panose="02070309020205020404" pitchFamily="49" charset="0"/>
-              </a:rPr>
-              <a:t>chr</a:t>
-            </a:r>
-            <a:r>
-              <a:rPr lang="en-US" sz="2200" dirty="0">
-                <a:highlight>
-                  <a:srgbClr val="C0C0C0"/>
-                </a:highlight>
-                <a:latin typeface="Courier New" panose="02070309020205020404" pitchFamily="49" charset="0"/>
-                <a:cs typeface="Courier New" panose="02070309020205020404" pitchFamily="49" charset="0"/>
-              </a:rPr>
-              <a:t>&gt;      &lt;</a:t>
-            </a:r>
-            <a:r>
-              <a:rPr lang="en-US" sz="2200" dirty="0" err="1">
-                <a:highlight>
-                  <a:srgbClr val="C0C0C0"/>
-                </a:highlight>
-                <a:latin typeface="Courier New" panose="02070309020205020404" pitchFamily="49" charset="0"/>
-                <a:cs typeface="Courier New" panose="02070309020205020404" pitchFamily="49" charset="0"/>
-              </a:rPr>
-              <a:t>dbl</a:t>
-            </a:r>
-            <a:r>
-              <a:rPr lang="en-US" sz="2200" dirty="0">
-                <a:highlight>
-                  <a:srgbClr val="C0C0C0"/>
-                </a:highlight>
-                <a:latin typeface="Courier New" panose="02070309020205020404" pitchFamily="49" charset="0"/>
-                <a:cs typeface="Courier New" panose="02070309020205020404" pitchFamily="49" charset="0"/>
-              </a:rPr>
-              <a:t>&gt; &lt;int&gt;   &lt;</a:t>
-            </a:r>
-            <a:r>
-              <a:rPr lang="en-US" sz="2200" dirty="0" err="1">
-                <a:highlight>
-                  <a:srgbClr val="C0C0C0"/>
-                </a:highlight>
-                <a:latin typeface="Courier New" panose="02070309020205020404" pitchFamily="49" charset="0"/>
-                <a:cs typeface="Courier New" panose="02070309020205020404" pitchFamily="49" charset="0"/>
-              </a:rPr>
-              <a:t>dbl</a:t>
-            </a:r>
-            <a:r>
-              <a:rPr lang="en-US" sz="2200" dirty="0">
-                <a:highlight>
-                  <a:srgbClr val="C0C0C0"/>
-                </a:highlight>
-                <a:latin typeface="Courier New" panose="02070309020205020404" pitchFamily="49" charset="0"/>
-                <a:cs typeface="Courier New" panose="02070309020205020404" pitchFamily="49" charset="0"/>
-              </a:rPr>
-              <a:t>&gt;</a:t>
-            </a:r>
-          </a:p>
-          <a:p>
-            <a:pPr marL="0" indent="0">
-              <a:spcBef>
-                <a:spcPts val="0"/>
-              </a:spcBef>
-              <a:buNone/>
-            </a:pPr>
-            <a:r>
-              <a:rPr lang="en-US" sz="2200" dirty="0">
-                <a:highlight>
-                  <a:srgbClr val="C0C0C0"/>
-                </a:highlight>
-                <a:latin typeface="Courier New" panose="02070309020205020404" pitchFamily="49" charset="0"/>
-                <a:cs typeface="Courier New" panose="02070309020205020404" pitchFamily="49" charset="0"/>
-              </a:rPr>
-              <a:t>1        10 rank        </a:t>
-            </a:r>
-            <a:r>
-              <a:rPr lang="en-US" sz="2200" dirty="0" err="1">
-                <a:highlight>
-                  <a:srgbClr val="C0C0C0"/>
-                </a:highlight>
-                <a:latin typeface="Courier New" panose="02070309020205020404" pitchFamily="49" charset="0"/>
-                <a:cs typeface="Courier New" panose="02070309020205020404" pitchFamily="49" charset="0"/>
-              </a:rPr>
-              <a:t>roc_auc</a:t>
-            </a:r>
-            <a:r>
-              <a:rPr lang="en-US" sz="2200" dirty="0">
-                <a:highlight>
-                  <a:srgbClr val="C0C0C0"/>
-                </a:highlight>
-                <a:latin typeface="Courier New" panose="02070309020205020404" pitchFamily="49" charset="0"/>
-                <a:cs typeface="Courier New" panose="02070309020205020404" pitchFamily="49" charset="0"/>
-              </a:rPr>
-              <a:t> </a:t>
-            </a:r>
-            <a:r>
-              <a:rPr lang="en-US" sz="2200" dirty="0" err="1">
-                <a:highlight>
-                  <a:srgbClr val="C0C0C0"/>
-                </a:highlight>
-                <a:latin typeface="Courier New" panose="02070309020205020404" pitchFamily="49" charset="0"/>
-                <a:cs typeface="Courier New" panose="02070309020205020404" pitchFamily="49" charset="0"/>
-              </a:rPr>
-              <a:t>hand_till</a:t>
-            </a:r>
-            <a:r>
-              <a:rPr lang="en-US" sz="2200" dirty="0">
-                <a:highlight>
-                  <a:srgbClr val="C0C0C0"/>
-                </a:highlight>
-                <a:latin typeface="Courier New" panose="02070309020205020404" pitchFamily="49" charset="0"/>
-                <a:cs typeface="Courier New" panose="02070309020205020404" pitchFamily="49" charset="0"/>
-              </a:rPr>
-              <a:t>  0.605    10 0.00558</a:t>
-            </a:r>
-          </a:p>
-          <a:p>
-            <a:pPr marL="0" indent="0">
-              <a:spcBef>
-                <a:spcPts val="0"/>
-              </a:spcBef>
-              <a:buNone/>
-            </a:pPr>
-            <a:r>
-              <a:rPr lang="en-US" sz="2200" dirty="0">
-                <a:highlight>
-                  <a:srgbClr val="C0C0C0"/>
-                </a:highlight>
-                <a:latin typeface="Courier New" panose="02070309020205020404" pitchFamily="49" charset="0"/>
-                <a:cs typeface="Courier New" panose="02070309020205020404" pitchFamily="49" charset="0"/>
-              </a:rPr>
-              <a:t>2         9 gaussian    </a:t>
-            </a:r>
-            <a:r>
-              <a:rPr lang="en-US" sz="2200" dirty="0" err="1">
-                <a:highlight>
-                  <a:srgbClr val="C0C0C0"/>
-                </a:highlight>
-                <a:latin typeface="Courier New" panose="02070309020205020404" pitchFamily="49" charset="0"/>
-                <a:cs typeface="Courier New" panose="02070309020205020404" pitchFamily="49" charset="0"/>
-              </a:rPr>
-              <a:t>roc_auc</a:t>
-            </a:r>
-            <a:r>
-              <a:rPr lang="en-US" sz="2200" dirty="0">
-                <a:highlight>
-                  <a:srgbClr val="C0C0C0"/>
-                </a:highlight>
-                <a:latin typeface="Courier New" panose="02070309020205020404" pitchFamily="49" charset="0"/>
-                <a:cs typeface="Courier New" panose="02070309020205020404" pitchFamily="49" charset="0"/>
-              </a:rPr>
-              <a:t> </a:t>
-            </a:r>
-            <a:r>
-              <a:rPr lang="en-US" sz="2200" dirty="0" err="1">
-                <a:highlight>
-                  <a:srgbClr val="C0C0C0"/>
-                </a:highlight>
-                <a:latin typeface="Courier New" panose="02070309020205020404" pitchFamily="49" charset="0"/>
-                <a:cs typeface="Courier New" panose="02070309020205020404" pitchFamily="49" charset="0"/>
-              </a:rPr>
-              <a:t>hand_till</a:t>
-            </a:r>
-            <a:r>
-              <a:rPr lang="en-US" sz="2200" dirty="0">
-                <a:highlight>
-                  <a:srgbClr val="C0C0C0"/>
-                </a:highlight>
-                <a:latin typeface="Courier New" panose="02070309020205020404" pitchFamily="49" charset="0"/>
-                <a:cs typeface="Courier New" panose="02070309020205020404" pitchFamily="49" charset="0"/>
-              </a:rPr>
-              <a:t>  0.605    10 0.00600</a:t>
-            </a:r>
-          </a:p>
-          <a:p>
-            <a:pPr marL="0" indent="0">
-              <a:spcBef>
-                <a:spcPts val="0"/>
-              </a:spcBef>
-              <a:buNone/>
-            </a:pPr>
-            <a:r>
-              <a:rPr lang="en-US" sz="2200" dirty="0">
-                <a:highlight>
-                  <a:srgbClr val="C0C0C0"/>
-                </a:highlight>
-                <a:latin typeface="Courier New" panose="02070309020205020404" pitchFamily="49" charset="0"/>
-                <a:cs typeface="Courier New" panose="02070309020205020404" pitchFamily="49" charset="0"/>
-              </a:rPr>
-              <a:t>3         8 triangular  </a:t>
-            </a:r>
-            <a:r>
-              <a:rPr lang="en-US" sz="2200" dirty="0" err="1">
-                <a:highlight>
-                  <a:srgbClr val="C0C0C0"/>
-                </a:highlight>
-                <a:latin typeface="Courier New" panose="02070309020205020404" pitchFamily="49" charset="0"/>
-                <a:cs typeface="Courier New" panose="02070309020205020404" pitchFamily="49" charset="0"/>
-              </a:rPr>
-              <a:t>roc_auc</a:t>
-            </a:r>
-            <a:r>
-              <a:rPr lang="en-US" sz="2200" dirty="0">
-                <a:highlight>
-                  <a:srgbClr val="C0C0C0"/>
-                </a:highlight>
-                <a:latin typeface="Courier New" panose="02070309020205020404" pitchFamily="49" charset="0"/>
-                <a:cs typeface="Courier New" panose="02070309020205020404" pitchFamily="49" charset="0"/>
-              </a:rPr>
-              <a:t> </a:t>
-            </a:r>
-            <a:r>
-              <a:rPr lang="en-US" sz="2200" dirty="0" err="1">
-                <a:highlight>
-                  <a:srgbClr val="C0C0C0"/>
-                </a:highlight>
-                <a:latin typeface="Courier New" panose="02070309020205020404" pitchFamily="49" charset="0"/>
-                <a:cs typeface="Courier New" panose="02070309020205020404" pitchFamily="49" charset="0"/>
-              </a:rPr>
-              <a:t>hand_till</a:t>
-            </a:r>
-            <a:r>
-              <a:rPr lang="en-US" sz="2200" dirty="0">
-                <a:highlight>
-                  <a:srgbClr val="C0C0C0"/>
-                </a:highlight>
-                <a:latin typeface="Courier New" panose="02070309020205020404" pitchFamily="49" charset="0"/>
-                <a:cs typeface="Courier New" panose="02070309020205020404" pitchFamily="49" charset="0"/>
-              </a:rPr>
-              <a:t>  0.601    10 0.00596</a:t>
-            </a:r>
-          </a:p>
-          <a:p>
-            <a:pPr marL="0" indent="0">
-              <a:spcBef>
-                <a:spcPts val="0"/>
-              </a:spcBef>
-              <a:buNone/>
-            </a:pPr>
-            <a:r>
-              <a:rPr lang="en-US" sz="2200" dirty="0">
-                <a:highlight>
-                  <a:srgbClr val="C0C0C0"/>
-                </a:highlight>
-                <a:latin typeface="Courier New" panose="02070309020205020404" pitchFamily="49" charset="0"/>
-                <a:cs typeface="Courier New" panose="02070309020205020404" pitchFamily="49" charset="0"/>
-              </a:rPr>
-              <a:t>4         7 gaussian    </a:t>
-            </a:r>
-            <a:r>
-              <a:rPr lang="en-US" sz="2200" dirty="0" err="1">
-                <a:highlight>
-                  <a:srgbClr val="C0C0C0"/>
-                </a:highlight>
-                <a:latin typeface="Courier New" panose="02070309020205020404" pitchFamily="49" charset="0"/>
-                <a:cs typeface="Courier New" panose="02070309020205020404" pitchFamily="49" charset="0"/>
-              </a:rPr>
-              <a:t>roc_auc</a:t>
-            </a:r>
-            <a:r>
-              <a:rPr lang="en-US" sz="2200" dirty="0">
-                <a:highlight>
-                  <a:srgbClr val="C0C0C0"/>
-                </a:highlight>
-                <a:latin typeface="Courier New" panose="02070309020205020404" pitchFamily="49" charset="0"/>
-                <a:cs typeface="Courier New" panose="02070309020205020404" pitchFamily="49" charset="0"/>
-              </a:rPr>
-              <a:t> </a:t>
-            </a:r>
-            <a:r>
-              <a:rPr lang="en-US" sz="2200" dirty="0" err="1">
-                <a:highlight>
-                  <a:srgbClr val="C0C0C0"/>
-                </a:highlight>
-                <a:latin typeface="Courier New" panose="02070309020205020404" pitchFamily="49" charset="0"/>
-                <a:cs typeface="Courier New" panose="02070309020205020404" pitchFamily="49" charset="0"/>
-              </a:rPr>
-              <a:t>hand_till</a:t>
-            </a:r>
-            <a:r>
-              <a:rPr lang="en-US" sz="2200" dirty="0">
-                <a:highlight>
-                  <a:srgbClr val="C0C0C0"/>
-                </a:highlight>
-                <a:latin typeface="Courier New" panose="02070309020205020404" pitchFamily="49" charset="0"/>
-                <a:cs typeface="Courier New" panose="02070309020205020404" pitchFamily="49" charset="0"/>
-              </a:rPr>
-              <a:t>  0.601    10 0.00552</a:t>
-            </a:r>
-          </a:p>
-          <a:p>
-            <a:pPr marL="0" indent="0">
-              <a:spcBef>
-                <a:spcPts val="0"/>
-              </a:spcBef>
-              <a:buNone/>
-            </a:pPr>
-            <a:r>
-              <a:rPr lang="en-US" sz="2200" dirty="0">
-                <a:highlight>
-                  <a:srgbClr val="C0C0C0"/>
-                </a:highlight>
-                <a:latin typeface="Courier New" panose="02070309020205020404" pitchFamily="49" charset="0"/>
-                <a:cs typeface="Courier New" panose="02070309020205020404" pitchFamily="49" charset="0"/>
-              </a:rPr>
-              <a:t>5         6 rank        </a:t>
-            </a:r>
-            <a:r>
-              <a:rPr lang="en-US" sz="2200" dirty="0" err="1">
-                <a:highlight>
-                  <a:srgbClr val="C0C0C0"/>
-                </a:highlight>
-                <a:latin typeface="Courier New" panose="02070309020205020404" pitchFamily="49" charset="0"/>
-                <a:cs typeface="Courier New" panose="02070309020205020404" pitchFamily="49" charset="0"/>
-              </a:rPr>
-              <a:t>roc_auc</a:t>
-            </a:r>
-            <a:r>
-              <a:rPr lang="en-US" sz="2200" dirty="0">
-                <a:highlight>
-                  <a:srgbClr val="C0C0C0"/>
-                </a:highlight>
-                <a:latin typeface="Courier New" panose="02070309020205020404" pitchFamily="49" charset="0"/>
-                <a:cs typeface="Courier New" panose="02070309020205020404" pitchFamily="49" charset="0"/>
-              </a:rPr>
-              <a:t> </a:t>
-            </a:r>
-            <a:r>
-              <a:rPr lang="en-US" sz="2200" dirty="0" err="1">
-                <a:highlight>
-                  <a:srgbClr val="C0C0C0"/>
-                </a:highlight>
-                <a:latin typeface="Courier New" panose="02070309020205020404" pitchFamily="49" charset="0"/>
-                <a:cs typeface="Courier New" panose="02070309020205020404" pitchFamily="49" charset="0"/>
-              </a:rPr>
-              <a:t>hand_till</a:t>
-            </a:r>
-            <a:r>
-              <a:rPr lang="en-US" sz="2200" dirty="0">
-                <a:highlight>
-                  <a:srgbClr val="C0C0C0"/>
-                </a:highlight>
-                <a:latin typeface="Courier New" panose="02070309020205020404" pitchFamily="49" charset="0"/>
-                <a:cs typeface="Courier New" panose="02070309020205020404" pitchFamily="49" charset="0"/>
-              </a:rPr>
-              <a:t>  0.600    10 0.00544</a:t>
-            </a:r>
-          </a:p>
-        </p:txBody>
-      </p:sp>
-      <p:sp>
-        <p:nvSpPr>
-          <p:cNvPr id="4" name="Slide Number Placeholder 3">
-            <a:extLst>
-              <a:ext uri="{FF2B5EF4-FFF2-40B4-BE49-F238E27FC236}">
-                <a16:creationId xmlns:a16="http://schemas.microsoft.com/office/drawing/2014/main" id="{37125842-965B-46C4-989A-7782CC7BB415}"/>
-              </a:ext>
-            </a:extLst>
-          </p:cNvPr>
-          <p:cNvSpPr>
-            <a:spLocks noGrp="1"/>
-          </p:cNvSpPr>
-          <p:nvPr>
-            <p:ph type="sldNum" sz="quarter" idx="12"/>
-          </p:nvPr>
-        </p:nvSpPr>
-        <p:spPr/>
-        <p:txBody>
-          <a:bodyPr/>
-          <a:lstStyle/>
-          <a:p>
-            <a:fld id="{1FD78A80-B303-491C-AEE7-8281801B0C65}" type="slidenum">
-              <a:rPr lang="en-US" smtClean="0">
-                <a:solidFill>
-                  <a:prstClr val="black">
-                    <a:tint val="75000"/>
-                  </a:prstClr>
-                </a:solidFill>
-              </a:rPr>
-              <a:pPr/>
               <a:t>57</a:t>
             </a:fld>
             <a:endParaRPr lang="en-US">
@@ -29894,7 +29545,7 @@
     </p:spTree>
     <p:extLst>
       <p:ext uri="{BB962C8B-B14F-4D97-AF65-F5344CB8AC3E}">
-        <p14:creationId xmlns:p14="http://schemas.microsoft.com/office/powerpoint/2010/main" val="4210069212"/>
+        <p14:creationId xmlns:p14="http://schemas.microsoft.com/office/powerpoint/2010/main" val="281666730"/>
       </p:ext>
     </p:extLst>
   </p:cSld>
@@ -29983,7 +29634,7 @@
                 <a:latin typeface="Courier New" panose="02070309020205020404" pitchFamily="49" charset="0"/>
                 <a:cs typeface="Courier New" panose="02070309020205020404" pitchFamily="49" charset="0"/>
               </a:rPr>
-              <a:t>autoplot</a:t>
+              <a:t>show_best</a:t>
             </a:r>
             <a:r>
               <a:rPr lang="en-US" sz="2200" dirty="0">
@@ -30004,33 +29655,102 @@
                 <a:latin typeface="Courier New" panose="02070309020205020404" pitchFamily="49" charset="0"/>
                 <a:cs typeface="Courier New" panose="02070309020205020404" pitchFamily="49" charset="0"/>
               </a:rPr>
-              <a:t>") +</a:t>
-            </a:r>
-          </a:p>
-          <a:p>
-            <a:pPr marL="0" indent="0">
-              <a:buNone/>
-            </a:pPr>
-            <a:r>
-              <a:rPr lang="en-US" sz="2200" dirty="0">
-                <a:latin typeface="Courier New" panose="02070309020205020404" pitchFamily="49" charset="0"/>
-                <a:cs typeface="Courier New" panose="02070309020205020404" pitchFamily="49" charset="0"/>
-              </a:rPr>
-              <a:t>  </a:t>
+              <a:t>", n = 5)</a:t>
+            </a:r>
+          </a:p>
+          <a:p>
+            <a:pPr marL="0" indent="0">
+              <a:buNone/>
+            </a:pPr>
+            <a:endParaRPr lang="en-US" sz="2200" dirty="0">
+              <a:latin typeface="Courier New" panose="02070309020205020404" pitchFamily="49" charset="0"/>
+              <a:cs typeface="Courier New" panose="02070309020205020404" pitchFamily="49" charset="0"/>
+            </a:endParaRPr>
+          </a:p>
+          <a:p>
+            <a:pPr marL="0" indent="0">
+              <a:spcBef>
+                <a:spcPts val="0"/>
+              </a:spcBef>
+              <a:buNone/>
+            </a:pPr>
+            <a:r>
+              <a:rPr lang="en-US" sz="2200" dirty="0">
+                <a:highlight>
+                  <a:srgbClr val="C0C0C0"/>
+                </a:highlight>
+                <a:latin typeface="Courier New" panose="02070309020205020404" pitchFamily="49" charset="0"/>
+                <a:cs typeface="Courier New" panose="02070309020205020404" pitchFamily="49" charset="0"/>
+              </a:rPr>
+              <a:t># A </a:t>
             </a:r>
             <a:r>
               <a:rPr lang="en-US" sz="2200" dirty="0" err="1">
-                <a:latin typeface="Courier New" panose="02070309020205020404" pitchFamily="49" charset="0"/>
-                <a:cs typeface="Courier New" panose="02070309020205020404" pitchFamily="49" charset="0"/>
-              </a:rPr>
-              <a:t>geom_line</a:t>
-            </a:r>
-            <a:r>
-              <a:rPr lang="en-US" sz="2200" dirty="0">
-                <a:latin typeface="Courier New" panose="02070309020205020404" pitchFamily="49" charset="0"/>
-                <a:cs typeface="Courier New" panose="02070309020205020404" pitchFamily="49" charset="0"/>
-              </a:rPr>
-              <a:t>()</a:t>
+                <a:highlight>
+                  <a:srgbClr val="C0C0C0"/>
+                </a:highlight>
+                <a:latin typeface="Courier New" panose="02070309020205020404" pitchFamily="49" charset="0"/>
+                <a:cs typeface="Courier New" panose="02070309020205020404" pitchFamily="49" charset="0"/>
+              </a:rPr>
+              <a:t>tibble</a:t>
+            </a:r>
+            <a:r>
+              <a:rPr lang="en-US" sz="2200" dirty="0">
+                <a:highlight>
+                  <a:srgbClr val="C0C0C0"/>
+                </a:highlight>
+                <a:latin typeface="Courier New" panose="02070309020205020404" pitchFamily="49" charset="0"/>
+                <a:cs typeface="Courier New" panose="02070309020205020404" pitchFamily="49" charset="0"/>
+              </a:rPr>
+              <a:t>: 5 x 7</a:t>
+            </a:r>
+          </a:p>
+          <a:p>
+            <a:pPr marL="0" indent="0">
+              <a:spcBef>
+                <a:spcPts val="0"/>
+              </a:spcBef>
+              <a:buNone/>
+            </a:pPr>
+            <a:r>
+              <a:rPr lang="en-US" sz="2200" dirty="0">
+                <a:highlight>
+                  <a:srgbClr val="C0C0C0"/>
+                </a:highlight>
+                <a:latin typeface="Courier New" panose="02070309020205020404" pitchFamily="49" charset="0"/>
+                <a:cs typeface="Courier New" panose="02070309020205020404" pitchFamily="49" charset="0"/>
+              </a:rPr>
+              <a:t>  neighbors </a:t>
+            </a:r>
+            <a:r>
+              <a:rPr lang="en-US" sz="2200" dirty="0" err="1">
+                <a:highlight>
+                  <a:srgbClr val="C0C0C0"/>
+                </a:highlight>
+                <a:latin typeface="Courier New" panose="02070309020205020404" pitchFamily="49" charset="0"/>
+                <a:cs typeface="Courier New" panose="02070309020205020404" pitchFamily="49" charset="0"/>
+              </a:rPr>
+              <a:t>weight_func</a:t>
+            </a:r>
+            <a:r>
+              <a:rPr lang="en-US" sz="2200" dirty="0">
+                <a:highlight>
+                  <a:srgbClr val="C0C0C0"/>
+                </a:highlight>
+                <a:latin typeface="Courier New" panose="02070309020205020404" pitchFamily="49" charset="0"/>
+                <a:cs typeface="Courier New" panose="02070309020205020404" pitchFamily="49" charset="0"/>
+              </a:rPr>
+              <a:t>  .metric .estimator  mean     n </a:t>
+            </a:r>
+            <a:r>
+              <a:rPr lang="en-US" sz="2200" dirty="0" err="1">
+                <a:highlight>
+                  <a:srgbClr val="C0C0C0"/>
+                </a:highlight>
+                <a:latin typeface="Courier New" panose="02070309020205020404" pitchFamily="49" charset="0"/>
+                <a:cs typeface="Courier New" panose="02070309020205020404" pitchFamily="49" charset="0"/>
+              </a:rPr>
+              <a:t>std_err</a:t>
             </a:r>
             <a:endParaRPr lang="en-US" sz="2200" dirty="0">
               <a:highlight>
@@ -30039,6 +29759,434 @@
               <a:latin typeface="Courier New" panose="02070309020205020404" pitchFamily="49" charset="0"/>
               <a:cs typeface="Courier New" panose="02070309020205020404" pitchFamily="49" charset="0"/>
             </a:endParaRPr>
+          </a:p>
+          <a:p>
+            <a:pPr marL="0" indent="0">
+              <a:spcBef>
+                <a:spcPts val="0"/>
+              </a:spcBef>
+              <a:buNone/>
+            </a:pPr>
+            <a:r>
+              <a:rPr lang="en-US" sz="2200" dirty="0">
+                <a:highlight>
+                  <a:srgbClr val="C0C0C0"/>
+                </a:highlight>
+                <a:latin typeface="Courier New" panose="02070309020205020404" pitchFamily="49" charset="0"/>
+                <a:cs typeface="Courier New" panose="02070309020205020404" pitchFamily="49" charset="0"/>
+              </a:rPr>
+              <a:t>      &lt;int&gt; &lt;</a:t>
+            </a:r>
+            <a:r>
+              <a:rPr lang="en-US" sz="2200" dirty="0" err="1">
+                <a:highlight>
+                  <a:srgbClr val="C0C0C0"/>
+                </a:highlight>
+                <a:latin typeface="Courier New" panose="02070309020205020404" pitchFamily="49" charset="0"/>
+                <a:cs typeface="Courier New" panose="02070309020205020404" pitchFamily="49" charset="0"/>
+              </a:rPr>
+              <a:t>chr</a:t>
+            </a:r>
+            <a:r>
+              <a:rPr lang="en-US" sz="2200" dirty="0">
+                <a:highlight>
+                  <a:srgbClr val="C0C0C0"/>
+                </a:highlight>
+                <a:latin typeface="Courier New" panose="02070309020205020404" pitchFamily="49" charset="0"/>
+                <a:cs typeface="Courier New" panose="02070309020205020404" pitchFamily="49" charset="0"/>
+              </a:rPr>
+              <a:t>&gt;        &lt;</a:t>
+            </a:r>
+            <a:r>
+              <a:rPr lang="en-US" sz="2200" dirty="0" err="1">
+                <a:highlight>
+                  <a:srgbClr val="C0C0C0"/>
+                </a:highlight>
+                <a:latin typeface="Courier New" panose="02070309020205020404" pitchFamily="49" charset="0"/>
+                <a:cs typeface="Courier New" panose="02070309020205020404" pitchFamily="49" charset="0"/>
+              </a:rPr>
+              <a:t>chr</a:t>
+            </a:r>
+            <a:r>
+              <a:rPr lang="en-US" sz="2200" dirty="0">
+                <a:highlight>
+                  <a:srgbClr val="C0C0C0"/>
+                </a:highlight>
+                <a:latin typeface="Courier New" panose="02070309020205020404" pitchFamily="49" charset="0"/>
+                <a:cs typeface="Courier New" panose="02070309020205020404" pitchFamily="49" charset="0"/>
+              </a:rPr>
+              <a:t>&gt;   &lt;</a:t>
+            </a:r>
+            <a:r>
+              <a:rPr lang="en-US" sz="2200" dirty="0" err="1">
+                <a:highlight>
+                  <a:srgbClr val="C0C0C0"/>
+                </a:highlight>
+                <a:latin typeface="Courier New" panose="02070309020205020404" pitchFamily="49" charset="0"/>
+                <a:cs typeface="Courier New" panose="02070309020205020404" pitchFamily="49" charset="0"/>
+              </a:rPr>
+              <a:t>chr</a:t>
+            </a:r>
+            <a:r>
+              <a:rPr lang="en-US" sz="2200" dirty="0">
+                <a:highlight>
+                  <a:srgbClr val="C0C0C0"/>
+                </a:highlight>
+                <a:latin typeface="Courier New" panose="02070309020205020404" pitchFamily="49" charset="0"/>
+                <a:cs typeface="Courier New" panose="02070309020205020404" pitchFamily="49" charset="0"/>
+              </a:rPr>
+              <a:t>&gt;      &lt;</a:t>
+            </a:r>
+            <a:r>
+              <a:rPr lang="en-US" sz="2200" dirty="0" err="1">
+                <a:highlight>
+                  <a:srgbClr val="C0C0C0"/>
+                </a:highlight>
+                <a:latin typeface="Courier New" panose="02070309020205020404" pitchFamily="49" charset="0"/>
+                <a:cs typeface="Courier New" panose="02070309020205020404" pitchFamily="49" charset="0"/>
+              </a:rPr>
+              <a:t>dbl</a:t>
+            </a:r>
+            <a:r>
+              <a:rPr lang="en-US" sz="2200" dirty="0">
+                <a:highlight>
+                  <a:srgbClr val="C0C0C0"/>
+                </a:highlight>
+                <a:latin typeface="Courier New" panose="02070309020205020404" pitchFamily="49" charset="0"/>
+                <a:cs typeface="Courier New" panose="02070309020205020404" pitchFamily="49" charset="0"/>
+              </a:rPr>
+              <a:t>&gt; &lt;int&gt;   &lt;</a:t>
+            </a:r>
+            <a:r>
+              <a:rPr lang="en-US" sz="2200" dirty="0" err="1">
+                <a:highlight>
+                  <a:srgbClr val="C0C0C0"/>
+                </a:highlight>
+                <a:latin typeface="Courier New" panose="02070309020205020404" pitchFamily="49" charset="0"/>
+                <a:cs typeface="Courier New" panose="02070309020205020404" pitchFamily="49" charset="0"/>
+              </a:rPr>
+              <a:t>dbl</a:t>
+            </a:r>
+            <a:r>
+              <a:rPr lang="en-US" sz="2200" dirty="0">
+                <a:highlight>
+                  <a:srgbClr val="C0C0C0"/>
+                </a:highlight>
+                <a:latin typeface="Courier New" panose="02070309020205020404" pitchFamily="49" charset="0"/>
+                <a:cs typeface="Courier New" panose="02070309020205020404" pitchFamily="49" charset="0"/>
+              </a:rPr>
+              <a:t>&gt;</a:t>
+            </a:r>
+          </a:p>
+          <a:p>
+            <a:pPr marL="0" indent="0">
+              <a:spcBef>
+                <a:spcPts val="0"/>
+              </a:spcBef>
+              <a:buNone/>
+            </a:pPr>
+            <a:r>
+              <a:rPr lang="en-US" sz="2200" dirty="0">
+                <a:highlight>
+                  <a:srgbClr val="C0C0C0"/>
+                </a:highlight>
+                <a:latin typeface="Courier New" panose="02070309020205020404" pitchFamily="49" charset="0"/>
+                <a:cs typeface="Courier New" panose="02070309020205020404" pitchFamily="49" charset="0"/>
+              </a:rPr>
+              <a:t>1        10 gaussian     </a:t>
+            </a:r>
+            <a:r>
+              <a:rPr lang="en-US" sz="2200" dirty="0" err="1">
+                <a:highlight>
+                  <a:srgbClr val="C0C0C0"/>
+                </a:highlight>
+                <a:latin typeface="Courier New" panose="02070309020205020404" pitchFamily="49" charset="0"/>
+                <a:cs typeface="Courier New" panose="02070309020205020404" pitchFamily="49" charset="0"/>
+              </a:rPr>
+              <a:t>roc_auc</a:t>
+            </a:r>
+            <a:r>
+              <a:rPr lang="en-US" sz="2200" dirty="0">
+                <a:highlight>
+                  <a:srgbClr val="C0C0C0"/>
+                </a:highlight>
+                <a:latin typeface="Courier New" panose="02070309020205020404" pitchFamily="49" charset="0"/>
+                <a:cs typeface="Courier New" panose="02070309020205020404" pitchFamily="49" charset="0"/>
+              </a:rPr>
+              <a:t> </a:t>
+            </a:r>
+            <a:r>
+              <a:rPr lang="en-US" sz="2200" dirty="0" err="1">
+                <a:highlight>
+                  <a:srgbClr val="C0C0C0"/>
+                </a:highlight>
+                <a:latin typeface="Courier New" panose="02070309020205020404" pitchFamily="49" charset="0"/>
+                <a:cs typeface="Courier New" panose="02070309020205020404" pitchFamily="49" charset="0"/>
+              </a:rPr>
+              <a:t>hand_till</a:t>
+            </a:r>
+            <a:r>
+              <a:rPr lang="en-US" sz="2200" dirty="0">
+                <a:highlight>
+                  <a:srgbClr val="C0C0C0"/>
+                </a:highlight>
+                <a:latin typeface="Courier New" panose="02070309020205020404" pitchFamily="49" charset="0"/>
+                <a:cs typeface="Courier New" panose="02070309020205020404" pitchFamily="49" charset="0"/>
+              </a:rPr>
+              <a:t>  0.602    10 0.00690</a:t>
+            </a:r>
+          </a:p>
+          <a:p>
+            <a:pPr marL="0" indent="0">
+              <a:spcBef>
+                <a:spcPts val="0"/>
+              </a:spcBef>
+              <a:buNone/>
+            </a:pPr>
+            <a:r>
+              <a:rPr lang="en-US" sz="2200" dirty="0">
+                <a:highlight>
+                  <a:srgbClr val="C0C0C0"/>
+                </a:highlight>
+                <a:latin typeface="Courier New" panose="02070309020205020404" pitchFamily="49" charset="0"/>
+                <a:cs typeface="Courier New" panose="02070309020205020404" pitchFamily="49" charset="0"/>
+              </a:rPr>
+              <a:t>2         8 gaussian     </a:t>
+            </a:r>
+            <a:r>
+              <a:rPr lang="en-US" sz="2200" dirty="0" err="1">
+                <a:highlight>
+                  <a:srgbClr val="C0C0C0"/>
+                </a:highlight>
+                <a:latin typeface="Courier New" panose="02070309020205020404" pitchFamily="49" charset="0"/>
+                <a:cs typeface="Courier New" panose="02070309020205020404" pitchFamily="49" charset="0"/>
+              </a:rPr>
+              <a:t>roc_auc</a:t>
+            </a:r>
+            <a:r>
+              <a:rPr lang="en-US" sz="2200" dirty="0">
+                <a:highlight>
+                  <a:srgbClr val="C0C0C0"/>
+                </a:highlight>
+                <a:latin typeface="Courier New" panose="02070309020205020404" pitchFamily="49" charset="0"/>
+                <a:cs typeface="Courier New" panose="02070309020205020404" pitchFamily="49" charset="0"/>
+              </a:rPr>
+              <a:t> </a:t>
+            </a:r>
+            <a:r>
+              <a:rPr lang="en-US" sz="2200" dirty="0" err="1">
+                <a:highlight>
+                  <a:srgbClr val="C0C0C0"/>
+                </a:highlight>
+                <a:latin typeface="Courier New" panose="02070309020205020404" pitchFamily="49" charset="0"/>
+                <a:cs typeface="Courier New" panose="02070309020205020404" pitchFamily="49" charset="0"/>
+              </a:rPr>
+              <a:t>hand_till</a:t>
+            </a:r>
+            <a:r>
+              <a:rPr lang="en-US" sz="2200" dirty="0">
+                <a:highlight>
+                  <a:srgbClr val="C0C0C0"/>
+                </a:highlight>
+                <a:latin typeface="Courier New" panose="02070309020205020404" pitchFamily="49" charset="0"/>
+                <a:cs typeface="Courier New" panose="02070309020205020404" pitchFamily="49" charset="0"/>
+              </a:rPr>
+              <a:t>  0.600    10 0.00681</a:t>
+            </a:r>
+          </a:p>
+          <a:p>
+            <a:pPr marL="0" indent="0">
+              <a:spcBef>
+                <a:spcPts val="0"/>
+              </a:spcBef>
+              <a:buNone/>
+            </a:pPr>
+            <a:r>
+              <a:rPr lang="en-US" sz="2200" dirty="0">
+                <a:highlight>
+                  <a:srgbClr val="C0C0C0"/>
+                </a:highlight>
+                <a:latin typeface="Courier New" panose="02070309020205020404" pitchFamily="49" charset="0"/>
+                <a:cs typeface="Courier New" panose="02070309020205020404" pitchFamily="49" charset="0"/>
+              </a:rPr>
+              <a:t>3        10 cos          </a:t>
+            </a:r>
+            <a:r>
+              <a:rPr lang="en-US" sz="2200" dirty="0" err="1">
+                <a:highlight>
+                  <a:srgbClr val="C0C0C0"/>
+                </a:highlight>
+                <a:latin typeface="Courier New" panose="02070309020205020404" pitchFamily="49" charset="0"/>
+                <a:cs typeface="Courier New" panose="02070309020205020404" pitchFamily="49" charset="0"/>
+              </a:rPr>
+              <a:t>roc_auc</a:t>
+            </a:r>
+            <a:r>
+              <a:rPr lang="en-US" sz="2200" dirty="0">
+                <a:highlight>
+                  <a:srgbClr val="C0C0C0"/>
+                </a:highlight>
+                <a:latin typeface="Courier New" panose="02070309020205020404" pitchFamily="49" charset="0"/>
+                <a:cs typeface="Courier New" panose="02070309020205020404" pitchFamily="49" charset="0"/>
+              </a:rPr>
+              <a:t> </a:t>
+            </a:r>
+            <a:r>
+              <a:rPr lang="en-US" sz="2200" dirty="0" err="1">
+                <a:highlight>
+                  <a:srgbClr val="C0C0C0"/>
+                </a:highlight>
+                <a:latin typeface="Courier New" panose="02070309020205020404" pitchFamily="49" charset="0"/>
+                <a:cs typeface="Courier New" panose="02070309020205020404" pitchFamily="49" charset="0"/>
+              </a:rPr>
+              <a:t>hand_till</a:t>
+            </a:r>
+            <a:r>
+              <a:rPr lang="en-US" sz="2200" dirty="0">
+                <a:highlight>
+                  <a:srgbClr val="C0C0C0"/>
+                </a:highlight>
+                <a:latin typeface="Courier New" panose="02070309020205020404" pitchFamily="49" charset="0"/>
+                <a:cs typeface="Courier New" panose="02070309020205020404" pitchFamily="49" charset="0"/>
+              </a:rPr>
+              <a:t>  0.600    10 0.00698</a:t>
+            </a:r>
+          </a:p>
+          <a:p>
+            <a:pPr marL="0" indent="0">
+              <a:spcBef>
+                <a:spcPts val="0"/>
+              </a:spcBef>
+              <a:buNone/>
+            </a:pPr>
+            <a:r>
+              <a:rPr lang="en-US" sz="2200" dirty="0">
+                <a:highlight>
+                  <a:srgbClr val="C0C0C0"/>
+                </a:highlight>
+                <a:latin typeface="Courier New" panose="02070309020205020404" pitchFamily="49" charset="0"/>
+                <a:cs typeface="Courier New" panose="02070309020205020404" pitchFamily="49" charset="0"/>
+              </a:rPr>
+              <a:t>4        10 </a:t>
+            </a:r>
+            <a:r>
+              <a:rPr lang="en-US" sz="2200" dirty="0" err="1">
+                <a:highlight>
+                  <a:srgbClr val="C0C0C0"/>
+                </a:highlight>
+                <a:latin typeface="Courier New" panose="02070309020205020404" pitchFamily="49" charset="0"/>
+                <a:cs typeface="Courier New" panose="02070309020205020404" pitchFamily="49" charset="0"/>
+              </a:rPr>
+              <a:t>epanechnikov</a:t>
+            </a:r>
+            <a:r>
+              <a:rPr lang="en-US" sz="2200" dirty="0">
+                <a:highlight>
+                  <a:srgbClr val="C0C0C0"/>
+                </a:highlight>
+                <a:latin typeface="Courier New" panose="02070309020205020404" pitchFamily="49" charset="0"/>
+                <a:cs typeface="Courier New" panose="02070309020205020404" pitchFamily="49" charset="0"/>
+              </a:rPr>
+              <a:t> </a:t>
+            </a:r>
+            <a:r>
+              <a:rPr lang="en-US" sz="2200" dirty="0" err="1">
+                <a:highlight>
+                  <a:srgbClr val="C0C0C0"/>
+                </a:highlight>
+                <a:latin typeface="Courier New" panose="02070309020205020404" pitchFamily="49" charset="0"/>
+                <a:cs typeface="Courier New" panose="02070309020205020404" pitchFamily="49" charset="0"/>
+              </a:rPr>
+              <a:t>roc_auc</a:t>
+            </a:r>
+            <a:r>
+              <a:rPr lang="en-US" sz="2200" dirty="0">
+                <a:highlight>
+                  <a:srgbClr val="C0C0C0"/>
+                </a:highlight>
+                <a:latin typeface="Courier New" panose="02070309020205020404" pitchFamily="49" charset="0"/>
+                <a:cs typeface="Courier New" panose="02070309020205020404" pitchFamily="49" charset="0"/>
+              </a:rPr>
+              <a:t> </a:t>
+            </a:r>
+            <a:r>
+              <a:rPr lang="en-US" sz="2200" dirty="0" err="1">
+                <a:highlight>
+                  <a:srgbClr val="C0C0C0"/>
+                </a:highlight>
+                <a:latin typeface="Courier New" panose="02070309020205020404" pitchFamily="49" charset="0"/>
+                <a:cs typeface="Courier New" panose="02070309020205020404" pitchFamily="49" charset="0"/>
+              </a:rPr>
+              <a:t>hand_till</a:t>
+            </a:r>
+            <a:r>
+              <a:rPr lang="en-US" sz="2200" dirty="0">
+                <a:highlight>
+                  <a:srgbClr val="C0C0C0"/>
+                </a:highlight>
+                <a:latin typeface="Courier New" panose="02070309020205020404" pitchFamily="49" charset="0"/>
+                <a:cs typeface="Courier New" panose="02070309020205020404" pitchFamily="49" charset="0"/>
+              </a:rPr>
+              <a:t>  0.600    10 0.00699</a:t>
+            </a:r>
+          </a:p>
+          <a:p>
+            <a:pPr marL="0" indent="0">
+              <a:spcBef>
+                <a:spcPts val="0"/>
+              </a:spcBef>
+              <a:buNone/>
+            </a:pPr>
+            <a:r>
+              <a:rPr lang="en-US" sz="2200" dirty="0">
+                <a:highlight>
+                  <a:srgbClr val="C0C0C0"/>
+                </a:highlight>
+                <a:latin typeface="Courier New" panose="02070309020205020404" pitchFamily="49" charset="0"/>
+                <a:cs typeface="Courier New" panose="02070309020205020404" pitchFamily="49" charset="0"/>
+              </a:rPr>
+              <a:t>5        10 rank         </a:t>
+            </a:r>
+            <a:r>
+              <a:rPr lang="en-US" sz="2200" dirty="0" err="1">
+                <a:highlight>
+                  <a:srgbClr val="C0C0C0"/>
+                </a:highlight>
+                <a:latin typeface="Courier New" panose="02070309020205020404" pitchFamily="49" charset="0"/>
+                <a:cs typeface="Courier New" panose="02070309020205020404" pitchFamily="49" charset="0"/>
+              </a:rPr>
+              <a:t>roc_auc</a:t>
+            </a:r>
+            <a:r>
+              <a:rPr lang="en-US" sz="2200" dirty="0">
+                <a:highlight>
+                  <a:srgbClr val="C0C0C0"/>
+                </a:highlight>
+                <a:latin typeface="Courier New" panose="02070309020205020404" pitchFamily="49" charset="0"/>
+                <a:cs typeface="Courier New" panose="02070309020205020404" pitchFamily="49" charset="0"/>
+              </a:rPr>
+              <a:t> </a:t>
+            </a:r>
+            <a:r>
+              <a:rPr lang="en-US" sz="2200" dirty="0" err="1">
+                <a:highlight>
+                  <a:srgbClr val="C0C0C0"/>
+                </a:highlight>
+                <a:latin typeface="Courier New" panose="02070309020205020404" pitchFamily="49" charset="0"/>
+                <a:cs typeface="Courier New" panose="02070309020205020404" pitchFamily="49" charset="0"/>
+              </a:rPr>
+              <a:t>hand_till</a:t>
+            </a:r>
+            <a:r>
+              <a:rPr lang="en-US" sz="2200" dirty="0">
+                <a:highlight>
+                  <a:srgbClr val="C0C0C0"/>
+                </a:highlight>
+                <a:latin typeface="Courier New" panose="02070309020205020404" pitchFamily="49" charset="0"/>
+                <a:cs typeface="Courier New" panose="02070309020205020404" pitchFamily="49" charset="0"/>
+              </a:rPr>
+              <a:t>  0.600    10 0.00687</a:t>
+            </a:r>
           </a:p>
         </p:txBody>
       </p:sp>
@@ -30084,12 +30232,179 @@
           </a:p>
         </p:txBody>
       </p:sp>
+    </p:spTree>
+    <p:extLst>
+      <p:ext uri="{BB962C8B-B14F-4D97-AF65-F5344CB8AC3E}">
+        <p14:creationId xmlns:p14="http://schemas.microsoft.com/office/powerpoint/2010/main" val="4210069212"/>
+      </p:ext>
+    </p:extLst>
+  </p:cSld>
+  <p:clrMapOvr>
+    <a:masterClrMapping/>
+  </p:clrMapOvr>
+</p:sld>
+</file>
+
+<file path=ppt/slides/slide59.xml><?xml version="1.0" encoding="utf-8"?>
+<p:sld xmlns:a="http://schemas.openxmlformats.org/drawingml/2006/main" xmlns:r="http://schemas.openxmlformats.org/officeDocument/2006/relationships" xmlns:p="http://schemas.openxmlformats.org/presentationml/2006/main">
+  <p:cSld>
+    <p:spTree>
+      <p:nvGrpSpPr>
+        <p:cNvPr id="1" name=""/>
+        <p:cNvGrpSpPr/>
+        <p:nvPr/>
+      </p:nvGrpSpPr>
+      <p:grpSpPr>
+        <a:xfrm>
+          <a:off x="0" y="0"/>
+          <a:ext cx="0" cy="0"/>
+          <a:chOff x="0" y="0"/>
+          <a:chExt cx="0" cy="0"/>
+        </a:xfrm>
+      </p:grpSpPr>
+      <p:sp>
+        <p:nvSpPr>
+          <p:cNvPr id="3" name="Content Placeholder 2">
+            <a:extLst>
+              <a:ext uri="{FF2B5EF4-FFF2-40B4-BE49-F238E27FC236}">
+                <a16:creationId xmlns:a16="http://schemas.microsoft.com/office/drawing/2014/main" id="{DB7474A6-12B8-4D5A-9967-966A564A53D6}"/>
+              </a:ext>
+            </a:extLst>
+          </p:cNvPr>
+          <p:cNvSpPr>
+            <a:spLocks noGrp="1"/>
+          </p:cNvSpPr>
+          <p:nvPr>
+            <p:ph idx="1"/>
+          </p:nvPr>
+        </p:nvSpPr>
+        <p:spPr>
+          <a:xfrm>
+            <a:off x="214313" y="264319"/>
+            <a:ext cx="11139487" cy="6272212"/>
+          </a:xfrm>
+        </p:spPr>
+        <p:txBody>
+          <a:bodyPr>
+            <a:normAutofit/>
+          </a:bodyPr>
+          <a:lstStyle/>
+          <a:p>
+            <a:pPr marL="0" indent="0">
+              <a:buNone/>
+            </a:pPr>
+            <a:r>
+              <a:rPr lang="en-US" sz="2200" dirty="0" err="1">
+                <a:latin typeface="Courier New" panose="02070309020205020404" pitchFamily="49" charset="0"/>
+                <a:cs typeface="Courier New" panose="02070309020205020404" pitchFamily="49" charset="0"/>
+              </a:rPr>
+              <a:t>knn_clas_res</a:t>
+            </a:r>
+            <a:r>
+              <a:rPr lang="en-US" sz="2200" dirty="0">
+                <a:latin typeface="Courier New" panose="02070309020205020404" pitchFamily="49" charset="0"/>
+                <a:cs typeface="Courier New" panose="02070309020205020404" pitchFamily="49" charset="0"/>
+              </a:rPr>
+              <a:t> %&gt;% </a:t>
+            </a:r>
+          </a:p>
+          <a:p>
+            <a:pPr marL="0" indent="0">
+              <a:buNone/>
+            </a:pPr>
+            <a:r>
+              <a:rPr lang="en-US" sz="2200" dirty="0">
+                <a:latin typeface="Courier New" panose="02070309020205020404" pitchFamily="49" charset="0"/>
+                <a:cs typeface="Courier New" panose="02070309020205020404" pitchFamily="49" charset="0"/>
+              </a:rPr>
+              <a:t>  </a:t>
+            </a:r>
+            <a:r>
+              <a:rPr lang="en-US" sz="2200" dirty="0" err="1">
+                <a:latin typeface="Courier New" panose="02070309020205020404" pitchFamily="49" charset="0"/>
+                <a:cs typeface="Courier New" panose="02070309020205020404" pitchFamily="49" charset="0"/>
+              </a:rPr>
+              <a:t>autoplot</a:t>
+            </a:r>
+            <a:r>
+              <a:rPr lang="en-US" sz="2200" dirty="0">
+                <a:latin typeface="Courier New" panose="02070309020205020404" pitchFamily="49" charset="0"/>
+                <a:cs typeface="Courier New" panose="02070309020205020404" pitchFamily="49" charset="0"/>
+              </a:rPr>
+              <a:t>(metric = "</a:t>
+            </a:r>
+            <a:r>
+              <a:rPr lang="en-US" sz="2200" dirty="0" err="1">
+                <a:latin typeface="Courier New" panose="02070309020205020404" pitchFamily="49" charset="0"/>
+                <a:cs typeface="Courier New" panose="02070309020205020404" pitchFamily="49" charset="0"/>
+              </a:rPr>
+              <a:t>roc_auc</a:t>
+            </a:r>
+            <a:r>
+              <a:rPr lang="en-US" sz="2200" dirty="0">
+                <a:latin typeface="Courier New" panose="02070309020205020404" pitchFamily="49" charset="0"/>
+                <a:cs typeface="Courier New" panose="02070309020205020404" pitchFamily="49" charset="0"/>
+              </a:rPr>
+              <a:t>")</a:t>
+            </a:r>
+            <a:endParaRPr lang="en-US" sz="2200" dirty="0">
+              <a:highlight>
+                <a:srgbClr val="C0C0C0"/>
+              </a:highlight>
+              <a:latin typeface="Courier New" panose="02070309020205020404" pitchFamily="49" charset="0"/>
+              <a:cs typeface="Courier New" panose="02070309020205020404" pitchFamily="49" charset="0"/>
+            </a:endParaRPr>
+          </a:p>
+        </p:txBody>
+      </p:sp>
+      <p:sp>
+        <p:nvSpPr>
+          <p:cNvPr id="4" name="Slide Number Placeholder 3">
+            <a:extLst>
+              <a:ext uri="{FF2B5EF4-FFF2-40B4-BE49-F238E27FC236}">
+                <a16:creationId xmlns:a16="http://schemas.microsoft.com/office/drawing/2014/main" id="{37125842-965B-46C4-989A-7782CC7BB415}"/>
+              </a:ext>
+            </a:extLst>
+          </p:cNvPr>
+          <p:cNvSpPr>
+            <a:spLocks noGrp="1"/>
+          </p:cNvSpPr>
+          <p:nvPr>
+            <p:ph type="sldNum" sz="quarter" idx="12"/>
+          </p:nvPr>
+        </p:nvSpPr>
+        <p:spPr/>
+        <p:txBody>
+          <a:bodyPr/>
+          <a:lstStyle/>
+          <a:p>
+            <a:fld id="{1FD78A80-B303-491C-AEE7-8281801B0C65}" type="slidenum">
+              <a:rPr lang="en-US" smtClean="0">
+                <a:solidFill>
+                  <a:prstClr val="black">
+                    <a:tint val="75000"/>
+                  </a:prstClr>
+                </a:solidFill>
+              </a:rPr>
+              <a:pPr/>
+              <a:t>59</a:t>
+            </a:fld>
+            <a:endParaRPr lang="en-US">
+              <a:solidFill>
+                <a:prstClr val="black">
+                  <a:tint val="75000"/>
+                </a:prstClr>
+              </a:solidFill>
+            </a:endParaRPr>
+          </a:p>
+        </p:txBody>
+      </p:sp>
       <p:pic>
         <p:nvPicPr>
-          <p:cNvPr id="2" name="Picture 1">
+          <p:cNvPr id="5" name="Picture 4">
             <a:extLst>
               <a:ext uri="{FF2B5EF4-FFF2-40B4-BE49-F238E27FC236}">
-                <a16:creationId xmlns:a16="http://schemas.microsoft.com/office/drawing/2014/main" id="{D3EC4389-0FBF-49CA-90CD-CBAFD8D992B4}"/>
+                <a16:creationId xmlns:a16="http://schemas.microsoft.com/office/drawing/2014/main" id="{3313447A-9C93-4F4B-8E8C-155A8CF4DE41}"/>
               </a:ext>
             </a:extLst>
           </p:cNvPr>
@@ -30106,8 +30421,8 @@
         </p:blipFill>
         <p:spPr>
           <a:xfrm>
-            <a:off x="1179538" y="1769570"/>
-            <a:ext cx="8200813" cy="5016829"/>
+            <a:off x="3657600" y="3108960"/>
+            <a:ext cx="7426036" cy="3657600"/>
           </a:xfrm>
           <a:prstGeom prst="rect">
             <a:avLst/>
@@ -30118,209 +30433,6 @@
     <p:extLst>
       <p:ext uri="{BB962C8B-B14F-4D97-AF65-F5344CB8AC3E}">
         <p14:creationId xmlns:p14="http://schemas.microsoft.com/office/powerpoint/2010/main" val="2175719103"/>
-      </p:ext>
-    </p:extLst>
-  </p:cSld>
-  <p:clrMapOvr>
-    <a:masterClrMapping/>
-  </p:clrMapOvr>
-</p:sld>
-</file>
-
-<file path=ppt/slides/slide59.xml><?xml version="1.0" encoding="utf-8"?>
-<p:sld xmlns:a="http://schemas.openxmlformats.org/drawingml/2006/main" xmlns:r="http://schemas.openxmlformats.org/officeDocument/2006/relationships" xmlns:p="http://schemas.openxmlformats.org/presentationml/2006/main">
-  <p:cSld>
-    <p:bg>
-      <p:bgPr>
-        <a:solidFill>
-          <a:schemeClr val="accent1">
-            <a:lumMod val="50000"/>
-          </a:schemeClr>
-        </a:solidFill>
-        <a:effectLst/>
-      </p:bgPr>
-    </p:bg>
-    <p:spTree>
-      <p:nvGrpSpPr>
-        <p:cNvPr id="1" name=""/>
-        <p:cNvGrpSpPr/>
-        <p:nvPr/>
-      </p:nvGrpSpPr>
-      <p:grpSpPr>
-        <a:xfrm>
-          <a:off x="0" y="0"/>
-          <a:ext cx="0" cy="0"/>
-          <a:chOff x="0" y="0"/>
-          <a:chExt cx="0" cy="0"/>
-        </a:xfrm>
-      </p:grpSpPr>
-      <p:sp>
-        <p:nvSpPr>
-          <p:cNvPr id="2" name="Title 1"/>
-          <p:cNvSpPr>
-            <a:spLocks noGrp="1"/>
-          </p:cNvSpPr>
-          <p:nvPr>
-            <p:ph type="ctrTitle"/>
-          </p:nvPr>
-        </p:nvSpPr>
-        <p:spPr/>
-        <p:txBody>
-          <a:bodyPr>
-            <a:normAutofit/>
-          </a:bodyPr>
-          <a:lstStyle/>
-          <a:p>
-            <a:pPr algn="l"/>
-            <a:r>
-              <a:rPr lang="en-US" sz="5000" i="1" dirty="0">
-                <a:solidFill>
-                  <a:schemeClr val="bg1"/>
-                </a:solidFill>
-                <a:cs typeface="Courier New" panose="02070309020205020404" pitchFamily="49" charset="0"/>
-              </a:rPr>
-              <a:t>K</a:t>
-            </a:r>
-            <a:r>
-              <a:rPr lang="en-US" sz="5000" dirty="0">
-                <a:solidFill>
-                  <a:schemeClr val="bg1"/>
-                </a:solidFill>
-                <a:cs typeface="Courier New" panose="02070309020205020404" pitchFamily="49" charset="0"/>
-              </a:rPr>
-              <a:t>NN for Imputation</a:t>
-            </a:r>
-          </a:p>
-        </p:txBody>
-      </p:sp>
-      <p:sp>
-        <p:nvSpPr>
-          <p:cNvPr id="4" name="Slide Number Placeholder 3"/>
-          <p:cNvSpPr>
-            <a:spLocks noGrp="1"/>
-          </p:cNvSpPr>
-          <p:nvPr>
-            <p:ph type="sldNum" sz="quarter" idx="12"/>
-          </p:nvPr>
-        </p:nvSpPr>
-        <p:spPr/>
-        <p:txBody>
-          <a:bodyPr/>
-          <a:lstStyle/>
-          <a:p>
-            <a:pPr marL="0" marR="0" lvl="0" indent="0" algn="r" defTabSz="914400" rtl="0" eaLnBrk="1" fontAlgn="auto" latinLnBrk="0" hangingPunct="1">
-              <a:lnSpc>
-                <a:spcPct val="100000"/>
-              </a:lnSpc>
-              <a:spcBef>
-                <a:spcPts val="0"/>
-              </a:spcBef>
-              <a:spcAft>
-                <a:spcPts val="0"/>
-              </a:spcAft>
-              <a:buClrTx/>
-              <a:buSzTx/>
-              <a:buFontTx/>
-              <a:buNone/>
-              <a:tabLst/>
-              <a:defRPr/>
-            </a:pPr>
-            <a:fld id="{1FD78A80-B303-491C-AEE7-8281801B0C65}" type="slidenum">
-              <a:rPr kumimoji="0" lang="en-US" sz="1200" b="0" i="0" u="none" strike="noStrike" kern="1200" cap="none" spc="0" normalizeH="0" baseline="0" noProof="0" smtClean="0">
-                <a:ln>
-                  <a:noFill/>
-                </a:ln>
-                <a:solidFill>
-                  <a:prstClr val="black">
-                    <a:tint val="75000"/>
-                  </a:prstClr>
-                </a:solidFill>
-                <a:effectLst/>
-                <a:uLnTx/>
-                <a:uFillTx/>
-                <a:latin typeface="Calibri" panose="020F0502020204030204"/>
-                <a:ea typeface="+mn-ea"/>
-                <a:cs typeface="+mn-cs"/>
-              </a:rPr>
-              <a:pPr marL="0" marR="0" lvl="0" indent="0" algn="r" defTabSz="914400" rtl="0" eaLnBrk="1" fontAlgn="auto" latinLnBrk="0" hangingPunct="1">
-                <a:lnSpc>
-                  <a:spcPct val="100000"/>
-                </a:lnSpc>
-                <a:spcBef>
-                  <a:spcPts val="0"/>
-                </a:spcBef>
-                <a:spcAft>
-                  <a:spcPts val="0"/>
-                </a:spcAft>
-                <a:buClrTx/>
-                <a:buSzTx/>
-                <a:buFontTx/>
-                <a:buNone/>
-                <a:tabLst/>
-                <a:defRPr/>
-              </a:pPr>
-              <a:t>59</a:t>
-            </a:fld>
-            <a:endParaRPr kumimoji="0" lang="en-US" sz="1200" b="0" i="0" u="none" strike="noStrike" kern="1200" cap="none" spc="0" normalizeH="0" baseline="0" noProof="0">
-              <a:ln>
-                <a:noFill/>
-              </a:ln>
-              <a:solidFill>
-                <a:prstClr val="black">
-                  <a:tint val="75000"/>
-                </a:prstClr>
-              </a:solidFill>
-              <a:effectLst/>
-              <a:uLnTx/>
-              <a:uFillTx/>
-              <a:latin typeface="Calibri" panose="020F0502020204030204"/>
-              <a:ea typeface="+mn-ea"/>
-              <a:cs typeface="+mn-cs"/>
-            </a:endParaRPr>
-          </a:p>
-        </p:txBody>
-      </p:sp>
-      <p:sp>
-        <p:nvSpPr>
-          <p:cNvPr id="5" name="Subtitle 2">
-            <a:extLst>
-              <a:ext uri="{FF2B5EF4-FFF2-40B4-BE49-F238E27FC236}">
-                <a16:creationId xmlns:a16="http://schemas.microsoft.com/office/drawing/2014/main" id="{331AC185-0241-4028-A8D3-0CE4F5F48BB6}"/>
-              </a:ext>
-            </a:extLst>
-          </p:cNvPr>
-          <p:cNvSpPr>
-            <a:spLocks noGrp="1"/>
-          </p:cNvSpPr>
-          <p:nvPr>
-            <p:ph type="subTitle" idx="1"/>
-          </p:nvPr>
-        </p:nvSpPr>
-        <p:spPr>
-          <a:xfrm>
-            <a:off x="1524000" y="3602038"/>
-            <a:ext cx="9144000" cy="1655762"/>
-          </a:xfrm>
-        </p:spPr>
-        <p:txBody>
-          <a:bodyPr>
-            <a:normAutofit/>
-          </a:bodyPr>
-          <a:lstStyle/>
-          <a:p>
-            <a:pPr algn="l"/>
-            <a:endParaRPr lang="en-US" dirty="0">
-              <a:solidFill>
-                <a:schemeClr val="bg1"/>
-              </a:solidFill>
-            </a:endParaRPr>
-          </a:p>
-        </p:txBody>
-      </p:sp>
-    </p:spTree>
-    <p:extLst>
-      <p:ext uri="{BB962C8B-B14F-4D97-AF65-F5344CB8AC3E}">
-        <p14:creationId xmlns:p14="http://schemas.microsoft.com/office/powerpoint/2010/main" val="3931660025"/>
       </p:ext>
     </p:extLst>
   </p:cSld>
@@ -30608,6 +30720,1523 @@
           <p:cNvPr id="2" name="Title 1">
             <a:extLst>
               <a:ext uri="{FF2B5EF4-FFF2-40B4-BE49-F238E27FC236}">
+                <a16:creationId xmlns:a16="http://schemas.microsoft.com/office/drawing/2014/main" id="{C028E0C4-4EA9-440A-A54B-ABB1A77FE8E9}"/>
+              </a:ext>
+            </a:extLst>
+          </p:cNvPr>
+          <p:cNvSpPr>
+            <a:spLocks noGrp="1"/>
+          </p:cNvSpPr>
+          <p:nvPr>
+            <p:ph type="title"/>
+          </p:nvPr>
+        </p:nvSpPr>
+        <p:spPr>
+          <a:xfrm>
+            <a:off x="838200" y="0"/>
+            <a:ext cx="10515600" cy="1325563"/>
+          </a:xfrm>
+        </p:spPr>
+        <p:txBody>
+          <a:bodyPr/>
+          <a:lstStyle/>
+          <a:p>
+            <a:r>
+              <a:rPr lang="en-US" dirty="0"/>
+              <a:t>Final Fit</a:t>
+            </a:r>
+          </a:p>
+        </p:txBody>
+      </p:sp>
+      <p:sp>
+        <p:nvSpPr>
+          <p:cNvPr id="3" name="Content Placeholder 2">
+            <a:extLst>
+              <a:ext uri="{FF2B5EF4-FFF2-40B4-BE49-F238E27FC236}">
+                <a16:creationId xmlns:a16="http://schemas.microsoft.com/office/drawing/2014/main" id="{68C92AE1-9FAA-4953-81CA-B8A29B73283E}"/>
+              </a:ext>
+            </a:extLst>
+          </p:cNvPr>
+          <p:cNvSpPr>
+            <a:spLocks noGrp="1"/>
+          </p:cNvSpPr>
+          <p:nvPr>
+            <p:ph idx="1"/>
+          </p:nvPr>
+        </p:nvSpPr>
+        <p:spPr>
+          <a:xfrm>
+            <a:off x="838200" y="964247"/>
+            <a:ext cx="10515600" cy="5757228"/>
+          </a:xfrm>
+        </p:spPr>
+        <p:txBody>
+          <a:bodyPr>
+            <a:noAutofit/>
+          </a:bodyPr>
+          <a:lstStyle/>
+          <a:p>
+            <a:pPr marL="0" indent="0">
+              <a:spcBef>
+                <a:spcPts val="0"/>
+              </a:spcBef>
+              <a:buNone/>
+            </a:pPr>
+            <a:r>
+              <a:rPr lang="en-US" sz="1600" dirty="0">
+                <a:solidFill>
+                  <a:schemeClr val="bg1">
+                    <a:lumMod val="65000"/>
+                  </a:schemeClr>
+                </a:solidFill>
+                <a:latin typeface="Courier New" panose="02070309020205020404" pitchFamily="49" charset="0"/>
+                <a:cs typeface="Courier New" panose="02070309020205020404" pitchFamily="49" charset="0"/>
+              </a:rPr>
+              <a:t># Select best tuning parameters</a:t>
+            </a:r>
+          </a:p>
+          <a:p>
+            <a:pPr marL="0" indent="0">
+              <a:spcBef>
+                <a:spcPts val="0"/>
+              </a:spcBef>
+              <a:buNone/>
+            </a:pPr>
+            <a:r>
+              <a:rPr lang="en-US" sz="1600" dirty="0" err="1">
+                <a:latin typeface="Courier New" panose="02070309020205020404" pitchFamily="49" charset="0"/>
+                <a:cs typeface="Courier New" panose="02070309020205020404" pitchFamily="49" charset="0"/>
+              </a:rPr>
+              <a:t>knn_reg_best</a:t>
+            </a:r>
+            <a:r>
+              <a:rPr lang="en-US" sz="1600" dirty="0">
+                <a:latin typeface="Courier New" panose="02070309020205020404" pitchFamily="49" charset="0"/>
+                <a:cs typeface="Courier New" panose="02070309020205020404" pitchFamily="49" charset="0"/>
+              </a:rPr>
+              <a:t> &lt;- </a:t>
+            </a:r>
+            <a:r>
+              <a:rPr lang="en-US" sz="1600" dirty="0" err="1">
+                <a:latin typeface="Courier New" panose="02070309020205020404" pitchFamily="49" charset="0"/>
+                <a:cs typeface="Courier New" panose="02070309020205020404" pitchFamily="49" charset="0"/>
+              </a:rPr>
+              <a:t>knn_reg_res</a:t>
+            </a:r>
+            <a:r>
+              <a:rPr lang="en-US" sz="1600" dirty="0">
+                <a:latin typeface="Courier New" panose="02070309020205020404" pitchFamily="49" charset="0"/>
+                <a:cs typeface="Courier New" panose="02070309020205020404" pitchFamily="49" charset="0"/>
+              </a:rPr>
+              <a:t> %&gt;%</a:t>
+            </a:r>
+          </a:p>
+          <a:p>
+            <a:pPr marL="0" indent="0">
+              <a:spcBef>
+                <a:spcPts val="0"/>
+              </a:spcBef>
+              <a:buNone/>
+            </a:pPr>
+            <a:r>
+              <a:rPr lang="en-US" sz="1600" dirty="0">
+                <a:latin typeface="Courier New" panose="02070309020205020404" pitchFamily="49" charset="0"/>
+                <a:cs typeface="Courier New" panose="02070309020205020404" pitchFamily="49" charset="0"/>
+              </a:rPr>
+              <a:t>  </a:t>
+            </a:r>
+            <a:r>
+              <a:rPr lang="en-US" sz="1600" dirty="0" err="1">
+                <a:solidFill>
+                  <a:srgbClr val="00B0F0"/>
+                </a:solidFill>
+                <a:latin typeface="Courier New" panose="02070309020205020404" pitchFamily="49" charset="0"/>
+                <a:cs typeface="Courier New" panose="02070309020205020404" pitchFamily="49" charset="0"/>
+              </a:rPr>
+              <a:t>select_best</a:t>
+            </a:r>
+            <a:r>
+              <a:rPr lang="en-US" sz="1600" dirty="0">
+                <a:latin typeface="Courier New" panose="02070309020205020404" pitchFamily="49" charset="0"/>
+                <a:cs typeface="Courier New" panose="02070309020205020404" pitchFamily="49" charset="0"/>
+              </a:rPr>
+              <a:t>(metric = "</a:t>
+            </a:r>
+            <a:r>
+              <a:rPr lang="en-US" sz="1600" dirty="0" err="1">
+                <a:latin typeface="Courier New" panose="02070309020205020404" pitchFamily="49" charset="0"/>
+                <a:cs typeface="Courier New" panose="02070309020205020404" pitchFamily="49" charset="0"/>
+              </a:rPr>
+              <a:t>roc_auc</a:t>
+            </a:r>
+            <a:r>
+              <a:rPr lang="en-US" sz="1600" dirty="0">
+                <a:latin typeface="Courier New" panose="02070309020205020404" pitchFamily="49" charset="0"/>
+                <a:cs typeface="Courier New" panose="02070309020205020404" pitchFamily="49" charset="0"/>
+              </a:rPr>
+              <a:t>")</a:t>
+            </a:r>
+          </a:p>
+          <a:p>
+            <a:pPr marL="0" indent="0">
+              <a:spcBef>
+                <a:spcPts val="0"/>
+              </a:spcBef>
+              <a:buNone/>
+            </a:pPr>
+            <a:endParaRPr lang="en-US" sz="1600" dirty="0">
+              <a:latin typeface="Courier New" panose="02070309020205020404" pitchFamily="49" charset="0"/>
+              <a:cs typeface="Courier New" panose="02070309020205020404" pitchFamily="49" charset="0"/>
+            </a:endParaRPr>
+          </a:p>
+          <a:p>
+            <a:pPr marL="0" indent="0">
+              <a:spcBef>
+                <a:spcPts val="0"/>
+              </a:spcBef>
+              <a:buNone/>
+            </a:pPr>
+            <a:r>
+              <a:rPr lang="en-US" sz="1600" dirty="0">
+                <a:solidFill>
+                  <a:schemeClr val="bg1">
+                    <a:lumMod val="65000"/>
+                  </a:schemeClr>
+                </a:solidFill>
+                <a:latin typeface="Courier New" panose="02070309020205020404" pitchFamily="49" charset="0"/>
+                <a:cs typeface="Courier New" panose="02070309020205020404" pitchFamily="49" charset="0"/>
+              </a:rPr>
+              <a:t># Finalize your model using the best tuning parameters</a:t>
+            </a:r>
+          </a:p>
+          <a:p>
+            <a:pPr marL="0" indent="0">
+              <a:spcBef>
+                <a:spcPts val="0"/>
+              </a:spcBef>
+              <a:buNone/>
+            </a:pPr>
+            <a:r>
+              <a:rPr lang="en-US" sz="1600" dirty="0" err="1">
+                <a:latin typeface="Courier New" panose="02070309020205020404" pitchFamily="49" charset="0"/>
+                <a:cs typeface="Courier New" panose="02070309020205020404" pitchFamily="49" charset="0"/>
+              </a:rPr>
+              <a:t>knn_reg_mod_final</a:t>
+            </a:r>
+            <a:r>
+              <a:rPr lang="en-US" sz="1600" dirty="0">
+                <a:latin typeface="Courier New" panose="02070309020205020404" pitchFamily="49" charset="0"/>
+                <a:cs typeface="Courier New" panose="02070309020205020404" pitchFamily="49" charset="0"/>
+              </a:rPr>
+              <a:t> &lt;- </a:t>
+            </a:r>
+            <a:r>
+              <a:rPr lang="en-US" sz="1600" dirty="0" err="1">
+                <a:latin typeface="Courier New" panose="02070309020205020404" pitchFamily="49" charset="0"/>
+                <a:cs typeface="Courier New" panose="02070309020205020404" pitchFamily="49" charset="0"/>
+              </a:rPr>
+              <a:t>knn_reg_mod</a:t>
+            </a:r>
+            <a:r>
+              <a:rPr lang="en-US" sz="1600" dirty="0">
+                <a:latin typeface="Courier New" panose="02070309020205020404" pitchFamily="49" charset="0"/>
+                <a:cs typeface="Courier New" panose="02070309020205020404" pitchFamily="49" charset="0"/>
+              </a:rPr>
+              <a:t> %&gt;%</a:t>
+            </a:r>
+          </a:p>
+          <a:p>
+            <a:pPr marL="0" indent="0">
+              <a:spcBef>
+                <a:spcPts val="0"/>
+              </a:spcBef>
+              <a:buNone/>
+            </a:pPr>
+            <a:r>
+              <a:rPr lang="en-US" sz="1600" dirty="0">
+                <a:latin typeface="Courier New" panose="02070309020205020404" pitchFamily="49" charset="0"/>
+                <a:cs typeface="Courier New" panose="02070309020205020404" pitchFamily="49" charset="0"/>
+              </a:rPr>
+              <a:t>  </a:t>
+            </a:r>
+            <a:r>
+              <a:rPr lang="en-US" sz="1600" dirty="0" err="1">
+                <a:solidFill>
+                  <a:srgbClr val="00B0F0"/>
+                </a:solidFill>
+                <a:latin typeface="Courier New" panose="02070309020205020404" pitchFamily="49" charset="0"/>
+                <a:cs typeface="Courier New" panose="02070309020205020404" pitchFamily="49" charset="0"/>
+              </a:rPr>
+              <a:t>finalize_model</a:t>
+            </a:r>
+            <a:r>
+              <a:rPr lang="en-US" sz="1600" dirty="0">
+                <a:latin typeface="Courier New" panose="02070309020205020404" pitchFamily="49" charset="0"/>
+                <a:cs typeface="Courier New" panose="02070309020205020404" pitchFamily="49" charset="0"/>
+              </a:rPr>
+              <a:t>(</a:t>
+            </a:r>
+            <a:r>
+              <a:rPr lang="en-US" sz="1600" dirty="0" err="1">
+                <a:latin typeface="Courier New" panose="02070309020205020404" pitchFamily="49" charset="0"/>
+                <a:cs typeface="Courier New" panose="02070309020205020404" pitchFamily="49" charset="0"/>
+              </a:rPr>
+              <a:t>knn_reg_best</a:t>
+            </a:r>
+            <a:r>
+              <a:rPr lang="en-US" sz="1600" dirty="0">
+                <a:latin typeface="Courier New" panose="02070309020205020404" pitchFamily="49" charset="0"/>
+                <a:cs typeface="Courier New" panose="02070309020205020404" pitchFamily="49" charset="0"/>
+              </a:rPr>
+              <a:t>) </a:t>
+            </a:r>
+          </a:p>
+          <a:p>
+            <a:pPr marL="0" indent="0">
+              <a:spcBef>
+                <a:spcPts val="0"/>
+              </a:spcBef>
+              <a:buNone/>
+            </a:pPr>
+            <a:endParaRPr lang="en-US" sz="1600" dirty="0">
+              <a:latin typeface="Courier New" panose="02070309020205020404" pitchFamily="49" charset="0"/>
+              <a:cs typeface="Courier New" panose="02070309020205020404" pitchFamily="49" charset="0"/>
+            </a:endParaRPr>
+          </a:p>
+          <a:p>
+            <a:pPr marL="0" indent="0">
+              <a:spcBef>
+                <a:spcPts val="0"/>
+              </a:spcBef>
+              <a:buNone/>
+            </a:pPr>
+            <a:r>
+              <a:rPr lang="en-US" sz="1600" dirty="0">
+                <a:solidFill>
+                  <a:schemeClr val="bg1">
+                    <a:lumMod val="65000"/>
+                  </a:schemeClr>
+                </a:solidFill>
+                <a:latin typeface="Courier New" panose="02070309020205020404" pitchFamily="49" charset="0"/>
+                <a:cs typeface="Courier New" panose="02070309020205020404" pitchFamily="49" charset="0"/>
+              </a:rPr>
+              <a:t># Finalize your recipe using the best turning parameters</a:t>
+            </a:r>
+          </a:p>
+          <a:p>
+            <a:pPr marL="0" indent="0">
+              <a:spcBef>
+                <a:spcPts val="0"/>
+              </a:spcBef>
+              <a:buNone/>
+            </a:pPr>
+            <a:r>
+              <a:rPr lang="en-US" sz="1600" dirty="0" err="1">
+                <a:latin typeface="Courier New" panose="02070309020205020404" pitchFamily="49" charset="0"/>
+                <a:cs typeface="Courier New" panose="02070309020205020404" pitchFamily="49" charset="0"/>
+              </a:rPr>
+              <a:t>knn_reg_rec_final</a:t>
+            </a:r>
+            <a:r>
+              <a:rPr lang="en-US" sz="1600" dirty="0">
+                <a:latin typeface="Courier New" panose="02070309020205020404" pitchFamily="49" charset="0"/>
+                <a:cs typeface="Courier New" panose="02070309020205020404" pitchFamily="49" charset="0"/>
+              </a:rPr>
+              <a:t> &lt;- </a:t>
+            </a:r>
+            <a:r>
+              <a:rPr lang="en-US" sz="1600" dirty="0" err="1">
+                <a:latin typeface="Courier New" panose="02070309020205020404" pitchFamily="49" charset="0"/>
+                <a:cs typeface="Courier New" panose="02070309020205020404" pitchFamily="49" charset="0"/>
+              </a:rPr>
+              <a:t>knn_reg_rec</a:t>
+            </a:r>
+            <a:r>
+              <a:rPr lang="en-US" sz="1600" dirty="0">
+                <a:latin typeface="Courier New" panose="02070309020205020404" pitchFamily="49" charset="0"/>
+                <a:cs typeface="Courier New" panose="02070309020205020404" pitchFamily="49" charset="0"/>
+              </a:rPr>
+              <a:t> %&gt;% </a:t>
+            </a:r>
+          </a:p>
+          <a:p>
+            <a:pPr marL="0" indent="0">
+              <a:spcBef>
+                <a:spcPts val="0"/>
+              </a:spcBef>
+              <a:buNone/>
+            </a:pPr>
+            <a:r>
+              <a:rPr lang="en-US" sz="1600" dirty="0">
+                <a:latin typeface="Courier New" panose="02070309020205020404" pitchFamily="49" charset="0"/>
+                <a:cs typeface="Courier New" panose="02070309020205020404" pitchFamily="49" charset="0"/>
+              </a:rPr>
+              <a:t>  </a:t>
+            </a:r>
+            <a:r>
+              <a:rPr lang="en-US" sz="1600" dirty="0" err="1">
+                <a:solidFill>
+                  <a:srgbClr val="00B0F0"/>
+                </a:solidFill>
+                <a:latin typeface="Courier New" panose="02070309020205020404" pitchFamily="49" charset="0"/>
+                <a:cs typeface="Courier New" panose="02070309020205020404" pitchFamily="49" charset="0"/>
+              </a:rPr>
+              <a:t>finalize_recipe</a:t>
+            </a:r>
+            <a:r>
+              <a:rPr lang="en-US" sz="1600" dirty="0">
+                <a:latin typeface="Courier New" panose="02070309020205020404" pitchFamily="49" charset="0"/>
+                <a:cs typeface="Courier New" panose="02070309020205020404" pitchFamily="49" charset="0"/>
+              </a:rPr>
+              <a:t>(</a:t>
+            </a:r>
+            <a:r>
+              <a:rPr lang="en-US" sz="1600" dirty="0" err="1">
+                <a:latin typeface="Courier New" panose="02070309020205020404" pitchFamily="49" charset="0"/>
+                <a:cs typeface="Courier New" panose="02070309020205020404" pitchFamily="49" charset="0"/>
+              </a:rPr>
+              <a:t>knn_reg_best</a:t>
+            </a:r>
+            <a:r>
+              <a:rPr lang="en-US" sz="1600" dirty="0">
+                <a:latin typeface="Courier New" panose="02070309020205020404" pitchFamily="49" charset="0"/>
+                <a:cs typeface="Courier New" panose="02070309020205020404" pitchFamily="49" charset="0"/>
+              </a:rPr>
+              <a:t>)</a:t>
+            </a:r>
+          </a:p>
+          <a:p>
+            <a:pPr marL="0" indent="0">
+              <a:spcBef>
+                <a:spcPts val="0"/>
+              </a:spcBef>
+              <a:buNone/>
+            </a:pPr>
+            <a:endParaRPr lang="en-US" sz="1600" dirty="0">
+              <a:latin typeface="Courier New" panose="02070309020205020404" pitchFamily="49" charset="0"/>
+              <a:cs typeface="Courier New" panose="02070309020205020404" pitchFamily="49" charset="0"/>
+            </a:endParaRPr>
+          </a:p>
+          <a:p>
+            <a:pPr marL="0" indent="0">
+              <a:spcBef>
+                <a:spcPts val="0"/>
+              </a:spcBef>
+              <a:buNone/>
+            </a:pPr>
+            <a:r>
+              <a:rPr lang="en-US" sz="1600" dirty="0">
+                <a:solidFill>
+                  <a:schemeClr val="bg1">
+                    <a:lumMod val="65000"/>
+                  </a:schemeClr>
+                </a:solidFill>
+                <a:latin typeface="Courier New" panose="02070309020205020404" pitchFamily="49" charset="0"/>
+                <a:cs typeface="Courier New" panose="02070309020205020404" pitchFamily="49" charset="0"/>
+              </a:rPr>
+              <a:t># Run your last fit on your initial data split</a:t>
+            </a:r>
+          </a:p>
+          <a:p>
+            <a:pPr marL="0" indent="0">
+              <a:spcBef>
+                <a:spcPts val="0"/>
+              </a:spcBef>
+              <a:buNone/>
+            </a:pPr>
+            <a:r>
+              <a:rPr lang="en-US" sz="1600" dirty="0" err="1">
+                <a:latin typeface="Courier New" panose="02070309020205020404" pitchFamily="49" charset="0"/>
+                <a:cs typeface="Courier New" panose="02070309020205020404" pitchFamily="49" charset="0"/>
+              </a:rPr>
+              <a:t>knn_reg_test_results</a:t>
+            </a:r>
+            <a:r>
+              <a:rPr lang="en-US" sz="1600" dirty="0">
+                <a:latin typeface="Courier New" panose="02070309020205020404" pitchFamily="49" charset="0"/>
+                <a:cs typeface="Courier New" panose="02070309020205020404" pitchFamily="49" charset="0"/>
+              </a:rPr>
+              <a:t> &lt;- </a:t>
+            </a:r>
+            <a:r>
+              <a:rPr lang="en-US" sz="1600" dirty="0" err="1">
+                <a:solidFill>
+                  <a:srgbClr val="00B0F0"/>
+                </a:solidFill>
+                <a:latin typeface="Courier New" panose="02070309020205020404" pitchFamily="49" charset="0"/>
+                <a:cs typeface="Courier New" panose="02070309020205020404" pitchFamily="49" charset="0"/>
+              </a:rPr>
+              <a:t>last_fit</a:t>
+            </a:r>
+            <a:r>
+              <a:rPr lang="en-US" sz="1600" dirty="0">
+                <a:latin typeface="Courier New" panose="02070309020205020404" pitchFamily="49" charset="0"/>
+                <a:cs typeface="Courier New" panose="02070309020205020404" pitchFamily="49" charset="0"/>
+              </a:rPr>
+              <a:t>(</a:t>
+            </a:r>
+          </a:p>
+          <a:p>
+            <a:pPr marL="0" indent="0">
+              <a:spcBef>
+                <a:spcPts val="0"/>
+              </a:spcBef>
+              <a:buNone/>
+            </a:pPr>
+            <a:r>
+              <a:rPr lang="en-US" sz="1600" dirty="0">
+                <a:latin typeface="Courier New" panose="02070309020205020404" pitchFamily="49" charset="0"/>
+                <a:cs typeface="Courier New" panose="02070309020205020404" pitchFamily="49" charset="0"/>
+              </a:rPr>
+              <a:t>  </a:t>
+            </a:r>
+            <a:r>
+              <a:rPr lang="en-US" sz="1600" dirty="0" err="1">
+                <a:latin typeface="Courier New" panose="02070309020205020404" pitchFamily="49" charset="0"/>
+                <a:cs typeface="Courier New" panose="02070309020205020404" pitchFamily="49" charset="0"/>
+              </a:rPr>
+              <a:t>knn_reg_mod_final</a:t>
+            </a:r>
+            <a:r>
+              <a:rPr lang="en-US" sz="1600" dirty="0">
+                <a:latin typeface="Courier New" panose="02070309020205020404" pitchFamily="49" charset="0"/>
+                <a:cs typeface="Courier New" panose="02070309020205020404" pitchFamily="49" charset="0"/>
+              </a:rPr>
+              <a:t>, </a:t>
+            </a:r>
+          </a:p>
+          <a:p>
+            <a:pPr marL="0" indent="0">
+              <a:spcBef>
+                <a:spcPts val="0"/>
+              </a:spcBef>
+              <a:buNone/>
+            </a:pPr>
+            <a:r>
+              <a:rPr lang="en-US" sz="1600" dirty="0">
+                <a:latin typeface="Courier New" panose="02070309020205020404" pitchFamily="49" charset="0"/>
+                <a:cs typeface="Courier New" panose="02070309020205020404" pitchFamily="49" charset="0"/>
+              </a:rPr>
+              <a:t>  preprocessor = </a:t>
+            </a:r>
+            <a:r>
+              <a:rPr lang="en-US" sz="1600" dirty="0" err="1">
+                <a:latin typeface="Courier New" panose="02070309020205020404" pitchFamily="49" charset="0"/>
+                <a:cs typeface="Courier New" panose="02070309020205020404" pitchFamily="49" charset="0"/>
+              </a:rPr>
+              <a:t>knn_reg_rec_final</a:t>
+            </a:r>
+            <a:r>
+              <a:rPr lang="en-US" sz="1600" dirty="0">
+                <a:latin typeface="Courier New" panose="02070309020205020404" pitchFamily="49" charset="0"/>
+                <a:cs typeface="Courier New" panose="02070309020205020404" pitchFamily="49" charset="0"/>
+              </a:rPr>
+              <a:t>, </a:t>
+            </a:r>
+          </a:p>
+          <a:p>
+            <a:pPr marL="0" indent="0">
+              <a:spcBef>
+                <a:spcPts val="0"/>
+              </a:spcBef>
+              <a:buNone/>
+            </a:pPr>
+            <a:r>
+              <a:rPr lang="en-US" sz="1600" dirty="0">
+                <a:latin typeface="Courier New" panose="02070309020205020404" pitchFamily="49" charset="0"/>
+                <a:cs typeface="Courier New" panose="02070309020205020404" pitchFamily="49" charset="0"/>
+              </a:rPr>
+              <a:t>  split = </a:t>
+            </a:r>
+            <a:r>
+              <a:rPr lang="en-US" sz="1600" dirty="0" err="1">
+                <a:latin typeface="Courier New" panose="02070309020205020404" pitchFamily="49" charset="0"/>
+                <a:cs typeface="Courier New" panose="02070309020205020404" pitchFamily="49" charset="0"/>
+              </a:rPr>
+              <a:t>math_split</a:t>
+            </a:r>
+            <a:r>
+              <a:rPr lang="en-US" sz="1600" dirty="0">
+                <a:latin typeface="Courier New" panose="02070309020205020404" pitchFamily="49" charset="0"/>
+                <a:cs typeface="Courier New" panose="02070309020205020404" pitchFamily="49" charset="0"/>
+              </a:rPr>
+              <a:t>)</a:t>
+            </a:r>
+          </a:p>
+          <a:p>
+            <a:pPr marL="0" indent="0">
+              <a:spcBef>
+                <a:spcPts val="0"/>
+              </a:spcBef>
+              <a:buNone/>
+            </a:pPr>
+            <a:endParaRPr lang="en-US" sz="1600" dirty="0">
+              <a:latin typeface="Courier New" panose="02070309020205020404" pitchFamily="49" charset="0"/>
+              <a:cs typeface="Courier New" panose="02070309020205020404" pitchFamily="49" charset="0"/>
+            </a:endParaRPr>
+          </a:p>
+          <a:p>
+            <a:pPr marL="0" indent="0">
+              <a:spcBef>
+                <a:spcPts val="0"/>
+              </a:spcBef>
+              <a:buNone/>
+            </a:pPr>
+            <a:r>
+              <a:rPr lang="en-US" sz="1600" dirty="0">
+                <a:solidFill>
+                  <a:schemeClr val="bg1">
+                    <a:lumMod val="65000"/>
+                  </a:schemeClr>
+                </a:solidFill>
+                <a:latin typeface="Courier New" panose="02070309020205020404" pitchFamily="49" charset="0"/>
+                <a:cs typeface="Courier New" panose="02070309020205020404" pitchFamily="49" charset="0"/>
+              </a:rPr>
+              <a:t>#Collect metrics</a:t>
+            </a:r>
+          </a:p>
+          <a:p>
+            <a:pPr marL="0" indent="0">
+              <a:spcBef>
+                <a:spcPts val="0"/>
+              </a:spcBef>
+              <a:buNone/>
+            </a:pPr>
+            <a:r>
+              <a:rPr lang="en-US" sz="1600" dirty="0" err="1">
+                <a:latin typeface="Courier New" panose="02070309020205020404" pitchFamily="49" charset="0"/>
+                <a:cs typeface="Courier New" panose="02070309020205020404" pitchFamily="49" charset="0"/>
+              </a:rPr>
+              <a:t>knn_reg_test_results</a:t>
+            </a:r>
+            <a:r>
+              <a:rPr lang="en-US" sz="1600" dirty="0">
+                <a:latin typeface="Courier New" panose="02070309020205020404" pitchFamily="49" charset="0"/>
+                <a:cs typeface="Courier New" panose="02070309020205020404" pitchFamily="49" charset="0"/>
+              </a:rPr>
+              <a:t> %&gt;% </a:t>
+            </a:r>
+          </a:p>
+          <a:p>
+            <a:pPr marL="0" indent="0">
+              <a:spcBef>
+                <a:spcPts val="0"/>
+              </a:spcBef>
+              <a:buNone/>
+            </a:pPr>
+            <a:r>
+              <a:rPr lang="en-US" sz="1600" dirty="0">
+                <a:latin typeface="Courier New" panose="02070309020205020404" pitchFamily="49" charset="0"/>
+                <a:cs typeface="Courier New" panose="02070309020205020404" pitchFamily="49" charset="0"/>
+              </a:rPr>
+              <a:t>  </a:t>
+            </a:r>
+            <a:r>
+              <a:rPr lang="en-US" sz="1600" dirty="0" err="1">
+                <a:latin typeface="Courier New" panose="02070309020205020404" pitchFamily="49" charset="0"/>
+                <a:cs typeface="Courier New" panose="02070309020205020404" pitchFamily="49" charset="0"/>
+              </a:rPr>
+              <a:t>collect_metrics</a:t>
+            </a:r>
+            <a:r>
+              <a:rPr lang="en-US" sz="1600" dirty="0">
+                <a:latin typeface="Courier New" panose="02070309020205020404" pitchFamily="49" charset="0"/>
+                <a:cs typeface="Courier New" panose="02070309020205020404" pitchFamily="49" charset="0"/>
+              </a:rPr>
+              <a:t>()</a:t>
+            </a:r>
+          </a:p>
+          <a:p>
+            <a:pPr marL="0" indent="0">
+              <a:spcBef>
+                <a:spcPts val="0"/>
+              </a:spcBef>
+              <a:buNone/>
+            </a:pPr>
+            <a:r>
+              <a:rPr lang="en-US" sz="1600" dirty="0">
+                <a:highlight>
+                  <a:srgbClr val="C0C0C0"/>
+                </a:highlight>
+                <a:latin typeface="Courier New" panose="02070309020205020404" pitchFamily="49" charset="0"/>
+                <a:cs typeface="Courier New" panose="02070309020205020404" pitchFamily="49" charset="0"/>
+              </a:rPr>
+              <a:t># A </a:t>
+            </a:r>
+            <a:r>
+              <a:rPr lang="en-US" sz="1600" dirty="0" err="1">
+                <a:highlight>
+                  <a:srgbClr val="C0C0C0"/>
+                </a:highlight>
+                <a:latin typeface="Courier New" panose="02070309020205020404" pitchFamily="49" charset="0"/>
+                <a:cs typeface="Courier New" panose="02070309020205020404" pitchFamily="49" charset="0"/>
+              </a:rPr>
+              <a:t>tibble</a:t>
+            </a:r>
+            <a:r>
+              <a:rPr lang="en-US" sz="1600" dirty="0">
+                <a:highlight>
+                  <a:srgbClr val="C0C0C0"/>
+                </a:highlight>
+                <a:latin typeface="Courier New" panose="02070309020205020404" pitchFamily="49" charset="0"/>
+                <a:cs typeface="Courier New" panose="02070309020205020404" pitchFamily="49" charset="0"/>
+              </a:rPr>
+              <a:t>: 2 x 3</a:t>
+            </a:r>
+          </a:p>
+          <a:p>
+            <a:pPr marL="0" indent="0">
+              <a:spcBef>
+                <a:spcPts val="0"/>
+              </a:spcBef>
+              <a:buNone/>
+            </a:pPr>
+            <a:r>
+              <a:rPr lang="en-US" sz="1600" dirty="0">
+                <a:highlight>
+                  <a:srgbClr val="C0C0C0"/>
+                </a:highlight>
+                <a:latin typeface="Courier New" panose="02070309020205020404" pitchFamily="49" charset="0"/>
+                <a:cs typeface="Courier New" panose="02070309020205020404" pitchFamily="49" charset="0"/>
+              </a:rPr>
+              <a:t>  .metric .estimator .estimate</a:t>
+            </a:r>
+          </a:p>
+          <a:p>
+            <a:pPr marL="0" indent="0">
+              <a:spcBef>
+                <a:spcPts val="0"/>
+              </a:spcBef>
+              <a:buNone/>
+            </a:pPr>
+            <a:r>
+              <a:rPr lang="en-US" sz="1600" dirty="0">
+                <a:highlight>
+                  <a:srgbClr val="C0C0C0"/>
+                </a:highlight>
+                <a:latin typeface="Courier New" panose="02070309020205020404" pitchFamily="49" charset="0"/>
+                <a:cs typeface="Courier New" panose="02070309020205020404" pitchFamily="49" charset="0"/>
+              </a:rPr>
+              <a:t>  &lt;</a:t>
+            </a:r>
+            <a:r>
+              <a:rPr lang="en-US" sz="1600" dirty="0" err="1">
+                <a:highlight>
+                  <a:srgbClr val="C0C0C0"/>
+                </a:highlight>
+                <a:latin typeface="Courier New" panose="02070309020205020404" pitchFamily="49" charset="0"/>
+                <a:cs typeface="Courier New" panose="02070309020205020404" pitchFamily="49" charset="0"/>
+              </a:rPr>
+              <a:t>chr</a:t>
+            </a:r>
+            <a:r>
+              <a:rPr lang="en-US" sz="1600" dirty="0">
+                <a:highlight>
+                  <a:srgbClr val="C0C0C0"/>
+                </a:highlight>
+                <a:latin typeface="Courier New" panose="02070309020205020404" pitchFamily="49" charset="0"/>
+                <a:cs typeface="Courier New" panose="02070309020205020404" pitchFamily="49" charset="0"/>
+              </a:rPr>
+              <a:t>&gt;   &lt;</a:t>
+            </a:r>
+            <a:r>
+              <a:rPr lang="en-US" sz="1600" dirty="0" err="1">
+                <a:highlight>
+                  <a:srgbClr val="C0C0C0"/>
+                </a:highlight>
+                <a:latin typeface="Courier New" panose="02070309020205020404" pitchFamily="49" charset="0"/>
+                <a:cs typeface="Courier New" panose="02070309020205020404" pitchFamily="49" charset="0"/>
+              </a:rPr>
+              <a:t>chr</a:t>
+            </a:r>
+            <a:r>
+              <a:rPr lang="en-US" sz="1600" dirty="0">
+                <a:highlight>
+                  <a:srgbClr val="C0C0C0"/>
+                </a:highlight>
+                <a:latin typeface="Courier New" panose="02070309020205020404" pitchFamily="49" charset="0"/>
+                <a:cs typeface="Courier New" panose="02070309020205020404" pitchFamily="49" charset="0"/>
+              </a:rPr>
+              <a:t>&gt;          &lt;</a:t>
+            </a:r>
+            <a:r>
+              <a:rPr lang="en-US" sz="1600" dirty="0" err="1">
+                <a:highlight>
+                  <a:srgbClr val="C0C0C0"/>
+                </a:highlight>
+                <a:latin typeface="Courier New" panose="02070309020205020404" pitchFamily="49" charset="0"/>
+                <a:cs typeface="Courier New" panose="02070309020205020404" pitchFamily="49" charset="0"/>
+              </a:rPr>
+              <a:t>dbl</a:t>
+            </a:r>
+            <a:r>
+              <a:rPr lang="en-US" sz="1600" dirty="0">
+                <a:highlight>
+                  <a:srgbClr val="C0C0C0"/>
+                </a:highlight>
+                <a:latin typeface="Courier New" panose="02070309020205020404" pitchFamily="49" charset="0"/>
+                <a:cs typeface="Courier New" panose="02070309020205020404" pitchFamily="49" charset="0"/>
+              </a:rPr>
+              <a:t>&gt;</a:t>
+            </a:r>
+          </a:p>
+          <a:p>
+            <a:pPr marL="0" indent="0">
+              <a:spcBef>
+                <a:spcPts val="0"/>
+              </a:spcBef>
+              <a:buNone/>
+            </a:pPr>
+            <a:r>
+              <a:rPr lang="en-US" sz="1600" dirty="0">
+                <a:highlight>
+                  <a:srgbClr val="C0C0C0"/>
+                </a:highlight>
+                <a:latin typeface="Courier New" panose="02070309020205020404" pitchFamily="49" charset="0"/>
+                <a:cs typeface="Courier New" panose="02070309020205020404" pitchFamily="49" charset="0"/>
+              </a:rPr>
+              <a:t>1 </a:t>
+            </a:r>
+            <a:r>
+              <a:rPr lang="en-US" sz="1600" dirty="0" err="1">
+                <a:highlight>
+                  <a:srgbClr val="C0C0C0"/>
+                </a:highlight>
+                <a:latin typeface="Courier New" panose="02070309020205020404" pitchFamily="49" charset="0"/>
+                <a:cs typeface="Courier New" panose="02070309020205020404" pitchFamily="49" charset="0"/>
+              </a:rPr>
+              <a:t>rmse</a:t>
+            </a:r>
+            <a:r>
+              <a:rPr lang="en-US" sz="1600" dirty="0">
+                <a:highlight>
+                  <a:srgbClr val="C0C0C0"/>
+                </a:highlight>
+                <a:latin typeface="Courier New" panose="02070309020205020404" pitchFamily="49" charset="0"/>
+                <a:cs typeface="Courier New" panose="02070309020205020404" pitchFamily="49" charset="0"/>
+              </a:rPr>
+              <a:t>    standard     110.   </a:t>
+            </a:r>
+          </a:p>
+          <a:p>
+            <a:pPr marL="0" indent="0">
+              <a:spcBef>
+                <a:spcPts val="0"/>
+              </a:spcBef>
+              <a:buNone/>
+            </a:pPr>
+            <a:r>
+              <a:rPr lang="en-US" sz="1600" dirty="0">
+                <a:highlight>
+                  <a:srgbClr val="C0C0C0"/>
+                </a:highlight>
+                <a:latin typeface="Courier New" panose="02070309020205020404" pitchFamily="49" charset="0"/>
+                <a:cs typeface="Courier New" panose="02070309020205020404" pitchFamily="49" charset="0"/>
+              </a:rPr>
+              <a:t>2 </a:t>
+            </a:r>
+            <a:r>
+              <a:rPr lang="en-US" sz="1600" dirty="0" err="1">
+                <a:highlight>
+                  <a:srgbClr val="C0C0C0"/>
+                </a:highlight>
+                <a:latin typeface="Courier New" panose="02070309020205020404" pitchFamily="49" charset="0"/>
+                <a:cs typeface="Courier New" panose="02070309020205020404" pitchFamily="49" charset="0"/>
+              </a:rPr>
+              <a:t>rsq</a:t>
+            </a:r>
+            <a:r>
+              <a:rPr lang="en-US" sz="1600" dirty="0">
+                <a:highlight>
+                  <a:srgbClr val="C0C0C0"/>
+                </a:highlight>
+                <a:latin typeface="Courier New" panose="02070309020205020404" pitchFamily="49" charset="0"/>
+                <a:cs typeface="Courier New" panose="02070309020205020404" pitchFamily="49" charset="0"/>
+              </a:rPr>
+              <a:t>     standard       0.132</a:t>
+            </a:r>
+          </a:p>
+        </p:txBody>
+      </p:sp>
+      <p:sp>
+        <p:nvSpPr>
+          <p:cNvPr id="4" name="Slide Number Placeholder 3">
+            <a:extLst>
+              <a:ext uri="{FF2B5EF4-FFF2-40B4-BE49-F238E27FC236}">
+                <a16:creationId xmlns:a16="http://schemas.microsoft.com/office/drawing/2014/main" id="{8F36D17C-5BFB-4E97-A2AE-DE98AFC77B74}"/>
+              </a:ext>
+            </a:extLst>
+          </p:cNvPr>
+          <p:cNvSpPr>
+            <a:spLocks noGrp="1"/>
+          </p:cNvSpPr>
+          <p:nvPr>
+            <p:ph type="sldNum" sz="quarter" idx="12"/>
+          </p:nvPr>
+        </p:nvSpPr>
+        <p:spPr/>
+        <p:txBody>
+          <a:bodyPr/>
+          <a:lstStyle/>
+          <a:p>
+            <a:fld id="{1FD78A80-B303-491C-AEE7-8281801B0C65}" type="slidenum">
+              <a:rPr lang="en-US" smtClean="0">
+                <a:solidFill>
+                  <a:prstClr val="black">
+                    <a:tint val="75000"/>
+                  </a:prstClr>
+                </a:solidFill>
+              </a:rPr>
+              <a:pPr/>
+              <a:t>60</a:t>
+            </a:fld>
+            <a:endParaRPr lang="en-US">
+              <a:solidFill>
+                <a:prstClr val="black">
+                  <a:tint val="75000"/>
+                </a:prstClr>
+              </a:solidFill>
+            </a:endParaRPr>
+          </a:p>
+        </p:txBody>
+      </p:sp>
+    </p:spTree>
+    <p:extLst>
+      <p:ext uri="{BB962C8B-B14F-4D97-AF65-F5344CB8AC3E}">
+        <p14:creationId xmlns:p14="http://schemas.microsoft.com/office/powerpoint/2010/main" val="849063709"/>
+      </p:ext>
+    </p:extLst>
+  </p:cSld>
+  <p:clrMapOvr>
+    <a:masterClrMapping/>
+  </p:clrMapOvr>
+</p:sld>
+</file>
+
+<file path=ppt/slides/slide61.xml><?xml version="1.0" encoding="utf-8"?>
+<p:sld xmlns:a="http://schemas.openxmlformats.org/drawingml/2006/main" xmlns:r="http://schemas.openxmlformats.org/officeDocument/2006/relationships" xmlns:p="http://schemas.openxmlformats.org/presentationml/2006/main">
+  <p:cSld>
+    <p:spTree>
+      <p:nvGrpSpPr>
+        <p:cNvPr id="1" name=""/>
+        <p:cNvGrpSpPr/>
+        <p:nvPr/>
+      </p:nvGrpSpPr>
+      <p:grpSpPr>
+        <a:xfrm>
+          <a:off x="0" y="0"/>
+          <a:ext cx="0" cy="0"/>
+          <a:chOff x="0" y="0"/>
+          <a:chExt cx="0" cy="0"/>
+        </a:xfrm>
+      </p:grpSpPr>
+      <p:sp>
+        <p:nvSpPr>
+          <p:cNvPr id="2" name="Title 1">
+            <a:extLst>
+              <a:ext uri="{FF2B5EF4-FFF2-40B4-BE49-F238E27FC236}">
+                <a16:creationId xmlns:a16="http://schemas.microsoft.com/office/drawing/2014/main" id="{729A68F4-A42A-44F3-A58E-44183E9DA532}"/>
+              </a:ext>
+            </a:extLst>
+          </p:cNvPr>
+          <p:cNvSpPr>
+            <a:spLocks noGrp="1"/>
+          </p:cNvSpPr>
+          <p:nvPr>
+            <p:ph type="title"/>
+          </p:nvPr>
+        </p:nvSpPr>
+        <p:spPr/>
+        <p:txBody>
+          <a:bodyPr/>
+          <a:lstStyle/>
+          <a:p>
+            <a:r>
+              <a:rPr lang="en-US" dirty="0"/>
+              <a:t>Residual plot</a:t>
+            </a:r>
+          </a:p>
+        </p:txBody>
+      </p:sp>
+      <p:sp>
+        <p:nvSpPr>
+          <p:cNvPr id="3" name="Content Placeholder 2">
+            <a:extLst>
+              <a:ext uri="{FF2B5EF4-FFF2-40B4-BE49-F238E27FC236}">
+                <a16:creationId xmlns:a16="http://schemas.microsoft.com/office/drawing/2014/main" id="{90FBA06F-E6FC-44B7-8F78-07A0867F91FB}"/>
+              </a:ext>
+            </a:extLst>
+          </p:cNvPr>
+          <p:cNvSpPr>
+            <a:spLocks noGrp="1"/>
+          </p:cNvSpPr>
+          <p:nvPr>
+            <p:ph idx="1"/>
+          </p:nvPr>
+        </p:nvSpPr>
+        <p:spPr/>
+        <p:txBody>
+          <a:bodyPr>
+            <a:normAutofit/>
+          </a:bodyPr>
+          <a:lstStyle/>
+          <a:p>
+            <a:pPr marL="0" indent="0">
+              <a:buNone/>
+            </a:pPr>
+            <a:r>
+              <a:rPr lang="en-US" sz="1600" dirty="0" err="1">
+                <a:latin typeface="Courier New" panose="02070309020205020404" pitchFamily="49" charset="0"/>
+                <a:cs typeface="Courier New" panose="02070309020205020404" pitchFamily="49" charset="0"/>
+              </a:rPr>
+              <a:t>knn_reg_test_results</a:t>
+            </a:r>
+            <a:r>
+              <a:rPr lang="en-US" sz="1600" dirty="0">
+                <a:latin typeface="Courier New" panose="02070309020205020404" pitchFamily="49" charset="0"/>
+                <a:cs typeface="Courier New" panose="02070309020205020404" pitchFamily="49" charset="0"/>
+              </a:rPr>
+              <a:t> %&gt;% </a:t>
+            </a:r>
+          </a:p>
+          <a:p>
+            <a:pPr marL="0" indent="0">
+              <a:buNone/>
+            </a:pPr>
+            <a:r>
+              <a:rPr lang="en-US" sz="1600" dirty="0">
+                <a:latin typeface="Courier New" panose="02070309020205020404" pitchFamily="49" charset="0"/>
+                <a:cs typeface="Courier New" panose="02070309020205020404" pitchFamily="49" charset="0"/>
+              </a:rPr>
+              <a:t>  select(`.predictions`) %&gt;% </a:t>
+            </a:r>
+          </a:p>
+          <a:p>
+            <a:pPr marL="0" indent="0">
+              <a:buNone/>
+            </a:pPr>
+            <a:r>
+              <a:rPr lang="en-US" sz="1600" dirty="0">
+                <a:latin typeface="Courier New" panose="02070309020205020404" pitchFamily="49" charset="0"/>
+                <a:cs typeface="Courier New" panose="02070309020205020404" pitchFamily="49" charset="0"/>
+              </a:rPr>
+              <a:t>  </a:t>
+            </a:r>
+            <a:r>
+              <a:rPr lang="en-US" sz="1600" dirty="0" err="1">
+                <a:latin typeface="Courier New" panose="02070309020205020404" pitchFamily="49" charset="0"/>
+                <a:cs typeface="Courier New" panose="02070309020205020404" pitchFamily="49" charset="0"/>
+              </a:rPr>
+              <a:t>unnest</a:t>
+            </a:r>
+            <a:r>
+              <a:rPr lang="en-US" sz="1600" dirty="0">
+                <a:latin typeface="Courier New" panose="02070309020205020404" pitchFamily="49" charset="0"/>
+                <a:cs typeface="Courier New" panose="02070309020205020404" pitchFamily="49" charset="0"/>
+              </a:rPr>
+              <a:t>(cols = `.predictions`) %&gt;% </a:t>
+            </a:r>
+          </a:p>
+          <a:p>
+            <a:pPr marL="0" indent="0">
+              <a:buNone/>
+            </a:pPr>
+            <a:r>
+              <a:rPr lang="en-US" sz="1600" dirty="0">
+                <a:latin typeface="Courier New" panose="02070309020205020404" pitchFamily="49" charset="0"/>
+                <a:cs typeface="Courier New" panose="02070309020205020404" pitchFamily="49" charset="0"/>
+              </a:rPr>
+              <a:t>  mutate(</a:t>
+            </a:r>
+            <a:r>
+              <a:rPr lang="en-US" sz="1600" dirty="0" err="1">
+                <a:latin typeface="Courier New" panose="02070309020205020404" pitchFamily="49" charset="0"/>
+                <a:cs typeface="Courier New" panose="02070309020205020404" pitchFamily="49" charset="0"/>
+              </a:rPr>
+              <a:t>resid_z</a:t>
+            </a:r>
+            <a:r>
+              <a:rPr lang="en-US" sz="1600" dirty="0">
+                <a:latin typeface="Courier New" panose="02070309020205020404" pitchFamily="49" charset="0"/>
+                <a:cs typeface="Courier New" panose="02070309020205020404" pitchFamily="49" charset="0"/>
+              </a:rPr>
+              <a:t> = scale(`.</a:t>
+            </a:r>
+            <a:r>
+              <a:rPr lang="en-US" sz="1600" dirty="0" err="1">
+                <a:latin typeface="Courier New" panose="02070309020205020404" pitchFamily="49" charset="0"/>
+                <a:cs typeface="Courier New" panose="02070309020205020404" pitchFamily="49" charset="0"/>
+              </a:rPr>
+              <a:t>pred</a:t>
+            </a:r>
+            <a:r>
+              <a:rPr lang="en-US" sz="1600" dirty="0">
+                <a:latin typeface="Courier New" panose="02070309020205020404" pitchFamily="49" charset="0"/>
+                <a:cs typeface="Courier New" panose="02070309020205020404" pitchFamily="49" charset="0"/>
+              </a:rPr>
+              <a:t>` - score)) %&gt;% </a:t>
+            </a:r>
+          </a:p>
+          <a:p>
+            <a:pPr marL="0" indent="0">
+              <a:buNone/>
+            </a:pPr>
+            <a:r>
+              <a:rPr lang="en-US" sz="1600" dirty="0">
+                <a:latin typeface="Courier New" panose="02070309020205020404" pitchFamily="49" charset="0"/>
+                <a:cs typeface="Courier New" panose="02070309020205020404" pitchFamily="49" charset="0"/>
+              </a:rPr>
+              <a:t>  </a:t>
+            </a:r>
+            <a:r>
+              <a:rPr lang="en-US" sz="1600" dirty="0" err="1">
+                <a:latin typeface="Courier New" panose="02070309020205020404" pitchFamily="49" charset="0"/>
+                <a:cs typeface="Courier New" panose="02070309020205020404" pitchFamily="49" charset="0"/>
+              </a:rPr>
+              <a:t>ggplot</a:t>
+            </a:r>
+            <a:r>
+              <a:rPr lang="en-US" sz="1600" dirty="0">
+                <a:latin typeface="Courier New" panose="02070309020205020404" pitchFamily="49" charset="0"/>
+                <a:cs typeface="Courier New" panose="02070309020205020404" pitchFamily="49" charset="0"/>
+              </a:rPr>
+              <a:t>(</a:t>
+            </a:r>
+            <a:r>
+              <a:rPr lang="en-US" sz="1600" dirty="0" err="1">
+                <a:latin typeface="Courier New" panose="02070309020205020404" pitchFamily="49" charset="0"/>
+                <a:cs typeface="Courier New" panose="02070309020205020404" pitchFamily="49" charset="0"/>
+              </a:rPr>
+              <a:t>aes</a:t>
+            </a:r>
+            <a:r>
+              <a:rPr lang="en-US" sz="1600" dirty="0">
+                <a:latin typeface="Courier New" panose="02070309020205020404" pitchFamily="49" charset="0"/>
+                <a:cs typeface="Courier New" panose="02070309020205020404" pitchFamily="49" charset="0"/>
+              </a:rPr>
+              <a:t>(`.</a:t>
+            </a:r>
+            <a:r>
+              <a:rPr lang="en-US" sz="1600" dirty="0" err="1">
+                <a:latin typeface="Courier New" panose="02070309020205020404" pitchFamily="49" charset="0"/>
+                <a:cs typeface="Courier New" panose="02070309020205020404" pitchFamily="49" charset="0"/>
+              </a:rPr>
+              <a:t>pred</a:t>
+            </a:r>
+            <a:r>
+              <a:rPr lang="en-US" sz="1600" dirty="0">
+                <a:latin typeface="Courier New" panose="02070309020205020404" pitchFamily="49" charset="0"/>
+                <a:cs typeface="Courier New" panose="02070309020205020404" pitchFamily="49" charset="0"/>
+              </a:rPr>
+              <a:t>`, </a:t>
+            </a:r>
+            <a:r>
+              <a:rPr lang="en-US" sz="1600" dirty="0" err="1">
+                <a:latin typeface="Courier New" panose="02070309020205020404" pitchFamily="49" charset="0"/>
+                <a:cs typeface="Courier New" panose="02070309020205020404" pitchFamily="49" charset="0"/>
+              </a:rPr>
+              <a:t>resid_z</a:t>
+            </a:r>
+            <a:r>
+              <a:rPr lang="en-US" sz="1600" dirty="0">
+                <a:latin typeface="Courier New" panose="02070309020205020404" pitchFamily="49" charset="0"/>
+                <a:cs typeface="Courier New" panose="02070309020205020404" pitchFamily="49" charset="0"/>
+              </a:rPr>
+              <a:t>)) +</a:t>
+            </a:r>
+          </a:p>
+          <a:p>
+            <a:pPr marL="0" indent="0">
+              <a:buNone/>
+            </a:pPr>
+            <a:r>
+              <a:rPr lang="en-US" sz="1600" dirty="0">
+                <a:latin typeface="Courier New" panose="02070309020205020404" pitchFamily="49" charset="0"/>
+                <a:cs typeface="Courier New" panose="02070309020205020404" pitchFamily="49" charset="0"/>
+              </a:rPr>
+              <a:t>  </a:t>
+            </a:r>
+            <a:r>
+              <a:rPr lang="en-US" sz="1600" dirty="0" err="1">
+                <a:latin typeface="Courier New" panose="02070309020205020404" pitchFamily="49" charset="0"/>
+                <a:cs typeface="Courier New" panose="02070309020205020404" pitchFamily="49" charset="0"/>
+              </a:rPr>
+              <a:t>geom_point</a:t>
+            </a:r>
+            <a:r>
+              <a:rPr lang="en-US" sz="1600" dirty="0">
+                <a:latin typeface="Courier New" panose="02070309020205020404" pitchFamily="49" charset="0"/>
+                <a:cs typeface="Courier New" panose="02070309020205020404" pitchFamily="49" charset="0"/>
+              </a:rPr>
+              <a:t>() +</a:t>
+            </a:r>
+          </a:p>
+          <a:p>
+            <a:pPr marL="0" indent="0">
+              <a:buNone/>
+            </a:pPr>
+            <a:r>
+              <a:rPr lang="en-US" sz="1600" dirty="0">
+                <a:latin typeface="Courier New" panose="02070309020205020404" pitchFamily="49" charset="0"/>
+                <a:cs typeface="Courier New" panose="02070309020205020404" pitchFamily="49" charset="0"/>
+              </a:rPr>
+              <a:t>  </a:t>
+            </a:r>
+            <a:r>
+              <a:rPr lang="en-US" sz="1600" dirty="0" err="1">
+                <a:latin typeface="Courier New" panose="02070309020205020404" pitchFamily="49" charset="0"/>
+                <a:cs typeface="Courier New" panose="02070309020205020404" pitchFamily="49" charset="0"/>
+              </a:rPr>
+              <a:t>geom_hline</a:t>
+            </a:r>
+            <a:r>
+              <a:rPr lang="en-US" sz="1600" dirty="0">
+                <a:latin typeface="Courier New" panose="02070309020205020404" pitchFamily="49" charset="0"/>
+                <a:cs typeface="Courier New" panose="02070309020205020404" pitchFamily="49" charset="0"/>
+              </a:rPr>
+              <a:t>(</a:t>
+            </a:r>
+            <a:r>
+              <a:rPr lang="en-US" sz="1600" dirty="0" err="1">
+                <a:latin typeface="Courier New" panose="02070309020205020404" pitchFamily="49" charset="0"/>
+                <a:cs typeface="Courier New" panose="02070309020205020404" pitchFamily="49" charset="0"/>
+              </a:rPr>
+              <a:t>yintercept</a:t>
+            </a:r>
+            <a:r>
+              <a:rPr lang="en-US" sz="1600" dirty="0">
+                <a:latin typeface="Courier New" panose="02070309020205020404" pitchFamily="49" charset="0"/>
+                <a:cs typeface="Courier New" panose="02070309020205020404" pitchFamily="49" charset="0"/>
+              </a:rPr>
+              <a:t> = 0, color = "</a:t>
+            </a:r>
+            <a:r>
+              <a:rPr lang="en-US" sz="1600" dirty="0" err="1">
+                <a:latin typeface="Courier New" panose="02070309020205020404" pitchFamily="49" charset="0"/>
+                <a:cs typeface="Courier New" panose="02070309020205020404" pitchFamily="49" charset="0"/>
+              </a:rPr>
+              <a:t>steelblue</a:t>
+            </a:r>
+            <a:r>
+              <a:rPr lang="en-US" sz="1600" dirty="0">
+                <a:latin typeface="Courier New" panose="02070309020205020404" pitchFamily="49" charset="0"/>
+                <a:cs typeface="Courier New" panose="02070309020205020404" pitchFamily="49" charset="0"/>
+              </a:rPr>
+              <a:t>")</a:t>
+            </a:r>
+          </a:p>
+        </p:txBody>
+      </p:sp>
+      <p:sp>
+        <p:nvSpPr>
+          <p:cNvPr id="4" name="Slide Number Placeholder 3">
+            <a:extLst>
+              <a:ext uri="{FF2B5EF4-FFF2-40B4-BE49-F238E27FC236}">
+                <a16:creationId xmlns:a16="http://schemas.microsoft.com/office/drawing/2014/main" id="{F34BA6F9-B41B-43A9-9F9A-093F9B6C2DB7}"/>
+              </a:ext>
+            </a:extLst>
+          </p:cNvPr>
+          <p:cNvSpPr>
+            <a:spLocks noGrp="1"/>
+          </p:cNvSpPr>
+          <p:nvPr>
+            <p:ph type="sldNum" sz="quarter" idx="12"/>
+          </p:nvPr>
+        </p:nvSpPr>
+        <p:spPr/>
+        <p:txBody>
+          <a:bodyPr/>
+          <a:lstStyle/>
+          <a:p>
+            <a:fld id="{1FD78A80-B303-491C-AEE7-8281801B0C65}" type="slidenum">
+              <a:rPr lang="en-US" smtClean="0">
+                <a:solidFill>
+                  <a:prstClr val="black">
+                    <a:tint val="75000"/>
+                  </a:prstClr>
+                </a:solidFill>
+              </a:rPr>
+              <a:pPr/>
+              <a:t>61</a:t>
+            </a:fld>
+            <a:endParaRPr lang="en-US">
+              <a:solidFill>
+                <a:prstClr val="black">
+                  <a:tint val="75000"/>
+                </a:prstClr>
+              </a:solidFill>
+            </a:endParaRPr>
+          </a:p>
+        </p:txBody>
+      </p:sp>
+      <p:pic>
+        <p:nvPicPr>
+          <p:cNvPr id="5" name="Picture 4">
+            <a:extLst>
+              <a:ext uri="{FF2B5EF4-FFF2-40B4-BE49-F238E27FC236}">
+                <a16:creationId xmlns:a16="http://schemas.microsoft.com/office/drawing/2014/main" id="{F01A8F0E-7461-4928-B147-2A148012286D}"/>
+              </a:ext>
+            </a:extLst>
+          </p:cNvPr>
+          <p:cNvPicPr>
+            <a:picLocks noChangeAspect="1"/>
+          </p:cNvPicPr>
+          <p:nvPr/>
+        </p:nvPicPr>
+        <p:blipFill>
+          <a:blip r:embed="rId2"/>
+          <a:stretch>
+            <a:fillRect/>
+          </a:stretch>
+        </p:blipFill>
+        <p:spPr>
+          <a:xfrm>
+            <a:off x="7295223" y="1870075"/>
+            <a:ext cx="4581885" cy="2743200"/>
+          </a:xfrm>
+          <a:prstGeom prst="rect">
+            <a:avLst/>
+          </a:prstGeom>
+        </p:spPr>
+      </p:pic>
+    </p:spTree>
+    <p:extLst>
+      <p:ext uri="{BB962C8B-B14F-4D97-AF65-F5344CB8AC3E}">
+        <p14:creationId xmlns:p14="http://schemas.microsoft.com/office/powerpoint/2010/main" val="596468446"/>
+      </p:ext>
+    </p:extLst>
+  </p:cSld>
+  <p:clrMapOvr>
+    <a:masterClrMapping/>
+  </p:clrMapOvr>
+</p:sld>
+</file>
+
+<file path=ppt/slides/slide62.xml><?xml version="1.0" encoding="utf-8"?>
+<p:sld xmlns:a="http://schemas.openxmlformats.org/drawingml/2006/main" xmlns:r="http://schemas.openxmlformats.org/officeDocument/2006/relationships" xmlns:p="http://schemas.openxmlformats.org/presentationml/2006/main">
+  <p:cSld>
+    <p:bg>
+      <p:bgPr>
+        <a:solidFill>
+          <a:schemeClr val="accent1">
+            <a:lumMod val="50000"/>
+          </a:schemeClr>
+        </a:solidFill>
+        <a:effectLst/>
+      </p:bgPr>
+    </p:bg>
+    <p:spTree>
+      <p:nvGrpSpPr>
+        <p:cNvPr id="1" name=""/>
+        <p:cNvGrpSpPr/>
+        <p:nvPr/>
+      </p:nvGrpSpPr>
+      <p:grpSpPr>
+        <a:xfrm>
+          <a:off x="0" y="0"/>
+          <a:ext cx="0" cy="0"/>
+          <a:chOff x="0" y="0"/>
+          <a:chExt cx="0" cy="0"/>
+        </a:xfrm>
+      </p:grpSpPr>
+      <p:sp>
+        <p:nvSpPr>
+          <p:cNvPr id="2" name="Title 1"/>
+          <p:cNvSpPr>
+            <a:spLocks noGrp="1"/>
+          </p:cNvSpPr>
+          <p:nvPr>
+            <p:ph type="ctrTitle"/>
+          </p:nvPr>
+        </p:nvSpPr>
+        <p:spPr/>
+        <p:txBody>
+          <a:bodyPr>
+            <a:normAutofit/>
+          </a:bodyPr>
+          <a:lstStyle/>
+          <a:p>
+            <a:pPr algn="l"/>
+            <a:r>
+              <a:rPr lang="en-US" sz="5000" i="1" dirty="0">
+                <a:solidFill>
+                  <a:schemeClr val="bg1"/>
+                </a:solidFill>
+                <a:cs typeface="Courier New" panose="02070309020205020404" pitchFamily="49" charset="0"/>
+              </a:rPr>
+              <a:t>K</a:t>
+            </a:r>
+            <a:r>
+              <a:rPr lang="en-US" sz="5000" dirty="0">
+                <a:solidFill>
+                  <a:schemeClr val="bg1"/>
+                </a:solidFill>
+                <a:cs typeface="Courier New" panose="02070309020205020404" pitchFamily="49" charset="0"/>
+              </a:rPr>
+              <a:t>NN for Imputation</a:t>
+            </a:r>
+          </a:p>
+        </p:txBody>
+      </p:sp>
+      <p:sp>
+        <p:nvSpPr>
+          <p:cNvPr id="4" name="Slide Number Placeholder 3"/>
+          <p:cNvSpPr>
+            <a:spLocks noGrp="1"/>
+          </p:cNvSpPr>
+          <p:nvPr>
+            <p:ph type="sldNum" sz="quarter" idx="12"/>
+          </p:nvPr>
+        </p:nvSpPr>
+        <p:spPr/>
+        <p:txBody>
+          <a:bodyPr/>
+          <a:lstStyle/>
+          <a:p>
+            <a:pPr marL="0" marR="0" lvl="0" indent="0" algn="r" defTabSz="914400" rtl="0" eaLnBrk="1" fontAlgn="auto" latinLnBrk="0" hangingPunct="1">
+              <a:lnSpc>
+                <a:spcPct val="100000"/>
+              </a:lnSpc>
+              <a:spcBef>
+                <a:spcPts val="0"/>
+              </a:spcBef>
+              <a:spcAft>
+                <a:spcPts val="0"/>
+              </a:spcAft>
+              <a:buClrTx/>
+              <a:buSzTx/>
+              <a:buFontTx/>
+              <a:buNone/>
+              <a:tabLst/>
+              <a:defRPr/>
+            </a:pPr>
+            <a:fld id="{1FD78A80-B303-491C-AEE7-8281801B0C65}" type="slidenum">
+              <a:rPr kumimoji="0" lang="en-US" sz="1200" b="0" i="0" u="none" strike="noStrike" kern="1200" cap="none" spc="0" normalizeH="0" baseline="0" noProof="0" smtClean="0">
+                <a:ln>
+                  <a:noFill/>
+                </a:ln>
+                <a:solidFill>
+                  <a:prstClr val="black">
+                    <a:tint val="75000"/>
+                  </a:prstClr>
+                </a:solidFill>
+                <a:effectLst/>
+                <a:uLnTx/>
+                <a:uFillTx/>
+                <a:latin typeface="Calibri" panose="020F0502020204030204"/>
+                <a:ea typeface="+mn-ea"/>
+                <a:cs typeface="+mn-cs"/>
+              </a:rPr>
+              <a:pPr marL="0" marR="0" lvl="0" indent="0" algn="r" defTabSz="914400" rtl="0" eaLnBrk="1" fontAlgn="auto" latinLnBrk="0" hangingPunct="1">
+                <a:lnSpc>
+                  <a:spcPct val="100000"/>
+                </a:lnSpc>
+                <a:spcBef>
+                  <a:spcPts val="0"/>
+                </a:spcBef>
+                <a:spcAft>
+                  <a:spcPts val="0"/>
+                </a:spcAft>
+                <a:buClrTx/>
+                <a:buSzTx/>
+                <a:buFontTx/>
+                <a:buNone/>
+                <a:tabLst/>
+                <a:defRPr/>
+              </a:pPr>
+              <a:t>62</a:t>
+            </a:fld>
+            <a:endParaRPr kumimoji="0" lang="en-US" sz="1200" b="0" i="0" u="none" strike="noStrike" kern="1200" cap="none" spc="0" normalizeH="0" baseline="0" noProof="0">
+              <a:ln>
+                <a:noFill/>
+              </a:ln>
+              <a:solidFill>
+                <a:prstClr val="black">
+                  <a:tint val="75000"/>
+                </a:prstClr>
+              </a:solidFill>
+              <a:effectLst/>
+              <a:uLnTx/>
+              <a:uFillTx/>
+              <a:latin typeface="Calibri" panose="020F0502020204030204"/>
+              <a:ea typeface="+mn-ea"/>
+              <a:cs typeface="+mn-cs"/>
+            </a:endParaRPr>
+          </a:p>
+        </p:txBody>
+      </p:sp>
+      <p:sp>
+        <p:nvSpPr>
+          <p:cNvPr id="5" name="Subtitle 2">
+            <a:extLst>
+              <a:ext uri="{FF2B5EF4-FFF2-40B4-BE49-F238E27FC236}">
+                <a16:creationId xmlns:a16="http://schemas.microsoft.com/office/drawing/2014/main" id="{331AC185-0241-4028-A8D3-0CE4F5F48BB6}"/>
+              </a:ext>
+            </a:extLst>
+          </p:cNvPr>
+          <p:cNvSpPr>
+            <a:spLocks noGrp="1"/>
+          </p:cNvSpPr>
+          <p:nvPr>
+            <p:ph type="subTitle" idx="1"/>
+          </p:nvPr>
+        </p:nvSpPr>
+        <p:spPr>
+          <a:xfrm>
+            <a:off x="1524000" y="3602038"/>
+            <a:ext cx="9144000" cy="1655762"/>
+          </a:xfrm>
+        </p:spPr>
+        <p:txBody>
+          <a:bodyPr>
+            <a:normAutofit/>
+          </a:bodyPr>
+          <a:lstStyle/>
+          <a:p>
+            <a:pPr algn="l"/>
+            <a:endParaRPr lang="en-US" dirty="0">
+              <a:solidFill>
+                <a:schemeClr val="bg1"/>
+              </a:solidFill>
+            </a:endParaRPr>
+          </a:p>
+        </p:txBody>
+      </p:sp>
+    </p:spTree>
+    <p:extLst>
+      <p:ext uri="{BB962C8B-B14F-4D97-AF65-F5344CB8AC3E}">
+        <p14:creationId xmlns:p14="http://schemas.microsoft.com/office/powerpoint/2010/main" val="3931660025"/>
+      </p:ext>
+    </p:extLst>
+  </p:cSld>
+  <p:clrMapOvr>
+    <a:masterClrMapping/>
+  </p:clrMapOvr>
+</p:sld>
+</file>
+
+<file path=ppt/slides/slide63.xml><?xml version="1.0" encoding="utf-8"?>
+<p:sld xmlns:a="http://schemas.openxmlformats.org/drawingml/2006/main" xmlns:r="http://schemas.openxmlformats.org/officeDocument/2006/relationships" xmlns:p="http://schemas.openxmlformats.org/presentationml/2006/main">
+  <p:cSld>
+    <p:spTree>
+      <p:nvGrpSpPr>
+        <p:cNvPr id="1" name=""/>
+        <p:cNvGrpSpPr/>
+        <p:nvPr/>
+      </p:nvGrpSpPr>
+      <p:grpSpPr>
+        <a:xfrm>
+          <a:off x="0" y="0"/>
+          <a:ext cx="0" cy="0"/>
+          <a:chOff x="0" y="0"/>
+          <a:chExt cx="0" cy="0"/>
+        </a:xfrm>
+      </p:grpSpPr>
+      <p:sp>
+        <p:nvSpPr>
+          <p:cNvPr id="2" name="Title 1">
+            <a:extLst>
+              <a:ext uri="{FF2B5EF4-FFF2-40B4-BE49-F238E27FC236}">
                 <a16:creationId xmlns:a16="http://schemas.microsoft.com/office/drawing/2014/main" id="{848EA197-4171-40D0-AEB4-16FBA43F345F}"/>
               </a:ext>
             </a:extLst>
@@ -30732,7 +32361,7 @@
                 </a:solidFill>
               </a:rPr>
               <a:pPr/>
-              <a:t>60</a:t>
+              <a:t>63</a:t>
             </a:fld>
             <a:endParaRPr lang="en-US">
               <a:solidFill>
@@ -30757,7 +32386,7 @@
 </p:sld>
 </file>
 
-<file path=ppt/slides/slide61.xml><?xml version="1.0" encoding="utf-8"?>
+<file path=ppt/slides/slide64.xml><?xml version="1.0" encoding="utf-8"?>
 <p:sld xmlns:a="http://schemas.openxmlformats.org/drawingml/2006/main" xmlns:r="http://schemas.openxmlformats.org/officeDocument/2006/relationships" xmlns:p="http://schemas.openxmlformats.org/presentationml/2006/main">
   <p:cSld>
     <p:spTree>
@@ -31203,7 +32832,7 @@
                 </a:solidFill>
               </a:rPr>
               <a:pPr/>
-              <a:t>61</a:t>
+              <a:t>64</a:t>
             </a:fld>
             <a:endParaRPr lang="en-US">
               <a:solidFill>

--- a/slides/w6p1-knn/w6p1.pptx
+++ b/slides/w6p1-knn/w6p1.pptx
@@ -47,28 +47,32 @@
     <p:sldId id="420" r:id="rId41"/>
     <p:sldId id="435" r:id="rId42"/>
     <p:sldId id="424" r:id="rId43"/>
-    <p:sldId id="389" r:id="rId44"/>
-    <p:sldId id="397" r:id="rId45"/>
-    <p:sldId id="432" r:id="rId46"/>
-    <p:sldId id="398" r:id="rId47"/>
-    <p:sldId id="404" r:id="rId48"/>
-    <p:sldId id="405" r:id="rId49"/>
-    <p:sldId id="406" r:id="rId50"/>
-    <p:sldId id="407" r:id="rId51"/>
-    <p:sldId id="408" r:id="rId52"/>
-    <p:sldId id="409" r:id="rId53"/>
-    <p:sldId id="410" r:id="rId54"/>
-    <p:sldId id="425" r:id="rId55"/>
-    <p:sldId id="387" r:id="rId56"/>
-    <p:sldId id="426" r:id="rId57"/>
-    <p:sldId id="427" r:id="rId58"/>
-    <p:sldId id="428" r:id="rId59"/>
-    <p:sldId id="429" r:id="rId60"/>
-    <p:sldId id="434" r:id="rId61"/>
-    <p:sldId id="436" r:id="rId62"/>
-    <p:sldId id="430" r:id="rId63"/>
-    <p:sldId id="370" r:id="rId64"/>
-    <p:sldId id="371" r:id="rId65"/>
+    <p:sldId id="437" r:id="rId44"/>
+    <p:sldId id="449" r:id="rId45"/>
+    <p:sldId id="389" r:id="rId46"/>
+    <p:sldId id="397" r:id="rId47"/>
+    <p:sldId id="432" r:id="rId48"/>
+    <p:sldId id="398" r:id="rId49"/>
+    <p:sldId id="404" r:id="rId50"/>
+    <p:sldId id="405" r:id="rId51"/>
+    <p:sldId id="406" r:id="rId52"/>
+    <p:sldId id="407" r:id="rId53"/>
+    <p:sldId id="408" r:id="rId54"/>
+    <p:sldId id="409" r:id="rId55"/>
+    <p:sldId id="410" r:id="rId56"/>
+    <p:sldId id="451" r:id="rId57"/>
+    <p:sldId id="450" r:id="rId58"/>
+    <p:sldId id="425" r:id="rId59"/>
+    <p:sldId id="387" r:id="rId60"/>
+    <p:sldId id="426" r:id="rId61"/>
+    <p:sldId id="427" r:id="rId62"/>
+    <p:sldId id="428" r:id="rId63"/>
+    <p:sldId id="429" r:id="rId64"/>
+    <p:sldId id="434" r:id="rId65"/>
+    <p:sldId id="436" r:id="rId66"/>
+    <p:sldId id="430" r:id="rId67"/>
+    <p:sldId id="370" r:id="rId68"/>
+    <p:sldId id="371" r:id="rId69"/>
   </p:sldIdLst>
   <p:sldSz cx="12192000" cy="6858000"/>
   <p:notesSz cx="6858000" cy="9144000"/>
@@ -323,7 +327,7 @@
                 </a:solidFill>
               </a:rPr>
               <a:pPr/>
-              <a:t>3/25/2020</a:t>
+              <a:t>3/27/2020</a:t>
             </a:fld>
             <a:endParaRPr lang="en-US">
               <a:solidFill>
@@ -523,7 +527,7 @@
                 </a:solidFill>
               </a:rPr>
               <a:pPr/>
-              <a:t>3/25/2020</a:t>
+              <a:t>3/27/2020</a:t>
             </a:fld>
             <a:endParaRPr lang="en-US">
               <a:solidFill>
@@ -733,7 +737,7 @@
                 </a:solidFill>
               </a:rPr>
               <a:pPr/>
-              <a:t>3/25/2020</a:t>
+              <a:t>3/27/2020</a:t>
             </a:fld>
             <a:endParaRPr lang="en-US">
               <a:solidFill>
@@ -933,7 +937,7 @@
                 </a:solidFill>
               </a:rPr>
               <a:pPr/>
-              <a:t>3/25/2020</a:t>
+              <a:t>3/27/2020</a:t>
             </a:fld>
             <a:endParaRPr lang="en-US">
               <a:solidFill>
@@ -1210,7 +1214,7 @@
                 </a:solidFill>
               </a:rPr>
               <a:pPr/>
-              <a:t>3/25/2020</a:t>
+              <a:t>3/27/2020</a:t>
             </a:fld>
             <a:endParaRPr lang="en-US">
               <a:solidFill>
@@ -1471,7 +1475,7 @@
                 </a:solidFill>
               </a:rPr>
               <a:pPr/>
-              <a:t>3/25/2020</a:t>
+              <a:t>3/27/2020</a:t>
             </a:fld>
             <a:endParaRPr lang="en-US">
               <a:solidFill>
@@ -1867,7 +1871,7 @@
                 </a:solidFill>
               </a:rPr>
               <a:pPr/>
-              <a:t>3/25/2020</a:t>
+              <a:t>3/27/2020</a:t>
             </a:fld>
             <a:endParaRPr lang="en-US">
               <a:solidFill>
@@ -2016,7 +2020,7 @@
                 </a:solidFill>
               </a:rPr>
               <a:pPr/>
-              <a:t>3/25/2020</a:t>
+              <a:t>3/27/2020</a:t>
             </a:fld>
             <a:endParaRPr lang="en-US">
               <a:solidFill>
@@ -2143,7 +2147,7 @@
                 </a:solidFill>
               </a:rPr>
               <a:pPr/>
-              <a:t>3/25/2020</a:t>
+              <a:t>3/27/2020</a:t>
             </a:fld>
             <a:endParaRPr lang="en-US">
               <a:solidFill>
@@ -2450,7 +2454,7 @@
                 </a:solidFill>
               </a:rPr>
               <a:pPr/>
-              <a:t>3/25/2020</a:t>
+              <a:t>3/27/2020</a:t>
             </a:fld>
             <a:endParaRPr lang="en-US">
               <a:solidFill>
@@ -2734,7 +2738,7 @@
                 </a:solidFill>
               </a:rPr>
               <a:pPr/>
-              <a:t>3/25/2020</a:t>
+              <a:t>3/27/2020</a:t>
             </a:fld>
             <a:endParaRPr lang="en-US">
               <a:solidFill>
@@ -2977,7 +2981,7 @@
                 </a:solidFill>
               </a:rPr>
               <a:pPr/>
-              <a:t>3/25/2020</a:t>
+              <a:t>3/27/2020</a:t>
             </a:fld>
             <a:endParaRPr lang="en-US">
               <a:solidFill>
@@ -20641,6 +20645,350 @@
           <p:cNvPr id="2" name="Title 1">
             <a:extLst>
               <a:ext uri="{FF2B5EF4-FFF2-40B4-BE49-F238E27FC236}">
+                <a16:creationId xmlns:a16="http://schemas.microsoft.com/office/drawing/2014/main" id="{2A828122-EEC9-4C82-B168-174EAD2172DB}"/>
+              </a:ext>
+            </a:extLst>
+          </p:cNvPr>
+          <p:cNvSpPr>
+            <a:spLocks noGrp="1"/>
+          </p:cNvSpPr>
+          <p:nvPr>
+            <p:ph type="title"/>
+          </p:nvPr>
+        </p:nvSpPr>
+        <p:spPr/>
+        <p:txBody>
+          <a:bodyPr/>
+          <a:lstStyle/>
+          <a:p>
+            <a:r>
+              <a:rPr lang="en-US" dirty="0"/>
+              <a:t>Regular vs. Non-regular grids</a:t>
+            </a:r>
+          </a:p>
+        </p:txBody>
+      </p:sp>
+      <p:sp>
+        <p:nvSpPr>
+          <p:cNvPr id="3" name="Content Placeholder 2">
+            <a:extLst>
+              <a:ext uri="{FF2B5EF4-FFF2-40B4-BE49-F238E27FC236}">
+                <a16:creationId xmlns:a16="http://schemas.microsoft.com/office/drawing/2014/main" id="{4DC66E99-2311-402C-8418-026799338B19}"/>
+              </a:ext>
+            </a:extLst>
+          </p:cNvPr>
+          <p:cNvSpPr>
+            <a:spLocks noGrp="1"/>
+          </p:cNvSpPr>
+          <p:nvPr>
+            <p:ph idx="1"/>
+          </p:nvPr>
+        </p:nvSpPr>
+        <p:spPr>
+          <a:xfrm>
+            <a:off x="838200" y="1825625"/>
+            <a:ext cx="10515600" cy="4895850"/>
+          </a:xfrm>
+        </p:spPr>
+        <p:txBody>
+          <a:bodyPr>
+            <a:normAutofit fontScale="92500" lnSpcReduction="10000"/>
+          </a:bodyPr>
+          <a:lstStyle/>
+          <a:p>
+            <a:r>
+              <a:rPr lang="en-US" dirty="0"/>
+              <a:t>Regular grid</a:t>
+            </a:r>
+          </a:p>
+          <a:p>
+            <a:pPr lvl="1"/>
+            <a:r>
+              <a:rPr lang="en-US" dirty="0"/>
+              <a:t>a known, pre-defined set of tuning parameter values</a:t>
+            </a:r>
+          </a:p>
+          <a:p>
+            <a:pPr lvl="1"/>
+            <a:r>
+              <a:rPr lang="en-US" dirty="0"/>
+              <a:t>the number of values don't have to be the same per parameter</a:t>
+            </a:r>
+          </a:p>
+          <a:p>
+            <a:pPr lvl="1"/>
+            <a:r>
+              <a:rPr lang="en-US" dirty="0"/>
+              <a:t>Quantitative and qualitative parameters can be combined</a:t>
+            </a:r>
+          </a:p>
+          <a:p>
+            <a:pPr lvl="1"/>
+            <a:r>
+              <a:rPr lang="en-US" dirty="0"/>
+              <a:t>As the number of parameters increases, so does the burden of dimensionality</a:t>
+            </a:r>
+          </a:p>
+          <a:p>
+            <a:pPr lvl="1"/>
+            <a:r>
+              <a:rPr lang="en-US" dirty="0"/>
+              <a:t>Thought to be inefficient but not in all cases</a:t>
+            </a:r>
+          </a:p>
+          <a:p>
+            <a:r>
+              <a:rPr lang="en-US" dirty="0"/>
+              <a:t>Non-regular grids (or random grids)</a:t>
+            </a:r>
+          </a:p>
+          <a:p>
+            <a:pPr lvl="1"/>
+            <a:r>
+              <a:rPr lang="en-US" dirty="0"/>
+              <a:t>define a range of possible values for each parameter and randomly sample the multidimensional space enough times to cover a reasonable amount</a:t>
+            </a:r>
+          </a:p>
+          <a:p>
+            <a:pPr lvl="1"/>
+            <a:r>
+              <a:rPr lang="en-US" dirty="0"/>
+              <a:t>beneficial when there are a large number of tuning parameters and there is no </a:t>
+            </a:r>
+            <a:r>
+              <a:rPr lang="en-US" i="1" dirty="0"/>
+              <a:t>a priori</a:t>
+            </a:r>
+            <a:r>
+              <a:rPr lang="en-US" dirty="0"/>
+              <a:t> notion of which values should be used</a:t>
+            </a:r>
+          </a:p>
+          <a:p>
+            <a:pPr lvl="1"/>
+            <a:r>
+              <a:rPr lang="en-US" dirty="0"/>
+              <a:t>A large grid may be inefficient to search, especially if the profile has a fairly stable pattern with little change over some range of the parameter</a:t>
+            </a:r>
+          </a:p>
+          <a:p>
+            <a:pPr lvl="1"/>
+            <a:r>
+              <a:rPr lang="en-US" dirty="0"/>
+              <a:t>Good for neural networks and gradient boosting machines</a:t>
+            </a:r>
+          </a:p>
+        </p:txBody>
+      </p:sp>
+      <p:sp>
+        <p:nvSpPr>
+          <p:cNvPr id="4" name="Slide Number Placeholder 3">
+            <a:extLst>
+              <a:ext uri="{FF2B5EF4-FFF2-40B4-BE49-F238E27FC236}">
+                <a16:creationId xmlns:a16="http://schemas.microsoft.com/office/drawing/2014/main" id="{9466F23F-EAF5-4F26-B6CE-D5C0E31E6263}"/>
+              </a:ext>
+            </a:extLst>
+          </p:cNvPr>
+          <p:cNvSpPr>
+            <a:spLocks noGrp="1"/>
+          </p:cNvSpPr>
+          <p:nvPr>
+            <p:ph type="sldNum" sz="quarter" idx="12"/>
+          </p:nvPr>
+        </p:nvSpPr>
+        <p:spPr/>
+        <p:txBody>
+          <a:bodyPr/>
+          <a:lstStyle/>
+          <a:p>
+            <a:fld id="{1FD78A80-B303-491C-AEE7-8281801B0C65}" type="slidenum">
+              <a:rPr lang="en-US" smtClean="0">
+                <a:solidFill>
+                  <a:prstClr val="black">
+                    <a:tint val="75000"/>
+                  </a:prstClr>
+                </a:solidFill>
+              </a:rPr>
+              <a:pPr/>
+              <a:t>43</a:t>
+            </a:fld>
+            <a:endParaRPr lang="en-US">
+              <a:solidFill>
+                <a:prstClr val="black">
+                  <a:tint val="75000"/>
+                </a:prstClr>
+              </a:solidFill>
+            </a:endParaRPr>
+          </a:p>
+        </p:txBody>
+      </p:sp>
+    </p:spTree>
+    <p:extLst>
+      <p:ext uri="{BB962C8B-B14F-4D97-AF65-F5344CB8AC3E}">
+        <p14:creationId xmlns:p14="http://schemas.microsoft.com/office/powerpoint/2010/main" val="2075152980"/>
+      </p:ext>
+    </p:extLst>
+  </p:cSld>
+  <p:clrMapOvr>
+    <a:masterClrMapping/>
+  </p:clrMapOvr>
+</p:sld>
+</file>
+
+<file path=ppt/slides/slide44.xml><?xml version="1.0" encoding="utf-8"?>
+<p:sld xmlns:a="http://schemas.openxmlformats.org/drawingml/2006/main" xmlns:r="http://schemas.openxmlformats.org/officeDocument/2006/relationships" xmlns:p="http://schemas.openxmlformats.org/presentationml/2006/main">
+  <p:cSld>
+    <p:spTree>
+      <p:nvGrpSpPr>
+        <p:cNvPr id="1" name=""/>
+        <p:cNvGrpSpPr/>
+        <p:nvPr/>
+      </p:nvGrpSpPr>
+      <p:grpSpPr>
+        <a:xfrm>
+          <a:off x="0" y="0"/>
+          <a:ext cx="0" cy="0"/>
+          <a:chOff x="0" y="0"/>
+          <a:chExt cx="0" cy="0"/>
+        </a:xfrm>
+      </p:grpSpPr>
+      <p:sp>
+        <p:nvSpPr>
+          <p:cNvPr id="4" name="Slide Number Placeholder 3">
+            <a:extLst>
+              <a:ext uri="{FF2B5EF4-FFF2-40B4-BE49-F238E27FC236}">
+                <a16:creationId xmlns:a16="http://schemas.microsoft.com/office/drawing/2014/main" id="{FBD00455-A202-46FA-869D-ACAAD54AD532}"/>
+              </a:ext>
+            </a:extLst>
+          </p:cNvPr>
+          <p:cNvSpPr>
+            <a:spLocks noGrp="1"/>
+          </p:cNvSpPr>
+          <p:nvPr>
+            <p:ph type="sldNum" sz="quarter" idx="12"/>
+          </p:nvPr>
+        </p:nvSpPr>
+        <p:spPr/>
+        <p:txBody>
+          <a:bodyPr/>
+          <a:lstStyle/>
+          <a:p>
+            <a:fld id="{1FD78A80-B303-491C-AEE7-8281801B0C65}" type="slidenum">
+              <a:rPr lang="en-US" smtClean="0">
+                <a:solidFill>
+                  <a:prstClr val="black">
+                    <a:tint val="75000"/>
+                  </a:prstClr>
+                </a:solidFill>
+              </a:rPr>
+              <a:pPr/>
+              <a:t>44</a:t>
+            </a:fld>
+            <a:endParaRPr lang="en-US">
+              <a:solidFill>
+                <a:prstClr val="black">
+                  <a:tint val="75000"/>
+                </a:prstClr>
+              </a:solidFill>
+            </a:endParaRPr>
+          </a:p>
+        </p:txBody>
+      </p:sp>
+      <p:pic>
+        <p:nvPicPr>
+          <p:cNvPr id="5" name="Picture 4">
+            <a:extLst>
+              <a:ext uri="{FF2B5EF4-FFF2-40B4-BE49-F238E27FC236}">
+                <a16:creationId xmlns:a16="http://schemas.microsoft.com/office/drawing/2014/main" id="{626D3D60-2C12-430A-8B52-9CBB24C65A43}"/>
+              </a:ext>
+            </a:extLst>
+          </p:cNvPr>
+          <p:cNvPicPr>
+            <a:picLocks noChangeAspect="1"/>
+          </p:cNvPicPr>
+          <p:nvPr/>
+        </p:nvPicPr>
+        <p:blipFill>
+          <a:blip r:embed="rId2"/>
+          <a:stretch>
+            <a:fillRect/>
+          </a:stretch>
+        </p:blipFill>
+        <p:spPr>
+          <a:xfrm>
+            <a:off x="745536" y="757003"/>
+            <a:ext cx="5440405" cy="5032375"/>
+          </a:xfrm>
+          <a:prstGeom prst="rect">
+            <a:avLst/>
+          </a:prstGeom>
+        </p:spPr>
+      </p:pic>
+      <p:pic>
+        <p:nvPicPr>
+          <p:cNvPr id="6" name="Picture 5">
+            <a:extLst>
+              <a:ext uri="{FF2B5EF4-FFF2-40B4-BE49-F238E27FC236}">
+                <a16:creationId xmlns:a16="http://schemas.microsoft.com/office/drawing/2014/main" id="{28548607-6F3D-49A5-AC29-392C3DC1BC7E}"/>
+              </a:ext>
+            </a:extLst>
+          </p:cNvPr>
+          <p:cNvPicPr>
+            <a:picLocks noChangeAspect="1"/>
+          </p:cNvPicPr>
+          <p:nvPr/>
+        </p:nvPicPr>
+        <p:blipFill>
+          <a:blip r:embed="rId3"/>
+          <a:stretch>
+            <a:fillRect/>
+          </a:stretch>
+        </p:blipFill>
+        <p:spPr>
+          <a:xfrm>
+            <a:off x="6323892" y="757003"/>
+            <a:ext cx="5436973" cy="5029200"/>
+          </a:xfrm>
+          <a:prstGeom prst="rect">
+            <a:avLst/>
+          </a:prstGeom>
+        </p:spPr>
+      </p:pic>
+    </p:spTree>
+    <p:extLst>
+      <p:ext uri="{BB962C8B-B14F-4D97-AF65-F5344CB8AC3E}">
+        <p14:creationId xmlns:p14="http://schemas.microsoft.com/office/powerpoint/2010/main" val="3783399767"/>
+      </p:ext>
+    </p:extLst>
+  </p:cSld>
+  <p:clrMapOvr>
+    <a:masterClrMapping/>
+  </p:clrMapOvr>
+</p:sld>
+</file>
+
+<file path=ppt/slides/slide45.xml><?xml version="1.0" encoding="utf-8"?>
+<p:sld xmlns:a="http://schemas.openxmlformats.org/drawingml/2006/main" xmlns:r="http://schemas.openxmlformats.org/officeDocument/2006/relationships" xmlns:p="http://schemas.openxmlformats.org/presentationml/2006/main">
+  <p:cSld>
+    <p:spTree>
+      <p:nvGrpSpPr>
+        <p:cNvPr id="1" name=""/>
+        <p:cNvGrpSpPr/>
+        <p:nvPr/>
+      </p:nvGrpSpPr>
+      <p:grpSpPr>
+        <a:xfrm>
+          <a:off x="0" y="0"/>
+          <a:ext cx="0" cy="0"/>
+          <a:chOff x="0" y="0"/>
+          <a:chExt cx="0" cy="0"/>
+        </a:xfrm>
+      </p:grpSpPr>
+      <p:sp>
+        <p:nvSpPr>
+          <p:cNvPr id="2" name="Title 1">
+            <a:extLst>
+              <a:ext uri="{FF2B5EF4-FFF2-40B4-BE49-F238E27FC236}">
                 <a16:creationId xmlns:a16="http://schemas.microsoft.com/office/drawing/2014/main" id="{CF714EBA-D095-417E-AFA3-8AEF29CCED25}"/>
               </a:ext>
             </a:extLst>
@@ -20694,7 +21042,7 @@
                 </a:solidFill>
               </a:rPr>
               <a:pPr/>
-              <a:t>43</a:t>
+              <a:t>45</a:t>
             </a:fld>
             <a:endParaRPr lang="en-US">
               <a:solidFill>
@@ -21145,7 +21493,7 @@
 </p:sld>
 </file>
 
-<file path=ppt/slides/slide44.xml><?xml version="1.0" encoding="utf-8"?>
+<file path=ppt/slides/slide46.xml><?xml version="1.0" encoding="utf-8"?>
 <p:sld xmlns:a="http://schemas.openxmlformats.org/drawingml/2006/main" xmlns:r="http://schemas.openxmlformats.org/officeDocument/2006/relationships" xmlns:p="http://schemas.openxmlformats.org/presentationml/2006/main">
   <p:cSld>
     <p:spTree>
@@ -21746,7 +22094,7 @@
                 </a:solidFill>
               </a:rPr>
               <a:pPr/>
-              <a:t>44</a:t>
+              <a:t>46</a:t>
             </a:fld>
             <a:endParaRPr lang="en-US">
               <a:solidFill>
@@ -21884,7 +22232,7 @@
 </p:sld>
 </file>
 
-<file path=ppt/slides/slide45.xml><?xml version="1.0" encoding="utf-8"?>
+<file path=ppt/slides/slide47.xml><?xml version="1.0" encoding="utf-8"?>
 <p:sld xmlns:a="http://schemas.openxmlformats.org/drawingml/2006/main" xmlns:r="http://schemas.openxmlformats.org/officeDocument/2006/relationships" xmlns:p="http://schemas.openxmlformats.org/presentationml/2006/main">
   <p:cSld>
     <p:bg>
@@ -22516,7 +22864,7 @@
                 </a:solidFill>
               </a:rPr>
               <a:pPr/>
-              <a:t>45</a:t>
+              <a:t>47</a:t>
             </a:fld>
             <a:endParaRPr lang="en-US">
               <a:solidFill>
@@ -23131,7 +23479,7 @@
 </p:sld>
 </file>
 
-<file path=ppt/slides/slide46.xml><?xml version="1.0" encoding="utf-8"?>
+<file path=ppt/slides/slide48.xml><?xml version="1.0" encoding="utf-8"?>
 <p:sld xmlns:a="http://schemas.openxmlformats.org/drawingml/2006/main" xmlns:r="http://schemas.openxmlformats.org/officeDocument/2006/relationships" xmlns:p="http://schemas.openxmlformats.org/presentationml/2006/main">
   <p:cSld>
     <p:spTree>
@@ -23420,7 +23768,7 @@
                 </a:solidFill>
               </a:rPr>
               <a:pPr/>
-              <a:t>46</a:t>
+              <a:t>48</a:t>
             </a:fld>
             <a:endParaRPr lang="en-US">
               <a:solidFill>
@@ -23616,7 +23964,7 @@
 </p:sld>
 </file>
 
-<file path=ppt/slides/slide47.xml><?xml version="1.0" encoding="utf-8"?>
+<file path=ppt/slides/slide49.xml><?xml version="1.0" encoding="utf-8"?>
 <p:sld xmlns:a="http://schemas.openxmlformats.org/drawingml/2006/main" xmlns:r="http://schemas.openxmlformats.org/officeDocument/2006/relationships" xmlns:p="http://schemas.openxmlformats.org/presentationml/2006/main">
   <p:cSld>
     <p:spTree>
@@ -23750,7 +24098,7 @@
                 </a:solidFill>
               </a:rPr>
               <a:pPr/>
-              <a:t>47</a:t>
+              <a:t>49</a:t>
             </a:fld>
             <a:endParaRPr lang="en-US">
               <a:solidFill>
@@ -23775,7 +24123,109 @@
 </p:sld>
 </file>
 
-<file path=ppt/slides/slide48.xml><?xml version="1.0" encoding="utf-8"?>
+<file path=ppt/slides/slide5.xml><?xml version="1.0" encoding="utf-8"?>
+<p:sld xmlns:a="http://schemas.openxmlformats.org/drawingml/2006/main" xmlns:r="http://schemas.openxmlformats.org/officeDocument/2006/relationships" xmlns:p="http://schemas.openxmlformats.org/presentationml/2006/main">
+  <p:cSld>
+    <p:spTree>
+      <p:nvGrpSpPr>
+        <p:cNvPr id="1" name=""/>
+        <p:cNvGrpSpPr/>
+        <p:nvPr/>
+      </p:nvGrpSpPr>
+      <p:grpSpPr>
+        <a:xfrm>
+          <a:off x="0" y="0"/>
+          <a:ext cx="0" cy="0"/>
+          <a:chOff x="0" y="0"/>
+          <a:chExt cx="0" cy="0"/>
+        </a:xfrm>
+      </p:grpSpPr>
+      <p:sp>
+        <p:nvSpPr>
+          <p:cNvPr id="4" name="Slide Number Placeholder 3">
+            <a:extLst>
+              <a:ext uri="{FF2B5EF4-FFF2-40B4-BE49-F238E27FC236}">
+                <a16:creationId xmlns:a16="http://schemas.microsoft.com/office/drawing/2014/main" id="{540DFF92-E2A0-426D-8547-DD6358862BD9}"/>
+              </a:ext>
+            </a:extLst>
+          </p:cNvPr>
+          <p:cNvSpPr>
+            <a:spLocks noGrp="1"/>
+          </p:cNvSpPr>
+          <p:nvPr>
+            <p:ph type="sldNum" sz="quarter" idx="12"/>
+          </p:nvPr>
+        </p:nvSpPr>
+        <p:spPr/>
+        <p:txBody>
+          <a:bodyPr/>
+          <a:lstStyle/>
+          <a:p>
+            <a:fld id="{1FD78A80-B303-491C-AEE7-8281801B0C65}" type="slidenum">
+              <a:rPr lang="en-US" smtClean="0">
+                <a:solidFill>
+                  <a:prstClr val="black">
+                    <a:tint val="75000"/>
+                  </a:prstClr>
+                </a:solidFill>
+              </a:rPr>
+              <a:pPr/>
+              <a:t>5</a:t>
+            </a:fld>
+            <a:endParaRPr lang="en-US">
+              <a:solidFill>
+                <a:prstClr val="black">
+                  <a:tint val="75000"/>
+                </a:prstClr>
+              </a:solidFill>
+            </a:endParaRPr>
+          </a:p>
+        </p:txBody>
+      </p:sp>
+      <p:pic>
+        <p:nvPicPr>
+          <p:cNvPr id="5" name="Picture 4">
+            <a:extLst>
+              <a:ext uri="{FF2B5EF4-FFF2-40B4-BE49-F238E27FC236}">
+                <a16:creationId xmlns:a16="http://schemas.microsoft.com/office/drawing/2014/main" id="{2870A04C-AD75-40D4-B6B5-66CCA9E1D8FF}"/>
+              </a:ext>
+            </a:extLst>
+          </p:cNvPr>
+          <p:cNvPicPr>
+            <a:picLocks noChangeAspect="1"/>
+          </p:cNvPicPr>
+          <p:nvPr/>
+        </p:nvPicPr>
+        <p:blipFill>
+          <a:blip r:embed="rId2"/>
+          <a:stretch>
+            <a:fillRect/>
+          </a:stretch>
+        </p:blipFill>
+        <p:spPr>
+          <a:xfrm>
+            <a:off x="2936696" y="0"/>
+            <a:ext cx="6318607" cy="6858000"/>
+          </a:xfrm>
+          <a:prstGeom prst="rect">
+            <a:avLst/>
+          </a:prstGeom>
+        </p:spPr>
+      </p:pic>
+    </p:spTree>
+    <p:extLst>
+      <p:ext uri="{BB962C8B-B14F-4D97-AF65-F5344CB8AC3E}">
+        <p14:creationId xmlns:p14="http://schemas.microsoft.com/office/powerpoint/2010/main" val="1910017591"/>
+      </p:ext>
+    </p:extLst>
+  </p:cSld>
+  <p:clrMapOvr>
+    <a:masterClrMapping/>
+  </p:clrMapOvr>
+</p:sld>
+</file>
+
+<file path=ppt/slides/slide50.xml><?xml version="1.0" encoding="utf-8"?>
 <p:sld xmlns:a="http://schemas.openxmlformats.org/drawingml/2006/main" xmlns:r="http://schemas.openxmlformats.org/officeDocument/2006/relationships" xmlns:p="http://schemas.openxmlformats.org/presentationml/2006/main">
   <p:cSld>
     <p:spTree>
@@ -24026,7 +24476,7 @@
                 </a:solidFill>
               </a:rPr>
               <a:pPr/>
-              <a:t>48</a:t>
+              <a:t>50</a:t>
             </a:fld>
             <a:endParaRPr lang="en-US">
               <a:solidFill>
@@ -24435,7 +24885,7 @@
 </p:sld>
 </file>
 
-<file path=ppt/slides/slide49.xml><?xml version="1.0" encoding="utf-8"?>
+<file path=ppt/slides/slide51.xml><?xml version="1.0" encoding="utf-8"?>
 <p:sld xmlns:a="http://schemas.openxmlformats.org/drawingml/2006/main" xmlns:r="http://schemas.openxmlformats.org/officeDocument/2006/relationships" xmlns:p="http://schemas.openxmlformats.org/presentationml/2006/main">
   <p:cSld>
     <p:spTree>
@@ -24714,7 +25164,7 @@
                 </a:solidFill>
               </a:rPr>
               <a:pPr/>
-              <a:t>49</a:t>
+              <a:t>51</a:t>
             </a:fld>
             <a:endParaRPr lang="en-US">
               <a:solidFill>
@@ -24799,1206 +25249,6 @@
 </p:sld>
 </file>
 
-<file path=ppt/slides/slide5.xml><?xml version="1.0" encoding="utf-8"?>
-<p:sld xmlns:a="http://schemas.openxmlformats.org/drawingml/2006/main" xmlns:r="http://schemas.openxmlformats.org/officeDocument/2006/relationships" xmlns:p="http://schemas.openxmlformats.org/presentationml/2006/main">
-  <p:cSld>
-    <p:spTree>
-      <p:nvGrpSpPr>
-        <p:cNvPr id="1" name=""/>
-        <p:cNvGrpSpPr/>
-        <p:nvPr/>
-      </p:nvGrpSpPr>
-      <p:grpSpPr>
-        <a:xfrm>
-          <a:off x="0" y="0"/>
-          <a:ext cx="0" cy="0"/>
-          <a:chOff x="0" y="0"/>
-          <a:chExt cx="0" cy="0"/>
-        </a:xfrm>
-      </p:grpSpPr>
-      <p:sp>
-        <p:nvSpPr>
-          <p:cNvPr id="4" name="Slide Number Placeholder 3">
-            <a:extLst>
-              <a:ext uri="{FF2B5EF4-FFF2-40B4-BE49-F238E27FC236}">
-                <a16:creationId xmlns:a16="http://schemas.microsoft.com/office/drawing/2014/main" id="{540DFF92-E2A0-426D-8547-DD6358862BD9}"/>
-              </a:ext>
-            </a:extLst>
-          </p:cNvPr>
-          <p:cNvSpPr>
-            <a:spLocks noGrp="1"/>
-          </p:cNvSpPr>
-          <p:nvPr>
-            <p:ph type="sldNum" sz="quarter" idx="12"/>
-          </p:nvPr>
-        </p:nvSpPr>
-        <p:spPr/>
-        <p:txBody>
-          <a:bodyPr/>
-          <a:lstStyle/>
-          <a:p>
-            <a:fld id="{1FD78A80-B303-491C-AEE7-8281801B0C65}" type="slidenum">
-              <a:rPr lang="en-US" smtClean="0">
-                <a:solidFill>
-                  <a:prstClr val="black">
-                    <a:tint val="75000"/>
-                  </a:prstClr>
-                </a:solidFill>
-              </a:rPr>
-              <a:pPr/>
-              <a:t>5</a:t>
-            </a:fld>
-            <a:endParaRPr lang="en-US">
-              <a:solidFill>
-                <a:prstClr val="black">
-                  <a:tint val="75000"/>
-                </a:prstClr>
-              </a:solidFill>
-            </a:endParaRPr>
-          </a:p>
-        </p:txBody>
-      </p:sp>
-      <p:pic>
-        <p:nvPicPr>
-          <p:cNvPr id="5" name="Picture 4">
-            <a:extLst>
-              <a:ext uri="{FF2B5EF4-FFF2-40B4-BE49-F238E27FC236}">
-                <a16:creationId xmlns:a16="http://schemas.microsoft.com/office/drawing/2014/main" id="{2870A04C-AD75-40D4-B6B5-66CCA9E1D8FF}"/>
-              </a:ext>
-            </a:extLst>
-          </p:cNvPr>
-          <p:cNvPicPr>
-            <a:picLocks noChangeAspect="1"/>
-          </p:cNvPicPr>
-          <p:nvPr/>
-        </p:nvPicPr>
-        <p:blipFill>
-          <a:blip r:embed="rId2"/>
-          <a:stretch>
-            <a:fillRect/>
-          </a:stretch>
-        </p:blipFill>
-        <p:spPr>
-          <a:xfrm>
-            <a:off x="2936696" y="0"/>
-            <a:ext cx="6318607" cy="6858000"/>
-          </a:xfrm>
-          <a:prstGeom prst="rect">
-            <a:avLst/>
-          </a:prstGeom>
-        </p:spPr>
-      </p:pic>
-    </p:spTree>
-    <p:extLst>
-      <p:ext uri="{BB962C8B-B14F-4D97-AF65-F5344CB8AC3E}">
-        <p14:creationId xmlns:p14="http://schemas.microsoft.com/office/powerpoint/2010/main" val="1910017591"/>
-      </p:ext>
-    </p:extLst>
-  </p:cSld>
-  <p:clrMapOvr>
-    <a:masterClrMapping/>
-  </p:clrMapOvr>
-</p:sld>
-</file>
-
-<file path=ppt/slides/slide50.xml><?xml version="1.0" encoding="utf-8"?>
-<p:sld xmlns:a="http://schemas.openxmlformats.org/drawingml/2006/main" xmlns:r="http://schemas.openxmlformats.org/officeDocument/2006/relationships" xmlns:p="http://schemas.openxmlformats.org/presentationml/2006/main">
-  <p:cSld>
-    <p:spTree>
-      <p:nvGrpSpPr>
-        <p:cNvPr id="1" name=""/>
-        <p:cNvGrpSpPr/>
-        <p:nvPr/>
-      </p:nvGrpSpPr>
-      <p:grpSpPr>
-        <a:xfrm>
-          <a:off x="0" y="0"/>
-          <a:ext cx="0" cy="0"/>
-          <a:chOff x="0" y="0"/>
-          <a:chExt cx="0" cy="0"/>
-        </a:xfrm>
-      </p:grpSpPr>
-      <p:sp>
-        <p:nvSpPr>
-          <p:cNvPr id="2" name="Title 1">
-            <a:extLst>
-              <a:ext uri="{FF2B5EF4-FFF2-40B4-BE49-F238E27FC236}">
-                <a16:creationId xmlns:a16="http://schemas.microsoft.com/office/drawing/2014/main" id="{335E744C-4531-4922-90A2-6BB5496B0B63}"/>
-              </a:ext>
-            </a:extLst>
-          </p:cNvPr>
-          <p:cNvSpPr>
-            <a:spLocks noGrp="1"/>
-          </p:cNvSpPr>
-          <p:nvPr>
-            <p:ph type="title"/>
-          </p:nvPr>
-        </p:nvSpPr>
-        <p:spPr/>
-        <p:txBody>
-          <a:bodyPr/>
-          <a:lstStyle/>
-          <a:p>
-            <a:r>
-              <a:rPr lang="en-US" dirty="0" err="1">
-                <a:latin typeface="Courier New" panose="02070309020205020404" pitchFamily="49" charset="0"/>
-                <a:cs typeface="Courier New" panose="02070309020205020404" pitchFamily="49" charset="0"/>
-              </a:rPr>
-              <a:t>grid_max_entropy</a:t>
-            </a:r>
-            <a:r>
-              <a:rPr lang="en-US" dirty="0">
-                <a:latin typeface="Courier New" panose="02070309020205020404" pitchFamily="49" charset="0"/>
-                <a:cs typeface="Courier New" panose="02070309020205020404" pitchFamily="49" charset="0"/>
-              </a:rPr>
-              <a:t>()</a:t>
-            </a:r>
-            <a:endParaRPr lang="en-US" dirty="0"/>
-          </a:p>
-        </p:txBody>
-      </p:sp>
-      <p:sp>
-        <p:nvSpPr>
-          <p:cNvPr id="3" name="Content Placeholder 2">
-            <a:extLst>
-              <a:ext uri="{FF2B5EF4-FFF2-40B4-BE49-F238E27FC236}">
-                <a16:creationId xmlns:a16="http://schemas.microsoft.com/office/drawing/2014/main" id="{9C8D96EA-7748-44C1-8559-C6CE06C7C747}"/>
-              </a:ext>
-            </a:extLst>
-          </p:cNvPr>
-          <p:cNvSpPr>
-            <a:spLocks noGrp="1"/>
-          </p:cNvSpPr>
-          <p:nvPr>
-            <p:ph idx="1"/>
-          </p:nvPr>
-        </p:nvSpPr>
-        <p:spPr/>
-        <p:txBody>
-          <a:bodyPr/>
-          <a:lstStyle/>
-          <a:p>
-            <a:pPr marL="0" indent="0">
-              <a:buNone/>
-            </a:pPr>
-            <a:r>
-              <a:rPr lang="en-US" dirty="0" err="1"/>
-              <a:t>knn_params</a:t>
-            </a:r>
-            <a:r>
-              <a:rPr lang="en-US" dirty="0"/>
-              <a:t> &lt;- parameters(neighbors(), </a:t>
-            </a:r>
-            <a:r>
-              <a:rPr lang="en-US" dirty="0" err="1"/>
-              <a:t>weight_func</a:t>
-            </a:r>
-            <a:r>
-              <a:rPr lang="en-US" dirty="0"/>
-              <a:t>(), </a:t>
-            </a:r>
-            <a:r>
-              <a:rPr lang="en-US" dirty="0" err="1"/>
-              <a:t>dist_power</a:t>
-            </a:r>
-            <a:r>
-              <a:rPr lang="en-US" dirty="0"/>
-              <a:t>())</a:t>
-            </a:r>
-          </a:p>
-          <a:p>
-            <a:pPr marL="0" indent="0">
-              <a:buNone/>
-            </a:pPr>
-            <a:r>
-              <a:rPr lang="en-US" dirty="0" err="1"/>
-              <a:t>knn_sfd</a:t>
-            </a:r>
-            <a:r>
-              <a:rPr lang="en-US" dirty="0"/>
-              <a:t> &lt;- </a:t>
-            </a:r>
-            <a:r>
-              <a:rPr lang="en-US" dirty="0" err="1">
-                <a:solidFill>
-                  <a:srgbClr val="00B0F0"/>
-                </a:solidFill>
-              </a:rPr>
-              <a:t>grid_max_entropy</a:t>
-            </a:r>
-            <a:r>
-              <a:rPr lang="en-US" dirty="0"/>
-              <a:t>(</a:t>
-            </a:r>
-            <a:r>
-              <a:rPr lang="en-US" dirty="0" err="1"/>
-              <a:t>knn_params</a:t>
-            </a:r>
-            <a:r>
-              <a:rPr lang="en-US" dirty="0"/>
-              <a:t>, </a:t>
-            </a:r>
-            <a:r>
-              <a:rPr lang="en-US" dirty="0">
-                <a:solidFill>
-                  <a:srgbClr val="00B0F0"/>
-                </a:solidFill>
-              </a:rPr>
-              <a:t>size = 50</a:t>
-            </a:r>
-            <a:r>
-              <a:rPr lang="en-US" dirty="0"/>
-              <a:t>)</a:t>
-            </a:r>
-          </a:p>
-          <a:p>
-            <a:pPr marL="0" indent="0">
-              <a:buNone/>
-            </a:pPr>
-            <a:endParaRPr lang="en-US" sz="1400" dirty="0"/>
-          </a:p>
-          <a:p>
-            <a:pPr marL="0" indent="0">
-              <a:buNone/>
-            </a:pPr>
-            <a:endParaRPr lang="en-US" sz="1400" dirty="0"/>
-          </a:p>
-          <a:p>
-            <a:pPr marL="0" indent="0">
-              <a:buNone/>
-            </a:pPr>
-            <a:endParaRPr lang="en-US" sz="1400" dirty="0"/>
-          </a:p>
-          <a:p>
-            <a:pPr marL="0" indent="0">
-              <a:buNone/>
-            </a:pPr>
-            <a:r>
-              <a:rPr lang="en-US" sz="1800" dirty="0" err="1">
-                <a:solidFill>
-                  <a:srgbClr val="7030A0"/>
-                </a:solidFill>
-              </a:rPr>
-              <a:t>knn_sfd</a:t>
-            </a:r>
-            <a:r>
-              <a:rPr lang="en-US" sz="1800" dirty="0"/>
-              <a:t> %&gt;% </a:t>
-            </a:r>
-          </a:p>
-          <a:p>
-            <a:pPr marL="0" indent="0">
-              <a:buNone/>
-            </a:pPr>
-            <a:r>
-              <a:rPr lang="en-US" sz="1800" dirty="0"/>
-              <a:t>  </a:t>
-            </a:r>
-            <a:r>
-              <a:rPr lang="en-US" sz="1800" dirty="0" err="1"/>
-              <a:t>ggplot</a:t>
-            </a:r>
-            <a:r>
-              <a:rPr lang="en-US" sz="1800" dirty="0"/>
-              <a:t>(</a:t>
-            </a:r>
-            <a:r>
-              <a:rPr lang="en-US" sz="1800" dirty="0" err="1"/>
-              <a:t>aes</a:t>
-            </a:r>
-            <a:r>
-              <a:rPr lang="en-US" sz="1800" dirty="0"/>
-              <a:t>(neighbors, </a:t>
-            </a:r>
-            <a:r>
-              <a:rPr lang="en-US" sz="1800" dirty="0" err="1"/>
-              <a:t>dist_power</a:t>
-            </a:r>
-            <a:r>
-              <a:rPr lang="en-US" sz="1800" dirty="0"/>
-              <a:t>)) +</a:t>
-            </a:r>
-          </a:p>
-          <a:p>
-            <a:pPr marL="0" indent="0">
-              <a:buNone/>
-            </a:pPr>
-            <a:r>
-              <a:rPr lang="en-US" sz="1800" dirty="0"/>
-              <a:t>  </a:t>
-            </a:r>
-            <a:r>
-              <a:rPr lang="en-US" sz="1800" dirty="0" err="1"/>
-              <a:t>geom_point</a:t>
-            </a:r>
-            <a:r>
-              <a:rPr lang="en-US" sz="1800" dirty="0"/>
-              <a:t>(</a:t>
-            </a:r>
-            <a:r>
-              <a:rPr lang="en-US" sz="1800" dirty="0" err="1"/>
-              <a:t>aes</a:t>
-            </a:r>
-            <a:r>
-              <a:rPr lang="en-US" sz="1800" dirty="0"/>
-              <a:t>(color = </a:t>
-            </a:r>
-            <a:r>
-              <a:rPr lang="en-US" sz="1800" dirty="0" err="1"/>
-              <a:t>weight_func</a:t>
-            </a:r>
-            <a:r>
-              <a:rPr lang="en-US" sz="1800" dirty="0"/>
-              <a:t>))</a:t>
-            </a:r>
-          </a:p>
-        </p:txBody>
-      </p:sp>
-      <p:sp>
-        <p:nvSpPr>
-          <p:cNvPr id="4" name="Slide Number Placeholder 3">
-            <a:extLst>
-              <a:ext uri="{FF2B5EF4-FFF2-40B4-BE49-F238E27FC236}">
-                <a16:creationId xmlns:a16="http://schemas.microsoft.com/office/drawing/2014/main" id="{66843850-2D8D-46FD-826F-9280286150DB}"/>
-              </a:ext>
-            </a:extLst>
-          </p:cNvPr>
-          <p:cNvSpPr>
-            <a:spLocks noGrp="1"/>
-          </p:cNvSpPr>
-          <p:nvPr>
-            <p:ph type="sldNum" sz="quarter" idx="12"/>
-          </p:nvPr>
-        </p:nvSpPr>
-        <p:spPr/>
-        <p:txBody>
-          <a:bodyPr/>
-          <a:lstStyle/>
-          <a:p>
-            <a:fld id="{1FD78A80-B303-491C-AEE7-8281801B0C65}" type="slidenum">
-              <a:rPr lang="en-US" smtClean="0">
-                <a:solidFill>
-                  <a:prstClr val="black">
-                    <a:tint val="75000"/>
-                  </a:prstClr>
-                </a:solidFill>
-              </a:rPr>
-              <a:pPr/>
-              <a:t>50</a:t>
-            </a:fld>
-            <a:endParaRPr lang="en-US">
-              <a:solidFill>
-                <a:prstClr val="black">
-                  <a:tint val="75000"/>
-                </a:prstClr>
-              </a:solidFill>
-            </a:endParaRPr>
-          </a:p>
-        </p:txBody>
-      </p:sp>
-      <p:pic>
-        <p:nvPicPr>
-          <p:cNvPr id="5" name="Picture 4">
-            <a:extLst>
-              <a:ext uri="{FF2B5EF4-FFF2-40B4-BE49-F238E27FC236}">
-                <a16:creationId xmlns:a16="http://schemas.microsoft.com/office/drawing/2014/main" id="{58D55AD3-6F20-4B33-86E1-04B66338D629}"/>
-              </a:ext>
-            </a:extLst>
-          </p:cNvPr>
-          <p:cNvPicPr>
-            <a:picLocks noChangeAspect="1"/>
-          </p:cNvPicPr>
-          <p:nvPr/>
-        </p:nvPicPr>
-        <p:blipFill>
-          <a:blip r:embed="rId2"/>
-          <a:stretch>
-            <a:fillRect/>
-          </a:stretch>
-        </p:blipFill>
-        <p:spPr>
-          <a:xfrm>
-            <a:off x="4754880" y="2743200"/>
-            <a:ext cx="5408402" cy="4094659"/>
-          </a:xfrm>
-          <a:prstGeom prst="rect">
-            <a:avLst/>
-          </a:prstGeom>
-        </p:spPr>
-      </p:pic>
-    </p:spTree>
-    <p:extLst>
-      <p:ext uri="{BB962C8B-B14F-4D97-AF65-F5344CB8AC3E}">
-        <p14:creationId xmlns:p14="http://schemas.microsoft.com/office/powerpoint/2010/main" val="285177931"/>
-      </p:ext>
-    </p:extLst>
-  </p:cSld>
-  <p:clrMapOvr>
-    <a:masterClrMapping/>
-  </p:clrMapOvr>
-  <p:timing>
-    <p:tnLst>
-      <p:par>
-        <p:cTn id="1" dur="indefinite" restart="never" nodeType="tmRoot">
-          <p:childTnLst>
-            <p:seq concurrent="1" nextAc="seek">
-              <p:cTn id="2" dur="indefinite" nodeType="mainSeq">
-                <p:childTnLst>
-                  <p:par>
-                    <p:cTn id="3" fill="hold">
-                      <p:stCondLst>
-                        <p:cond delay="indefinite"/>
-                      </p:stCondLst>
-                      <p:childTnLst>
-                        <p:par>
-                          <p:cTn id="4" fill="hold">
-                            <p:stCondLst>
-                              <p:cond delay="0"/>
-                            </p:stCondLst>
-                            <p:childTnLst>
-                              <p:par>
-                                <p:cTn id="5" presetID="1" presetClass="entr" presetSubtype="0" fill="hold" nodeType="clickEffect">
-                                  <p:stCondLst>
-                                    <p:cond delay="0"/>
-                                  </p:stCondLst>
-                                  <p:childTnLst>
-                                    <p:set>
-                                      <p:cBhvr>
-                                        <p:cTn id="6" dur="1" fill="hold">
-                                          <p:stCondLst>
-                                            <p:cond delay="0"/>
-                                          </p:stCondLst>
-                                        </p:cTn>
-                                        <p:tgtEl>
-                                          <p:spTgt spid="3">
-                                            <p:txEl>
-                                              <p:pRg st="1" end="1"/>
-                                            </p:txEl>
-                                          </p:spTgt>
-                                        </p:tgtEl>
-                                        <p:attrNameLst>
-                                          <p:attrName>style.visibility</p:attrName>
-                                        </p:attrNameLst>
-                                      </p:cBhvr>
-                                      <p:to>
-                                        <p:strVal val="visible"/>
-                                      </p:to>
-                                    </p:set>
-                                  </p:childTnLst>
-                                </p:cTn>
-                              </p:par>
-                            </p:childTnLst>
-                          </p:cTn>
-                        </p:par>
-                      </p:childTnLst>
-                    </p:cTn>
-                  </p:par>
-                  <p:par>
-                    <p:cTn id="7" fill="hold">
-                      <p:stCondLst>
-                        <p:cond delay="indefinite"/>
-                      </p:stCondLst>
-                      <p:childTnLst>
-                        <p:par>
-                          <p:cTn id="8" fill="hold">
-                            <p:stCondLst>
-                              <p:cond delay="0"/>
-                            </p:stCondLst>
-                            <p:childTnLst>
-                              <p:par>
-                                <p:cTn id="9" presetID="1" presetClass="entr" presetSubtype="0" fill="hold" nodeType="clickEffect">
-                                  <p:stCondLst>
-                                    <p:cond delay="0"/>
-                                  </p:stCondLst>
-                                  <p:childTnLst>
-                                    <p:set>
-                                      <p:cBhvr>
-                                        <p:cTn id="10" dur="1" fill="hold">
-                                          <p:stCondLst>
-                                            <p:cond delay="0"/>
-                                          </p:stCondLst>
-                                        </p:cTn>
-                                        <p:tgtEl>
-                                          <p:spTgt spid="3">
-                                            <p:txEl>
-                                              <p:pRg st="5" end="5"/>
-                                            </p:txEl>
-                                          </p:spTgt>
-                                        </p:tgtEl>
-                                        <p:attrNameLst>
-                                          <p:attrName>style.visibility</p:attrName>
-                                        </p:attrNameLst>
-                                      </p:cBhvr>
-                                      <p:to>
-                                        <p:strVal val="visible"/>
-                                      </p:to>
-                                    </p:set>
-                                  </p:childTnLst>
-                                </p:cTn>
-                              </p:par>
-                              <p:par>
-                                <p:cTn id="11" presetID="1" presetClass="entr" presetSubtype="0" fill="hold" nodeType="withEffect">
-                                  <p:stCondLst>
-                                    <p:cond delay="0"/>
-                                  </p:stCondLst>
-                                  <p:childTnLst>
-                                    <p:set>
-                                      <p:cBhvr>
-                                        <p:cTn id="12" dur="1" fill="hold">
-                                          <p:stCondLst>
-                                            <p:cond delay="0"/>
-                                          </p:stCondLst>
-                                        </p:cTn>
-                                        <p:tgtEl>
-                                          <p:spTgt spid="3">
-                                            <p:txEl>
-                                              <p:pRg st="6" end="6"/>
-                                            </p:txEl>
-                                          </p:spTgt>
-                                        </p:tgtEl>
-                                        <p:attrNameLst>
-                                          <p:attrName>style.visibility</p:attrName>
-                                        </p:attrNameLst>
-                                      </p:cBhvr>
-                                      <p:to>
-                                        <p:strVal val="visible"/>
-                                      </p:to>
-                                    </p:set>
-                                  </p:childTnLst>
-                                </p:cTn>
-                              </p:par>
-                              <p:par>
-                                <p:cTn id="13" presetID="1" presetClass="entr" presetSubtype="0" fill="hold" nodeType="withEffect">
-                                  <p:stCondLst>
-                                    <p:cond delay="0"/>
-                                  </p:stCondLst>
-                                  <p:childTnLst>
-                                    <p:set>
-                                      <p:cBhvr>
-                                        <p:cTn id="14" dur="1" fill="hold">
-                                          <p:stCondLst>
-                                            <p:cond delay="0"/>
-                                          </p:stCondLst>
-                                        </p:cTn>
-                                        <p:tgtEl>
-                                          <p:spTgt spid="3">
-                                            <p:txEl>
-                                              <p:pRg st="7" end="7"/>
-                                            </p:txEl>
-                                          </p:spTgt>
-                                        </p:tgtEl>
-                                        <p:attrNameLst>
-                                          <p:attrName>style.visibility</p:attrName>
-                                        </p:attrNameLst>
-                                      </p:cBhvr>
-                                      <p:to>
-                                        <p:strVal val="visible"/>
-                                      </p:to>
-                                    </p:set>
-                                  </p:childTnLst>
-                                </p:cTn>
-                              </p:par>
-                              <p:par>
-                                <p:cTn id="15" presetID="1" presetClass="entr" presetSubtype="0" fill="hold" nodeType="withEffect">
-                                  <p:stCondLst>
-                                    <p:cond delay="0"/>
-                                  </p:stCondLst>
-                                  <p:childTnLst>
-                                    <p:set>
-                                      <p:cBhvr>
-                                        <p:cTn id="16" dur="1" fill="hold">
-                                          <p:stCondLst>
-                                            <p:cond delay="0"/>
-                                          </p:stCondLst>
-                                        </p:cTn>
-                                        <p:tgtEl>
-                                          <p:spTgt spid="5"/>
-                                        </p:tgtEl>
-                                        <p:attrNameLst>
-                                          <p:attrName>style.visibility</p:attrName>
-                                        </p:attrNameLst>
-                                      </p:cBhvr>
-                                      <p:to>
-                                        <p:strVal val="visible"/>
-                                      </p:to>
-                                    </p:set>
-                                  </p:childTnLst>
-                                </p:cTn>
-                              </p:par>
-                            </p:childTnLst>
-                          </p:cTn>
-                        </p:par>
-                      </p:childTnLst>
-                    </p:cTn>
-                  </p:par>
-                </p:childTnLst>
-              </p:cTn>
-              <p:prevCondLst>
-                <p:cond evt="onPrev" delay="0">
-                  <p:tgtEl>
-                    <p:sldTgt/>
-                  </p:tgtEl>
-                </p:cond>
-              </p:prevCondLst>
-              <p:nextCondLst>
-                <p:cond evt="onNext" delay="0">
-                  <p:tgtEl>
-                    <p:sldTgt/>
-                  </p:tgtEl>
-                </p:cond>
-              </p:nextCondLst>
-            </p:seq>
-          </p:childTnLst>
-        </p:cTn>
-      </p:par>
-    </p:tnLst>
-  </p:timing>
-</p:sld>
-</file>
-
-<file path=ppt/slides/slide51.xml><?xml version="1.0" encoding="utf-8"?>
-<p:sld xmlns:a="http://schemas.openxmlformats.org/drawingml/2006/main" xmlns:r="http://schemas.openxmlformats.org/officeDocument/2006/relationships" xmlns:p="http://schemas.openxmlformats.org/presentationml/2006/main">
-  <p:cSld>
-    <p:spTree>
-      <p:nvGrpSpPr>
-        <p:cNvPr id="1" name=""/>
-        <p:cNvGrpSpPr/>
-        <p:nvPr/>
-      </p:nvGrpSpPr>
-      <p:grpSpPr>
-        <a:xfrm>
-          <a:off x="0" y="0"/>
-          <a:ext cx="0" cy="0"/>
-          <a:chOff x="0" y="0"/>
-          <a:chExt cx="0" cy="0"/>
-        </a:xfrm>
-      </p:grpSpPr>
-      <p:sp>
-        <p:nvSpPr>
-          <p:cNvPr id="2" name="Title 1">
-            <a:extLst>
-              <a:ext uri="{FF2B5EF4-FFF2-40B4-BE49-F238E27FC236}">
-                <a16:creationId xmlns:a16="http://schemas.microsoft.com/office/drawing/2014/main" id="{335E744C-4531-4922-90A2-6BB5496B0B63}"/>
-              </a:ext>
-            </a:extLst>
-          </p:cNvPr>
-          <p:cNvSpPr>
-            <a:spLocks noGrp="1"/>
-          </p:cNvSpPr>
-          <p:nvPr>
-            <p:ph type="title"/>
-          </p:nvPr>
-        </p:nvSpPr>
-        <p:spPr/>
-        <p:txBody>
-          <a:bodyPr/>
-          <a:lstStyle/>
-          <a:p>
-            <a:r>
-              <a:rPr lang="en-US" dirty="0" err="1">
-                <a:latin typeface="Courier New" panose="02070309020205020404" pitchFamily="49" charset="0"/>
-                <a:cs typeface="Courier New" panose="02070309020205020404" pitchFamily="49" charset="0"/>
-              </a:rPr>
-              <a:t>grid_regular</a:t>
-            </a:r>
-            <a:r>
-              <a:rPr lang="en-US" dirty="0">
-                <a:latin typeface="Courier New" panose="02070309020205020404" pitchFamily="49" charset="0"/>
-                <a:cs typeface="Courier New" panose="02070309020205020404" pitchFamily="49" charset="0"/>
-              </a:rPr>
-              <a:t>()</a:t>
-            </a:r>
-            <a:endParaRPr lang="en-US" dirty="0"/>
-          </a:p>
-        </p:txBody>
-      </p:sp>
-      <p:sp>
-        <p:nvSpPr>
-          <p:cNvPr id="3" name="Content Placeholder 2">
-            <a:extLst>
-              <a:ext uri="{FF2B5EF4-FFF2-40B4-BE49-F238E27FC236}">
-                <a16:creationId xmlns:a16="http://schemas.microsoft.com/office/drawing/2014/main" id="{9C8D96EA-7748-44C1-8559-C6CE06C7C747}"/>
-              </a:ext>
-            </a:extLst>
-          </p:cNvPr>
-          <p:cNvSpPr>
-            <a:spLocks noGrp="1"/>
-          </p:cNvSpPr>
-          <p:nvPr>
-            <p:ph idx="1"/>
-          </p:nvPr>
-        </p:nvSpPr>
-        <p:spPr/>
-        <p:txBody>
-          <a:bodyPr/>
-          <a:lstStyle/>
-          <a:p>
-            <a:pPr marL="0" indent="0">
-              <a:buNone/>
-            </a:pPr>
-            <a:r>
-              <a:rPr lang="en-US" dirty="0" err="1"/>
-              <a:t>knn_params</a:t>
-            </a:r>
-            <a:r>
-              <a:rPr lang="en-US" dirty="0"/>
-              <a:t> &lt;- parameters(neighbors(), </a:t>
-            </a:r>
-            <a:r>
-              <a:rPr lang="en-US" dirty="0" err="1"/>
-              <a:t>weight_func</a:t>
-            </a:r>
-            <a:r>
-              <a:rPr lang="en-US" dirty="0"/>
-              <a:t>(), </a:t>
-            </a:r>
-            <a:r>
-              <a:rPr lang="en-US" dirty="0" err="1"/>
-              <a:t>dist_power</a:t>
-            </a:r>
-            <a:r>
-              <a:rPr lang="en-US" dirty="0"/>
-              <a:t>())</a:t>
-            </a:r>
-          </a:p>
-          <a:p>
-            <a:pPr marL="0" indent="0">
-              <a:buNone/>
-            </a:pPr>
-            <a:r>
-              <a:rPr lang="en-US" dirty="0" err="1"/>
-              <a:t>knn_grid_reg</a:t>
-            </a:r>
-            <a:r>
-              <a:rPr lang="en-US" dirty="0"/>
-              <a:t> &lt;- </a:t>
-            </a:r>
-            <a:r>
-              <a:rPr lang="en-US" dirty="0" err="1">
-                <a:solidFill>
-                  <a:srgbClr val="00B0F0"/>
-                </a:solidFill>
-              </a:rPr>
-              <a:t>grid_regular</a:t>
-            </a:r>
-            <a:r>
-              <a:rPr lang="en-US" dirty="0"/>
-              <a:t>(</a:t>
-            </a:r>
-            <a:r>
-              <a:rPr lang="en-US" dirty="0" err="1"/>
-              <a:t>knn_params</a:t>
-            </a:r>
-            <a:r>
-              <a:rPr lang="en-US" dirty="0"/>
-              <a:t>, levels = c(10, 9, 5))</a:t>
-            </a:r>
-          </a:p>
-          <a:p>
-            <a:pPr marL="0" indent="0">
-              <a:buNone/>
-            </a:pPr>
-            <a:endParaRPr lang="en-US" sz="1400" dirty="0"/>
-          </a:p>
-          <a:p>
-            <a:pPr marL="0" indent="0">
-              <a:buNone/>
-            </a:pPr>
-            <a:endParaRPr lang="en-US" sz="1400" dirty="0"/>
-          </a:p>
-          <a:p>
-            <a:pPr marL="0" indent="0">
-              <a:buNone/>
-            </a:pPr>
-            <a:endParaRPr lang="en-US" sz="1400" dirty="0"/>
-          </a:p>
-          <a:p>
-            <a:pPr marL="0" indent="0">
-              <a:buNone/>
-            </a:pPr>
-            <a:r>
-              <a:rPr lang="en-US" sz="1800" dirty="0" err="1">
-                <a:solidFill>
-                  <a:srgbClr val="7030A0"/>
-                </a:solidFill>
-              </a:rPr>
-              <a:t>knn_grid_reg</a:t>
-            </a:r>
-            <a:r>
-              <a:rPr lang="en-US" sz="1800" dirty="0"/>
-              <a:t> %&gt;% </a:t>
-            </a:r>
-          </a:p>
-          <a:p>
-            <a:pPr marL="0" indent="0">
-              <a:buNone/>
-            </a:pPr>
-            <a:r>
-              <a:rPr lang="en-US" sz="1800" dirty="0"/>
-              <a:t>  </a:t>
-            </a:r>
-            <a:r>
-              <a:rPr lang="en-US" sz="1800" dirty="0" err="1"/>
-              <a:t>ggplot</a:t>
-            </a:r>
-            <a:r>
-              <a:rPr lang="en-US" sz="1800" dirty="0"/>
-              <a:t>(</a:t>
-            </a:r>
-            <a:r>
-              <a:rPr lang="en-US" sz="1800" dirty="0" err="1"/>
-              <a:t>aes</a:t>
-            </a:r>
-            <a:r>
-              <a:rPr lang="en-US" sz="1800" dirty="0"/>
-              <a:t>(neighbors, </a:t>
-            </a:r>
-            <a:r>
-              <a:rPr lang="en-US" sz="1800" dirty="0" err="1"/>
-              <a:t>dist_power</a:t>
-            </a:r>
-            <a:r>
-              <a:rPr lang="en-US" sz="1800" dirty="0"/>
-              <a:t>)) +</a:t>
-            </a:r>
-          </a:p>
-          <a:p>
-            <a:pPr marL="0" indent="0">
-              <a:buNone/>
-            </a:pPr>
-            <a:r>
-              <a:rPr lang="en-US" sz="1800" dirty="0"/>
-              <a:t>  </a:t>
-            </a:r>
-            <a:r>
-              <a:rPr lang="en-US" sz="1800" dirty="0" err="1"/>
-              <a:t>geom_point</a:t>
-            </a:r>
-            <a:r>
-              <a:rPr lang="en-US" sz="1800" dirty="0"/>
-              <a:t>(</a:t>
-            </a:r>
-            <a:r>
-              <a:rPr lang="en-US" sz="1800" dirty="0" err="1"/>
-              <a:t>aes</a:t>
-            </a:r>
-            <a:r>
-              <a:rPr lang="en-US" sz="1800" dirty="0"/>
-              <a:t>(color = </a:t>
-            </a:r>
-            <a:r>
-              <a:rPr lang="en-US" sz="1800" dirty="0" err="1"/>
-              <a:t>weight_func</a:t>
-            </a:r>
-            <a:r>
-              <a:rPr lang="en-US" sz="1800" dirty="0"/>
-              <a:t>))</a:t>
-            </a:r>
-          </a:p>
-        </p:txBody>
-      </p:sp>
-      <p:sp>
-        <p:nvSpPr>
-          <p:cNvPr id="4" name="Slide Number Placeholder 3">
-            <a:extLst>
-              <a:ext uri="{FF2B5EF4-FFF2-40B4-BE49-F238E27FC236}">
-                <a16:creationId xmlns:a16="http://schemas.microsoft.com/office/drawing/2014/main" id="{66843850-2D8D-46FD-826F-9280286150DB}"/>
-              </a:ext>
-            </a:extLst>
-          </p:cNvPr>
-          <p:cNvSpPr>
-            <a:spLocks noGrp="1"/>
-          </p:cNvSpPr>
-          <p:nvPr>
-            <p:ph type="sldNum" sz="quarter" idx="12"/>
-          </p:nvPr>
-        </p:nvSpPr>
-        <p:spPr/>
-        <p:txBody>
-          <a:bodyPr/>
-          <a:lstStyle/>
-          <a:p>
-            <a:fld id="{1FD78A80-B303-491C-AEE7-8281801B0C65}" type="slidenum">
-              <a:rPr lang="en-US" smtClean="0">
-                <a:solidFill>
-                  <a:prstClr val="black">
-                    <a:tint val="75000"/>
-                  </a:prstClr>
-                </a:solidFill>
-              </a:rPr>
-              <a:pPr/>
-              <a:t>51</a:t>
-            </a:fld>
-            <a:endParaRPr lang="en-US">
-              <a:solidFill>
-                <a:prstClr val="black">
-                  <a:tint val="75000"/>
-                </a:prstClr>
-              </a:solidFill>
-            </a:endParaRPr>
-          </a:p>
-        </p:txBody>
-      </p:sp>
-      <p:pic>
-        <p:nvPicPr>
-          <p:cNvPr id="6" name="Picture 5">
-            <a:extLst>
-              <a:ext uri="{FF2B5EF4-FFF2-40B4-BE49-F238E27FC236}">
-                <a16:creationId xmlns:a16="http://schemas.microsoft.com/office/drawing/2014/main" id="{01563B2D-2579-4A65-B520-217BAA9D9838}"/>
-              </a:ext>
-            </a:extLst>
-          </p:cNvPr>
-          <p:cNvPicPr>
-            <a:picLocks noChangeAspect="1"/>
-          </p:cNvPicPr>
-          <p:nvPr/>
-        </p:nvPicPr>
-        <p:blipFill>
-          <a:blip r:embed="rId2"/>
-          <a:stretch>
-            <a:fillRect/>
-          </a:stretch>
-        </p:blipFill>
-        <p:spPr>
-          <a:xfrm>
-            <a:off x="4754880" y="2743200"/>
-            <a:ext cx="5410850" cy="4096512"/>
-          </a:xfrm>
-          <a:prstGeom prst="rect">
-            <a:avLst/>
-          </a:prstGeom>
-        </p:spPr>
-      </p:pic>
-    </p:spTree>
-    <p:extLst>
-      <p:ext uri="{BB962C8B-B14F-4D97-AF65-F5344CB8AC3E}">
-        <p14:creationId xmlns:p14="http://schemas.microsoft.com/office/powerpoint/2010/main" val="3146705853"/>
-      </p:ext>
-    </p:extLst>
-  </p:cSld>
-  <p:clrMapOvr>
-    <a:masterClrMapping/>
-  </p:clrMapOvr>
-  <p:timing>
-    <p:tnLst>
-      <p:par>
-        <p:cTn id="1" dur="indefinite" restart="never" nodeType="tmRoot">
-          <p:childTnLst>
-            <p:seq concurrent="1" nextAc="seek">
-              <p:cTn id="2" dur="indefinite" nodeType="mainSeq">
-                <p:childTnLst>
-                  <p:par>
-                    <p:cTn id="3" fill="hold">
-                      <p:stCondLst>
-                        <p:cond delay="indefinite"/>
-                      </p:stCondLst>
-                      <p:childTnLst>
-                        <p:par>
-                          <p:cTn id="4" fill="hold">
-                            <p:stCondLst>
-                              <p:cond delay="0"/>
-                            </p:stCondLst>
-                            <p:childTnLst>
-                              <p:par>
-                                <p:cTn id="5" presetID="1" presetClass="entr" presetSubtype="0" fill="hold" nodeType="clickEffect">
-                                  <p:stCondLst>
-                                    <p:cond delay="0"/>
-                                  </p:stCondLst>
-                                  <p:childTnLst>
-                                    <p:set>
-                                      <p:cBhvr>
-                                        <p:cTn id="6" dur="1" fill="hold">
-                                          <p:stCondLst>
-                                            <p:cond delay="0"/>
-                                          </p:stCondLst>
-                                        </p:cTn>
-                                        <p:tgtEl>
-                                          <p:spTgt spid="3">
-                                            <p:txEl>
-                                              <p:pRg st="1" end="1"/>
-                                            </p:txEl>
-                                          </p:spTgt>
-                                        </p:tgtEl>
-                                        <p:attrNameLst>
-                                          <p:attrName>style.visibility</p:attrName>
-                                        </p:attrNameLst>
-                                      </p:cBhvr>
-                                      <p:to>
-                                        <p:strVal val="visible"/>
-                                      </p:to>
-                                    </p:set>
-                                  </p:childTnLst>
-                                </p:cTn>
-                              </p:par>
-                            </p:childTnLst>
-                          </p:cTn>
-                        </p:par>
-                      </p:childTnLst>
-                    </p:cTn>
-                  </p:par>
-                  <p:par>
-                    <p:cTn id="7" fill="hold">
-                      <p:stCondLst>
-                        <p:cond delay="indefinite"/>
-                      </p:stCondLst>
-                      <p:childTnLst>
-                        <p:par>
-                          <p:cTn id="8" fill="hold">
-                            <p:stCondLst>
-                              <p:cond delay="0"/>
-                            </p:stCondLst>
-                            <p:childTnLst>
-                              <p:par>
-                                <p:cTn id="9" presetID="1" presetClass="entr" presetSubtype="0" fill="hold" nodeType="clickEffect">
-                                  <p:stCondLst>
-                                    <p:cond delay="0"/>
-                                  </p:stCondLst>
-                                  <p:childTnLst>
-                                    <p:set>
-                                      <p:cBhvr>
-                                        <p:cTn id="10" dur="1" fill="hold">
-                                          <p:stCondLst>
-                                            <p:cond delay="0"/>
-                                          </p:stCondLst>
-                                        </p:cTn>
-                                        <p:tgtEl>
-                                          <p:spTgt spid="3">
-                                            <p:txEl>
-                                              <p:pRg st="5" end="5"/>
-                                            </p:txEl>
-                                          </p:spTgt>
-                                        </p:tgtEl>
-                                        <p:attrNameLst>
-                                          <p:attrName>style.visibility</p:attrName>
-                                        </p:attrNameLst>
-                                      </p:cBhvr>
-                                      <p:to>
-                                        <p:strVal val="visible"/>
-                                      </p:to>
-                                    </p:set>
-                                  </p:childTnLst>
-                                </p:cTn>
-                              </p:par>
-                              <p:par>
-                                <p:cTn id="11" presetID="1" presetClass="entr" presetSubtype="0" fill="hold" nodeType="withEffect">
-                                  <p:stCondLst>
-                                    <p:cond delay="0"/>
-                                  </p:stCondLst>
-                                  <p:childTnLst>
-                                    <p:set>
-                                      <p:cBhvr>
-                                        <p:cTn id="12" dur="1" fill="hold">
-                                          <p:stCondLst>
-                                            <p:cond delay="0"/>
-                                          </p:stCondLst>
-                                        </p:cTn>
-                                        <p:tgtEl>
-                                          <p:spTgt spid="3">
-                                            <p:txEl>
-                                              <p:pRg st="6" end="6"/>
-                                            </p:txEl>
-                                          </p:spTgt>
-                                        </p:tgtEl>
-                                        <p:attrNameLst>
-                                          <p:attrName>style.visibility</p:attrName>
-                                        </p:attrNameLst>
-                                      </p:cBhvr>
-                                      <p:to>
-                                        <p:strVal val="visible"/>
-                                      </p:to>
-                                    </p:set>
-                                  </p:childTnLst>
-                                </p:cTn>
-                              </p:par>
-                              <p:par>
-                                <p:cTn id="13" presetID="1" presetClass="entr" presetSubtype="0" fill="hold" nodeType="withEffect">
-                                  <p:stCondLst>
-                                    <p:cond delay="0"/>
-                                  </p:stCondLst>
-                                  <p:childTnLst>
-                                    <p:set>
-                                      <p:cBhvr>
-                                        <p:cTn id="14" dur="1" fill="hold">
-                                          <p:stCondLst>
-                                            <p:cond delay="0"/>
-                                          </p:stCondLst>
-                                        </p:cTn>
-                                        <p:tgtEl>
-                                          <p:spTgt spid="3">
-                                            <p:txEl>
-                                              <p:pRg st="7" end="7"/>
-                                            </p:txEl>
-                                          </p:spTgt>
-                                        </p:tgtEl>
-                                        <p:attrNameLst>
-                                          <p:attrName>style.visibility</p:attrName>
-                                        </p:attrNameLst>
-                                      </p:cBhvr>
-                                      <p:to>
-                                        <p:strVal val="visible"/>
-                                      </p:to>
-                                    </p:set>
-                                  </p:childTnLst>
-                                </p:cTn>
-                              </p:par>
-                              <p:par>
-                                <p:cTn id="15" presetID="1" presetClass="entr" presetSubtype="0" fill="hold" nodeType="withEffect">
-                                  <p:stCondLst>
-                                    <p:cond delay="0"/>
-                                  </p:stCondLst>
-                                  <p:childTnLst>
-                                    <p:set>
-                                      <p:cBhvr>
-                                        <p:cTn id="16" dur="1" fill="hold">
-                                          <p:stCondLst>
-                                            <p:cond delay="0"/>
-                                          </p:stCondLst>
-                                        </p:cTn>
-                                        <p:tgtEl>
-                                          <p:spTgt spid="6"/>
-                                        </p:tgtEl>
-                                        <p:attrNameLst>
-                                          <p:attrName>style.visibility</p:attrName>
-                                        </p:attrNameLst>
-                                      </p:cBhvr>
-                                      <p:to>
-                                        <p:strVal val="visible"/>
-                                      </p:to>
-                                    </p:set>
-                                  </p:childTnLst>
-                                </p:cTn>
-                              </p:par>
-                            </p:childTnLst>
-                          </p:cTn>
-                        </p:par>
-                      </p:childTnLst>
-                    </p:cTn>
-                  </p:par>
-                </p:childTnLst>
-              </p:cTn>
-              <p:prevCondLst>
-                <p:cond evt="onPrev" delay="0">
-                  <p:tgtEl>
-                    <p:sldTgt/>
-                  </p:tgtEl>
-                </p:cond>
-              </p:prevCondLst>
-              <p:nextCondLst>
-                <p:cond evt="onNext" delay="0">
-                  <p:tgtEl>
-                    <p:sldTgt/>
-                  </p:tgtEl>
-                </p:cond>
-              </p:nextCondLst>
-            </p:seq>
-          </p:childTnLst>
-        </p:cTn>
-      </p:par>
-    </p:tnLst>
-  </p:timing>
-</p:sld>
-</file>
-
 <file path=ppt/slides/slide52.xml><?xml version="1.0" encoding="utf-8"?>
 <p:sld xmlns:a="http://schemas.openxmlformats.org/drawingml/2006/main" xmlns:r="http://schemas.openxmlformats.org/officeDocument/2006/relationships" xmlns:p="http://schemas.openxmlformats.org/presentationml/2006/main">
   <p:cSld>
@@ -26042,7 +25292,7 @@
                 <a:latin typeface="Courier New" panose="02070309020205020404" pitchFamily="49" charset="0"/>
                 <a:cs typeface="Courier New" panose="02070309020205020404" pitchFamily="49" charset="0"/>
               </a:rPr>
-              <a:t>grid_random</a:t>
+              <a:t>grid_max_entropy</a:t>
             </a:r>
             <a:r>
               <a:rPr lang="en-US" dirty="0">
@@ -26071,28 +25321,46 @@
             <p:ph idx="1"/>
           </p:nvPr>
         </p:nvSpPr>
-        <p:spPr>
-          <a:xfrm>
-            <a:off x="838199" y="1825625"/>
-            <a:ext cx="11149013" cy="4351338"/>
-          </a:xfrm>
-        </p:spPr>
+        <p:spPr/>
         <p:txBody>
           <a:bodyPr/>
           <a:lstStyle/>
           <a:p>
-            <a:r>
-              <a:rPr lang="en-US" sz="1800" dirty="0"/>
-              <a:t>Uniformly samples the parameter space without taking into account the previously generated sample points</a:t>
-            </a:r>
-          </a:p>
-          <a:p>
             <a:pPr marL="0" indent="0">
               <a:buNone/>
             </a:pPr>
             <a:r>
               <a:rPr lang="en-US" dirty="0" err="1"/>
-              <a:t>knn_grid_ran</a:t>
+              <a:t>knn_params</a:t>
+            </a:r>
+            <a:r>
+              <a:rPr lang="en-US" dirty="0"/>
+              <a:t> &lt;- parameters(neighbors(), </a:t>
+            </a:r>
+            <a:r>
+              <a:rPr lang="en-US" dirty="0" err="1"/>
+              <a:t>weight_func</a:t>
+            </a:r>
+            <a:r>
+              <a:rPr lang="en-US" dirty="0"/>
+              <a:t>(), </a:t>
+            </a:r>
+            <a:r>
+              <a:rPr lang="en-US" dirty="0" err="1"/>
+              <a:t>dist_power</a:t>
+            </a:r>
+            <a:r>
+              <a:rPr lang="en-US" dirty="0"/>
+              <a:t>())</a:t>
+            </a:r>
+          </a:p>
+          <a:p>
+            <a:pPr marL="0" indent="0">
+              <a:buNone/>
+            </a:pPr>
+            <a:r>
+              <a:rPr lang="en-US" dirty="0" err="1"/>
+              <a:t>knn_sfd</a:t>
             </a:r>
             <a:r>
               <a:rPr lang="en-US" dirty="0"/>
@@ -26104,7 +25372,7 @@
                   <a:srgbClr val="00B0F0"/>
                 </a:solidFill>
               </a:rPr>
-              <a:t>grid_random</a:t>
+              <a:t>grid_max_entropy</a:t>
             </a:r>
             <a:r>
               <a:rPr lang="en-US" dirty="0"/>
@@ -26116,7 +25384,19 @@
             </a:r>
             <a:r>
               <a:rPr lang="en-US" dirty="0"/>
-              <a:t>, size = 50)</a:t>
+              <a:t>, </a:t>
+            </a:r>
+            <a:r>
+              <a:rPr lang="en-US" dirty="0">
+                <a:solidFill>
+                  <a:srgbClr val="00B0F0"/>
+                </a:solidFill>
+              </a:rPr>
+              <a:t>size = 50</a:t>
+            </a:r>
+            <a:r>
+              <a:rPr lang="en-US" dirty="0"/>
+              <a:t>)</a:t>
             </a:r>
           </a:p>
           <a:p>
@@ -26147,7 +25427,7 @@
                   <a:srgbClr val="7030A0"/>
                 </a:solidFill>
               </a:rPr>
-              <a:t>knn_grid_ran</a:t>
+              <a:t>knn_sfd</a:t>
             </a:r>
             <a:r>
               <a:rPr lang="en-US" sz="1800" dirty="0"/>
@@ -26269,7 +25549,7 @@
           <p:cNvPr id="5" name="Picture 4">
             <a:extLst>
               <a:ext uri="{FF2B5EF4-FFF2-40B4-BE49-F238E27FC236}">
-                <a16:creationId xmlns:a16="http://schemas.microsoft.com/office/drawing/2014/main" id="{CDAC7418-8C3F-49CA-A228-6A797580A400}"/>
+                <a16:creationId xmlns:a16="http://schemas.microsoft.com/office/drawing/2014/main" id="{58D55AD3-6F20-4B33-86E1-04B66338D629}"/>
               </a:ext>
             </a:extLst>
           </p:cNvPr>
@@ -26287,7 +25567,7 @@
         <p:spPr>
           <a:xfrm>
             <a:off x="4754880" y="2743200"/>
-            <a:ext cx="5410850" cy="4096512"/>
+            <a:ext cx="5408402" cy="4094659"/>
           </a:xfrm>
           <a:prstGeom prst="rect">
             <a:avLst/>
@@ -26297,7 +25577,7 @@
     </p:spTree>
     <p:extLst>
       <p:ext uri="{BB962C8B-B14F-4D97-AF65-F5344CB8AC3E}">
-        <p14:creationId xmlns:p14="http://schemas.microsoft.com/office/powerpoint/2010/main" val="1121799630"/>
+        <p14:creationId xmlns:p14="http://schemas.microsoft.com/office/powerpoint/2010/main" val="285177931"/>
       </p:ext>
     </p:extLst>
   </p:cSld>
@@ -26567,6 +25847,1074 @@
                 <a:latin typeface="Courier New" panose="02070309020205020404" pitchFamily="49" charset="0"/>
                 <a:cs typeface="Courier New" panose="02070309020205020404" pitchFamily="49" charset="0"/>
               </a:rPr>
+              <a:t>grid_regular</a:t>
+            </a:r>
+            <a:r>
+              <a:rPr lang="en-US" dirty="0">
+                <a:latin typeface="Courier New" panose="02070309020205020404" pitchFamily="49" charset="0"/>
+                <a:cs typeface="Courier New" panose="02070309020205020404" pitchFamily="49" charset="0"/>
+              </a:rPr>
+              <a:t>()</a:t>
+            </a:r>
+            <a:endParaRPr lang="en-US" dirty="0"/>
+          </a:p>
+        </p:txBody>
+      </p:sp>
+      <p:sp>
+        <p:nvSpPr>
+          <p:cNvPr id="3" name="Content Placeholder 2">
+            <a:extLst>
+              <a:ext uri="{FF2B5EF4-FFF2-40B4-BE49-F238E27FC236}">
+                <a16:creationId xmlns:a16="http://schemas.microsoft.com/office/drawing/2014/main" id="{9C8D96EA-7748-44C1-8559-C6CE06C7C747}"/>
+              </a:ext>
+            </a:extLst>
+          </p:cNvPr>
+          <p:cNvSpPr>
+            <a:spLocks noGrp="1"/>
+          </p:cNvSpPr>
+          <p:nvPr>
+            <p:ph idx="1"/>
+          </p:nvPr>
+        </p:nvSpPr>
+        <p:spPr/>
+        <p:txBody>
+          <a:bodyPr/>
+          <a:lstStyle/>
+          <a:p>
+            <a:pPr marL="0" indent="0">
+              <a:buNone/>
+            </a:pPr>
+            <a:r>
+              <a:rPr lang="en-US" dirty="0" err="1"/>
+              <a:t>knn_params</a:t>
+            </a:r>
+            <a:r>
+              <a:rPr lang="en-US" dirty="0"/>
+              <a:t> &lt;- parameters(neighbors(), </a:t>
+            </a:r>
+            <a:r>
+              <a:rPr lang="en-US" dirty="0" err="1"/>
+              <a:t>weight_func</a:t>
+            </a:r>
+            <a:r>
+              <a:rPr lang="en-US" dirty="0"/>
+              <a:t>(), </a:t>
+            </a:r>
+            <a:r>
+              <a:rPr lang="en-US" dirty="0" err="1"/>
+              <a:t>dist_power</a:t>
+            </a:r>
+            <a:r>
+              <a:rPr lang="en-US" dirty="0"/>
+              <a:t>())</a:t>
+            </a:r>
+          </a:p>
+          <a:p>
+            <a:pPr marL="0" indent="0">
+              <a:buNone/>
+            </a:pPr>
+            <a:r>
+              <a:rPr lang="en-US" dirty="0" err="1"/>
+              <a:t>knn_grid_reg</a:t>
+            </a:r>
+            <a:r>
+              <a:rPr lang="en-US" dirty="0"/>
+              <a:t> &lt;- </a:t>
+            </a:r>
+            <a:r>
+              <a:rPr lang="en-US" dirty="0" err="1">
+                <a:solidFill>
+                  <a:srgbClr val="00B0F0"/>
+                </a:solidFill>
+              </a:rPr>
+              <a:t>grid_regular</a:t>
+            </a:r>
+            <a:r>
+              <a:rPr lang="en-US" dirty="0"/>
+              <a:t>(</a:t>
+            </a:r>
+            <a:r>
+              <a:rPr lang="en-US" dirty="0" err="1"/>
+              <a:t>knn_params</a:t>
+            </a:r>
+            <a:r>
+              <a:rPr lang="en-US" dirty="0"/>
+              <a:t>, levels = c(10, 9, 5))</a:t>
+            </a:r>
+          </a:p>
+          <a:p>
+            <a:pPr marL="0" indent="0">
+              <a:buNone/>
+            </a:pPr>
+            <a:endParaRPr lang="en-US" sz="1400" dirty="0"/>
+          </a:p>
+          <a:p>
+            <a:pPr marL="0" indent="0">
+              <a:buNone/>
+            </a:pPr>
+            <a:endParaRPr lang="en-US" sz="1400" dirty="0"/>
+          </a:p>
+          <a:p>
+            <a:pPr marL="0" indent="0">
+              <a:buNone/>
+            </a:pPr>
+            <a:endParaRPr lang="en-US" sz="1400" dirty="0"/>
+          </a:p>
+          <a:p>
+            <a:pPr marL="0" indent="0">
+              <a:buNone/>
+            </a:pPr>
+            <a:r>
+              <a:rPr lang="en-US" sz="1800" dirty="0" err="1">
+                <a:solidFill>
+                  <a:srgbClr val="7030A0"/>
+                </a:solidFill>
+              </a:rPr>
+              <a:t>knn_grid_reg</a:t>
+            </a:r>
+            <a:r>
+              <a:rPr lang="en-US" sz="1800" dirty="0"/>
+              <a:t> %&gt;% </a:t>
+            </a:r>
+          </a:p>
+          <a:p>
+            <a:pPr marL="0" indent="0">
+              <a:buNone/>
+            </a:pPr>
+            <a:r>
+              <a:rPr lang="en-US" sz="1800" dirty="0"/>
+              <a:t>  </a:t>
+            </a:r>
+            <a:r>
+              <a:rPr lang="en-US" sz="1800" dirty="0" err="1"/>
+              <a:t>ggplot</a:t>
+            </a:r>
+            <a:r>
+              <a:rPr lang="en-US" sz="1800" dirty="0"/>
+              <a:t>(</a:t>
+            </a:r>
+            <a:r>
+              <a:rPr lang="en-US" sz="1800" dirty="0" err="1"/>
+              <a:t>aes</a:t>
+            </a:r>
+            <a:r>
+              <a:rPr lang="en-US" sz="1800" dirty="0"/>
+              <a:t>(neighbors, </a:t>
+            </a:r>
+            <a:r>
+              <a:rPr lang="en-US" sz="1800" dirty="0" err="1"/>
+              <a:t>dist_power</a:t>
+            </a:r>
+            <a:r>
+              <a:rPr lang="en-US" sz="1800" dirty="0"/>
+              <a:t>)) +</a:t>
+            </a:r>
+          </a:p>
+          <a:p>
+            <a:pPr marL="0" indent="0">
+              <a:buNone/>
+            </a:pPr>
+            <a:r>
+              <a:rPr lang="en-US" sz="1800" dirty="0"/>
+              <a:t>  </a:t>
+            </a:r>
+            <a:r>
+              <a:rPr lang="en-US" sz="1800" dirty="0" err="1"/>
+              <a:t>geom_point</a:t>
+            </a:r>
+            <a:r>
+              <a:rPr lang="en-US" sz="1800" dirty="0"/>
+              <a:t>(</a:t>
+            </a:r>
+            <a:r>
+              <a:rPr lang="en-US" sz="1800" dirty="0" err="1"/>
+              <a:t>aes</a:t>
+            </a:r>
+            <a:r>
+              <a:rPr lang="en-US" sz="1800" dirty="0"/>
+              <a:t>(color = </a:t>
+            </a:r>
+            <a:r>
+              <a:rPr lang="en-US" sz="1800" dirty="0" err="1"/>
+              <a:t>weight_func</a:t>
+            </a:r>
+            <a:r>
+              <a:rPr lang="en-US" sz="1800" dirty="0"/>
+              <a:t>))</a:t>
+            </a:r>
+          </a:p>
+        </p:txBody>
+      </p:sp>
+      <p:sp>
+        <p:nvSpPr>
+          <p:cNvPr id="4" name="Slide Number Placeholder 3">
+            <a:extLst>
+              <a:ext uri="{FF2B5EF4-FFF2-40B4-BE49-F238E27FC236}">
+                <a16:creationId xmlns:a16="http://schemas.microsoft.com/office/drawing/2014/main" id="{66843850-2D8D-46FD-826F-9280286150DB}"/>
+              </a:ext>
+            </a:extLst>
+          </p:cNvPr>
+          <p:cNvSpPr>
+            <a:spLocks noGrp="1"/>
+          </p:cNvSpPr>
+          <p:nvPr>
+            <p:ph type="sldNum" sz="quarter" idx="12"/>
+          </p:nvPr>
+        </p:nvSpPr>
+        <p:spPr/>
+        <p:txBody>
+          <a:bodyPr/>
+          <a:lstStyle/>
+          <a:p>
+            <a:fld id="{1FD78A80-B303-491C-AEE7-8281801B0C65}" type="slidenum">
+              <a:rPr lang="en-US" smtClean="0">
+                <a:solidFill>
+                  <a:prstClr val="black">
+                    <a:tint val="75000"/>
+                  </a:prstClr>
+                </a:solidFill>
+              </a:rPr>
+              <a:pPr/>
+              <a:t>53</a:t>
+            </a:fld>
+            <a:endParaRPr lang="en-US">
+              <a:solidFill>
+                <a:prstClr val="black">
+                  <a:tint val="75000"/>
+                </a:prstClr>
+              </a:solidFill>
+            </a:endParaRPr>
+          </a:p>
+        </p:txBody>
+      </p:sp>
+      <p:pic>
+        <p:nvPicPr>
+          <p:cNvPr id="6" name="Picture 5">
+            <a:extLst>
+              <a:ext uri="{FF2B5EF4-FFF2-40B4-BE49-F238E27FC236}">
+                <a16:creationId xmlns:a16="http://schemas.microsoft.com/office/drawing/2014/main" id="{01563B2D-2579-4A65-B520-217BAA9D9838}"/>
+              </a:ext>
+            </a:extLst>
+          </p:cNvPr>
+          <p:cNvPicPr>
+            <a:picLocks noChangeAspect="1"/>
+          </p:cNvPicPr>
+          <p:nvPr/>
+        </p:nvPicPr>
+        <p:blipFill>
+          <a:blip r:embed="rId2"/>
+          <a:stretch>
+            <a:fillRect/>
+          </a:stretch>
+        </p:blipFill>
+        <p:spPr>
+          <a:xfrm>
+            <a:off x="4754880" y="2743200"/>
+            <a:ext cx="5410850" cy="4096512"/>
+          </a:xfrm>
+          <a:prstGeom prst="rect">
+            <a:avLst/>
+          </a:prstGeom>
+        </p:spPr>
+      </p:pic>
+    </p:spTree>
+    <p:extLst>
+      <p:ext uri="{BB962C8B-B14F-4D97-AF65-F5344CB8AC3E}">
+        <p14:creationId xmlns:p14="http://schemas.microsoft.com/office/powerpoint/2010/main" val="3146705853"/>
+      </p:ext>
+    </p:extLst>
+  </p:cSld>
+  <p:clrMapOvr>
+    <a:masterClrMapping/>
+  </p:clrMapOvr>
+  <p:timing>
+    <p:tnLst>
+      <p:par>
+        <p:cTn id="1" dur="indefinite" restart="never" nodeType="tmRoot">
+          <p:childTnLst>
+            <p:seq concurrent="1" nextAc="seek">
+              <p:cTn id="2" dur="indefinite" nodeType="mainSeq">
+                <p:childTnLst>
+                  <p:par>
+                    <p:cTn id="3" fill="hold">
+                      <p:stCondLst>
+                        <p:cond delay="indefinite"/>
+                      </p:stCondLst>
+                      <p:childTnLst>
+                        <p:par>
+                          <p:cTn id="4" fill="hold">
+                            <p:stCondLst>
+                              <p:cond delay="0"/>
+                            </p:stCondLst>
+                            <p:childTnLst>
+                              <p:par>
+                                <p:cTn id="5" presetID="1" presetClass="entr" presetSubtype="0" fill="hold" nodeType="clickEffect">
+                                  <p:stCondLst>
+                                    <p:cond delay="0"/>
+                                  </p:stCondLst>
+                                  <p:childTnLst>
+                                    <p:set>
+                                      <p:cBhvr>
+                                        <p:cTn id="6" dur="1" fill="hold">
+                                          <p:stCondLst>
+                                            <p:cond delay="0"/>
+                                          </p:stCondLst>
+                                        </p:cTn>
+                                        <p:tgtEl>
+                                          <p:spTgt spid="3">
+                                            <p:txEl>
+                                              <p:pRg st="1" end="1"/>
+                                            </p:txEl>
+                                          </p:spTgt>
+                                        </p:tgtEl>
+                                        <p:attrNameLst>
+                                          <p:attrName>style.visibility</p:attrName>
+                                        </p:attrNameLst>
+                                      </p:cBhvr>
+                                      <p:to>
+                                        <p:strVal val="visible"/>
+                                      </p:to>
+                                    </p:set>
+                                  </p:childTnLst>
+                                </p:cTn>
+                              </p:par>
+                            </p:childTnLst>
+                          </p:cTn>
+                        </p:par>
+                      </p:childTnLst>
+                    </p:cTn>
+                  </p:par>
+                  <p:par>
+                    <p:cTn id="7" fill="hold">
+                      <p:stCondLst>
+                        <p:cond delay="indefinite"/>
+                      </p:stCondLst>
+                      <p:childTnLst>
+                        <p:par>
+                          <p:cTn id="8" fill="hold">
+                            <p:stCondLst>
+                              <p:cond delay="0"/>
+                            </p:stCondLst>
+                            <p:childTnLst>
+                              <p:par>
+                                <p:cTn id="9" presetID="1" presetClass="entr" presetSubtype="0" fill="hold" nodeType="clickEffect">
+                                  <p:stCondLst>
+                                    <p:cond delay="0"/>
+                                  </p:stCondLst>
+                                  <p:childTnLst>
+                                    <p:set>
+                                      <p:cBhvr>
+                                        <p:cTn id="10" dur="1" fill="hold">
+                                          <p:stCondLst>
+                                            <p:cond delay="0"/>
+                                          </p:stCondLst>
+                                        </p:cTn>
+                                        <p:tgtEl>
+                                          <p:spTgt spid="3">
+                                            <p:txEl>
+                                              <p:pRg st="5" end="5"/>
+                                            </p:txEl>
+                                          </p:spTgt>
+                                        </p:tgtEl>
+                                        <p:attrNameLst>
+                                          <p:attrName>style.visibility</p:attrName>
+                                        </p:attrNameLst>
+                                      </p:cBhvr>
+                                      <p:to>
+                                        <p:strVal val="visible"/>
+                                      </p:to>
+                                    </p:set>
+                                  </p:childTnLst>
+                                </p:cTn>
+                              </p:par>
+                              <p:par>
+                                <p:cTn id="11" presetID="1" presetClass="entr" presetSubtype="0" fill="hold" nodeType="withEffect">
+                                  <p:stCondLst>
+                                    <p:cond delay="0"/>
+                                  </p:stCondLst>
+                                  <p:childTnLst>
+                                    <p:set>
+                                      <p:cBhvr>
+                                        <p:cTn id="12" dur="1" fill="hold">
+                                          <p:stCondLst>
+                                            <p:cond delay="0"/>
+                                          </p:stCondLst>
+                                        </p:cTn>
+                                        <p:tgtEl>
+                                          <p:spTgt spid="3">
+                                            <p:txEl>
+                                              <p:pRg st="6" end="6"/>
+                                            </p:txEl>
+                                          </p:spTgt>
+                                        </p:tgtEl>
+                                        <p:attrNameLst>
+                                          <p:attrName>style.visibility</p:attrName>
+                                        </p:attrNameLst>
+                                      </p:cBhvr>
+                                      <p:to>
+                                        <p:strVal val="visible"/>
+                                      </p:to>
+                                    </p:set>
+                                  </p:childTnLst>
+                                </p:cTn>
+                              </p:par>
+                              <p:par>
+                                <p:cTn id="13" presetID="1" presetClass="entr" presetSubtype="0" fill="hold" nodeType="withEffect">
+                                  <p:stCondLst>
+                                    <p:cond delay="0"/>
+                                  </p:stCondLst>
+                                  <p:childTnLst>
+                                    <p:set>
+                                      <p:cBhvr>
+                                        <p:cTn id="14" dur="1" fill="hold">
+                                          <p:stCondLst>
+                                            <p:cond delay="0"/>
+                                          </p:stCondLst>
+                                        </p:cTn>
+                                        <p:tgtEl>
+                                          <p:spTgt spid="3">
+                                            <p:txEl>
+                                              <p:pRg st="7" end="7"/>
+                                            </p:txEl>
+                                          </p:spTgt>
+                                        </p:tgtEl>
+                                        <p:attrNameLst>
+                                          <p:attrName>style.visibility</p:attrName>
+                                        </p:attrNameLst>
+                                      </p:cBhvr>
+                                      <p:to>
+                                        <p:strVal val="visible"/>
+                                      </p:to>
+                                    </p:set>
+                                  </p:childTnLst>
+                                </p:cTn>
+                              </p:par>
+                              <p:par>
+                                <p:cTn id="15" presetID="1" presetClass="entr" presetSubtype="0" fill="hold" nodeType="withEffect">
+                                  <p:stCondLst>
+                                    <p:cond delay="0"/>
+                                  </p:stCondLst>
+                                  <p:childTnLst>
+                                    <p:set>
+                                      <p:cBhvr>
+                                        <p:cTn id="16" dur="1" fill="hold">
+                                          <p:stCondLst>
+                                            <p:cond delay="0"/>
+                                          </p:stCondLst>
+                                        </p:cTn>
+                                        <p:tgtEl>
+                                          <p:spTgt spid="6"/>
+                                        </p:tgtEl>
+                                        <p:attrNameLst>
+                                          <p:attrName>style.visibility</p:attrName>
+                                        </p:attrNameLst>
+                                      </p:cBhvr>
+                                      <p:to>
+                                        <p:strVal val="visible"/>
+                                      </p:to>
+                                    </p:set>
+                                  </p:childTnLst>
+                                </p:cTn>
+                              </p:par>
+                            </p:childTnLst>
+                          </p:cTn>
+                        </p:par>
+                      </p:childTnLst>
+                    </p:cTn>
+                  </p:par>
+                </p:childTnLst>
+              </p:cTn>
+              <p:prevCondLst>
+                <p:cond evt="onPrev" delay="0">
+                  <p:tgtEl>
+                    <p:sldTgt/>
+                  </p:tgtEl>
+                </p:cond>
+              </p:prevCondLst>
+              <p:nextCondLst>
+                <p:cond evt="onNext" delay="0">
+                  <p:tgtEl>
+                    <p:sldTgt/>
+                  </p:tgtEl>
+                </p:cond>
+              </p:nextCondLst>
+            </p:seq>
+          </p:childTnLst>
+        </p:cTn>
+      </p:par>
+    </p:tnLst>
+  </p:timing>
+</p:sld>
+</file>
+
+<file path=ppt/slides/slide54.xml><?xml version="1.0" encoding="utf-8"?>
+<p:sld xmlns:a="http://schemas.openxmlformats.org/drawingml/2006/main" xmlns:r="http://schemas.openxmlformats.org/officeDocument/2006/relationships" xmlns:p="http://schemas.openxmlformats.org/presentationml/2006/main">
+  <p:cSld>
+    <p:spTree>
+      <p:nvGrpSpPr>
+        <p:cNvPr id="1" name=""/>
+        <p:cNvGrpSpPr/>
+        <p:nvPr/>
+      </p:nvGrpSpPr>
+      <p:grpSpPr>
+        <a:xfrm>
+          <a:off x="0" y="0"/>
+          <a:ext cx="0" cy="0"/>
+          <a:chOff x="0" y="0"/>
+          <a:chExt cx="0" cy="0"/>
+        </a:xfrm>
+      </p:grpSpPr>
+      <p:sp>
+        <p:nvSpPr>
+          <p:cNvPr id="2" name="Title 1">
+            <a:extLst>
+              <a:ext uri="{FF2B5EF4-FFF2-40B4-BE49-F238E27FC236}">
+                <a16:creationId xmlns:a16="http://schemas.microsoft.com/office/drawing/2014/main" id="{335E744C-4531-4922-90A2-6BB5496B0B63}"/>
+              </a:ext>
+            </a:extLst>
+          </p:cNvPr>
+          <p:cNvSpPr>
+            <a:spLocks noGrp="1"/>
+          </p:cNvSpPr>
+          <p:nvPr>
+            <p:ph type="title"/>
+          </p:nvPr>
+        </p:nvSpPr>
+        <p:spPr/>
+        <p:txBody>
+          <a:bodyPr/>
+          <a:lstStyle/>
+          <a:p>
+            <a:r>
+              <a:rPr lang="en-US" dirty="0" err="1">
+                <a:latin typeface="Courier New" panose="02070309020205020404" pitchFamily="49" charset="0"/>
+                <a:cs typeface="Courier New" panose="02070309020205020404" pitchFamily="49" charset="0"/>
+              </a:rPr>
+              <a:t>grid_random</a:t>
+            </a:r>
+            <a:r>
+              <a:rPr lang="en-US" dirty="0">
+                <a:latin typeface="Courier New" panose="02070309020205020404" pitchFamily="49" charset="0"/>
+                <a:cs typeface="Courier New" panose="02070309020205020404" pitchFamily="49" charset="0"/>
+              </a:rPr>
+              <a:t>()</a:t>
+            </a:r>
+            <a:endParaRPr lang="en-US" dirty="0"/>
+          </a:p>
+        </p:txBody>
+      </p:sp>
+      <p:sp>
+        <p:nvSpPr>
+          <p:cNvPr id="3" name="Content Placeholder 2">
+            <a:extLst>
+              <a:ext uri="{FF2B5EF4-FFF2-40B4-BE49-F238E27FC236}">
+                <a16:creationId xmlns:a16="http://schemas.microsoft.com/office/drawing/2014/main" id="{9C8D96EA-7748-44C1-8559-C6CE06C7C747}"/>
+              </a:ext>
+            </a:extLst>
+          </p:cNvPr>
+          <p:cNvSpPr>
+            <a:spLocks noGrp="1"/>
+          </p:cNvSpPr>
+          <p:nvPr>
+            <p:ph idx="1"/>
+          </p:nvPr>
+        </p:nvSpPr>
+        <p:spPr>
+          <a:xfrm>
+            <a:off x="838199" y="1825625"/>
+            <a:ext cx="11149013" cy="4351338"/>
+          </a:xfrm>
+        </p:spPr>
+        <p:txBody>
+          <a:bodyPr/>
+          <a:lstStyle/>
+          <a:p>
+            <a:r>
+              <a:rPr lang="en-US" sz="1800" dirty="0"/>
+              <a:t>Uniformly samples the parameter space without taking into account the previously generated sample points</a:t>
+            </a:r>
+          </a:p>
+          <a:p>
+            <a:pPr marL="0" indent="0">
+              <a:buNone/>
+            </a:pPr>
+            <a:r>
+              <a:rPr lang="en-US" dirty="0" err="1"/>
+              <a:t>knn_grid_ran</a:t>
+            </a:r>
+            <a:r>
+              <a:rPr lang="en-US" dirty="0"/>
+              <a:t> &lt;- </a:t>
+            </a:r>
+            <a:r>
+              <a:rPr lang="en-US" dirty="0" err="1">
+                <a:solidFill>
+                  <a:srgbClr val="00B0F0"/>
+                </a:solidFill>
+              </a:rPr>
+              <a:t>grid_random</a:t>
+            </a:r>
+            <a:r>
+              <a:rPr lang="en-US" dirty="0"/>
+              <a:t>(</a:t>
+            </a:r>
+            <a:r>
+              <a:rPr lang="en-US" dirty="0" err="1"/>
+              <a:t>knn_params</a:t>
+            </a:r>
+            <a:r>
+              <a:rPr lang="en-US" dirty="0"/>
+              <a:t>, size = 50)</a:t>
+            </a:r>
+          </a:p>
+          <a:p>
+            <a:pPr marL="0" indent="0">
+              <a:buNone/>
+            </a:pPr>
+            <a:endParaRPr lang="en-US" sz="1400" dirty="0"/>
+          </a:p>
+          <a:p>
+            <a:pPr marL="0" indent="0">
+              <a:buNone/>
+            </a:pPr>
+            <a:endParaRPr lang="en-US" sz="1400" dirty="0"/>
+          </a:p>
+          <a:p>
+            <a:pPr marL="0" indent="0">
+              <a:buNone/>
+            </a:pPr>
+            <a:endParaRPr lang="en-US" sz="1400" dirty="0"/>
+          </a:p>
+          <a:p>
+            <a:pPr marL="0" indent="0">
+              <a:buNone/>
+            </a:pPr>
+            <a:r>
+              <a:rPr lang="en-US" sz="1800" dirty="0" err="1">
+                <a:solidFill>
+                  <a:srgbClr val="7030A0"/>
+                </a:solidFill>
+              </a:rPr>
+              <a:t>knn_grid_ran</a:t>
+            </a:r>
+            <a:r>
+              <a:rPr lang="en-US" sz="1800" dirty="0"/>
+              <a:t> %&gt;% </a:t>
+            </a:r>
+          </a:p>
+          <a:p>
+            <a:pPr marL="0" indent="0">
+              <a:buNone/>
+            </a:pPr>
+            <a:r>
+              <a:rPr lang="en-US" sz="1800" dirty="0"/>
+              <a:t>  </a:t>
+            </a:r>
+            <a:r>
+              <a:rPr lang="en-US" sz="1800" dirty="0" err="1"/>
+              <a:t>ggplot</a:t>
+            </a:r>
+            <a:r>
+              <a:rPr lang="en-US" sz="1800" dirty="0"/>
+              <a:t>(</a:t>
+            </a:r>
+            <a:r>
+              <a:rPr lang="en-US" sz="1800" dirty="0" err="1"/>
+              <a:t>aes</a:t>
+            </a:r>
+            <a:r>
+              <a:rPr lang="en-US" sz="1800" dirty="0"/>
+              <a:t>(neighbors, </a:t>
+            </a:r>
+            <a:r>
+              <a:rPr lang="en-US" sz="1800" dirty="0" err="1"/>
+              <a:t>dist_power</a:t>
+            </a:r>
+            <a:r>
+              <a:rPr lang="en-US" sz="1800" dirty="0"/>
+              <a:t>)) +</a:t>
+            </a:r>
+          </a:p>
+          <a:p>
+            <a:pPr marL="0" indent="0">
+              <a:buNone/>
+            </a:pPr>
+            <a:r>
+              <a:rPr lang="en-US" sz="1800" dirty="0"/>
+              <a:t>  </a:t>
+            </a:r>
+            <a:r>
+              <a:rPr lang="en-US" sz="1800" dirty="0" err="1"/>
+              <a:t>geom_point</a:t>
+            </a:r>
+            <a:r>
+              <a:rPr lang="en-US" sz="1800" dirty="0"/>
+              <a:t>(</a:t>
+            </a:r>
+            <a:r>
+              <a:rPr lang="en-US" sz="1800" dirty="0" err="1"/>
+              <a:t>aes</a:t>
+            </a:r>
+            <a:r>
+              <a:rPr lang="en-US" sz="1800" dirty="0"/>
+              <a:t>(color = </a:t>
+            </a:r>
+            <a:r>
+              <a:rPr lang="en-US" sz="1800" dirty="0" err="1"/>
+              <a:t>weight_func</a:t>
+            </a:r>
+            <a:r>
+              <a:rPr lang="en-US" sz="1800" dirty="0"/>
+              <a:t>))</a:t>
+            </a:r>
+          </a:p>
+        </p:txBody>
+      </p:sp>
+      <p:sp>
+        <p:nvSpPr>
+          <p:cNvPr id="4" name="Slide Number Placeholder 3">
+            <a:extLst>
+              <a:ext uri="{FF2B5EF4-FFF2-40B4-BE49-F238E27FC236}">
+                <a16:creationId xmlns:a16="http://schemas.microsoft.com/office/drawing/2014/main" id="{66843850-2D8D-46FD-826F-9280286150DB}"/>
+              </a:ext>
+            </a:extLst>
+          </p:cNvPr>
+          <p:cNvSpPr>
+            <a:spLocks noGrp="1"/>
+          </p:cNvSpPr>
+          <p:nvPr>
+            <p:ph type="sldNum" sz="quarter" idx="12"/>
+          </p:nvPr>
+        </p:nvSpPr>
+        <p:spPr/>
+        <p:txBody>
+          <a:bodyPr/>
+          <a:lstStyle/>
+          <a:p>
+            <a:fld id="{1FD78A80-B303-491C-AEE7-8281801B0C65}" type="slidenum">
+              <a:rPr lang="en-US" smtClean="0">
+                <a:solidFill>
+                  <a:prstClr val="black">
+                    <a:tint val="75000"/>
+                  </a:prstClr>
+                </a:solidFill>
+              </a:rPr>
+              <a:pPr/>
+              <a:t>54</a:t>
+            </a:fld>
+            <a:endParaRPr lang="en-US">
+              <a:solidFill>
+                <a:prstClr val="black">
+                  <a:tint val="75000"/>
+                </a:prstClr>
+              </a:solidFill>
+            </a:endParaRPr>
+          </a:p>
+        </p:txBody>
+      </p:sp>
+      <p:pic>
+        <p:nvPicPr>
+          <p:cNvPr id="5" name="Picture 4">
+            <a:extLst>
+              <a:ext uri="{FF2B5EF4-FFF2-40B4-BE49-F238E27FC236}">
+                <a16:creationId xmlns:a16="http://schemas.microsoft.com/office/drawing/2014/main" id="{CDAC7418-8C3F-49CA-A228-6A797580A400}"/>
+              </a:ext>
+            </a:extLst>
+          </p:cNvPr>
+          <p:cNvPicPr>
+            <a:picLocks noChangeAspect="1"/>
+          </p:cNvPicPr>
+          <p:nvPr/>
+        </p:nvPicPr>
+        <p:blipFill>
+          <a:blip r:embed="rId2"/>
+          <a:stretch>
+            <a:fillRect/>
+          </a:stretch>
+        </p:blipFill>
+        <p:spPr>
+          <a:xfrm>
+            <a:off x="4754880" y="2743200"/>
+            <a:ext cx="5410850" cy="4096512"/>
+          </a:xfrm>
+          <a:prstGeom prst="rect">
+            <a:avLst/>
+          </a:prstGeom>
+        </p:spPr>
+      </p:pic>
+    </p:spTree>
+    <p:extLst>
+      <p:ext uri="{BB962C8B-B14F-4D97-AF65-F5344CB8AC3E}">
+        <p14:creationId xmlns:p14="http://schemas.microsoft.com/office/powerpoint/2010/main" val="1121799630"/>
+      </p:ext>
+    </p:extLst>
+  </p:cSld>
+  <p:clrMapOvr>
+    <a:masterClrMapping/>
+  </p:clrMapOvr>
+  <p:timing>
+    <p:tnLst>
+      <p:par>
+        <p:cTn id="1" dur="indefinite" restart="never" nodeType="tmRoot">
+          <p:childTnLst>
+            <p:seq concurrent="1" nextAc="seek">
+              <p:cTn id="2" dur="indefinite" nodeType="mainSeq">
+                <p:childTnLst>
+                  <p:par>
+                    <p:cTn id="3" fill="hold">
+                      <p:stCondLst>
+                        <p:cond delay="indefinite"/>
+                      </p:stCondLst>
+                      <p:childTnLst>
+                        <p:par>
+                          <p:cTn id="4" fill="hold">
+                            <p:stCondLst>
+                              <p:cond delay="0"/>
+                            </p:stCondLst>
+                            <p:childTnLst>
+                              <p:par>
+                                <p:cTn id="5" presetID="1" presetClass="entr" presetSubtype="0" fill="hold" nodeType="clickEffect">
+                                  <p:stCondLst>
+                                    <p:cond delay="0"/>
+                                  </p:stCondLst>
+                                  <p:childTnLst>
+                                    <p:set>
+                                      <p:cBhvr>
+                                        <p:cTn id="6" dur="1" fill="hold">
+                                          <p:stCondLst>
+                                            <p:cond delay="0"/>
+                                          </p:stCondLst>
+                                        </p:cTn>
+                                        <p:tgtEl>
+                                          <p:spTgt spid="3">
+                                            <p:txEl>
+                                              <p:pRg st="1" end="1"/>
+                                            </p:txEl>
+                                          </p:spTgt>
+                                        </p:tgtEl>
+                                        <p:attrNameLst>
+                                          <p:attrName>style.visibility</p:attrName>
+                                        </p:attrNameLst>
+                                      </p:cBhvr>
+                                      <p:to>
+                                        <p:strVal val="visible"/>
+                                      </p:to>
+                                    </p:set>
+                                  </p:childTnLst>
+                                </p:cTn>
+                              </p:par>
+                            </p:childTnLst>
+                          </p:cTn>
+                        </p:par>
+                      </p:childTnLst>
+                    </p:cTn>
+                  </p:par>
+                  <p:par>
+                    <p:cTn id="7" fill="hold">
+                      <p:stCondLst>
+                        <p:cond delay="indefinite"/>
+                      </p:stCondLst>
+                      <p:childTnLst>
+                        <p:par>
+                          <p:cTn id="8" fill="hold">
+                            <p:stCondLst>
+                              <p:cond delay="0"/>
+                            </p:stCondLst>
+                            <p:childTnLst>
+                              <p:par>
+                                <p:cTn id="9" presetID="1" presetClass="entr" presetSubtype="0" fill="hold" nodeType="clickEffect">
+                                  <p:stCondLst>
+                                    <p:cond delay="0"/>
+                                  </p:stCondLst>
+                                  <p:childTnLst>
+                                    <p:set>
+                                      <p:cBhvr>
+                                        <p:cTn id="10" dur="1" fill="hold">
+                                          <p:stCondLst>
+                                            <p:cond delay="0"/>
+                                          </p:stCondLst>
+                                        </p:cTn>
+                                        <p:tgtEl>
+                                          <p:spTgt spid="3">
+                                            <p:txEl>
+                                              <p:pRg st="5" end="5"/>
+                                            </p:txEl>
+                                          </p:spTgt>
+                                        </p:tgtEl>
+                                        <p:attrNameLst>
+                                          <p:attrName>style.visibility</p:attrName>
+                                        </p:attrNameLst>
+                                      </p:cBhvr>
+                                      <p:to>
+                                        <p:strVal val="visible"/>
+                                      </p:to>
+                                    </p:set>
+                                  </p:childTnLst>
+                                </p:cTn>
+                              </p:par>
+                              <p:par>
+                                <p:cTn id="11" presetID="1" presetClass="entr" presetSubtype="0" fill="hold" nodeType="withEffect">
+                                  <p:stCondLst>
+                                    <p:cond delay="0"/>
+                                  </p:stCondLst>
+                                  <p:childTnLst>
+                                    <p:set>
+                                      <p:cBhvr>
+                                        <p:cTn id="12" dur="1" fill="hold">
+                                          <p:stCondLst>
+                                            <p:cond delay="0"/>
+                                          </p:stCondLst>
+                                        </p:cTn>
+                                        <p:tgtEl>
+                                          <p:spTgt spid="3">
+                                            <p:txEl>
+                                              <p:pRg st="6" end="6"/>
+                                            </p:txEl>
+                                          </p:spTgt>
+                                        </p:tgtEl>
+                                        <p:attrNameLst>
+                                          <p:attrName>style.visibility</p:attrName>
+                                        </p:attrNameLst>
+                                      </p:cBhvr>
+                                      <p:to>
+                                        <p:strVal val="visible"/>
+                                      </p:to>
+                                    </p:set>
+                                  </p:childTnLst>
+                                </p:cTn>
+                              </p:par>
+                              <p:par>
+                                <p:cTn id="13" presetID="1" presetClass="entr" presetSubtype="0" fill="hold" nodeType="withEffect">
+                                  <p:stCondLst>
+                                    <p:cond delay="0"/>
+                                  </p:stCondLst>
+                                  <p:childTnLst>
+                                    <p:set>
+                                      <p:cBhvr>
+                                        <p:cTn id="14" dur="1" fill="hold">
+                                          <p:stCondLst>
+                                            <p:cond delay="0"/>
+                                          </p:stCondLst>
+                                        </p:cTn>
+                                        <p:tgtEl>
+                                          <p:spTgt spid="3">
+                                            <p:txEl>
+                                              <p:pRg st="7" end="7"/>
+                                            </p:txEl>
+                                          </p:spTgt>
+                                        </p:tgtEl>
+                                        <p:attrNameLst>
+                                          <p:attrName>style.visibility</p:attrName>
+                                        </p:attrNameLst>
+                                      </p:cBhvr>
+                                      <p:to>
+                                        <p:strVal val="visible"/>
+                                      </p:to>
+                                    </p:set>
+                                  </p:childTnLst>
+                                </p:cTn>
+                              </p:par>
+                              <p:par>
+                                <p:cTn id="15" presetID="1" presetClass="entr" presetSubtype="0" fill="hold" nodeType="withEffect">
+                                  <p:stCondLst>
+                                    <p:cond delay="0"/>
+                                  </p:stCondLst>
+                                  <p:childTnLst>
+                                    <p:set>
+                                      <p:cBhvr>
+                                        <p:cTn id="16" dur="1" fill="hold">
+                                          <p:stCondLst>
+                                            <p:cond delay="0"/>
+                                          </p:stCondLst>
+                                        </p:cTn>
+                                        <p:tgtEl>
+                                          <p:spTgt spid="5"/>
+                                        </p:tgtEl>
+                                        <p:attrNameLst>
+                                          <p:attrName>style.visibility</p:attrName>
+                                        </p:attrNameLst>
+                                      </p:cBhvr>
+                                      <p:to>
+                                        <p:strVal val="visible"/>
+                                      </p:to>
+                                    </p:set>
+                                  </p:childTnLst>
+                                </p:cTn>
+                              </p:par>
+                            </p:childTnLst>
+                          </p:cTn>
+                        </p:par>
+                      </p:childTnLst>
+                    </p:cTn>
+                  </p:par>
+                </p:childTnLst>
+              </p:cTn>
+              <p:prevCondLst>
+                <p:cond evt="onPrev" delay="0">
+                  <p:tgtEl>
+                    <p:sldTgt/>
+                  </p:tgtEl>
+                </p:cond>
+              </p:prevCondLst>
+              <p:nextCondLst>
+                <p:cond evt="onNext" delay="0">
+                  <p:tgtEl>
+                    <p:sldTgt/>
+                  </p:tgtEl>
+                </p:cond>
+              </p:nextCondLst>
+            </p:seq>
+          </p:childTnLst>
+        </p:cTn>
+      </p:par>
+    </p:tnLst>
+  </p:timing>
+</p:sld>
+</file>
+
+<file path=ppt/slides/slide55.xml><?xml version="1.0" encoding="utf-8"?>
+<p:sld xmlns:a="http://schemas.openxmlformats.org/drawingml/2006/main" xmlns:r="http://schemas.openxmlformats.org/officeDocument/2006/relationships" xmlns:p="http://schemas.openxmlformats.org/presentationml/2006/main">
+  <p:cSld>
+    <p:spTree>
+      <p:nvGrpSpPr>
+        <p:cNvPr id="1" name=""/>
+        <p:cNvGrpSpPr/>
+        <p:nvPr/>
+      </p:nvGrpSpPr>
+      <p:grpSpPr>
+        <a:xfrm>
+          <a:off x="0" y="0"/>
+          <a:ext cx="0" cy="0"/>
+          <a:chOff x="0" y="0"/>
+          <a:chExt cx="0" cy="0"/>
+        </a:xfrm>
+      </p:grpSpPr>
+      <p:sp>
+        <p:nvSpPr>
+          <p:cNvPr id="2" name="Title 1">
+            <a:extLst>
+              <a:ext uri="{FF2B5EF4-FFF2-40B4-BE49-F238E27FC236}">
+                <a16:creationId xmlns:a16="http://schemas.microsoft.com/office/drawing/2014/main" id="{335E744C-4531-4922-90A2-6BB5496B0B63}"/>
+              </a:ext>
+            </a:extLst>
+          </p:cNvPr>
+          <p:cNvSpPr>
+            <a:spLocks noGrp="1"/>
+          </p:cNvSpPr>
+          <p:nvPr>
+            <p:ph type="title"/>
+          </p:nvPr>
+        </p:nvSpPr>
+        <p:spPr/>
+        <p:txBody>
+          <a:bodyPr/>
+          <a:lstStyle/>
+          <a:p>
+            <a:r>
+              <a:rPr lang="en-US" dirty="0" err="1">
+                <a:latin typeface="Courier New" panose="02070309020205020404" pitchFamily="49" charset="0"/>
+                <a:cs typeface="Courier New" panose="02070309020205020404" pitchFamily="49" charset="0"/>
+              </a:rPr>
               <a:t>grid_latin_hypercube</a:t>
             </a:r>
             <a:r>
@@ -26774,7 +27122,7 @@
                 </a:solidFill>
               </a:rPr>
               <a:pPr/>
-              <a:t>53</a:t>
+              <a:t>55</a:t>
             </a:fld>
             <a:endParaRPr lang="en-US">
               <a:solidFill>
@@ -27068,7 +27416,412 @@
 </p:sld>
 </file>
 
-<file path=ppt/slides/slide54.xml><?xml version="1.0" encoding="utf-8"?>
+<file path=ppt/slides/slide56.xml><?xml version="1.0" encoding="utf-8"?>
+<p:sld xmlns:a="http://schemas.openxmlformats.org/drawingml/2006/main" xmlns:r="http://schemas.openxmlformats.org/officeDocument/2006/relationships" xmlns:p="http://schemas.openxmlformats.org/presentationml/2006/main">
+  <p:cSld>
+    <p:spTree>
+      <p:nvGrpSpPr>
+        <p:cNvPr id="1" name=""/>
+        <p:cNvGrpSpPr/>
+        <p:nvPr/>
+      </p:nvGrpSpPr>
+      <p:grpSpPr>
+        <a:xfrm>
+          <a:off x="0" y="0"/>
+          <a:ext cx="0" cy="0"/>
+          <a:chOff x="0" y="0"/>
+          <a:chExt cx="0" cy="0"/>
+        </a:xfrm>
+      </p:grpSpPr>
+      <p:sp>
+        <p:nvSpPr>
+          <p:cNvPr id="2" name="Title 1">
+            <a:extLst>
+              <a:ext uri="{FF2B5EF4-FFF2-40B4-BE49-F238E27FC236}">
+                <a16:creationId xmlns:a16="http://schemas.microsoft.com/office/drawing/2014/main" id="{2864D812-1DB7-463E-B17B-9167C0456313}"/>
+              </a:ext>
+            </a:extLst>
+          </p:cNvPr>
+          <p:cNvSpPr>
+            <a:spLocks noGrp="1"/>
+          </p:cNvSpPr>
+          <p:nvPr>
+            <p:ph type="title"/>
+          </p:nvPr>
+        </p:nvSpPr>
+        <p:spPr/>
+        <p:txBody>
+          <a:bodyPr/>
+          <a:lstStyle/>
+          <a:p>
+            <a:r>
+              <a:rPr lang="en-US"/>
+              <a:t>Iterative searches</a:t>
+            </a:r>
+            <a:endParaRPr lang="en-US" dirty="0"/>
+          </a:p>
+        </p:txBody>
+      </p:sp>
+      <p:sp>
+        <p:nvSpPr>
+          <p:cNvPr id="3" name="Content Placeholder 2">
+            <a:extLst>
+              <a:ext uri="{FF2B5EF4-FFF2-40B4-BE49-F238E27FC236}">
+                <a16:creationId xmlns:a16="http://schemas.microsoft.com/office/drawing/2014/main" id="{ADA03F1E-D3FC-4536-94EC-D56AE18540F9}"/>
+              </a:ext>
+            </a:extLst>
+          </p:cNvPr>
+          <p:cNvSpPr>
+            <a:spLocks noGrp="1"/>
+          </p:cNvSpPr>
+          <p:nvPr>
+            <p:ph idx="1"/>
+          </p:nvPr>
+        </p:nvSpPr>
+        <p:spPr/>
+        <p:txBody>
+          <a:bodyPr>
+            <a:normAutofit/>
+          </a:bodyPr>
+          <a:lstStyle/>
+          <a:p>
+            <a:r>
+              <a:rPr lang="en-US" dirty="0"/>
+              <a:t>grid searches</a:t>
+            </a:r>
+          </a:p>
+          <a:p>
+            <a:pPr lvl="1"/>
+            <a:r>
+              <a:rPr lang="en-US" dirty="0"/>
+              <a:t>candidate values need to be pre-defined and don't learn from previous results</a:t>
+            </a:r>
+          </a:p>
+          <a:p>
+            <a:pPr lvl="1"/>
+            <a:r>
+              <a:rPr lang="en-US" dirty="0"/>
+              <a:t>don't know the best values until all the computations are finished</a:t>
+            </a:r>
+          </a:p>
+          <a:p>
+            <a:pPr lvl="1"/>
+            <a:r>
+              <a:rPr lang="en-US" dirty="0"/>
+              <a:t>difficult to efficiently cover the parameter space with a lot of parameters</a:t>
+            </a:r>
+          </a:p>
+          <a:p>
+            <a:pPr lvl="1"/>
+            <a:r>
+              <a:rPr lang="en-US" dirty="0"/>
+              <a:t>easily optimized via parallel processing</a:t>
+            </a:r>
+          </a:p>
+          <a:p>
+            <a:r>
+              <a:rPr lang="en-US" dirty="0"/>
+              <a:t>iterative searches</a:t>
+            </a:r>
+          </a:p>
+          <a:p>
+            <a:pPr lvl="1"/>
+            <a:r>
+              <a:rPr lang="en-US" dirty="0"/>
+              <a:t>builds a probability model to predict better parameters to test based on previous results</a:t>
+            </a:r>
+          </a:p>
+          <a:p>
+            <a:pPr lvl="1"/>
+            <a:r>
+              <a:rPr lang="en-US" dirty="0"/>
+              <a:t>more flexible in how the parameter space is searched</a:t>
+            </a:r>
+          </a:p>
+          <a:p>
+            <a:pPr lvl="1"/>
+            <a:r>
+              <a:rPr lang="en-US" dirty="0"/>
+              <a:t>less opportunities for efficiency optimizations</a:t>
+            </a:r>
+          </a:p>
+          <a:p>
+            <a:pPr lvl="1"/>
+            <a:endParaRPr lang="en-US" dirty="0"/>
+          </a:p>
+        </p:txBody>
+      </p:sp>
+      <p:sp>
+        <p:nvSpPr>
+          <p:cNvPr id="4" name="Slide Number Placeholder 3">
+            <a:extLst>
+              <a:ext uri="{FF2B5EF4-FFF2-40B4-BE49-F238E27FC236}">
+                <a16:creationId xmlns:a16="http://schemas.microsoft.com/office/drawing/2014/main" id="{2ABE7127-04D5-41BC-A043-155B3057F404}"/>
+              </a:ext>
+            </a:extLst>
+          </p:cNvPr>
+          <p:cNvSpPr>
+            <a:spLocks noGrp="1"/>
+          </p:cNvSpPr>
+          <p:nvPr>
+            <p:ph type="sldNum" sz="quarter" idx="12"/>
+          </p:nvPr>
+        </p:nvSpPr>
+        <p:spPr/>
+        <p:txBody>
+          <a:bodyPr/>
+          <a:lstStyle/>
+          <a:p>
+            <a:fld id="{1FD78A80-B303-491C-AEE7-8281801B0C65}" type="slidenum">
+              <a:rPr lang="en-US" smtClean="0">
+                <a:solidFill>
+                  <a:prstClr val="black">
+                    <a:tint val="75000"/>
+                  </a:prstClr>
+                </a:solidFill>
+              </a:rPr>
+              <a:pPr/>
+              <a:t>56</a:t>
+            </a:fld>
+            <a:endParaRPr lang="en-US">
+              <a:solidFill>
+                <a:prstClr val="black">
+                  <a:tint val="75000"/>
+                </a:prstClr>
+              </a:solidFill>
+            </a:endParaRPr>
+          </a:p>
+        </p:txBody>
+      </p:sp>
+    </p:spTree>
+    <p:extLst>
+      <p:ext uri="{BB962C8B-B14F-4D97-AF65-F5344CB8AC3E}">
+        <p14:creationId xmlns:p14="http://schemas.microsoft.com/office/powerpoint/2010/main" val="2927535864"/>
+      </p:ext>
+    </p:extLst>
+  </p:cSld>
+  <p:clrMapOvr>
+    <a:masterClrMapping/>
+  </p:clrMapOvr>
+</p:sld>
+</file>
+
+<file path=ppt/slides/slide57.xml><?xml version="1.0" encoding="utf-8"?>
+<p:sld xmlns:a="http://schemas.openxmlformats.org/drawingml/2006/main" xmlns:r="http://schemas.openxmlformats.org/officeDocument/2006/relationships" xmlns:p="http://schemas.openxmlformats.org/presentationml/2006/main">
+  <p:cSld>
+    <p:spTree>
+      <p:nvGrpSpPr>
+        <p:cNvPr id="1" name=""/>
+        <p:cNvGrpSpPr/>
+        <p:nvPr/>
+      </p:nvGrpSpPr>
+      <p:grpSpPr>
+        <a:xfrm>
+          <a:off x="0" y="0"/>
+          <a:ext cx="0" cy="0"/>
+          <a:chOff x="0" y="0"/>
+          <a:chExt cx="0" cy="0"/>
+        </a:xfrm>
+      </p:grpSpPr>
+      <p:sp>
+        <p:nvSpPr>
+          <p:cNvPr id="2" name="Title 1">
+            <a:extLst>
+              <a:ext uri="{FF2B5EF4-FFF2-40B4-BE49-F238E27FC236}">
+                <a16:creationId xmlns:a16="http://schemas.microsoft.com/office/drawing/2014/main" id="{6A730265-7720-4F8B-9A6D-3E45AB3B113D}"/>
+              </a:ext>
+            </a:extLst>
+          </p:cNvPr>
+          <p:cNvSpPr>
+            <a:spLocks noGrp="1"/>
+          </p:cNvSpPr>
+          <p:nvPr>
+            <p:ph type="title"/>
+          </p:nvPr>
+        </p:nvSpPr>
+        <p:spPr/>
+        <p:txBody>
+          <a:bodyPr/>
+          <a:lstStyle/>
+          <a:p>
+            <a:r>
+              <a:rPr lang="en-US" dirty="0"/>
+              <a:t>List of iterative searches</a:t>
+            </a:r>
+          </a:p>
+        </p:txBody>
+      </p:sp>
+      <p:sp>
+        <p:nvSpPr>
+          <p:cNvPr id="3" name="Content Placeholder 2">
+            <a:extLst>
+              <a:ext uri="{FF2B5EF4-FFF2-40B4-BE49-F238E27FC236}">
+                <a16:creationId xmlns:a16="http://schemas.microsoft.com/office/drawing/2014/main" id="{AEA04F8F-925D-45E1-8A0B-99A3EC03BCB8}"/>
+              </a:ext>
+            </a:extLst>
+          </p:cNvPr>
+          <p:cNvSpPr>
+            <a:spLocks noGrp="1"/>
+          </p:cNvSpPr>
+          <p:nvPr>
+            <p:ph idx="1"/>
+          </p:nvPr>
+        </p:nvSpPr>
+        <p:spPr>
+          <a:xfrm>
+            <a:off x="838200" y="1825625"/>
+            <a:ext cx="10515600" cy="4775200"/>
+          </a:xfrm>
+        </p:spPr>
+        <p:txBody>
+          <a:bodyPr>
+            <a:normAutofit/>
+          </a:bodyPr>
+          <a:lstStyle/>
+          <a:p>
+            <a:r>
+              <a:rPr lang="en-US" dirty="0"/>
+              <a:t>nonlinear search methods (computationally expensive)</a:t>
+            </a:r>
+          </a:p>
+          <a:p>
+            <a:pPr lvl="1"/>
+            <a:r>
+              <a:rPr lang="en-US" dirty="0" err="1"/>
+              <a:t>Nelder</a:t>
+            </a:r>
+            <a:r>
+              <a:rPr lang="en-US" dirty="0"/>
+              <a:t>-Mead simplex search procedure</a:t>
+            </a:r>
+          </a:p>
+          <a:p>
+            <a:pPr lvl="1"/>
+            <a:r>
+              <a:rPr lang="en-US" dirty="0"/>
+              <a:t>simulated annealing</a:t>
+            </a:r>
+          </a:p>
+          <a:p>
+            <a:pPr lvl="1"/>
+            <a:r>
+              <a:rPr lang="en-US" dirty="0"/>
+              <a:t>genetic algorithms</a:t>
+            </a:r>
+          </a:p>
+          <a:p>
+            <a:r>
+              <a:rPr lang="en-US" dirty="0"/>
+              <a:t>Bayesian optimization</a:t>
+            </a:r>
+          </a:p>
+          <a:p>
+            <a:pPr lvl="1"/>
+            <a:r>
+              <a:rPr lang="en-US" dirty="0"/>
+              <a:t>an initial pool of samples are evaluated using grid or random search</a:t>
+            </a:r>
+          </a:p>
+          <a:p>
+            <a:pPr lvl="1"/>
+            <a:r>
+              <a:rPr lang="en-US" dirty="0"/>
+              <a:t>previous parameters used as predictors and performance measure used as the outcome</a:t>
+            </a:r>
+          </a:p>
+          <a:p>
+            <a:pPr lvl="1"/>
+            <a:r>
+              <a:rPr lang="en-US" dirty="0"/>
+              <a:t>Bayesian optimization process searches the grid to find the "best" new parameters to evaluate using resampling</a:t>
+            </a:r>
+          </a:p>
+          <a:p>
+            <a:pPr lvl="1"/>
+            <a:r>
+              <a:rPr lang="en-US" dirty="0">
+                <a:latin typeface="Courier New" panose="02070309020205020404" pitchFamily="49" charset="0"/>
+                <a:cs typeface="Courier New" panose="02070309020205020404" pitchFamily="49" charset="0"/>
+              </a:rPr>
+              <a:t>{tune}</a:t>
+            </a:r>
+            <a:r>
+              <a:rPr lang="en-US" dirty="0"/>
+              <a:t> function is </a:t>
+            </a:r>
+            <a:r>
+              <a:rPr lang="en-US" dirty="0" err="1">
+                <a:latin typeface="Courier New" panose="02070309020205020404" pitchFamily="49" charset="0"/>
+                <a:cs typeface="Courier New" panose="02070309020205020404" pitchFamily="49" charset="0"/>
+              </a:rPr>
+              <a:t>tune_bayes</a:t>
+            </a:r>
+            <a:r>
+              <a:rPr lang="en-US" dirty="0">
+                <a:latin typeface="Courier New" panose="02070309020205020404" pitchFamily="49" charset="0"/>
+                <a:cs typeface="Courier New" panose="02070309020205020404" pitchFamily="49" charset="0"/>
+              </a:rPr>
+              <a:t>()</a:t>
+            </a:r>
+          </a:p>
+        </p:txBody>
+      </p:sp>
+      <p:sp>
+        <p:nvSpPr>
+          <p:cNvPr id="4" name="Slide Number Placeholder 3">
+            <a:extLst>
+              <a:ext uri="{FF2B5EF4-FFF2-40B4-BE49-F238E27FC236}">
+                <a16:creationId xmlns:a16="http://schemas.microsoft.com/office/drawing/2014/main" id="{CFD5B3BA-1962-4F3F-B245-346C3614CE40}"/>
+              </a:ext>
+            </a:extLst>
+          </p:cNvPr>
+          <p:cNvSpPr>
+            <a:spLocks noGrp="1"/>
+          </p:cNvSpPr>
+          <p:nvPr>
+            <p:ph type="sldNum" sz="quarter" idx="12"/>
+          </p:nvPr>
+        </p:nvSpPr>
+        <p:spPr/>
+        <p:txBody>
+          <a:bodyPr/>
+          <a:lstStyle/>
+          <a:p>
+            <a:fld id="{1FD78A80-B303-491C-AEE7-8281801B0C65}" type="slidenum">
+              <a:rPr lang="en-US" smtClean="0">
+                <a:solidFill>
+                  <a:prstClr val="black">
+                    <a:tint val="75000"/>
+                  </a:prstClr>
+                </a:solidFill>
+              </a:rPr>
+              <a:pPr/>
+              <a:t>57</a:t>
+            </a:fld>
+            <a:endParaRPr lang="en-US">
+              <a:solidFill>
+                <a:prstClr val="black">
+                  <a:tint val="75000"/>
+                </a:prstClr>
+              </a:solidFill>
+            </a:endParaRPr>
+          </a:p>
+        </p:txBody>
+      </p:sp>
+    </p:spTree>
+    <p:extLst>
+      <p:ext uri="{BB962C8B-B14F-4D97-AF65-F5344CB8AC3E}">
+        <p14:creationId xmlns:p14="http://schemas.microsoft.com/office/powerpoint/2010/main" val="2270732851"/>
+      </p:ext>
+    </p:extLst>
+  </p:cSld>
+  <p:clrMapOvr>
+    <a:masterClrMapping/>
+  </p:clrMapOvr>
+</p:sld>
+</file>
+
+<file path=ppt/slides/slide58.xml><?xml version="1.0" encoding="utf-8"?>
 <p:sld xmlns:a="http://schemas.openxmlformats.org/drawingml/2006/main" xmlns:r="http://schemas.openxmlformats.org/officeDocument/2006/relationships" xmlns:p="http://schemas.openxmlformats.org/presentationml/2006/main">
   <p:cSld>
     <p:bg>
@@ -27191,7 +27944,7 @@
                 <a:tabLst/>
                 <a:defRPr/>
               </a:pPr>
-              <a:t>54</a:t>
+              <a:t>58</a:t>
             </a:fld>
             <a:endParaRPr kumimoji="0" lang="en-US" sz="1200" b="0" i="0" u="none" strike="noStrike" kern="1200" cap="none" spc="0" normalizeH="0" baseline="0" noProof="0">
               <a:ln>
@@ -27225,7 +27978,7 @@
 </p:sld>
 </file>
 
-<file path=ppt/slides/slide55.xml><?xml version="1.0" encoding="utf-8"?>
+<file path=ppt/slides/slide59.xml><?xml version="1.0" encoding="utf-8"?>
 <p:sld xmlns:a="http://schemas.openxmlformats.org/drawingml/2006/main" xmlns:r="http://schemas.openxmlformats.org/officeDocument/2006/relationships" xmlns:p="http://schemas.openxmlformats.org/presentationml/2006/main">
   <p:cSld>
     <p:spTree>
@@ -27734,7 +28487,7 @@
                 </a:solidFill>
               </a:rPr>
               <a:pPr/>
-              <a:t>55</a:t>
+              <a:t>59</a:t>
             </a:fld>
             <a:endParaRPr lang="en-US">
               <a:solidFill>
@@ -27993,7 +28746,263 @@
 </p:sld>
 </file>
 
-<file path=ppt/slides/slide56.xml><?xml version="1.0" encoding="utf-8"?>
+<file path=ppt/slides/slide6.xml><?xml version="1.0" encoding="utf-8"?>
+<p:sld xmlns:a="http://schemas.openxmlformats.org/drawingml/2006/main" xmlns:r="http://schemas.openxmlformats.org/officeDocument/2006/relationships" xmlns:p="http://schemas.openxmlformats.org/presentationml/2006/main">
+  <p:cSld>
+    <p:spTree>
+      <p:nvGrpSpPr>
+        <p:cNvPr id="1" name=""/>
+        <p:cNvGrpSpPr/>
+        <p:nvPr/>
+      </p:nvGrpSpPr>
+      <p:grpSpPr>
+        <a:xfrm>
+          <a:off x="0" y="0"/>
+          <a:ext cx="0" cy="0"/>
+          <a:chOff x="0" y="0"/>
+          <a:chExt cx="0" cy="0"/>
+        </a:xfrm>
+      </p:grpSpPr>
+      <p:sp>
+        <p:nvSpPr>
+          <p:cNvPr id="2" name="Title 1">
+            <a:extLst>
+              <a:ext uri="{FF2B5EF4-FFF2-40B4-BE49-F238E27FC236}">
+                <a16:creationId xmlns:a16="http://schemas.microsoft.com/office/drawing/2014/main" id="{CC688E9B-5F4F-4BBF-8471-D3FDE82C6EC4}"/>
+              </a:ext>
+            </a:extLst>
+          </p:cNvPr>
+          <p:cNvSpPr>
+            <a:spLocks noGrp="1"/>
+          </p:cNvSpPr>
+          <p:nvPr>
+            <p:ph type="title"/>
+          </p:nvPr>
+        </p:nvSpPr>
+        <p:spPr/>
+        <p:txBody>
+          <a:bodyPr/>
+          <a:lstStyle/>
+          <a:p>
+            <a:r>
+              <a:rPr lang="en-US" i="1" dirty="0"/>
+              <a:t>K</a:t>
+            </a:r>
+            <a:r>
+              <a:rPr lang="en-US" dirty="0"/>
+              <a:t>-nearest neighbors (</a:t>
+            </a:r>
+            <a:r>
+              <a:rPr lang="en-US" i="1" dirty="0"/>
+              <a:t>K</a:t>
+            </a:r>
+            <a:r>
+              <a:rPr lang="en-US" dirty="0"/>
+              <a:t>NN)</a:t>
+            </a:r>
+          </a:p>
+        </p:txBody>
+      </p:sp>
+      <p:sp>
+        <p:nvSpPr>
+          <p:cNvPr id="3" name="Content Placeholder 2">
+            <a:extLst>
+              <a:ext uri="{FF2B5EF4-FFF2-40B4-BE49-F238E27FC236}">
+                <a16:creationId xmlns:a16="http://schemas.microsoft.com/office/drawing/2014/main" id="{EA80F638-697C-4638-90E9-8261B8DC4D87}"/>
+              </a:ext>
+            </a:extLst>
+          </p:cNvPr>
+          <p:cNvSpPr>
+            <a:spLocks noGrp="1"/>
+          </p:cNvSpPr>
+          <p:nvPr>
+            <p:ph idx="1"/>
+          </p:nvPr>
+        </p:nvSpPr>
+        <p:spPr>
+          <a:xfrm>
+            <a:off x="838200" y="1825624"/>
+            <a:ext cx="10515600" cy="4742955"/>
+          </a:xfrm>
+        </p:spPr>
+        <p:txBody>
+          <a:bodyPr>
+            <a:normAutofit/>
+          </a:bodyPr>
+          <a:lstStyle/>
+          <a:p>
+            <a:r>
+              <a:rPr lang="en-US" i="1" dirty="0"/>
+              <a:t>K</a:t>
+            </a:r>
+            <a:r>
+              <a:rPr lang="en-US" dirty="0"/>
+              <a:t>NN is a</a:t>
+            </a:r>
+            <a:r>
+              <a:rPr lang="en-US" i="1" dirty="0"/>
+              <a:t> </a:t>
+            </a:r>
+            <a:r>
+              <a:rPr lang="en-US" dirty="0"/>
+              <a:t>nonparametric method </a:t>
+            </a:r>
+          </a:p>
+          <a:p>
+            <a:pPr lvl="1"/>
+            <a:r>
+              <a:rPr lang="en-US" dirty="0"/>
+              <a:t>Unlike parametric models, nonparametric models:</a:t>
+            </a:r>
+          </a:p>
+          <a:p>
+            <a:pPr lvl="2"/>
+            <a:r>
+              <a:rPr lang="en-US" dirty="0"/>
+              <a:t>cannot be described by a fixed number of parameters that are being adjusted to the training set</a:t>
+            </a:r>
+          </a:p>
+          <a:p>
+            <a:pPr lvl="2"/>
+            <a:r>
+              <a:rPr lang="en-US" dirty="0"/>
+              <a:t>the model structure is set </a:t>
+            </a:r>
+            <a:r>
+              <a:rPr lang="en-US" i="1" dirty="0"/>
+              <a:t>a priori </a:t>
+            </a:r>
+            <a:r>
+              <a:rPr lang="en-US" dirty="0"/>
+              <a:t>(and not defined by the training data)</a:t>
+            </a:r>
+          </a:p>
+          <a:p>
+            <a:pPr lvl="2"/>
+            <a:r>
+              <a:rPr lang="en-US" dirty="0"/>
+              <a:t>do not assume that the data follow certain probability distributions (except Bayesian nonparametric methods)</a:t>
+            </a:r>
+          </a:p>
+          <a:p>
+            <a:pPr lvl="2"/>
+            <a:r>
+              <a:rPr lang="en-US" dirty="0"/>
+              <a:t>make fewer assumptions about the data (than parametric methods)</a:t>
+            </a:r>
+          </a:p>
+          <a:p>
+            <a:r>
+              <a:rPr lang="en-US" i="1" dirty="0"/>
+              <a:t>K</a:t>
+            </a:r>
+            <a:r>
+              <a:rPr lang="en-US" dirty="0"/>
+              <a:t>NN uses lazy learning (or instance-based learning) </a:t>
+            </a:r>
+          </a:p>
+          <a:p>
+            <a:pPr lvl="1"/>
+            <a:r>
+              <a:rPr lang="en-US" dirty="0"/>
+              <a:t>There is no training or model fitting stage</a:t>
+            </a:r>
+          </a:p>
+          <a:p>
+            <a:pPr lvl="2"/>
+            <a:r>
+              <a:rPr lang="en-US" dirty="0"/>
+              <a:t>A </a:t>
+            </a:r>
+            <a:r>
+              <a:rPr lang="en-US" i="1" dirty="0"/>
+              <a:t>K</a:t>
+            </a:r>
+            <a:r>
+              <a:rPr lang="en-US" dirty="0"/>
+              <a:t>NN model literally stores the training data and uses it only at prediction time</a:t>
+            </a:r>
+          </a:p>
+          <a:p>
+            <a:pPr lvl="2"/>
+            <a:r>
+              <a:rPr lang="en-US" dirty="0"/>
+              <a:t>Thus, each training instance represents a parameter in </a:t>
+            </a:r>
+            <a:r>
+              <a:rPr lang="en-US" i="1" dirty="0"/>
+              <a:t>K</a:t>
+            </a:r>
+            <a:r>
+              <a:rPr lang="en-US" dirty="0"/>
+              <a:t>NN model </a:t>
+            </a:r>
+          </a:p>
+          <a:p>
+            <a:pPr lvl="2"/>
+            <a:r>
+              <a:rPr lang="en-US" dirty="0"/>
+              <a:t>Computationally inefficient</a:t>
+            </a:r>
+          </a:p>
+        </p:txBody>
+      </p:sp>
+      <p:sp>
+        <p:nvSpPr>
+          <p:cNvPr id="4" name="Slide Number Placeholder 3">
+            <a:extLst>
+              <a:ext uri="{FF2B5EF4-FFF2-40B4-BE49-F238E27FC236}">
+                <a16:creationId xmlns:a16="http://schemas.microsoft.com/office/drawing/2014/main" id="{CF3B792C-65E4-42A8-865B-B4C20E3046ED}"/>
+              </a:ext>
+            </a:extLst>
+          </p:cNvPr>
+          <p:cNvSpPr>
+            <a:spLocks noGrp="1"/>
+          </p:cNvSpPr>
+          <p:nvPr>
+            <p:ph type="sldNum" sz="quarter" idx="12"/>
+          </p:nvPr>
+        </p:nvSpPr>
+        <p:spPr/>
+        <p:txBody>
+          <a:bodyPr/>
+          <a:lstStyle/>
+          <a:p>
+            <a:fld id="{1FD78A80-B303-491C-AEE7-8281801B0C65}" type="slidenum">
+              <a:rPr lang="en-US" smtClean="0">
+                <a:solidFill>
+                  <a:prstClr val="black">
+                    <a:tint val="75000"/>
+                  </a:prstClr>
+                </a:solidFill>
+              </a:rPr>
+              <a:pPr/>
+              <a:t>6</a:t>
+            </a:fld>
+            <a:endParaRPr lang="en-US">
+              <a:solidFill>
+                <a:prstClr val="black">
+                  <a:tint val="75000"/>
+                </a:prstClr>
+              </a:solidFill>
+            </a:endParaRPr>
+          </a:p>
+        </p:txBody>
+      </p:sp>
+    </p:spTree>
+    <p:extLst>
+      <p:ext uri="{BB962C8B-B14F-4D97-AF65-F5344CB8AC3E}">
+        <p14:creationId xmlns:p14="http://schemas.microsoft.com/office/powerpoint/2010/main" val="1964165862"/>
+      </p:ext>
+    </p:extLst>
+  </p:cSld>
+  <p:clrMapOvr>
+    <a:masterClrMapping/>
+  </p:clrMapOvr>
+</p:sld>
+</file>
+
+<file path=ppt/slides/slide60.xml><?xml version="1.0" encoding="utf-8"?>
 <p:sld xmlns:a="http://schemas.openxmlformats.org/drawingml/2006/main" xmlns:r="http://schemas.openxmlformats.org/officeDocument/2006/relationships" xmlns:p="http://schemas.openxmlformats.org/presentationml/2006/main">
   <p:cSld>
     <p:spTree>
@@ -28393,7 +29402,7 @@
                 </a:solidFill>
               </a:rPr>
               <a:pPr/>
-              <a:t>56</a:t>
+              <a:t>60</a:t>
             </a:fld>
             <a:endParaRPr lang="en-US">
               <a:solidFill>
@@ -28745,7 +29754,7 @@
 </p:sld>
 </file>
 
-<file path=ppt/slides/slide57.xml><?xml version="1.0" encoding="utf-8"?>
+<file path=ppt/slides/slide61.xml><?xml version="1.0" encoding="utf-8"?>
 <p:sld xmlns:a="http://schemas.openxmlformats.org/drawingml/2006/main" xmlns:r="http://schemas.openxmlformats.org/officeDocument/2006/relationships" xmlns:p="http://schemas.openxmlformats.org/presentationml/2006/main">
   <p:cSld>
     <p:spTree>
@@ -29530,7 +30539,7 @@
                 </a:solidFill>
               </a:rPr>
               <a:pPr/>
-              <a:t>57</a:t>
+              <a:t>61</a:t>
             </a:fld>
             <a:endParaRPr lang="en-US">
               <a:solidFill>
@@ -29555,7 +30564,7 @@
 </p:sld>
 </file>
 
-<file path=ppt/slides/slide58.xml><?xml version="1.0" encoding="utf-8"?>
+<file path=ppt/slides/slide62.xml><?xml version="1.0" encoding="utf-8"?>
 <p:sld xmlns:a="http://schemas.openxmlformats.org/drawingml/2006/main" xmlns:r="http://schemas.openxmlformats.org/officeDocument/2006/relationships" xmlns:p="http://schemas.openxmlformats.org/presentationml/2006/main">
   <p:cSld>
     <p:spTree>
@@ -30220,7 +31229,7 @@
                 </a:solidFill>
               </a:rPr>
               <a:pPr/>
-              <a:t>58</a:t>
+              <a:t>62</a:t>
             </a:fld>
             <a:endParaRPr lang="en-US">
               <a:solidFill>
@@ -30245,7 +31254,7 @@
 </p:sld>
 </file>
 
-<file path=ppt/slides/slide59.xml><?xml version="1.0" encoding="utf-8"?>
+<file path=ppt/slides/slide63.xml><?xml version="1.0" encoding="utf-8"?>
 <p:sld xmlns:a="http://schemas.openxmlformats.org/drawingml/2006/main" xmlns:r="http://schemas.openxmlformats.org/officeDocument/2006/relationships" xmlns:p="http://schemas.openxmlformats.org/presentationml/2006/main">
   <p:cSld>
     <p:spTree>
@@ -30387,7 +31396,7 @@
                 </a:solidFill>
               </a:rPr>
               <a:pPr/>
-              <a:t>59</a:t>
+              <a:t>63</a:t>
             </a:fld>
             <a:endParaRPr lang="en-US">
               <a:solidFill>
@@ -30442,263 +31451,7 @@
 </p:sld>
 </file>
 
-<file path=ppt/slides/slide6.xml><?xml version="1.0" encoding="utf-8"?>
-<p:sld xmlns:a="http://schemas.openxmlformats.org/drawingml/2006/main" xmlns:r="http://schemas.openxmlformats.org/officeDocument/2006/relationships" xmlns:p="http://schemas.openxmlformats.org/presentationml/2006/main">
-  <p:cSld>
-    <p:spTree>
-      <p:nvGrpSpPr>
-        <p:cNvPr id="1" name=""/>
-        <p:cNvGrpSpPr/>
-        <p:nvPr/>
-      </p:nvGrpSpPr>
-      <p:grpSpPr>
-        <a:xfrm>
-          <a:off x="0" y="0"/>
-          <a:ext cx="0" cy="0"/>
-          <a:chOff x="0" y="0"/>
-          <a:chExt cx="0" cy="0"/>
-        </a:xfrm>
-      </p:grpSpPr>
-      <p:sp>
-        <p:nvSpPr>
-          <p:cNvPr id="2" name="Title 1">
-            <a:extLst>
-              <a:ext uri="{FF2B5EF4-FFF2-40B4-BE49-F238E27FC236}">
-                <a16:creationId xmlns:a16="http://schemas.microsoft.com/office/drawing/2014/main" id="{CC688E9B-5F4F-4BBF-8471-D3FDE82C6EC4}"/>
-              </a:ext>
-            </a:extLst>
-          </p:cNvPr>
-          <p:cNvSpPr>
-            <a:spLocks noGrp="1"/>
-          </p:cNvSpPr>
-          <p:nvPr>
-            <p:ph type="title"/>
-          </p:nvPr>
-        </p:nvSpPr>
-        <p:spPr/>
-        <p:txBody>
-          <a:bodyPr/>
-          <a:lstStyle/>
-          <a:p>
-            <a:r>
-              <a:rPr lang="en-US" i="1" dirty="0"/>
-              <a:t>K</a:t>
-            </a:r>
-            <a:r>
-              <a:rPr lang="en-US" dirty="0"/>
-              <a:t>-nearest neighbors (</a:t>
-            </a:r>
-            <a:r>
-              <a:rPr lang="en-US" i="1" dirty="0"/>
-              <a:t>K</a:t>
-            </a:r>
-            <a:r>
-              <a:rPr lang="en-US" dirty="0"/>
-              <a:t>NN)</a:t>
-            </a:r>
-          </a:p>
-        </p:txBody>
-      </p:sp>
-      <p:sp>
-        <p:nvSpPr>
-          <p:cNvPr id="3" name="Content Placeholder 2">
-            <a:extLst>
-              <a:ext uri="{FF2B5EF4-FFF2-40B4-BE49-F238E27FC236}">
-                <a16:creationId xmlns:a16="http://schemas.microsoft.com/office/drawing/2014/main" id="{EA80F638-697C-4638-90E9-8261B8DC4D87}"/>
-              </a:ext>
-            </a:extLst>
-          </p:cNvPr>
-          <p:cNvSpPr>
-            <a:spLocks noGrp="1"/>
-          </p:cNvSpPr>
-          <p:nvPr>
-            <p:ph idx="1"/>
-          </p:nvPr>
-        </p:nvSpPr>
-        <p:spPr>
-          <a:xfrm>
-            <a:off x="838200" y="1825624"/>
-            <a:ext cx="10515600" cy="4742955"/>
-          </a:xfrm>
-        </p:spPr>
-        <p:txBody>
-          <a:bodyPr>
-            <a:normAutofit/>
-          </a:bodyPr>
-          <a:lstStyle/>
-          <a:p>
-            <a:r>
-              <a:rPr lang="en-US" i="1" dirty="0"/>
-              <a:t>K</a:t>
-            </a:r>
-            <a:r>
-              <a:rPr lang="en-US" dirty="0"/>
-              <a:t>NN is a</a:t>
-            </a:r>
-            <a:r>
-              <a:rPr lang="en-US" i="1" dirty="0"/>
-              <a:t> </a:t>
-            </a:r>
-            <a:r>
-              <a:rPr lang="en-US" dirty="0"/>
-              <a:t>nonparametric method </a:t>
-            </a:r>
-          </a:p>
-          <a:p>
-            <a:pPr lvl="1"/>
-            <a:r>
-              <a:rPr lang="en-US" dirty="0"/>
-              <a:t>Unlike parametric models, nonparametric models:</a:t>
-            </a:r>
-          </a:p>
-          <a:p>
-            <a:pPr lvl="2"/>
-            <a:r>
-              <a:rPr lang="en-US" dirty="0"/>
-              <a:t>cannot be described by a fixed number of parameters that are being adjusted to the training set</a:t>
-            </a:r>
-          </a:p>
-          <a:p>
-            <a:pPr lvl="2"/>
-            <a:r>
-              <a:rPr lang="en-US" dirty="0"/>
-              <a:t>the model structure is set </a:t>
-            </a:r>
-            <a:r>
-              <a:rPr lang="en-US" i="1" dirty="0"/>
-              <a:t>a priori </a:t>
-            </a:r>
-            <a:r>
-              <a:rPr lang="en-US" dirty="0"/>
-              <a:t>(and not defined by the training data)</a:t>
-            </a:r>
-          </a:p>
-          <a:p>
-            <a:pPr lvl="2"/>
-            <a:r>
-              <a:rPr lang="en-US" dirty="0"/>
-              <a:t>do not assume that the data follow certain probability distributions (except Bayesian nonparametric methods)</a:t>
-            </a:r>
-          </a:p>
-          <a:p>
-            <a:pPr lvl="2"/>
-            <a:r>
-              <a:rPr lang="en-US" dirty="0"/>
-              <a:t>make fewer assumptions about the data (than parametric methods)</a:t>
-            </a:r>
-          </a:p>
-          <a:p>
-            <a:r>
-              <a:rPr lang="en-US" i="1" dirty="0"/>
-              <a:t>K</a:t>
-            </a:r>
-            <a:r>
-              <a:rPr lang="en-US" dirty="0"/>
-              <a:t>NN uses lazy learning (or instance-based learning) </a:t>
-            </a:r>
-          </a:p>
-          <a:p>
-            <a:pPr lvl="1"/>
-            <a:r>
-              <a:rPr lang="en-US" dirty="0"/>
-              <a:t>There is no training or model fitting stage</a:t>
-            </a:r>
-          </a:p>
-          <a:p>
-            <a:pPr lvl="2"/>
-            <a:r>
-              <a:rPr lang="en-US" dirty="0"/>
-              <a:t>A </a:t>
-            </a:r>
-            <a:r>
-              <a:rPr lang="en-US" i="1" dirty="0"/>
-              <a:t>K</a:t>
-            </a:r>
-            <a:r>
-              <a:rPr lang="en-US" dirty="0"/>
-              <a:t>NN model literally stores the training data and uses it only at prediction time</a:t>
-            </a:r>
-          </a:p>
-          <a:p>
-            <a:pPr lvl="2"/>
-            <a:r>
-              <a:rPr lang="en-US" dirty="0"/>
-              <a:t>Thus, each training instance represents a parameter in </a:t>
-            </a:r>
-            <a:r>
-              <a:rPr lang="en-US" i="1" dirty="0"/>
-              <a:t>K</a:t>
-            </a:r>
-            <a:r>
-              <a:rPr lang="en-US" dirty="0"/>
-              <a:t>NN model </a:t>
-            </a:r>
-          </a:p>
-          <a:p>
-            <a:pPr lvl="2"/>
-            <a:r>
-              <a:rPr lang="en-US" dirty="0"/>
-              <a:t>Computationally inefficient</a:t>
-            </a:r>
-          </a:p>
-        </p:txBody>
-      </p:sp>
-      <p:sp>
-        <p:nvSpPr>
-          <p:cNvPr id="4" name="Slide Number Placeholder 3">
-            <a:extLst>
-              <a:ext uri="{FF2B5EF4-FFF2-40B4-BE49-F238E27FC236}">
-                <a16:creationId xmlns:a16="http://schemas.microsoft.com/office/drawing/2014/main" id="{CF3B792C-65E4-42A8-865B-B4C20E3046ED}"/>
-              </a:ext>
-            </a:extLst>
-          </p:cNvPr>
-          <p:cNvSpPr>
-            <a:spLocks noGrp="1"/>
-          </p:cNvSpPr>
-          <p:nvPr>
-            <p:ph type="sldNum" sz="quarter" idx="12"/>
-          </p:nvPr>
-        </p:nvSpPr>
-        <p:spPr/>
-        <p:txBody>
-          <a:bodyPr/>
-          <a:lstStyle/>
-          <a:p>
-            <a:fld id="{1FD78A80-B303-491C-AEE7-8281801B0C65}" type="slidenum">
-              <a:rPr lang="en-US" smtClean="0">
-                <a:solidFill>
-                  <a:prstClr val="black">
-                    <a:tint val="75000"/>
-                  </a:prstClr>
-                </a:solidFill>
-              </a:rPr>
-              <a:pPr/>
-              <a:t>6</a:t>
-            </a:fld>
-            <a:endParaRPr lang="en-US">
-              <a:solidFill>
-                <a:prstClr val="black">
-                  <a:tint val="75000"/>
-                </a:prstClr>
-              </a:solidFill>
-            </a:endParaRPr>
-          </a:p>
-        </p:txBody>
-      </p:sp>
-    </p:spTree>
-    <p:extLst>
-      <p:ext uri="{BB962C8B-B14F-4D97-AF65-F5344CB8AC3E}">
-        <p14:creationId xmlns:p14="http://schemas.microsoft.com/office/powerpoint/2010/main" val="1964165862"/>
-      </p:ext>
-    </p:extLst>
-  </p:cSld>
-  <p:clrMapOvr>
-    <a:masterClrMapping/>
-  </p:clrMapOvr>
-</p:sld>
-</file>
-
-<file path=ppt/slides/slide60.xml><?xml version="1.0" encoding="utf-8"?>
+<file path=ppt/slides/slide64.xml><?xml version="1.0" encoding="utf-8"?>
 <p:sld xmlns:a="http://schemas.openxmlformats.org/drawingml/2006/main" xmlns:r="http://schemas.openxmlformats.org/officeDocument/2006/relationships" xmlns:p="http://schemas.openxmlformats.org/presentationml/2006/main">
   <p:cSld>
     <p:spTree>
@@ -31588,7 +32341,7 @@
                 </a:solidFill>
               </a:rPr>
               <a:pPr/>
-              <a:t>60</a:t>
+              <a:t>64</a:t>
             </a:fld>
             <a:endParaRPr lang="en-US">
               <a:solidFill>
@@ -31613,7 +32366,7 @@
 </p:sld>
 </file>
 
-<file path=ppt/slides/slide61.xml><?xml version="1.0" encoding="utf-8"?>
+<file path=ppt/slides/slide65.xml><?xml version="1.0" encoding="utf-8"?>
 <p:sld xmlns:a="http://schemas.openxmlformats.org/drawingml/2006/main" xmlns:r="http://schemas.openxmlformats.org/officeDocument/2006/relationships" xmlns:p="http://schemas.openxmlformats.org/presentationml/2006/main">
   <p:cSld>
     <p:spTree>
@@ -31957,7 +32710,7 @@
                 </a:solidFill>
               </a:rPr>
               <a:pPr/>
-              <a:t>61</a:t>
+              <a:t>65</a:t>
             </a:fld>
             <a:endParaRPr lang="en-US">
               <a:solidFill>
@@ -32012,7 +32765,7 @@
 </p:sld>
 </file>
 
-<file path=ppt/slides/slide62.xml><?xml version="1.0" encoding="utf-8"?>
+<file path=ppt/slides/slide66.xml><?xml version="1.0" encoding="utf-8"?>
 <p:sld xmlns:a="http://schemas.openxmlformats.org/drawingml/2006/main" xmlns:r="http://schemas.openxmlformats.org/officeDocument/2006/relationships" xmlns:p="http://schemas.openxmlformats.org/presentationml/2006/main">
   <p:cSld>
     <p:bg>
@@ -32144,7 +32897,7 @@
                 <a:tabLst/>
                 <a:defRPr/>
               </a:pPr>
-              <a:t>62</a:t>
+              <a:t>66</a:t>
             </a:fld>
             <a:endParaRPr kumimoji="0" lang="en-US" sz="1200" b="0" i="0" u="none" strike="noStrike" kern="1200" cap="none" spc="0" normalizeH="0" baseline="0" noProof="0">
               <a:ln>
@@ -32215,7 +32968,7 @@
 </p:sld>
 </file>
 
-<file path=ppt/slides/slide63.xml><?xml version="1.0" encoding="utf-8"?>
+<file path=ppt/slides/slide67.xml><?xml version="1.0" encoding="utf-8"?>
 <p:sld xmlns:a="http://schemas.openxmlformats.org/drawingml/2006/main" xmlns:r="http://schemas.openxmlformats.org/officeDocument/2006/relationships" xmlns:p="http://schemas.openxmlformats.org/presentationml/2006/main">
   <p:cSld>
     <p:spTree>
@@ -32361,7 +33114,7 @@
                 </a:solidFill>
               </a:rPr>
               <a:pPr/>
-              <a:t>63</a:t>
+              <a:t>67</a:t>
             </a:fld>
             <a:endParaRPr lang="en-US">
               <a:solidFill>
@@ -32386,7 +33139,7 @@
 </p:sld>
 </file>
 
-<file path=ppt/slides/slide64.xml><?xml version="1.0" encoding="utf-8"?>
+<file path=ppt/slides/slide68.xml><?xml version="1.0" encoding="utf-8"?>
 <p:sld xmlns:a="http://schemas.openxmlformats.org/drawingml/2006/main" xmlns:r="http://schemas.openxmlformats.org/officeDocument/2006/relationships" xmlns:p="http://schemas.openxmlformats.org/presentationml/2006/main">
   <p:cSld>
     <p:spTree>
@@ -32832,7 +33585,7 @@
                 </a:solidFill>
               </a:rPr>
               <a:pPr/>
-              <a:t>64</a:t>
+              <a:t>68</a:t>
             </a:fld>
             <a:endParaRPr lang="en-US">
               <a:solidFill>

--- a/slides/w6p1-knn/w6p1.pptx
+++ b/slides/w6p1-knn/w6p1.pptx
@@ -68,11 +68,12 @@
     <p:sldId id="427" r:id="rId62"/>
     <p:sldId id="428" r:id="rId63"/>
     <p:sldId id="429" r:id="rId64"/>
-    <p:sldId id="434" r:id="rId65"/>
-    <p:sldId id="436" r:id="rId66"/>
-    <p:sldId id="430" r:id="rId67"/>
-    <p:sldId id="370" r:id="rId68"/>
-    <p:sldId id="371" r:id="rId69"/>
+    <p:sldId id="452" r:id="rId65"/>
+    <p:sldId id="434" r:id="rId66"/>
+    <p:sldId id="436" r:id="rId67"/>
+    <p:sldId id="430" r:id="rId68"/>
+    <p:sldId id="370" r:id="rId69"/>
+    <p:sldId id="371" r:id="rId70"/>
   </p:sldIdLst>
   <p:sldSz cx="12192000" cy="6858000"/>
   <p:notesSz cx="6858000" cy="9144000"/>
@@ -327,7 +328,7 @@
                 </a:solidFill>
               </a:rPr>
               <a:pPr/>
-              <a:t>3/27/2020</a:t>
+              <a:t>3/30/2020</a:t>
             </a:fld>
             <a:endParaRPr lang="en-US">
               <a:solidFill>
@@ -527,7 +528,7 @@
                 </a:solidFill>
               </a:rPr>
               <a:pPr/>
-              <a:t>3/27/2020</a:t>
+              <a:t>3/30/2020</a:t>
             </a:fld>
             <a:endParaRPr lang="en-US">
               <a:solidFill>
@@ -737,7 +738,7 @@
                 </a:solidFill>
               </a:rPr>
               <a:pPr/>
-              <a:t>3/27/2020</a:t>
+              <a:t>3/30/2020</a:t>
             </a:fld>
             <a:endParaRPr lang="en-US">
               <a:solidFill>
@@ -937,7 +938,7 @@
                 </a:solidFill>
               </a:rPr>
               <a:pPr/>
-              <a:t>3/27/2020</a:t>
+              <a:t>3/30/2020</a:t>
             </a:fld>
             <a:endParaRPr lang="en-US">
               <a:solidFill>
@@ -1214,7 +1215,7 @@
                 </a:solidFill>
               </a:rPr>
               <a:pPr/>
-              <a:t>3/27/2020</a:t>
+              <a:t>3/30/2020</a:t>
             </a:fld>
             <a:endParaRPr lang="en-US">
               <a:solidFill>
@@ -1475,7 +1476,7 @@
                 </a:solidFill>
               </a:rPr>
               <a:pPr/>
-              <a:t>3/27/2020</a:t>
+              <a:t>3/30/2020</a:t>
             </a:fld>
             <a:endParaRPr lang="en-US">
               <a:solidFill>
@@ -1871,7 +1872,7 @@
                 </a:solidFill>
               </a:rPr>
               <a:pPr/>
-              <a:t>3/27/2020</a:t>
+              <a:t>3/30/2020</a:t>
             </a:fld>
             <a:endParaRPr lang="en-US">
               <a:solidFill>
@@ -2020,7 +2021,7 @@
                 </a:solidFill>
               </a:rPr>
               <a:pPr/>
-              <a:t>3/27/2020</a:t>
+              <a:t>3/30/2020</a:t>
             </a:fld>
             <a:endParaRPr lang="en-US">
               <a:solidFill>
@@ -2147,7 +2148,7 @@
                 </a:solidFill>
               </a:rPr>
               <a:pPr/>
-              <a:t>3/27/2020</a:t>
+              <a:t>3/30/2020</a:t>
             </a:fld>
             <a:endParaRPr lang="en-US">
               <a:solidFill>
@@ -2454,7 +2455,7 @@
                 </a:solidFill>
               </a:rPr>
               <a:pPr/>
-              <a:t>3/27/2020</a:t>
+              <a:t>3/30/2020</a:t>
             </a:fld>
             <a:endParaRPr lang="en-US">
               <a:solidFill>
@@ -2738,7 +2739,7 @@
                 </a:solidFill>
               </a:rPr>
               <a:pPr/>
-              <a:t>3/27/2020</a:t>
+              <a:t>3/30/2020</a:t>
             </a:fld>
             <a:endParaRPr lang="en-US">
               <a:solidFill>
@@ -2981,7 +2982,7 @@
                 </a:solidFill>
               </a:rPr>
               <a:pPr/>
-              <a:t>3/27/2020</a:t>
+              <a:t>3/30/2020</a:t>
             </a:fld>
             <a:endParaRPr lang="en-US">
               <a:solidFill>
@@ -31454,6 +31455,139 @@
 <file path=ppt/slides/slide64.xml><?xml version="1.0" encoding="utf-8"?>
 <p:sld xmlns:a="http://schemas.openxmlformats.org/drawingml/2006/main" xmlns:r="http://schemas.openxmlformats.org/officeDocument/2006/relationships" xmlns:p="http://schemas.openxmlformats.org/presentationml/2006/main">
   <p:cSld>
+    <p:bg>
+      <p:bgPr>
+        <a:solidFill>
+          <a:srgbClr val="C00000"/>
+        </a:solidFill>
+        <a:effectLst/>
+      </p:bgPr>
+    </p:bg>
+    <p:spTree>
+      <p:nvGrpSpPr>
+        <p:cNvPr id="1" name=""/>
+        <p:cNvGrpSpPr/>
+        <p:nvPr/>
+      </p:nvGrpSpPr>
+      <p:grpSpPr>
+        <a:xfrm>
+          <a:off x="0" y="0"/>
+          <a:ext cx="0" cy="0"/>
+          <a:chOff x="0" y="0"/>
+          <a:chExt cx="0" cy="0"/>
+        </a:xfrm>
+      </p:grpSpPr>
+      <p:sp>
+        <p:nvSpPr>
+          <p:cNvPr id="2" name="Title 1">
+            <a:extLst>
+              <a:ext uri="{FF2B5EF4-FFF2-40B4-BE49-F238E27FC236}">
+                <a16:creationId xmlns:a16="http://schemas.microsoft.com/office/drawing/2014/main" id="{58680B64-C48B-481E-9933-48FBE06614C1}"/>
+              </a:ext>
+            </a:extLst>
+          </p:cNvPr>
+          <p:cNvSpPr>
+            <a:spLocks noGrp="1"/>
+          </p:cNvSpPr>
+          <p:nvPr>
+            <p:ph type="title"/>
+          </p:nvPr>
+        </p:nvSpPr>
+        <p:spPr/>
+        <p:txBody>
+          <a:bodyPr/>
+          <a:lstStyle/>
+          <a:p>
+            <a:r>
+              <a:rPr lang="en-US" dirty="0"/>
+              <a:t>Classification objective functions</a:t>
+            </a:r>
+          </a:p>
+        </p:txBody>
+      </p:sp>
+      <p:sp>
+        <p:nvSpPr>
+          <p:cNvPr id="3" name="Content Placeholder 2">
+            <a:extLst>
+              <a:ext uri="{FF2B5EF4-FFF2-40B4-BE49-F238E27FC236}">
+                <a16:creationId xmlns:a16="http://schemas.microsoft.com/office/drawing/2014/main" id="{290CEB26-3185-42EA-9E9C-0923F641BD41}"/>
+              </a:ext>
+            </a:extLst>
+          </p:cNvPr>
+          <p:cNvSpPr>
+            <a:spLocks noGrp="1"/>
+          </p:cNvSpPr>
+          <p:nvPr>
+            <p:ph idx="1"/>
+          </p:nvPr>
+        </p:nvSpPr>
+        <p:spPr/>
+        <p:txBody>
+          <a:bodyPr/>
+          <a:lstStyle/>
+          <a:p>
+            <a:endParaRPr lang="en-US" dirty="0"/>
+          </a:p>
+        </p:txBody>
+      </p:sp>
+      <p:sp>
+        <p:nvSpPr>
+          <p:cNvPr id="4" name="Slide Number Placeholder 3">
+            <a:extLst>
+              <a:ext uri="{FF2B5EF4-FFF2-40B4-BE49-F238E27FC236}">
+                <a16:creationId xmlns:a16="http://schemas.microsoft.com/office/drawing/2014/main" id="{053AAA38-4CC8-4868-9839-5A557209F9BA}"/>
+              </a:ext>
+            </a:extLst>
+          </p:cNvPr>
+          <p:cNvSpPr>
+            <a:spLocks noGrp="1"/>
+          </p:cNvSpPr>
+          <p:nvPr>
+            <p:ph type="sldNum" sz="quarter" idx="12"/>
+          </p:nvPr>
+        </p:nvSpPr>
+        <p:spPr/>
+        <p:txBody>
+          <a:bodyPr/>
+          <a:lstStyle/>
+          <a:p>
+            <a:fld id="{1FD78A80-B303-491C-AEE7-8281801B0C65}" type="slidenum">
+              <a:rPr lang="en-US" smtClean="0">
+                <a:solidFill>
+                  <a:prstClr val="black">
+                    <a:tint val="75000"/>
+                  </a:prstClr>
+                </a:solidFill>
+              </a:rPr>
+              <a:pPr/>
+              <a:t>64</a:t>
+            </a:fld>
+            <a:endParaRPr lang="en-US">
+              <a:solidFill>
+                <a:prstClr val="black">
+                  <a:tint val="75000"/>
+                </a:prstClr>
+              </a:solidFill>
+            </a:endParaRPr>
+          </a:p>
+        </p:txBody>
+      </p:sp>
+    </p:spTree>
+    <p:extLst>
+      <p:ext uri="{BB962C8B-B14F-4D97-AF65-F5344CB8AC3E}">
+        <p14:creationId xmlns:p14="http://schemas.microsoft.com/office/powerpoint/2010/main" val="280631986"/>
+      </p:ext>
+    </p:extLst>
+  </p:cSld>
+  <p:clrMapOvr>
+    <a:masterClrMapping/>
+  </p:clrMapOvr>
+</p:sld>
+</file>
+
+<file path=ppt/slides/slide65.xml><?xml version="1.0" encoding="utf-8"?>
+<p:sld xmlns:a="http://schemas.openxmlformats.org/drawingml/2006/main" xmlns:r="http://schemas.openxmlformats.org/officeDocument/2006/relationships" xmlns:p="http://schemas.openxmlformats.org/presentationml/2006/main">
+  <p:cSld>
     <p:spTree>
       <p:nvGrpSpPr>
         <p:cNvPr id="1" name=""/>
@@ -32341,7 +32475,7 @@
                 </a:solidFill>
               </a:rPr>
               <a:pPr/>
-              <a:t>64</a:t>
+              <a:t>65</a:t>
             </a:fld>
             <a:endParaRPr lang="en-US">
               <a:solidFill>
@@ -32366,7 +32500,7 @@
 </p:sld>
 </file>
 
-<file path=ppt/slides/slide65.xml><?xml version="1.0" encoding="utf-8"?>
+<file path=ppt/slides/slide66.xml><?xml version="1.0" encoding="utf-8"?>
 <p:sld xmlns:a="http://schemas.openxmlformats.org/drawingml/2006/main" xmlns:r="http://schemas.openxmlformats.org/officeDocument/2006/relationships" xmlns:p="http://schemas.openxmlformats.org/presentationml/2006/main">
   <p:cSld>
     <p:spTree>
@@ -32710,7 +32844,7 @@
                 </a:solidFill>
               </a:rPr>
               <a:pPr/>
-              <a:t>65</a:t>
+              <a:t>66</a:t>
             </a:fld>
             <a:endParaRPr lang="en-US">
               <a:solidFill>
@@ -32765,7 +32899,7 @@
 </p:sld>
 </file>
 
-<file path=ppt/slides/slide66.xml><?xml version="1.0" encoding="utf-8"?>
+<file path=ppt/slides/slide67.xml><?xml version="1.0" encoding="utf-8"?>
 <p:sld xmlns:a="http://schemas.openxmlformats.org/drawingml/2006/main" xmlns:r="http://schemas.openxmlformats.org/officeDocument/2006/relationships" xmlns:p="http://schemas.openxmlformats.org/presentationml/2006/main">
   <p:cSld>
     <p:bg>
@@ -32897,7 +33031,7 @@
                 <a:tabLst/>
                 <a:defRPr/>
               </a:pPr>
-              <a:t>66</a:t>
+              <a:t>67</a:t>
             </a:fld>
             <a:endParaRPr kumimoji="0" lang="en-US" sz="1200" b="0" i="0" u="none" strike="noStrike" kern="1200" cap="none" spc="0" normalizeH="0" baseline="0" noProof="0">
               <a:ln>
@@ -32968,7 +33102,7 @@
 </p:sld>
 </file>
 
-<file path=ppt/slides/slide67.xml><?xml version="1.0" encoding="utf-8"?>
+<file path=ppt/slides/slide68.xml><?xml version="1.0" encoding="utf-8"?>
 <p:sld xmlns:a="http://schemas.openxmlformats.org/drawingml/2006/main" xmlns:r="http://schemas.openxmlformats.org/officeDocument/2006/relationships" xmlns:p="http://schemas.openxmlformats.org/presentationml/2006/main">
   <p:cSld>
     <p:spTree>
@@ -33114,7 +33248,7 @@
                 </a:solidFill>
               </a:rPr>
               <a:pPr/>
-              <a:t>67</a:t>
+              <a:t>68</a:t>
             </a:fld>
             <a:endParaRPr lang="en-US">
               <a:solidFill>
@@ -33139,7 +33273,7 @@
 </p:sld>
 </file>
 
-<file path=ppt/slides/slide68.xml><?xml version="1.0" encoding="utf-8"?>
+<file path=ppt/slides/slide69.xml><?xml version="1.0" encoding="utf-8"?>
 <p:sld xmlns:a="http://schemas.openxmlformats.org/drawingml/2006/main" xmlns:r="http://schemas.openxmlformats.org/officeDocument/2006/relationships" xmlns:p="http://schemas.openxmlformats.org/presentationml/2006/main">
   <p:cSld>
     <p:spTree>
@@ -33585,7 +33719,7 @@
                 </a:solidFill>
               </a:rPr>
               <a:pPr/>
-              <a:t>68</a:t>
+              <a:t>69</a:t>
             </a:fld>
             <a:endParaRPr lang="en-US">
               <a:solidFill>
